--- a/Panorama-Stitching-on-Mobile/pre/pre.pptx
+++ b/Panorama-Stitching-on-Mobile/pre/pre.pptx
@@ -4,9 +4,27 @@
   <p:sldMasterIdLst>
     <p:sldMasterId id="2147483648" r:id="rId1"/>
   </p:sldMasterIdLst>
+  <p:notesMasterIdLst>
+    <p:notesMasterId r:id="rId19"/>
+  </p:notesMasterIdLst>
   <p:sldIdLst>
     <p:sldId id="257" r:id="rId2"/>
     <p:sldId id="258" r:id="rId3"/>
+    <p:sldId id="259" r:id="rId4"/>
+    <p:sldId id="260" r:id="rId5"/>
+    <p:sldId id="261" r:id="rId6"/>
+    <p:sldId id="262" r:id="rId7"/>
+    <p:sldId id="263" r:id="rId8"/>
+    <p:sldId id="264" r:id="rId9"/>
+    <p:sldId id="265" r:id="rId10"/>
+    <p:sldId id="266" r:id="rId11"/>
+    <p:sldId id="267" r:id="rId12"/>
+    <p:sldId id="268" r:id="rId13"/>
+    <p:sldId id="269" r:id="rId14"/>
+    <p:sldId id="270" r:id="rId15"/>
+    <p:sldId id="271" r:id="rId16"/>
+    <p:sldId id="272" r:id="rId17"/>
+    <p:sldId id="273" r:id="rId18"/>
   </p:sldIdLst>
   <p:sldSz cx="12192000" cy="6858000"/>
   <p:notesSz cx="6858000" cy="9144000"/>
@@ -124,6 +142,2105 @@
 </p:presentation>
 </file>
 
+<file path=ppt/notesMasters/notesMaster1.xml><?xml version="1.0" encoding="utf-8"?>
+<p:notesMaster xmlns:a="http://schemas.openxmlformats.org/drawingml/2006/main" xmlns:r="http://schemas.openxmlformats.org/officeDocument/2006/relationships" xmlns:p="http://schemas.openxmlformats.org/presentationml/2006/main">
+  <p:cSld>
+    <p:bg>
+      <p:bgRef idx="1001">
+        <a:schemeClr val="bg1"/>
+      </p:bgRef>
+    </p:bg>
+    <p:spTree>
+      <p:nvGrpSpPr>
+        <p:cNvPr id="1" name=""/>
+        <p:cNvGrpSpPr/>
+        <p:nvPr/>
+      </p:nvGrpSpPr>
+      <p:grpSpPr>
+        <a:xfrm>
+          <a:off x="0" y="0"/>
+          <a:ext cx="0" cy="0"/>
+          <a:chOff x="0" y="0"/>
+          <a:chExt cx="0" cy="0"/>
+        </a:xfrm>
+      </p:grpSpPr>
+      <p:sp>
+        <p:nvSpPr>
+          <p:cNvPr id="2" name="页眉占位符 1"/>
+          <p:cNvSpPr>
+            <a:spLocks noGrp="1"/>
+          </p:cNvSpPr>
+          <p:nvPr>
+            <p:ph type="hdr" sz="quarter"/>
+          </p:nvPr>
+        </p:nvSpPr>
+        <p:spPr>
+          <a:xfrm>
+            <a:off x="0" y="0"/>
+            <a:ext cx="2971800" cy="458788"/>
+          </a:xfrm>
+          <a:prstGeom prst="rect">
+            <a:avLst/>
+          </a:prstGeom>
+        </p:spPr>
+        <p:txBody>
+          <a:bodyPr vert="horz" lIns="91440" tIns="45720" rIns="91440" bIns="45720" rtlCol="0"/>
+          <a:lstStyle>
+            <a:lvl1pPr algn="l">
+              <a:defRPr sz="1200"/>
+            </a:lvl1pPr>
+          </a:lstStyle>
+          <a:p>
+            <a:endParaRPr kumimoji="1" lang="zh-CN" altLang="en-US"/>
+          </a:p>
+        </p:txBody>
+      </p:sp>
+      <p:sp>
+        <p:nvSpPr>
+          <p:cNvPr id="3" name="日期占位符 2"/>
+          <p:cNvSpPr>
+            <a:spLocks noGrp="1"/>
+          </p:cNvSpPr>
+          <p:nvPr>
+            <p:ph type="dt" idx="1"/>
+          </p:nvPr>
+        </p:nvSpPr>
+        <p:spPr>
+          <a:xfrm>
+            <a:off x="3884613" y="0"/>
+            <a:ext cx="2971800" cy="458788"/>
+          </a:xfrm>
+          <a:prstGeom prst="rect">
+            <a:avLst/>
+          </a:prstGeom>
+        </p:spPr>
+        <p:txBody>
+          <a:bodyPr vert="horz" lIns="91440" tIns="45720" rIns="91440" bIns="45720" rtlCol="0"/>
+          <a:lstStyle>
+            <a:lvl1pPr algn="r">
+              <a:defRPr sz="1200"/>
+            </a:lvl1pPr>
+          </a:lstStyle>
+          <a:p>
+            <a:fld id="{7F187102-161B-4D46-81A7-BBC9BBCBE9DD}" type="datetimeFigureOut">
+              <a:rPr kumimoji="1" lang="zh-CN" altLang="en-US" smtClean="0"/>
+              <a:t>2020/7/5</a:t>
+            </a:fld>
+            <a:endParaRPr kumimoji="1" lang="zh-CN" altLang="en-US"/>
+          </a:p>
+        </p:txBody>
+      </p:sp>
+      <p:sp>
+        <p:nvSpPr>
+          <p:cNvPr id="4" name="幻灯片图像占位符 3"/>
+          <p:cNvSpPr>
+            <a:spLocks noGrp="1" noRot="1" noChangeAspect="1"/>
+          </p:cNvSpPr>
+          <p:nvPr>
+            <p:ph type="sldImg" idx="2"/>
+          </p:nvPr>
+        </p:nvSpPr>
+        <p:spPr>
+          <a:xfrm>
+            <a:off x="685800" y="1143000"/>
+            <a:ext cx="5486400" cy="3086100"/>
+          </a:xfrm>
+          <a:prstGeom prst="rect">
+            <a:avLst/>
+          </a:prstGeom>
+          <a:noFill/>
+          <a:ln w="12700">
+            <a:solidFill>
+              <a:prstClr val="black"/>
+            </a:solidFill>
+          </a:ln>
+        </p:spPr>
+        <p:txBody>
+          <a:bodyPr vert="horz" lIns="91440" tIns="45720" rIns="91440" bIns="45720" rtlCol="0" anchor="ctr"/>
+          <a:lstStyle/>
+          <a:p>
+            <a:endParaRPr lang="zh-CN" altLang="en-US"/>
+          </a:p>
+        </p:txBody>
+      </p:sp>
+      <p:sp>
+        <p:nvSpPr>
+          <p:cNvPr id="5" name="备注占位符 4"/>
+          <p:cNvSpPr>
+            <a:spLocks noGrp="1"/>
+          </p:cNvSpPr>
+          <p:nvPr>
+            <p:ph type="body" sz="quarter" idx="3"/>
+          </p:nvPr>
+        </p:nvSpPr>
+        <p:spPr>
+          <a:xfrm>
+            <a:off x="685800" y="4400550"/>
+            <a:ext cx="5486400" cy="3600450"/>
+          </a:xfrm>
+          <a:prstGeom prst="rect">
+            <a:avLst/>
+          </a:prstGeom>
+        </p:spPr>
+        <p:txBody>
+          <a:bodyPr vert="horz" lIns="91440" tIns="45720" rIns="91440" bIns="45720" rtlCol="0"/>
+          <a:lstStyle/>
+          <a:p>
+            <a:pPr lvl="0"/>
+            <a:r>
+              <a:rPr kumimoji="1" lang="zh-CN" altLang="en-US"/>
+              <a:t>单击此处编辑母版文本样式</a:t>
+            </a:r>
+          </a:p>
+          <a:p>
+            <a:pPr lvl="1"/>
+            <a:r>
+              <a:rPr kumimoji="1" lang="zh-CN" altLang="en-US"/>
+              <a:t>二级</a:t>
+            </a:r>
+          </a:p>
+          <a:p>
+            <a:pPr lvl="2"/>
+            <a:r>
+              <a:rPr kumimoji="1" lang="zh-CN" altLang="en-US"/>
+              <a:t>三级</a:t>
+            </a:r>
+          </a:p>
+          <a:p>
+            <a:pPr lvl="3"/>
+            <a:r>
+              <a:rPr kumimoji="1" lang="zh-CN" altLang="en-US"/>
+              <a:t>四级</a:t>
+            </a:r>
+          </a:p>
+          <a:p>
+            <a:pPr lvl="4"/>
+            <a:r>
+              <a:rPr kumimoji="1" lang="zh-CN" altLang="en-US"/>
+              <a:t>五级</a:t>
+            </a:r>
+          </a:p>
+        </p:txBody>
+      </p:sp>
+      <p:sp>
+        <p:nvSpPr>
+          <p:cNvPr id="6" name="页脚占位符 5"/>
+          <p:cNvSpPr>
+            <a:spLocks noGrp="1"/>
+          </p:cNvSpPr>
+          <p:nvPr>
+            <p:ph type="ftr" sz="quarter" idx="4"/>
+          </p:nvPr>
+        </p:nvSpPr>
+        <p:spPr>
+          <a:xfrm>
+            <a:off x="0" y="8685213"/>
+            <a:ext cx="2971800" cy="458787"/>
+          </a:xfrm>
+          <a:prstGeom prst="rect">
+            <a:avLst/>
+          </a:prstGeom>
+        </p:spPr>
+        <p:txBody>
+          <a:bodyPr vert="horz" lIns="91440" tIns="45720" rIns="91440" bIns="45720" rtlCol="0" anchor="b"/>
+          <a:lstStyle>
+            <a:lvl1pPr algn="l">
+              <a:defRPr sz="1200"/>
+            </a:lvl1pPr>
+          </a:lstStyle>
+          <a:p>
+            <a:endParaRPr kumimoji="1" lang="zh-CN" altLang="en-US"/>
+          </a:p>
+        </p:txBody>
+      </p:sp>
+      <p:sp>
+        <p:nvSpPr>
+          <p:cNvPr id="7" name="灯片编号占位符 6"/>
+          <p:cNvSpPr>
+            <a:spLocks noGrp="1"/>
+          </p:cNvSpPr>
+          <p:nvPr>
+            <p:ph type="sldNum" sz="quarter" idx="5"/>
+          </p:nvPr>
+        </p:nvSpPr>
+        <p:spPr>
+          <a:xfrm>
+            <a:off x="3884613" y="8685213"/>
+            <a:ext cx="2971800" cy="458787"/>
+          </a:xfrm>
+          <a:prstGeom prst="rect">
+            <a:avLst/>
+          </a:prstGeom>
+        </p:spPr>
+        <p:txBody>
+          <a:bodyPr vert="horz" lIns="91440" tIns="45720" rIns="91440" bIns="45720" rtlCol="0" anchor="b"/>
+          <a:lstStyle>
+            <a:lvl1pPr algn="r">
+              <a:defRPr sz="1200"/>
+            </a:lvl1pPr>
+          </a:lstStyle>
+          <a:p>
+            <a:fld id="{F6A31A7C-380D-F64D-9A6B-23732B7166C8}" type="slidenum">
+              <a:rPr kumimoji="1" lang="zh-CN" altLang="en-US" smtClean="0"/>
+              <a:t>‹#›</a:t>
+            </a:fld>
+            <a:endParaRPr kumimoji="1" lang="zh-CN" altLang="en-US"/>
+          </a:p>
+        </p:txBody>
+      </p:sp>
+    </p:spTree>
+    <p:extLst>
+      <p:ext uri="{BB962C8B-B14F-4D97-AF65-F5344CB8AC3E}">
+        <p14:creationId xmlns:p14="http://schemas.microsoft.com/office/powerpoint/2010/main" val="1754028324"/>
+      </p:ext>
+    </p:extLst>
+  </p:cSld>
+  <p:clrMap bg1="lt1" tx1="dk1" bg2="lt2" tx2="dk2" accent1="accent1" accent2="accent2" accent3="accent3" accent4="accent4" accent5="accent5" accent6="accent6" hlink="hlink" folHlink="folHlink"/>
+  <p:notesStyle>
+    <a:lvl1pPr marL="0" algn="l" defTabSz="914400" rtl="0" eaLnBrk="1" latinLnBrk="0" hangingPunct="1">
+      <a:defRPr sz="1200" kern="1200">
+        <a:solidFill>
+          <a:schemeClr val="tx1"/>
+        </a:solidFill>
+        <a:latin typeface="+mn-lt"/>
+        <a:ea typeface="+mn-ea"/>
+        <a:cs typeface="+mn-cs"/>
+      </a:defRPr>
+    </a:lvl1pPr>
+    <a:lvl2pPr marL="457200" algn="l" defTabSz="914400" rtl="0" eaLnBrk="1" latinLnBrk="0" hangingPunct="1">
+      <a:defRPr sz="1200" kern="1200">
+        <a:solidFill>
+          <a:schemeClr val="tx1"/>
+        </a:solidFill>
+        <a:latin typeface="+mn-lt"/>
+        <a:ea typeface="+mn-ea"/>
+        <a:cs typeface="+mn-cs"/>
+      </a:defRPr>
+    </a:lvl2pPr>
+    <a:lvl3pPr marL="914400" algn="l" defTabSz="914400" rtl="0" eaLnBrk="1" latinLnBrk="0" hangingPunct="1">
+      <a:defRPr sz="1200" kern="1200">
+        <a:solidFill>
+          <a:schemeClr val="tx1"/>
+        </a:solidFill>
+        <a:latin typeface="+mn-lt"/>
+        <a:ea typeface="+mn-ea"/>
+        <a:cs typeface="+mn-cs"/>
+      </a:defRPr>
+    </a:lvl3pPr>
+    <a:lvl4pPr marL="1371600" algn="l" defTabSz="914400" rtl="0" eaLnBrk="1" latinLnBrk="0" hangingPunct="1">
+      <a:defRPr sz="1200" kern="1200">
+        <a:solidFill>
+          <a:schemeClr val="tx1"/>
+        </a:solidFill>
+        <a:latin typeface="+mn-lt"/>
+        <a:ea typeface="+mn-ea"/>
+        <a:cs typeface="+mn-cs"/>
+      </a:defRPr>
+    </a:lvl4pPr>
+    <a:lvl5pPr marL="1828800" algn="l" defTabSz="914400" rtl="0" eaLnBrk="1" latinLnBrk="0" hangingPunct="1">
+      <a:defRPr sz="1200" kern="1200">
+        <a:solidFill>
+          <a:schemeClr val="tx1"/>
+        </a:solidFill>
+        <a:latin typeface="+mn-lt"/>
+        <a:ea typeface="+mn-ea"/>
+        <a:cs typeface="+mn-cs"/>
+      </a:defRPr>
+    </a:lvl5pPr>
+    <a:lvl6pPr marL="2286000" algn="l" defTabSz="914400" rtl="0" eaLnBrk="1" latinLnBrk="0" hangingPunct="1">
+      <a:defRPr sz="1200" kern="1200">
+        <a:solidFill>
+          <a:schemeClr val="tx1"/>
+        </a:solidFill>
+        <a:latin typeface="+mn-lt"/>
+        <a:ea typeface="+mn-ea"/>
+        <a:cs typeface="+mn-cs"/>
+      </a:defRPr>
+    </a:lvl6pPr>
+    <a:lvl7pPr marL="2743200" algn="l" defTabSz="914400" rtl="0" eaLnBrk="1" latinLnBrk="0" hangingPunct="1">
+      <a:defRPr sz="1200" kern="1200">
+        <a:solidFill>
+          <a:schemeClr val="tx1"/>
+        </a:solidFill>
+        <a:latin typeface="+mn-lt"/>
+        <a:ea typeface="+mn-ea"/>
+        <a:cs typeface="+mn-cs"/>
+      </a:defRPr>
+    </a:lvl7pPr>
+    <a:lvl8pPr marL="3200400" algn="l" defTabSz="914400" rtl="0" eaLnBrk="1" latinLnBrk="0" hangingPunct="1">
+      <a:defRPr sz="1200" kern="1200">
+        <a:solidFill>
+          <a:schemeClr val="tx1"/>
+        </a:solidFill>
+        <a:latin typeface="+mn-lt"/>
+        <a:ea typeface="+mn-ea"/>
+        <a:cs typeface="+mn-cs"/>
+      </a:defRPr>
+    </a:lvl8pPr>
+    <a:lvl9pPr marL="3657600" algn="l" defTabSz="914400" rtl="0" eaLnBrk="1" latinLnBrk="0" hangingPunct="1">
+      <a:defRPr sz="1200" kern="1200">
+        <a:solidFill>
+          <a:schemeClr val="tx1"/>
+        </a:solidFill>
+        <a:latin typeface="+mn-lt"/>
+        <a:ea typeface="+mn-ea"/>
+        <a:cs typeface="+mn-cs"/>
+      </a:defRPr>
+    </a:lvl9pPr>
+  </p:notesStyle>
+</p:notesMaster>
+</file>
+
+<file path=ppt/notesSlides/notesSlide1.xml><?xml version="1.0" encoding="utf-8"?>
+<p:notes xmlns:a="http://schemas.openxmlformats.org/drawingml/2006/main" xmlns:r="http://schemas.openxmlformats.org/officeDocument/2006/relationships" xmlns:p="http://schemas.openxmlformats.org/presentationml/2006/main">
+  <p:cSld>
+    <p:spTree>
+      <p:nvGrpSpPr>
+        <p:cNvPr id="1" name=""/>
+        <p:cNvGrpSpPr/>
+        <p:nvPr/>
+      </p:nvGrpSpPr>
+      <p:grpSpPr>
+        <a:xfrm>
+          <a:off x="0" y="0"/>
+          <a:ext cx="0" cy="0"/>
+          <a:chOff x="0" y="0"/>
+          <a:chExt cx="0" cy="0"/>
+        </a:xfrm>
+      </p:grpSpPr>
+      <p:sp>
+        <p:nvSpPr>
+          <p:cNvPr id="2" name="幻灯片图像占位符 1"/>
+          <p:cNvSpPr>
+            <a:spLocks noGrp="1" noRot="1" noChangeAspect="1"/>
+          </p:cNvSpPr>
+          <p:nvPr>
+            <p:ph type="sldImg"/>
+          </p:nvPr>
+        </p:nvSpPr>
+        <p:spPr/>
+      </p:sp>
+      <p:sp>
+        <p:nvSpPr>
+          <p:cNvPr id="3" name="备注占位符 2"/>
+          <p:cNvSpPr>
+            <a:spLocks noGrp="1"/>
+          </p:cNvSpPr>
+          <p:nvPr>
+            <p:ph type="body" idx="1"/>
+          </p:nvPr>
+        </p:nvSpPr>
+        <p:spPr/>
+        <p:txBody>
+          <a:bodyPr/>
+          <a:lstStyle/>
+          <a:p>
+            <a:r>
+              <a:rPr kumimoji="1" lang="zh-CN" altLang="en-US" dirty="0"/>
+              <a:t>第三部分我们研究</a:t>
+            </a:r>
+            <a:r>
+              <a:rPr kumimoji="1" lang="en-US" altLang="zh-CN" dirty="0"/>
+              <a:t>mobile</a:t>
+            </a:r>
+            <a:r>
+              <a:rPr kumimoji="1" lang="zh-CN" altLang="en-US" dirty="0"/>
+              <a:t>端的快速全景拼接算法</a:t>
+            </a:r>
+          </a:p>
+        </p:txBody>
+      </p:sp>
+      <p:sp>
+        <p:nvSpPr>
+          <p:cNvPr id="4" name="灯片编号占位符 3"/>
+          <p:cNvSpPr>
+            <a:spLocks noGrp="1"/>
+          </p:cNvSpPr>
+          <p:nvPr>
+            <p:ph type="sldNum" sz="quarter" idx="5"/>
+          </p:nvPr>
+        </p:nvSpPr>
+        <p:spPr/>
+        <p:txBody>
+          <a:bodyPr/>
+          <a:lstStyle/>
+          <a:p>
+            <a:fld id="{F6A31A7C-380D-F64D-9A6B-23732B7166C8}" type="slidenum">
+              <a:rPr kumimoji="1" lang="zh-CN" altLang="en-US" smtClean="0"/>
+              <a:t>2</a:t>
+            </a:fld>
+            <a:endParaRPr kumimoji="1" lang="zh-CN" altLang="en-US"/>
+          </a:p>
+        </p:txBody>
+      </p:sp>
+    </p:spTree>
+    <p:extLst>
+      <p:ext uri="{BB962C8B-B14F-4D97-AF65-F5344CB8AC3E}">
+        <p14:creationId xmlns:p14="http://schemas.microsoft.com/office/powerpoint/2010/main" val="2889763159"/>
+      </p:ext>
+    </p:extLst>
+  </p:cSld>
+  <p:clrMapOvr>
+    <a:masterClrMapping/>
+  </p:clrMapOvr>
+</p:notes>
+</file>
+
+<file path=ppt/notesSlides/notesSlide10.xml><?xml version="1.0" encoding="utf-8"?>
+<p:notes xmlns:a="http://schemas.openxmlformats.org/drawingml/2006/main" xmlns:r="http://schemas.openxmlformats.org/officeDocument/2006/relationships" xmlns:p="http://schemas.openxmlformats.org/presentationml/2006/main">
+  <p:cSld>
+    <p:spTree>
+      <p:nvGrpSpPr>
+        <p:cNvPr id="1" name=""/>
+        <p:cNvGrpSpPr/>
+        <p:nvPr/>
+      </p:nvGrpSpPr>
+      <p:grpSpPr>
+        <a:xfrm>
+          <a:off x="0" y="0"/>
+          <a:ext cx="0" cy="0"/>
+          <a:chOff x="0" y="0"/>
+          <a:chExt cx="0" cy="0"/>
+        </a:xfrm>
+      </p:grpSpPr>
+      <p:sp>
+        <p:nvSpPr>
+          <p:cNvPr id="2" name="幻灯片图像占位符 1"/>
+          <p:cNvSpPr>
+            <a:spLocks noGrp="1" noRot="1" noChangeAspect="1"/>
+          </p:cNvSpPr>
+          <p:nvPr>
+            <p:ph type="sldImg"/>
+          </p:nvPr>
+        </p:nvSpPr>
+        <p:spPr/>
+      </p:sp>
+      <p:sp>
+        <p:nvSpPr>
+          <p:cNvPr id="3" name="备注占位符 2"/>
+          <p:cNvSpPr>
+            <a:spLocks noGrp="1"/>
+          </p:cNvSpPr>
+          <p:nvPr>
+            <p:ph type="body" idx="1"/>
+          </p:nvPr>
+        </p:nvSpPr>
+        <p:spPr/>
+        <p:txBody>
+          <a:bodyPr/>
+          <a:lstStyle/>
+          <a:p>
+            <a:r>
+              <a:rPr kumimoji="1" lang="zh-CN" altLang="en-US" dirty="0"/>
+              <a:t>这是我们的实现</a:t>
+            </a:r>
+            <a:endParaRPr kumimoji="1" lang="en-US" altLang="zh-CN" dirty="0"/>
+          </a:p>
+          <a:p>
+            <a:r>
+              <a:rPr kumimoji="1" lang="zh-CN" altLang="en-US" dirty="0"/>
+              <a:t>首先要找到一张最优图片，这个其实偏重主观审美</a:t>
+            </a:r>
+            <a:endParaRPr kumimoji="1" lang="en-US" altLang="zh-CN" dirty="0"/>
+          </a:p>
+          <a:p>
+            <a:r>
+              <a:rPr kumimoji="1" lang="zh-CN" altLang="en-US" dirty="0"/>
+              <a:t>我们采用的是寻找三个通道的均值极差越小越好（这个主要用在</a:t>
+            </a:r>
+            <a:r>
+              <a:rPr kumimoji="1" lang="en-US" altLang="zh-CN" dirty="0"/>
+              <a:t>white</a:t>
+            </a:r>
+            <a:r>
+              <a:rPr kumimoji="1" lang="zh-CN" altLang="en-US" dirty="0"/>
+              <a:t> </a:t>
+            </a:r>
+            <a:r>
+              <a:rPr kumimoji="1" lang="en-US" altLang="zh-CN" dirty="0"/>
+              <a:t>balancing</a:t>
+            </a:r>
+            <a:r>
+              <a:rPr kumimoji="1" lang="zh-CN" altLang="en-US" dirty="0"/>
+              <a:t>上）</a:t>
+            </a:r>
+          </a:p>
+        </p:txBody>
+      </p:sp>
+      <p:sp>
+        <p:nvSpPr>
+          <p:cNvPr id="4" name="灯片编号占位符 3"/>
+          <p:cNvSpPr>
+            <a:spLocks noGrp="1"/>
+          </p:cNvSpPr>
+          <p:nvPr>
+            <p:ph type="sldNum" sz="quarter" idx="5"/>
+          </p:nvPr>
+        </p:nvSpPr>
+        <p:spPr/>
+        <p:txBody>
+          <a:bodyPr/>
+          <a:lstStyle/>
+          <a:p>
+            <a:fld id="{F6A31A7C-380D-F64D-9A6B-23732B7166C8}" type="slidenum">
+              <a:rPr kumimoji="1" lang="zh-CN" altLang="en-US" smtClean="0"/>
+              <a:t>11</a:t>
+            </a:fld>
+            <a:endParaRPr kumimoji="1" lang="zh-CN" altLang="en-US"/>
+          </a:p>
+        </p:txBody>
+      </p:sp>
+    </p:spTree>
+    <p:extLst>
+      <p:ext uri="{BB962C8B-B14F-4D97-AF65-F5344CB8AC3E}">
+        <p14:creationId xmlns:p14="http://schemas.microsoft.com/office/powerpoint/2010/main" val="2761548974"/>
+      </p:ext>
+    </p:extLst>
+  </p:cSld>
+  <p:clrMapOvr>
+    <a:masterClrMapping/>
+  </p:clrMapOvr>
+</p:notes>
+</file>
+
+<file path=ppt/notesSlides/notesSlide11.xml><?xml version="1.0" encoding="utf-8"?>
+<p:notes xmlns:a="http://schemas.openxmlformats.org/drawingml/2006/main" xmlns:r="http://schemas.openxmlformats.org/officeDocument/2006/relationships" xmlns:p="http://schemas.openxmlformats.org/presentationml/2006/main">
+  <p:cSld>
+    <p:spTree>
+      <p:nvGrpSpPr>
+        <p:cNvPr id="1" name=""/>
+        <p:cNvGrpSpPr/>
+        <p:nvPr/>
+      </p:nvGrpSpPr>
+      <p:grpSpPr>
+        <a:xfrm>
+          <a:off x="0" y="0"/>
+          <a:ext cx="0" cy="0"/>
+          <a:chOff x="0" y="0"/>
+          <a:chExt cx="0" cy="0"/>
+        </a:xfrm>
+      </p:grpSpPr>
+      <p:sp>
+        <p:nvSpPr>
+          <p:cNvPr id="2" name="幻灯片图像占位符 1"/>
+          <p:cNvSpPr>
+            <a:spLocks noGrp="1" noRot="1" noChangeAspect="1"/>
+          </p:cNvSpPr>
+          <p:nvPr>
+            <p:ph type="sldImg"/>
+          </p:nvPr>
+        </p:nvSpPr>
+        <p:spPr/>
+      </p:sp>
+      <p:sp>
+        <p:nvSpPr>
+          <p:cNvPr id="3" name="备注占位符 2"/>
+          <p:cNvSpPr>
+            <a:spLocks noGrp="1"/>
+          </p:cNvSpPr>
+          <p:nvPr>
+            <p:ph type="body" idx="1"/>
+          </p:nvPr>
+        </p:nvSpPr>
+        <p:spPr/>
+        <p:txBody>
+          <a:bodyPr/>
+          <a:lstStyle/>
+          <a:p>
+            <a:r>
+              <a:rPr kumimoji="1" lang="zh-CN" altLang="en-US" dirty="0"/>
+              <a:t>第二部分我们最核心的是三个步骤</a:t>
+            </a:r>
+            <a:endParaRPr kumimoji="1" lang="en-US" altLang="zh-CN" dirty="0"/>
+          </a:p>
+          <a:p>
+            <a:r>
+              <a:rPr kumimoji="1" lang="zh-CN" altLang="en-US" dirty="0"/>
+              <a:t>首先在颜色校正的基础上计算</a:t>
+            </a:r>
+            <a:r>
+              <a:rPr kumimoji="1" lang="en-US" altLang="zh-CN" dirty="0"/>
+              <a:t>error</a:t>
+            </a:r>
+            <a:r>
+              <a:rPr kumimoji="1" lang="zh-CN" altLang="en-US" dirty="0"/>
+              <a:t> </a:t>
+            </a:r>
+            <a:r>
+              <a:rPr kumimoji="1" lang="en-US" altLang="zh-CN" dirty="0"/>
+              <a:t>surface</a:t>
+            </a:r>
+          </a:p>
+          <a:p>
+            <a:r>
+              <a:rPr kumimoji="1" lang="zh-CN" altLang="en-US" dirty="0"/>
+              <a:t>然后通过</a:t>
+            </a:r>
+            <a:r>
+              <a:rPr kumimoji="1" lang="en-US" altLang="zh-CN" dirty="0"/>
+              <a:t>dynamic</a:t>
+            </a:r>
+            <a:r>
+              <a:rPr kumimoji="1" lang="zh-CN" altLang="en-US" dirty="0"/>
+              <a:t> </a:t>
+            </a:r>
+            <a:r>
+              <a:rPr kumimoji="1" lang="en-US" altLang="zh-CN" dirty="0"/>
+              <a:t>programming</a:t>
+            </a:r>
+            <a:r>
+              <a:rPr kumimoji="1" lang="zh-CN" altLang="en-US" dirty="0"/>
+              <a:t>的方法一行行扫描</a:t>
+            </a:r>
+            <a:r>
+              <a:rPr kumimoji="1" lang="en-US" altLang="zh-CN" dirty="0"/>
+              <a:t>error</a:t>
+            </a:r>
+            <a:r>
+              <a:rPr kumimoji="1" lang="zh-CN" altLang="en-US" dirty="0"/>
+              <a:t> </a:t>
+            </a:r>
+            <a:r>
+              <a:rPr kumimoji="1" lang="en-US" altLang="zh-CN" dirty="0"/>
+              <a:t>surface</a:t>
+            </a:r>
+            <a:r>
+              <a:rPr kumimoji="1" lang="zh-CN" altLang="en-US" dirty="0"/>
+              <a:t>，计算一个累积的最小平方差</a:t>
+            </a:r>
+            <a:endParaRPr kumimoji="1" lang="en-US" altLang="zh-CN" dirty="0"/>
+          </a:p>
+          <a:p>
+            <a:r>
+              <a:rPr kumimoji="1" lang="zh-CN" altLang="en-US" dirty="0"/>
+              <a:t>第三部就是通过回溯在所有可能的</a:t>
+            </a:r>
+            <a:r>
+              <a:rPr kumimoji="1" lang="en-US" altLang="zh-CN" dirty="0"/>
+              <a:t>path</a:t>
+            </a:r>
+            <a:r>
+              <a:rPr kumimoji="1" lang="zh-CN" altLang="en-US" dirty="0"/>
+              <a:t>中找到最优的一条接缝</a:t>
+            </a:r>
+            <a:endParaRPr kumimoji="1" lang="en-US" altLang="zh-CN" dirty="0"/>
+          </a:p>
+        </p:txBody>
+      </p:sp>
+      <p:sp>
+        <p:nvSpPr>
+          <p:cNvPr id="4" name="灯片编号占位符 3"/>
+          <p:cNvSpPr>
+            <a:spLocks noGrp="1"/>
+          </p:cNvSpPr>
+          <p:nvPr>
+            <p:ph type="sldNum" sz="quarter" idx="5"/>
+          </p:nvPr>
+        </p:nvSpPr>
+        <p:spPr/>
+        <p:txBody>
+          <a:bodyPr/>
+          <a:lstStyle/>
+          <a:p>
+            <a:fld id="{F6A31A7C-380D-F64D-9A6B-23732B7166C8}" type="slidenum">
+              <a:rPr kumimoji="1" lang="zh-CN" altLang="en-US" smtClean="0"/>
+              <a:t>12</a:t>
+            </a:fld>
+            <a:endParaRPr kumimoji="1" lang="zh-CN" altLang="en-US"/>
+          </a:p>
+        </p:txBody>
+      </p:sp>
+    </p:spTree>
+    <p:extLst>
+      <p:ext uri="{BB962C8B-B14F-4D97-AF65-F5344CB8AC3E}">
+        <p14:creationId xmlns:p14="http://schemas.microsoft.com/office/powerpoint/2010/main" val="546771885"/>
+      </p:ext>
+    </p:extLst>
+  </p:cSld>
+  <p:clrMapOvr>
+    <a:masterClrMapping/>
+  </p:clrMapOvr>
+</p:notes>
+</file>
+
+<file path=ppt/notesSlides/notesSlide12.xml><?xml version="1.0" encoding="utf-8"?>
+<p:notes xmlns:a="http://schemas.openxmlformats.org/drawingml/2006/main" xmlns:r="http://schemas.openxmlformats.org/officeDocument/2006/relationships" xmlns:p="http://schemas.openxmlformats.org/presentationml/2006/main">
+  <p:cSld>
+    <p:spTree>
+      <p:nvGrpSpPr>
+        <p:cNvPr id="1" name=""/>
+        <p:cNvGrpSpPr/>
+        <p:nvPr/>
+      </p:nvGrpSpPr>
+      <p:grpSpPr>
+        <a:xfrm>
+          <a:off x="0" y="0"/>
+          <a:ext cx="0" cy="0"/>
+          <a:chOff x="0" y="0"/>
+          <a:chExt cx="0" cy="0"/>
+        </a:xfrm>
+      </p:grpSpPr>
+      <p:sp>
+        <p:nvSpPr>
+          <p:cNvPr id="2" name="幻灯片图像占位符 1"/>
+          <p:cNvSpPr>
+            <a:spLocks noGrp="1" noRot="1" noChangeAspect="1"/>
+          </p:cNvSpPr>
+          <p:nvPr>
+            <p:ph type="sldImg"/>
+          </p:nvPr>
+        </p:nvSpPr>
+        <p:spPr/>
+      </p:sp>
+      <p:sp>
+        <p:nvSpPr>
+          <p:cNvPr id="3" name="备注占位符 2"/>
+          <p:cNvSpPr>
+            <a:spLocks noGrp="1"/>
+          </p:cNvSpPr>
+          <p:nvPr>
+            <p:ph type="body" idx="1"/>
+          </p:nvPr>
+        </p:nvSpPr>
+        <p:spPr/>
+        <p:txBody>
+          <a:bodyPr/>
+          <a:lstStyle/>
+          <a:p>
+            <a:r>
+              <a:rPr kumimoji="1" lang="zh-CN" altLang="en-US" dirty="0"/>
+              <a:t>这是我们每个模块的实现</a:t>
+            </a:r>
+          </a:p>
+        </p:txBody>
+      </p:sp>
+      <p:sp>
+        <p:nvSpPr>
+          <p:cNvPr id="4" name="灯片编号占位符 3"/>
+          <p:cNvSpPr>
+            <a:spLocks noGrp="1"/>
+          </p:cNvSpPr>
+          <p:nvPr>
+            <p:ph type="sldNum" sz="quarter" idx="5"/>
+          </p:nvPr>
+        </p:nvSpPr>
+        <p:spPr/>
+        <p:txBody>
+          <a:bodyPr/>
+          <a:lstStyle/>
+          <a:p>
+            <a:fld id="{F6A31A7C-380D-F64D-9A6B-23732B7166C8}" type="slidenum">
+              <a:rPr kumimoji="1" lang="zh-CN" altLang="en-US" smtClean="0"/>
+              <a:t>13</a:t>
+            </a:fld>
+            <a:endParaRPr kumimoji="1" lang="zh-CN" altLang="en-US"/>
+          </a:p>
+        </p:txBody>
+      </p:sp>
+    </p:spTree>
+    <p:extLst>
+      <p:ext uri="{BB962C8B-B14F-4D97-AF65-F5344CB8AC3E}">
+        <p14:creationId xmlns:p14="http://schemas.microsoft.com/office/powerpoint/2010/main" val="2069815927"/>
+      </p:ext>
+    </p:extLst>
+  </p:cSld>
+  <p:clrMapOvr>
+    <a:masterClrMapping/>
+  </p:clrMapOvr>
+</p:notes>
+</file>
+
+<file path=ppt/notesSlides/notesSlide13.xml><?xml version="1.0" encoding="utf-8"?>
+<p:notes xmlns:a="http://schemas.openxmlformats.org/drawingml/2006/main" xmlns:r="http://schemas.openxmlformats.org/officeDocument/2006/relationships" xmlns:p="http://schemas.openxmlformats.org/presentationml/2006/main">
+  <p:cSld>
+    <p:spTree>
+      <p:nvGrpSpPr>
+        <p:cNvPr id="1" name=""/>
+        <p:cNvGrpSpPr/>
+        <p:nvPr/>
+      </p:nvGrpSpPr>
+      <p:grpSpPr>
+        <a:xfrm>
+          <a:off x="0" y="0"/>
+          <a:ext cx="0" cy="0"/>
+          <a:chOff x="0" y="0"/>
+          <a:chExt cx="0" cy="0"/>
+        </a:xfrm>
+      </p:grpSpPr>
+      <p:sp>
+        <p:nvSpPr>
+          <p:cNvPr id="2" name="幻灯片图像占位符 1"/>
+          <p:cNvSpPr>
+            <a:spLocks noGrp="1" noRot="1" noChangeAspect="1"/>
+          </p:cNvSpPr>
+          <p:nvPr>
+            <p:ph type="sldImg"/>
+          </p:nvPr>
+        </p:nvSpPr>
+        <p:spPr/>
+      </p:sp>
+      <p:sp>
+        <p:nvSpPr>
+          <p:cNvPr id="3" name="备注占位符 2"/>
+          <p:cNvSpPr>
+            <a:spLocks noGrp="1"/>
+          </p:cNvSpPr>
+          <p:nvPr>
+            <p:ph type="body" idx="1"/>
+          </p:nvPr>
+        </p:nvSpPr>
+        <p:spPr/>
+        <p:txBody>
+          <a:bodyPr/>
+          <a:lstStyle/>
+          <a:p>
+            <a:r>
+              <a:rPr kumimoji="1" lang="zh-CN" altLang="en-US" dirty="0"/>
+              <a:t>最后一部分就是在接缝找到的基础上进行拼接，也就是图像融合</a:t>
+            </a:r>
+            <a:endParaRPr kumimoji="1" lang="en-US" altLang="zh-CN" dirty="0"/>
+          </a:p>
+          <a:p>
+            <a:r>
+              <a:rPr kumimoji="1" lang="zh-CN" altLang="en-US" dirty="0"/>
+              <a:t>我们是找到两大个方法</a:t>
+            </a:r>
+            <a:endParaRPr kumimoji="1" lang="en-US" altLang="zh-CN" dirty="0"/>
+          </a:p>
+          <a:p>
+            <a:r>
+              <a:rPr kumimoji="1" lang="zh-CN" altLang="en-US" dirty="0"/>
+              <a:t>简单线性融合，这个比较简单我们就略过了</a:t>
+            </a:r>
+          </a:p>
+        </p:txBody>
+      </p:sp>
+      <p:sp>
+        <p:nvSpPr>
+          <p:cNvPr id="4" name="灯片编号占位符 3"/>
+          <p:cNvSpPr>
+            <a:spLocks noGrp="1"/>
+          </p:cNvSpPr>
+          <p:nvPr>
+            <p:ph type="sldNum" sz="quarter" idx="5"/>
+          </p:nvPr>
+        </p:nvSpPr>
+        <p:spPr/>
+        <p:txBody>
+          <a:bodyPr/>
+          <a:lstStyle/>
+          <a:p>
+            <a:fld id="{F6A31A7C-380D-F64D-9A6B-23732B7166C8}" type="slidenum">
+              <a:rPr kumimoji="1" lang="zh-CN" altLang="en-US" smtClean="0"/>
+              <a:t>14</a:t>
+            </a:fld>
+            <a:endParaRPr kumimoji="1" lang="zh-CN" altLang="en-US"/>
+          </a:p>
+        </p:txBody>
+      </p:sp>
+    </p:spTree>
+    <p:extLst>
+      <p:ext uri="{BB962C8B-B14F-4D97-AF65-F5344CB8AC3E}">
+        <p14:creationId xmlns:p14="http://schemas.microsoft.com/office/powerpoint/2010/main" val="3615218377"/>
+      </p:ext>
+    </p:extLst>
+  </p:cSld>
+  <p:clrMapOvr>
+    <a:masterClrMapping/>
+  </p:clrMapOvr>
+</p:notes>
+</file>
+
+<file path=ppt/notesSlides/notesSlide14.xml><?xml version="1.0" encoding="utf-8"?>
+<p:notes xmlns:a="http://schemas.openxmlformats.org/drawingml/2006/main" xmlns:r="http://schemas.openxmlformats.org/officeDocument/2006/relationships" xmlns:p="http://schemas.openxmlformats.org/presentationml/2006/main">
+  <p:cSld>
+    <p:spTree>
+      <p:nvGrpSpPr>
+        <p:cNvPr id="1" name=""/>
+        <p:cNvGrpSpPr/>
+        <p:nvPr/>
+      </p:nvGrpSpPr>
+      <p:grpSpPr>
+        <a:xfrm>
+          <a:off x="0" y="0"/>
+          <a:ext cx="0" cy="0"/>
+          <a:chOff x="0" y="0"/>
+          <a:chExt cx="0" cy="0"/>
+        </a:xfrm>
+      </p:grpSpPr>
+      <p:sp>
+        <p:nvSpPr>
+          <p:cNvPr id="2" name="幻灯片图像占位符 1"/>
+          <p:cNvSpPr>
+            <a:spLocks noGrp="1" noRot="1" noChangeAspect="1"/>
+          </p:cNvSpPr>
+          <p:nvPr>
+            <p:ph type="sldImg"/>
+          </p:nvPr>
+        </p:nvSpPr>
+        <p:spPr/>
+      </p:sp>
+      <p:sp>
+        <p:nvSpPr>
+          <p:cNvPr id="3" name="备注占位符 2"/>
+          <p:cNvSpPr>
+            <a:spLocks noGrp="1"/>
+          </p:cNvSpPr>
+          <p:nvPr>
+            <p:ph type="body" idx="1"/>
+          </p:nvPr>
+        </p:nvSpPr>
+        <p:spPr/>
+        <p:txBody>
+          <a:bodyPr/>
+          <a:lstStyle/>
+          <a:p>
+            <a:r>
+              <a:rPr kumimoji="1" lang="zh-CN" altLang="en-US" dirty="0"/>
+              <a:t>第二种是泊松融合，其实使用的是梯度的信息</a:t>
+            </a:r>
+            <a:endParaRPr kumimoji="1" lang="en-US" altLang="zh-CN" dirty="0"/>
+          </a:p>
+          <a:p>
+            <a:r>
+              <a:rPr kumimoji="1" lang="zh-CN" altLang="en-US" dirty="0"/>
+              <a:t>第三行公式是我们的一个离散展开</a:t>
+            </a:r>
+          </a:p>
+        </p:txBody>
+      </p:sp>
+      <p:sp>
+        <p:nvSpPr>
+          <p:cNvPr id="4" name="灯片编号占位符 3"/>
+          <p:cNvSpPr>
+            <a:spLocks noGrp="1"/>
+          </p:cNvSpPr>
+          <p:nvPr>
+            <p:ph type="sldNum" sz="quarter" idx="5"/>
+          </p:nvPr>
+        </p:nvSpPr>
+        <p:spPr/>
+        <p:txBody>
+          <a:bodyPr/>
+          <a:lstStyle/>
+          <a:p>
+            <a:fld id="{F6A31A7C-380D-F64D-9A6B-23732B7166C8}" type="slidenum">
+              <a:rPr kumimoji="1" lang="zh-CN" altLang="en-US" smtClean="0"/>
+              <a:t>15</a:t>
+            </a:fld>
+            <a:endParaRPr kumimoji="1" lang="zh-CN" altLang="en-US"/>
+          </a:p>
+        </p:txBody>
+      </p:sp>
+    </p:spTree>
+    <p:extLst>
+      <p:ext uri="{BB962C8B-B14F-4D97-AF65-F5344CB8AC3E}">
+        <p14:creationId xmlns:p14="http://schemas.microsoft.com/office/powerpoint/2010/main" val="371519147"/>
+      </p:ext>
+    </p:extLst>
+  </p:cSld>
+  <p:clrMapOvr>
+    <a:masterClrMapping/>
+  </p:clrMapOvr>
+</p:notes>
+</file>
+
+<file path=ppt/notesSlides/notesSlide15.xml><?xml version="1.0" encoding="utf-8"?>
+<p:notes xmlns:a="http://schemas.openxmlformats.org/drawingml/2006/main" xmlns:r="http://schemas.openxmlformats.org/officeDocument/2006/relationships" xmlns:p="http://schemas.openxmlformats.org/presentationml/2006/main">
+  <p:cSld>
+    <p:spTree>
+      <p:nvGrpSpPr>
+        <p:cNvPr id="1" name=""/>
+        <p:cNvGrpSpPr/>
+        <p:nvPr/>
+      </p:nvGrpSpPr>
+      <p:grpSpPr>
+        <a:xfrm>
+          <a:off x="0" y="0"/>
+          <a:ext cx="0" cy="0"/>
+          <a:chOff x="0" y="0"/>
+          <a:chExt cx="0" cy="0"/>
+        </a:xfrm>
+      </p:grpSpPr>
+      <p:sp>
+        <p:nvSpPr>
+          <p:cNvPr id="2" name="幻灯片图像占位符 1"/>
+          <p:cNvSpPr>
+            <a:spLocks noGrp="1" noRot="1" noChangeAspect="1"/>
+          </p:cNvSpPr>
+          <p:nvPr>
+            <p:ph type="sldImg"/>
+          </p:nvPr>
+        </p:nvSpPr>
+        <p:spPr/>
+      </p:sp>
+      <p:sp>
+        <p:nvSpPr>
+          <p:cNvPr id="3" name="备注占位符 2"/>
+          <p:cNvSpPr>
+            <a:spLocks noGrp="1"/>
+          </p:cNvSpPr>
+          <p:nvPr>
+            <p:ph type="body" idx="1"/>
+          </p:nvPr>
+        </p:nvSpPr>
+        <p:spPr/>
+        <p:txBody>
+          <a:bodyPr/>
+          <a:lstStyle/>
+          <a:p>
+            <a:r>
+              <a:rPr kumimoji="1" lang="zh-CN" altLang="en-US" dirty="0"/>
+              <a:t>最后是我们的实现效果</a:t>
+            </a:r>
+            <a:endParaRPr kumimoji="1" lang="en-US" altLang="zh-CN" dirty="0"/>
+          </a:p>
+          <a:p>
+            <a:r>
+              <a:rPr kumimoji="1" lang="zh-CN" altLang="en-US" dirty="0"/>
+              <a:t>这组图像的颜色差异很大，上面的是没有做颜色校正的</a:t>
+            </a:r>
+          </a:p>
+        </p:txBody>
+      </p:sp>
+      <p:sp>
+        <p:nvSpPr>
+          <p:cNvPr id="4" name="灯片编号占位符 3"/>
+          <p:cNvSpPr>
+            <a:spLocks noGrp="1"/>
+          </p:cNvSpPr>
+          <p:nvPr>
+            <p:ph type="sldNum" sz="quarter" idx="5"/>
+          </p:nvPr>
+        </p:nvSpPr>
+        <p:spPr/>
+        <p:txBody>
+          <a:bodyPr/>
+          <a:lstStyle/>
+          <a:p>
+            <a:fld id="{F6A31A7C-380D-F64D-9A6B-23732B7166C8}" type="slidenum">
+              <a:rPr kumimoji="1" lang="zh-CN" altLang="en-US" smtClean="0"/>
+              <a:t>16</a:t>
+            </a:fld>
+            <a:endParaRPr kumimoji="1" lang="zh-CN" altLang="en-US"/>
+          </a:p>
+        </p:txBody>
+      </p:sp>
+    </p:spTree>
+    <p:extLst>
+      <p:ext uri="{BB962C8B-B14F-4D97-AF65-F5344CB8AC3E}">
+        <p14:creationId xmlns:p14="http://schemas.microsoft.com/office/powerpoint/2010/main" val="2877109927"/>
+      </p:ext>
+    </p:extLst>
+  </p:cSld>
+  <p:clrMapOvr>
+    <a:masterClrMapping/>
+  </p:clrMapOvr>
+</p:notes>
+</file>
+
+<file path=ppt/notesSlides/notesSlide16.xml><?xml version="1.0" encoding="utf-8"?>
+<p:notes xmlns:a="http://schemas.openxmlformats.org/drawingml/2006/main" xmlns:r="http://schemas.openxmlformats.org/officeDocument/2006/relationships" xmlns:p="http://schemas.openxmlformats.org/presentationml/2006/main">
+  <p:cSld>
+    <p:spTree>
+      <p:nvGrpSpPr>
+        <p:cNvPr id="1" name=""/>
+        <p:cNvGrpSpPr/>
+        <p:nvPr/>
+      </p:nvGrpSpPr>
+      <p:grpSpPr>
+        <a:xfrm>
+          <a:off x="0" y="0"/>
+          <a:ext cx="0" cy="0"/>
+          <a:chOff x="0" y="0"/>
+          <a:chExt cx="0" cy="0"/>
+        </a:xfrm>
+      </p:grpSpPr>
+      <p:sp>
+        <p:nvSpPr>
+          <p:cNvPr id="2" name="幻灯片图像占位符 1"/>
+          <p:cNvSpPr>
+            <a:spLocks noGrp="1" noRot="1" noChangeAspect="1"/>
+          </p:cNvSpPr>
+          <p:nvPr>
+            <p:ph type="sldImg"/>
+          </p:nvPr>
+        </p:nvSpPr>
+        <p:spPr/>
+      </p:sp>
+      <p:sp>
+        <p:nvSpPr>
+          <p:cNvPr id="3" name="备注占位符 2"/>
+          <p:cNvSpPr>
+            <a:spLocks noGrp="1"/>
+          </p:cNvSpPr>
+          <p:nvPr>
+            <p:ph type="body" idx="1"/>
+          </p:nvPr>
+        </p:nvSpPr>
+        <p:spPr/>
+        <p:txBody>
+          <a:bodyPr/>
+          <a:lstStyle/>
+          <a:p>
+            <a:r>
+              <a:rPr kumimoji="1" lang="zh-CN" altLang="en-US" dirty="0"/>
+              <a:t>这组图第一个是没做颜色校正的</a:t>
+            </a:r>
+            <a:endParaRPr kumimoji="1" lang="en-US" altLang="zh-CN" dirty="0"/>
+          </a:p>
+          <a:p>
+            <a:r>
+              <a:rPr kumimoji="1" lang="zh-CN" altLang="en-US" dirty="0"/>
+              <a:t>第二个是没做融合的，可以看到明显的锯齿接缝</a:t>
+            </a:r>
+            <a:endParaRPr kumimoji="1" lang="en-US" altLang="zh-CN" dirty="0"/>
+          </a:p>
+          <a:p>
+            <a:endParaRPr kumimoji="1" lang="zh-CN" altLang="en-US" dirty="0"/>
+          </a:p>
+        </p:txBody>
+      </p:sp>
+      <p:sp>
+        <p:nvSpPr>
+          <p:cNvPr id="4" name="灯片编号占位符 3"/>
+          <p:cNvSpPr>
+            <a:spLocks noGrp="1"/>
+          </p:cNvSpPr>
+          <p:nvPr>
+            <p:ph type="sldNum" sz="quarter" idx="5"/>
+          </p:nvPr>
+        </p:nvSpPr>
+        <p:spPr/>
+        <p:txBody>
+          <a:bodyPr/>
+          <a:lstStyle/>
+          <a:p>
+            <a:fld id="{F6A31A7C-380D-F64D-9A6B-23732B7166C8}" type="slidenum">
+              <a:rPr kumimoji="1" lang="zh-CN" altLang="en-US" smtClean="0"/>
+              <a:t>17</a:t>
+            </a:fld>
+            <a:endParaRPr kumimoji="1" lang="zh-CN" altLang="en-US"/>
+          </a:p>
+        </p:txBody>
+      </p:sp>
+    </p:spTree>
+    <p:extLst>
+      <p:ext uri="{BB962C8B-B14F-4D97-AF65-F5344CB8AC3E}">
+        <p14:creationId xmlns:p14="http://schemas.microsoft.com/office/powerpoint/2010/main" val="2130425597"/>
+      </p:ext>
+    </p:extLst>
+  </p:cSld>
+  <p:clrMapOvr>
+    <a:masterClrMapping/>
+  </p:clrMapOvr>
+</p:notes>
+</file>
+
+<file path=ppt/notesSlides/notesSlide2.xml><?xml version="1.0" encoding="utf-8"?>
+<p:notes xmlns:a="http://schemas.openxmlformats.org/drawingml/2006/main" xmlns:r="http://schemas.openxmlformats.org/officeDocument/2006/relationships" xmlns:p="http://schemas.openxmlformats.org/presentationml/2006/main">
+  <p:cSld>
+    <p:spTree>
+      <p:nvGrpSpPr>
+        <p:cNvPr id="1" name=""/>
+        <p:cNvGrpSpPr/>
+        <p:nvPr/>
+      </p:nvGrpSpPr>
+      <p:grpSpPr>
+        <a:xfrm>
+          <a:off x="0" y="0"/>
+          <a:ext cx="0" cy="0"/>
+          <a:chOff x="0" y="0"/>
+          <a:chExt cx="0" cy="0"/>
+        </a:xfrm>
+      </p:grpSpPr>
+      <p:sp>
+        <p:nvSpPr>
+          <p:cNvPr id="2" name="幻灯片图像占位符 1"/>
+          <p:cNvSpPr>
+            <a:spLocks noGrp="1" noRot="1" noChangeAspect="1"/>
+          </p:cNvSpPr>
+          <p:nvPr>
+            <p:ph type="sldImg"/>
+          </p:nvPr>
+        </p:nvSpPr>
+        <p:spPr/>
+      </p:sp>
+      <p:sp>
+        <p:nvSpPr>
+          <p:cNvPr id="3" name="备注占位符 2"/>
+          <p:cNvSpPr>
+            <a:spLocks noGrp="1"/>
+          </p:cNvSpPr>
+          <p:nvPr>
+            <p:ph type="body" idx="1"/>
+          </p:nvPr>
+        </p:nvSpPr>
+        <p:spPr/>
+        <p:txBody>
+          <a:bodyPr/>
+          <a:lstStyle/>
+          <a:p>
+            <a:r>
+              <a:rPr kumimoji="1" lang="zh-CN" altLang="en-US" dirty="0"/>
+              <a:t>现在的</a:t>
+            </a:r>
+            <a:r>
+              <a:rPr kumimoji="1" lang="en-US" altLang="zh-CN" dirty="0"/>
+              <a:t>panorama</a:t>
+            </a:r>
+            <a:r>
+              <a:rPr kumimoji="1" lang="zh-CN" altLang="en-US" dirty="0"/>
+              <a:t> </a:t>
+            </a:r>
+            <a:r>
+              <a:rPr kumimoji="1" lang="en-US" altLang="zh-CN" dirty="0"/>
+              <a:t>stitching</a:t>
+            </a:r>
+            <a:r>
+              <a:rPr kumimoji="1" lang="zh-CN" altLang="en-US" dirty="0"/>
+              <a:t> </a:t>
+            </a:r>
+            <a:r>
+              <a:rPr kumimoji="1" lang="en-US" altLang="zh-CN" dirty="0"/>
+              <a:t>approaches</a:t>
+            </a:r>
+            <a:r>
+              <a:rPr kumimoji="1" lang="zh-CN" altLang="en-US" dirty="0"/>
+              <a:t>主要分为两大类，</a:t>
+            </a:r>
+            <a:r>
+              <a:rPr kumimoji="1" lang="en-US" altLang="zh-CN" dirty="0"/>
+              <a:t>transition</a:t>
+            </a:r>
+            <a:r>
+              <a:rPr kumimoji="1" lang="zh-CN" altLang="en-US" dirty="0"/>
+              <a:t> </a:t>
+            </a:r>
+            <a:r>
+              <a:rPr kumimoji="1" lang="en-US" altLang="zh-CN" dirty="0"/>
+              <a:t>smoothing</a:t>
+            </a:r>
+            <a:r>
+              <a:rPr kumimoji="1" lang="zh-CN" altLang="en-US" dirty="0"/>
+              <a:t>和</a:t>
+            </a:r>
+            <a:r>
+              <a:rPr kumimoji="1" lang="en-US" altLang="zh-CN" dirty="0"/>
+              <a:t>optimal</a:t>
+            </a:r>
+            <a:r>
+              <a:rPr kumimoji="1" lang="zh-CN" altLang="en-US" dirty="0"/>
+              <a:t> </a:t>
+            </a:r>
+            <a:r>
+              <a:rPr kumimoji="1" lang="en-US" altLang="zh-CN" dirty="0"/>
+              <a:t>seam</a:t>
+            </a:r>
+            <a:r>
+              <a:rPr kumimoji="1" lang="zh-CN" altLang="en-US" dirty="0"/>
+              <a:t> </a:t>
+            </a:r>
+            <a:r>
+              <a:rPr kumimoji="1" lang="en-US" altLang="zh-CN" dirty="0"/>
+              <a:t>finding</a:t>
+            </a:r>
+            <a:r>
+              <a:rPr kumimoji="1" lang="zh-CN" altLang="en-US" dirty="0"/>
+              <a:t>以及二者的结合</a:t>
+            </a:r>
+            <a:endParaRPr kumimoji="1" lang="en-US" altLang="zh-CN" dirty="0"/>
+          </a:p>
+          <a:p>
+            <a:r>
+              <a:rPr kumimoji="1" lang="zh-CN" altLang="en-US" dirty="0"/>
+              <a:t>其中</a:t>
+            </a:r>
+            <a:r>
+              <a:rPr kumimoji="1" lang="en-US" altLang="zh-CN" dirty="0"/>
+              <a:t>graph</a:t>
+            </a:r>
+            <a:r>
+              <a:rPr kumimoji="1" lang="zh-CN" altLang="en-US" dirty="0"/>
+              <a:t> </a:t>
+            </a:r>
+            <a:r>
+              <a:rPr kumimoji="1" lang="en-US" altLang="zh-CN" dirty="0"/>
+              <a:t>cut</a:t>
+            </a:r>
+            <a:r>
+              <a:rPr kumimoji="1" lang="zh-CN" altLang="en-US" dirty="0"/>
+              <a:t>是现在用的比较多的方法</a:t>
+            </a:r>
+          </a:p>
+        </p:txBody>
+      </p:sp>
+      <p:sp>
+        <p:nvSpPr>
+          <p:cNvPr id="4" name="灯片编号占位符 3"/>
+          <p:cNvSpPr>
+            <a:spLocks noGrp="1"/>
+          </p:cNvSpPr>
+          <p:nvPr>
+            <p:ph type="sldNum" sz="quarter" idx="5"/>
+          </p:nvPr>
+        </p:nvSpPr>
+        <p:spPr/>
+        <p:txBody>
+          <a:bodyPr/>
+          <a:lstStyle/>
+          <a:p>
+            <a:fld id="{F6A31A7C-380D-F64D-9A6B-23732B7166C8}" type="slidenum">
+              <a:rPr kumimoji="1" lang="zh-CN" altLang="en-US" smtClean="0"/>
+              <a:t>3</a:t>
+            </a:fld>
+            <a:endParaRPr kumimoji="1" lang="zh-CN" altLang="en-US"/>
+          </a:p>
+        </p:txBody>
+      </p:sp>
+    </p:spTree>
+    <p:extLst>
+      <p:ext uri="{BB962C8B-B14F-4D97-AF65-F5344CB8AC3E}">
+        <p14:creationId xmlns:p14="http://schemas.microsoft.com/office/powerpoint/2010/main" val="3987282629"/>
+      </p:ext>
+    </p:extLst>
+  </p:cSld>
+  <p:clrMapOvr>
+    <a:masterClrMapping/>
+  </p:clrMapOvr>
+</p:notes>
+</file>
+
+<file path=ppt/notesSlides/notesSlide3.xml><?xml version="1.0" encoding="utf-8"?>
+<p:notes xmlns:a="http://schemas.openxmlformats.org/drawingml/2006/main" xmlns:r="http://schemas.openxmlformats.org/officeDocument/2006/relationships" xmlns:p="http://schemas.openxmlformats.org/presentationml/2006/main">
+  <p:cSld>
+    <p:spTree>
+      <p:nvGrpSpPr>
+        <p:cNvPr id="1" name=""/>
+        <p:cNvGrpSpPr/>
+        <p:nvPr/>
+      </p:nvGrpSpPr>
+      <p:grpSpPr>
+        <a:xfrm>
+          <a:off x="0" y="0"/>
+          <a:ext cx="0" cy="0"/>
+          <a:chOff x="0" y="0"/>
+          <a:chExt cx="0" cy="0"/>
+        </a:xfrm>
+      </p:grpSpPr>
+      <p:sp>
+        <p:nvSpPr>
+          <p:cNvPr id="2" name="幻灯片图像占位符 1"/>
+          <p:cNvSpPr>
+            <a:spLocks noGrp="1" noRot="1" noChangeAspect="1"/>
+          </p:cNvSpPr>
+          <p:nvPr>
+            <p:ph type="sldImg"/>
+          </p:nvPr>
+        </p:nvSpPr>
+        <p:spPr/>
+      </p:sp>
+      <p:sp>
+        <p:nvSpPr>
+          <p:cNvPr id="3" name="备注占位符 2"/>
+          <p:cNvSpPr>
+            <a:spLocks noGrp="1"/>
+          </p:cNvSpPr>
+          <p:nvPr>
+            <p:ph type="body" idx="1"/>
+          </p:nvPr>
+        </p:nvSpPr>
+        <p:spPr/>
+        <p:txBody>
+          <a:bodyPr/>
+          <a:lstStyle/>
+          <a:p>
+            <a:r>
+              <a:rPr kumimoji="1" lang="zh-CN" altLang="en-US" dirty="0"/>
+              <a:t>但是这些算法存在一些问题，比如图像颜色和光照的差别很大的图像效果非常差</a:t>
+            </a:r>
+            <a:endParaRPr kumimoji="1" lang="en-US" altLang="zh-CN" dirty="0"/>
+          </a:p>
+          <a:p>
+            <a:r>
+              <a:rPr kumimoji="1" lang="en-US" altLang="zh-CN" dirty="0"/>
+              <a:t>Mobile</a:t>
+            </a:r>
+            <a:r>
+              <a:rPr kumimoji="1" lang="zh-CN" altLang="en-US" dirty="0"/>
+              <a:t>也存在些自己的约束，比如</a:t>
+            </a:r>
+            <a:r>
+              <a:rPr kumimoji="1" lang="en-US" altLang="zh-CN" dirty="0"/>
+              <a:t>memory</a:t>
+            </a:r>
+            <a:r>
+              <a:rPr kumimoji="1" lang="zh-CN" altLang="en-US" dirty="0"/>
+              <a:t>少等等问题</a:t>
+            </a:r>
+            <a:endParaRPr kumimoji="1" lang="en-US" altLang="zh-CN" dirty="0"/>
+          </a:p>
+        </p:txBody>
+      </p:sp>
+      <p:sp>
+        <p:nvSpPr>
+          <p:cNvPr id="4" name="灯片编号占位符 3"/>
+          <p:cNvSpPr>
+            <a:spLocks noGrp="1"/>
+          </p:cNvSpPr>
+          <p:nvPr>
+            <p:ph type="sldNum" sz="quarter" idx="5"/>
+          </p:nvPr>
+        </p:nvSpPr>
+        <p:spPr/>
+        <p:txBody>
+          <a:bodyPr/>
+          <a:lstStyle/>
+          <a:p>
+            <a:fld id="{F6A31A7C-380D-F64D-9A6B-23732B7166C8}" type="slidenum">
+              <a:rPr kumimoji="1" lang="zh-CN" altLang="en-US" smtClean="0"/>
+              <a:t>4</a:t>
+            </a:fld>
+            <a:endParaRPr kumimoji="1" lang="zh-CN" altLang="en-US"/>
+          </a:p>
+        </p:txBody>
+      </p:sp>
+    </p:spTree>
+    <p:extLst>
+      <p:ext uri="{BB962C8B-B14F-4D97-AF65-F5344CB8AC3E}">
+        <p14:creationId xmlns:p14="http://schemas.microsoft.com/office/powerpoint/2010/main" val="1351014834"/>
+      </p:ext>
+    </p:extLst>
+  </p:cSld>
+  <p:clrMapOvr>
+    <a:masterClrMapping/>
+  </p:clrMapOvr>
+</p:notes>
+</file>
+
+<file path=ppt/notesSlides/notesSlide4.xml><?xml version="1.0" encoding="utf-8"?>
+<p:notes xmlns:a="http://schemas.openxmlformats.org/drawingml/2006/main" xmlns:r="http://schemas.openxmlformats.org/officeDocument/2006/relationships" xmlns:p="http://schemas.openxmlformats.org/presentationml/2006/main">
+  <p:cSld>
+    <p:spTree>
+      <p:nvGrpSpPr>
+        <p:cNvPr id="1" name=""/>
+        <p:cNvGrpSpPr/>
+        <p:nvPr/>
+      </p:nvGrpSpPr>
+      <p:grpSpPr>
+        <a:xfrm>
+          <a:off x="0" y="0"/>
+          <a:ext cx="0" cy="0"/>
+          <a:chOff x="0" y="0"/>
+          <a:chExt cx="0" cy="0"/>
+        </a:xfrm>
+      </p:grpSpPr>
+      <p:sp>
+        <p:nvSpPr>
+          <p:cNvPr id="2" name="幻灯片图像占位符 1"/>
+          <p:cNvSpPr>
+            <a:spLocks noGrp="1" noRot="1" noChangeAspect="1"/>
+          </p:cNvSpPr>
+          <p:nvPr>
+            <p:ph type="sldImg"/>
+          </p:nvPr>
+        </p:nvSpPr>
+        <p:spPr/>
+      </p:sp>
+      <p:sp>
+        <p:nvSpPr>
+          <p:cNvPr id="3" name="备注占位符 2"/>
+          <p:cNvSpPr>
+            <a:spLocks noGrp="1"/>
+          </p:cNvSpPr>
+          <p:nvPr>
+            <p:ph type="body" idx="1"/>
+          </p:nvPr>
+        </p:nvSpPr>
+        <p:spPr/>
+        <p:txBody>
+          <a:bodyPr/>
+          <a:lstStyle/>
+          <a:p>
+            <a:r>
+              <a:rPr kumimoji="1" lang="zh-CN" altLang="en-US" dirty="0"/>
+              <a:t>我们的算法来自这篇论文，主要分为三大个模块</a:t>
+            </a:r>
+            <a:endParaRPr kumimoji="1" lang="en-US" altLang="zh-CN" dirty="0"/>
+          </a:p>
+          <a:p>
+            <a:r>
+              <a:rPr kumimoji="1" lang="zh-CN" altLang="en-US" dirty="0"/>
+              <a:t>首先进行</a:t>
+            </a:r>
+            <a:r>
+              <a:rPr kumimoji="1" lang="en-US" altLang="zh-CN" dirty="0"/>
+              <a:t>color</a:t>
+            </a:r>
+            <a:r>
+              <a:rPr kumimoji="1" lang="zh-CN" altLang="en-US" dirty="0"/>
+              <a:t> </a:t>
+            </a:r>
+            <a:r>
+              <a:rPr kumimoji="1" lang="en-US" altLang="zh-CN" dirty="0"/>
+              <a:t>correction</a:t>
+            </a:r>
+          </a:p>
+        </p:txBody>
+      </p:sp>
+      <p:sp>
+        <p:nvSpPr>
+          <p:cNvPr id="4" name="灯片编号占位符 3"/>
+          <p:cNvSpPr>
+            <a:spLocks noGrp="1"/>
+          </p:cNvSpPr>
+          <p:nvPr>
+            <p:ph type="sldNum" sz="quarter" idx="5"/>
+          </p:nvPr>
+        </p:nvSpPr>
+        <p:spPr/>
+        <p:txBody>
+          <a:bodyPr/>
+          <a:lstStyle/>
+          <a:p>
+            <a:fld id="{F6A31A7C-380D-F64D-9A6B-23732B7166C8}" type="slidenum">
+              <a:rPr kumimoji="1" lang="zh-CN" altLang="en-US" smtClean="0"/>
+              <a:t>5</a:t>
+            </a:fld>
+            <a:endParaRPr kumimoji="1" lang="zh-CN" altLang="en-US"/>
+          </a:p>
+        </p:txBody>
+      </p:sp>
+    </p:spTree>
+    <p:extLst>
+      <p:ext uri="{BB962C8B-B14F-4D97-AF65-F5344CB8AC3E}">
+        <p14:creationId xmlns:p14="http://schemas.microsoft.com/office/powerpoint/2010/main" val="3723956959"/>
+      </p:ext>
+    </p:extLst>
+  </p:cSld>
+  <p:clrMapOvr>
+    <a:masterClrMapping/>
+  </p:clrMapOvr>
+</p:notes>
+</file>
+
+<file path=ppt/notesSlides/notesSlide5.xml><?xml version="1.0" encoding="utf-8"?>
+<p:notes xmlns:a="http://schemas.openxmlformats.org/drawingml/2006/main" xmlns:r="http://schemas.openxmlformats.org/officeDocument/2006/relationships" xmlns:p="http://schemas.openxmlformats.org/presentationml/2006/main">
+  <p:cSld>
+    <p:spTree>
+      <p:nvGrpSpPr>
+        <p:cNvPr id="1" name=""/>
+        <p:cNvGrpSpPr/>
+        <p:nvPr/>
+      </p:nvGrpSpPr>
+      <p:grpSpPr>
+        <a:xfrm>
+          <a:off x="0" y="0"/>
+          <a:ext cx="0" cy="0"/>
+          <a:chOff x="0" y="0"/>
+          <a:chExt cx="0" cy="0"/>
+        </a:xfrm>
+      </p:grpSpPr>
+      <p:sp>
+        <p:nvSpPr>
+          <p:cNvPr id="2" name="幻灯片图像占位符 1"/>
+          <p:cNvSpPr>
+            <a:spLocks noGrp="1" noRot="1" noChangeAspect="1"/>
+          </p:cNvSpPr>
+          <p:nvPr>
+            <p:ph type="sldImg"/>
+          </p:nvPr>
+        </p:nvSpPr>
+        <p:spPr/>
+      </p:sp>
+      <p:sp>
+        <p:nvSpPr>
+          <p:cNvPr id="3" name="备注占位符 2"/>
+          <p:cNvSpPr>
+            <a:spLocks noGrp="1"/>
+          </p:cNvSpPr>
+          <p:nvPr>
+            <p:ph type="body" idx="1"/>
+          </p:nvPr>
+        </p:nvSpPr>
+        <p:spPr/>
+        <p:txBody>
+          <a:bodyPr/>
+          <a:lstStyle/>
+          <a:p>
+            <a:r>
+              <a:rPr kumimoji="1" lang="zh-CN" altLang="en-US" dirty="0"/>
+              <a:t>之后进行最优接缝的寻找和</a:t>
+            </a:r>
+            <a:r>
+              <a:rPr kumimoji="1" lang="en-US" altLang="zh-CN" dirty="0"/>
+              <a:t>image</a:t>
+            </a:r>
+            <a:r>
+              <a:rPr kumimoji="1" lang="zh-CN" altLang="en-US" dirty="0"/>
+              <a:t> </a:t>
+            </a:r>
+            <a:r>
+              <a:rPr kumimoji="1" lang="en-US" altLang="zh-CN" dirty="0"/>
+              <a:t>labeling</a:t>
+            </a:r>
+          </a:p>
+        </p:txBody>
+      </p:sp>
+      <p:sp>
+        <p:nvSpPr>
+          <p:cNvPr id="4" name="灯片编号占位符 3"/>
+          <p:cNvSpPr>
+            <a:spLocks noGrp="1"/>
+          </p:cNvSpPr>
+          <p:nvPr>
+            <p:ph type="sldNum" sz="quarter" idx="5"/>
+          </p:nvPr>
+        </p:nvSpPr>
+        <p:spPr/>
+        <p:txBody>
+          <a:bodyPr/>
+          <a:lstStyle/>
+          <a:p>
+            <a:fld id="{F6A31A7C-380D-F64D-9A6B-23732B7166C8}" type="slidenum">
+              <a:rPr kumimoji="1" lang="zh-CN" altLang="en-US" smtClean="0"/>
+              <a:t>6</a:t>
+            </a:fld>
+            <a:endParaRPr kumimoji="1" lang="zh-CN" altLang="en-US"/>
+          </a:p>
+        </p:txBody>
+      </p:sp>
+    </p:spTree>
+    <p:extLst>
+      <p:ext uri="{BB962C8B-B14F-4D97-AF65-F5344CB8AC3E}">
+        <p14:creationId xmlns:p14="http://schemas.microsoft.com/office/powerpoint/2010/main" val="1542982068"/>
+      </p:ext>
+    </p:extLst>
+  </p:cSld>
+  <p:clrMapOvr>
+    <a:masterClrMapping/>
+  </p:clrMapOvr>
+</p:notes>
+</file>
+
+<file path=ppt/notesSlides/notesSlide6.xml><?xml version="1.0" encoding="utf-8"?>
+<p:notes xmlns:a="http://schemas.openxmlformats.org/drawingml/2006/main" xmlns:r="http://schemas.openxmlformats.org/officeDocument/2006/relationships" xmlns:p="http://schemas.openxmlformats.org/presentationml/2006/main">
+  <p:cSld>
+    <p:spTree>
+      <p:nvGrpSpPr>
+        <p:cNvPr id="1" name=""/>
+        <p:cNvGrpSpPr/>
+        <p:nvPr/>
+      </p:nvGrpSpPr>
+      <p:grpSpPr>
+        <a:xfrm>
+          <a:off x="0" y="0"/>
+          <a:ext cx="0" cy="0"/>
+          <a:chOff x="0" y="0"/>
+          <a:chExt cx="0" cy="0"/>
+        </a:xfrm>
+      </p:grpSpPr>
+      <p:sp>
+        <p:nvSpPr>
+          <p:cNvPr id="2" name="幻灯片图像占位符 1"/>
+          <p:cNvSpPr>
+            <a:spLocks noGrp="1" noRot="1" noChangeAspect="1"/>
+          </p:cNvSpPr>
+          <p:nvPr>
+            <p:ph type="sldImg"/>
+          </p:nvPr>
+        </p:nvSpPr>
+        <p:spPr/>
+      </p:sp>
+      <p:sp>
+        <p:nvSpPr>
+          <p:cNvPr id="3" name="备注占位符 2"/>
+          <p:cNvSpPr>
+            <a:spLocks noGrp="1"/>
+          </p:cNvSpPr>
+          <p:nvPr>
+            <p:ph type="body" idx="1"/>
+          </p:nvPr>
+        </p:nvSpPr>
+        <p:spPr/>
+        <p:txBody>
+          <a:bodyPr/>
+          <a:lstStyle/>
+          <a:p>
+            <a:pPr marL="0" marR="0" lvl="0" indent="0" algn="l" defTabSz="914400" rtl="0" eaLnBrk="1" fontAlgn="auto" latinLnBrk="0" hangingPunct="1">
+              <a:lnSpc>
+                <a:spcPct val="100000"/>
+              </a:lnSpc>
+              <a:spcBef>
+                <a:spcPts val="0"/>
+              </a:spcBef>
+              <a:spcAft>
+                <a:spcPts val="0"/>
+              </a:spcAft>
+              <a:buClrTx/>
+              <a:buSzTx/>
+              <a:buFontTx/>
+              <a:buNone/>
+              <a:tabLst/>
+              <a:defRPr/>
+            </a:pPr>
+            <a:r>
+              <a:rPr kumimoji="1" lang="zh-CN" altLang="en-US" dirty="0"/>
+              <a:t>第三步进行图像融合</a:t>
+            </a:r>
+          </a:p>
+        </p:txBody>
+      </p:sp>
+      <p:sp>
+        <p:nvSpPr>
+          <p:cNvPr id="4" name="灯片编号占位符 3"/>
+          <p:cNvSpPr>
+            <a:spLocks noGrp="1"/>
+          </p:cNvSpPr>
+          <p:nvPr>
+            <p:ph type="sldNum" sz="quarter" idx="5"/>
+          </p:nvPr>
+        </p:nvSpPr>
+        <p:spPr/>
+        <p:txBody>
+          <a:bodyPr/>
+          <a:lstStyle/>
+          <a:p>
+            <a:fld id="{F6A31A7C-380D-F64D-9A6B-23732B7166C8}" type="slidenum">
+              <a:rPr kumimoji="1" lang="zh-CN" altLang="en-US" smtClean="0"/>
+              <a:t>7</a:t>
+            </a:fld>
+            <a:endParaRPr kumimoji="1" lang="zh-CN" altLang="en-US"/>
+          </a:p>
+        </p:txBody>
+      </p:sp>
+    </p:spTree>
+    <p:extLst>
+      <p:ext uri="{BB962C8B-B14F-4D97-AF65-F5344CB8AC3E}">
+        <p14:creationId xmlns:p14="http://schemas.microsoft.com/office/powerpoint/2010/main" val="3927491288"/>
+      </p:ext>
+    </p:extLst>
+  </p:cSld>
+  <p:clrMapOvr>
+    <a:masterClrMapping/>
+  </p:clrMapOvr>
+</p:notes>
+</file>
+
+<file path=ppt/notesSlides/notesSlide7.xml><?xml version="1.0" encoding="utf-8"?>
+<p:notes xmlns:a="http://schemas.openxmlformats.org/drawingml/2006/main" xmlns:r="http://schemas.openxmlformats.org/officeDocument/2006/relationships" xmlns:p="http://schemas.openxmlformats.org/presentationml/2006/main">
+  <p:cSld>
+    <p:spTree>
+      <p:nvGrpSpPr>
+        <p:cNvPr id="1" name=""/>
+        <p:cNvGrpSpPr/>
+        <p:nvPr/>
+      </p:nvGrpSpPr>
+      <p:grpSpPr>
+        <a:xfrm>
+          <a:off x="0" y="0"/>
+          <a:ext cx="0" cy="0"/>
+          <a:chOff x="0" y="0"/>
+          <a:chExt cx="0" cy="0"/>
+        </a:xfrm>
+      </p:grpSpPr>
+      <p:sp>
+        <p:nvSpPr>
+          <p:cNvPr id="2" name="幻灯片图像占位符 1"/>
+          <p:cNvSpPr>
+            <a:spLocks noGrp="1" noRot="1" noChangeAspect="1"/>
+          </p:cNvSpPr>
+          <p:nvPr>
+            <p:ph type="sldImg"/>
+          </p:nvPr>
+        </p:nvSpPr>
+        <p:spPr/>
+      </p:sp>
+      <p:sp>
+        <p:nvSpPr>
+          <p:cNvPr id="3" name="备注占位符 2"/>
+          <p:cNvSpPr>
+            <a:spLocks noGrp="1"/>
+          </p:cNvSpPr>
+          <p:nvPr>
+            <p:ph type="body" idx="1"/>
+          </p:nvPr>
+        </p:nvSpPr>
+        <p:spPr/>
+        <p:txBody>
+          <a:bodyPr/>
+          <a:lstStyle/>
+          <a:p>
+            <a:r>
+              <a:rPr kumimoji="1" lang="zh-CN" altLang="en-US" dirty="0"/>
+              <a:t>颜色和光照校正的核心思想其实还是 </a:t>
+            </a:r>
+            <a:r>
+              <a:rPr kumimoji="1" lang="en-US" altLang="zh-CN" dirty="0"/>
+              <a:t>gamma</a:t>
+            </a:r>
+            <a:r>
+              <a:rPr kumimoji="1" lang="zh-CN" altLang="en-US" dirty="0"/>
+              <a:t>校正</a:t>
+            </a:r>
+            <a:endParaRPr kumimoji="1" lang="en-US" altLang="zh-CN" dirty="0"/>
+          </a:p>
+          <a:p>
+            <a:r>
+              <a:rPr kumimoji="1" lang="zh-CN" altLang="en-US" dirty="0"/>
+              <a:t>主要分为两个步骤</a:t>
+            </a:r>
+            <a:endParaRPr kumimoji="1" lang="en-US" altLang="zh-CN" dirty="0"/>
+          </a:p>
+          <a:p>
+            <a:r>
+              <a:rPr kumimoji="1" lang="zh-CN" altLang="en-US" dirty="0"/>
+              <a:t>第一步是</a:t>
+            </a:r>
+            <a:r>
+              <a:rPr kumimoji="1" lang="en-US" altLang="zh-CN" dirty="0" err="1"/>
+              <a:t>aci</a:t>
+            </a:r>
+            <a:r>
+              <a:rPr kumimoji="1" lang="zh-CN" altLang="en-US" dirty="0"/>
+              <a:t>也就是相邻两个图像重叠区域的一个校正因子</a:t>
+            </a:r>
+          </a:p>
+        </p:txBody>
+      </p:sp>
+      <p:sp>
+        <p:nvSpPr>
+          <p:cNvPr id="4" name="灯片编号占位符 3"/>
+          <p:cNvSpPr>
+            <a:spLocks noGrp="1"/>
+          </p:cNvSpPr>
+          <p:nvPr>
+            <p:ph type="sldNum" sz="quarter" idx="5"/>
+          </p:nvPr>
+        </p:nvSpPr>
+        <p:spPr/>
+        <p:txBody>
+          <a:bodyPr/>
+          <a:lstStyle/>
+          <a:p>
+            <a:fld id="{F6A31A7C-380D-F64D-9A6B-23732B7166C8}" type="slidenum">
+              <a:rPr kumimoji="1" lang="zh-CN" altLang="en-US" smtClean="0"/>
+              <a:t>8</a:t>
+            </a:fld>
+            <a:endParaRPr kumimoji="1" lang="zh-CN" altLang="en-US"/>
+          </a:p>
+        </p:txBody>
+      </p:sp>
+    </p:spTree>
+    <p:extLst>
+      <p:ext uri="{BB962C8B-B14F-4D97-AF65-F5344CB8AC3E}">
+        <p14:creationId xmlns:p14="http://schemas.microsoft.com/office/powerpoint/2010/main" val="1275664724"/>
+      </p:ext>
+    </p:extLst>
+  </p:cSld>
+  <p:clrMapOvr>
+    <a:masterClrMapping/>
+  </p:clrMapOvr>
+</p:notes>
+</file>
+
+<file path=ppt/notesSlides/notesSlide8.xml><?xml version="1.0" encoding="utf-8"?>
+<p:notes xmlns:a="http://schemas.openxmlformats.org/drawingml/2006/main" xmlns:r="http://schemas.openxmlformats.org/officeDocument/2006/relationships" xmlns:p="http://schemas.openxmlformats.org/presentationml/2006/main">
+  <p:cSld>
+    <p:spTree>
+      <p:nvGrpSpPr>
+        <p:cNvPr id="1" name=""/>
+        <p:cNvGrpSpPr/>
+        <p:nvPr/>
+      </p:nvGrpSpPr>
+      <p:grpSpPr>
+        <a:xfrm>
+          <a:off x="0" y="0"/>
+          <a:ext cx="0" cy="0"/>
+          <a:chOff x="0" y="0"/>
+          <a:chExt cx="0" cy="0"/>
+        </a:xfrm>
+      </p:grpSpPr>
+      <p:sp>
+        <p:nvSpPr>
+          <p:cNvPr id="2" name="幻灯片图像占位符 1"/>
+          <p:cNvSpPr>
+            <a:spLocks noGrp="1" noRot="1" noChangeAspect="1"/>
+          </p:cNvSpPr>
+          <p:nvPr>
+            <p:ph type="sldImg"/>
+          </p:nvPr>
+        </p:nvSpPr>
+        <p:spPr/>
+      </p:sp>
+      <p:sp>
+        <p:nvSpPr>
+          <p:cNvPr id="3" name="备注占位符 2"/>
+          <p:cNvSpPr>
+            <a:spLocks noGrp="1"/>
+          </p:cNvSpPr>
+          <p:nvPr>
+            <p:ph type="body" idx="1"/>
+          </p:nvPr>
+        </p:nvSpPr>
+        <p:spPr/>
+        <p:txBody>
+          <a:bodyPr/>
+          <a:lstStyle/>
+          <a:p>
+            <a:r>
+              <a:rPr kumimoji="1" lang="zh-CN" altLang="en-US" dirty="0"/>
+              <a:t>第二个是最优一个方程组得到的全局调整因子，这里我们用导数</a:t>
+            </a:r>
+            <a:r>
+              <a:rPr kumimoji="1" lang="en-US" altLang="zh-CN" dirty="0"/>
+              <a:t>=0</a:t>
+            </a:r>
+            <a:r>
+              <a:rPr kumimoji="1" lang="zh-CN" altLang="en-US" dirty="0"/>
+              <a:t>的闭式解来做</a:t>
+            </a:r>
+          </a:p>
+        </p:txBody>
+      </p:sp>
+      <p:sp>
+        <p:nvSpPr>
+          <p:cNvPr id="4" name="灯片编号占位符 3"/>
+          <p:cNvSpPr>
+            <a:spLocks noGrp="1"/>
+          </p:cNvSpPr>
+          <p:nvPr>
+            <p:ph type="sldNum" sz="quarter" idx="5"/>
+          </p:nvPr>
+        </p:nvSpPr>
+        <p:spPr/>
+        <p:txBody>
+          <a:bodyPr/>
+          <a:lstStyle/>
+          <a:p>
+            <a:fld id="{F6A31A7C-380D-F64D-9A6B-23732B7166C8}" type="slidenum">
+              <a:rPr kumimoji="1" lang="zh-CN" altLang="en-US" smtClean="0"/>
+              <a:t>9</a:t>
+            </a:fld>
+            <a:endParaRPr kumimoji="1" lang="zh-CN" altLang="en-US"/>
+          </a:p>
+        </p:txBody>
+      </p:sp>
+    </p:spTree>
+    <p:extLst>
+      <p:ext uri="{BB962C8B-B14F-4D97-AF65-F5344CB8AC3E}">
+        <p14:creationId xmlns:p14="http://schemas.microsoft.com/office/powerpoint/2010/main" val="444736414"/>
+      </p:ext>
+    </p:extLst>
+  </p:cSld>
+  <p:clrMapOvr>
+    <a:masterClrMapping/>
+  </p:clrMapOvr>
+</p:notes>
+</file>
+
+<file path=ppt/notesSlides/notesSlide9.xml><?xml version="1.0" encoding="utf-8"?>
+<p:notes xmlns:a="http://schemas.openxmlformats.org/drawingml/2006/main" xmlns:r="http://schemas.openxmlformats.org/officeDocument/2006/relationships" xmlns:p="http://schemas.openxmlformats.org/presentationml/2006/main">
+  <p:cSld>
+    <p:spTree>
+      <p:nvGrpSpPr>
+        <p:cNvPr id="1" name=""/>
+        <p:cNvGrpSpPr/>
+        <p:nvPr/>
+      </p:nvGrpSpPr>
+      <p:grpSpPr>
+        <a:xfrm>
+          <a:off x="0" y="0"/>
+          <a:ext cx="0" cy="0"/>
+          <a:chOff x="0" y="0"/>
+          <a:chExt cx="0" cy="0"/>
+        </a:xfrm>
+      </p:grpSpPr>
+      <p:sp>
+        <p:nvSpPr>
+          <p:cNvPr id="2" name="幻灯片图像占位符 1"/>
+          <p:cNvSpPr>
+            <a:spLocks noGrp="1" noRot="1" noChangeAspect="1"/>
+          </p:cNvSpPr>
+          <p:nvPr>
+            <p:ph type="sldImg"/>
+          </p:nvPr>
+        </p:nvSpPr>
+        <p:spPr/>
+      </p:sp>
+      <p:sp>
+        <p:nvSpPr>
+          <p:cNvPr id="3" name="备注占位符 2"/>
+          <p:cNvSpPr>
+            <a:spLocks noGrp="1"/>
+          </p:cNvSpPr>
+          <p:nvPr>
+            <p:ph type="body" idx="1"/>
+          </p:nvPr>
+        </p:nvSpPr>
+        <p:spPr/>
+        <p:txBody>
+          <a:bodyPr/>
+          <a:lstStyle/>
+          <a:p>
+            <a:r>
+              <a:rPr kumimoji="1" lang="zh-CN" altLang="en-US" dirty="0"/>
+              <a:t>最终我们综合这两个调整因子</a:t>
+            </a:r>
+            <a:endParaRPr kumimoji="1" lang="en-US" altLang="zh-CN" dirty="0"/>
+          </a:p>
+          <a:p>
+            <a:r>
+              <a:rPr kumimoji="1" lang="zh-CN" altLang="en-US" dirty="0"/>
+              <a:t>对原像素做一个</a:t>
+            </a:r>
+            <a:r>
+              <a:rPr kumimoji="1" lang="en-US" altLang="zh-CN" dirty="0"/>
+              <a:t>gamma</a:t>
+            </a:r>
+            <a:r>
+              <a:rPr kumimoji="1" lang="zh-CN" altLang="en-US" dirty="0"/>
+              <a:t>校正</a:t>
+            </a:r>
+          </a:p>
+        </p:txBody>
+      </p:sp>
+      <p:sp>
+        <p:nvSpPr>
+          <p:cNvPr id="4" name="灯片编号占位符 3"/>
+          <p:cNvSpPr>
+            <a:spLocks noGrp="1"/>
+          </p:cNvSpPr>
+          <p:nvPr>
+            <p:ph type="sldNum" sz="quarter" idx="5"/>
+          </p:nvPr>
+        </p:nvSpPr>
+        <p:spPr/>
+        <p:txBody>
+          <a:bodyPr/>
+          <a:lstStyle/>
+          <a:p>
+            <a:fld id="{F6A31A7C-380D-F64D-9A6B-23732B7166C8}" type="slidenum">
+              <a:rPr kumimoji="1" lang="zh-CN" altLang="en-US" smtClean="0"/>
+              <a:t>10</a:t>
+            </a:fld>
+            <a:endParaRPr kumimoji="1" lang="zh-CN" altLang="en-US"/>
+          </a:p>
+        </p:txBody>
+      </p:sp>
+    </p:spTree>
+    <p:extLst>
+      <p:ext uri="{BB962C8B-B14F-4D97-AF65-F5344CB8AC3E}">
+        <p14:creationId xmlns:p14="http://schemas.microsoft.com/office/powerpoint/2010/main" val="1089209940"/>
+      </p:ext>
+    </p:extLst>
+  </p:cSld>
+  <p:clrMapOvr>
+    <a:masterClrMapping/>
+  </p:clrMapOvr>
+</p:notes>
+</file>
+
 <file path=ppt/slideLayouts/slideLayout1.xml><?xml version="1.0" encoding="utf-8"?>
 <p:sldLayout xmlns:a="http://schemas.openxmlformats.org/drawingml/2006/main" xmlns:r="http://schemas.openxmlformats.org/officeDocument/2006/relationships" xmlns:p="http://schemas.openxmlformats.org/presentationml/2006/main" type="title" preserve="1">
   <p:cSld name="标题幻灯片">
@@ -341,6 +2458,18 @@
   <p:clrMapOvr>
     <a:masterClrMapping/>
   </p:clrMapOvr>
+  <mc:AlternateContent xmlns:mc="http://schemas.openxmlformats.org/markup-compatibility/2006">
+    <mc:Choice xmlns:p159="http://schemas.microsoft.com/office/powerpoint/2015/09/main" Requires="p159">
+      <p:transition xmlns:p14="http://schemas.microsoft.com/office/powerpoint/2010/main" spd="slow" p14:dur="2000">
+        <p159:morph option="byObject"/>
+      </p:transition>
+    </mc:Choice>
+    <mc:Fallback>
+      <p:transition spd="slow">
+        <p:fade/>
+      </p:transition>
+    </mc:Fallback>
+  </mc:AlternateContent>
 </p:sldLayout>
 </file>
 
@@ -539,6 +2668,18 @@
   <p:clrMapOvr>
     <a:masterClrMapping/>
   </p:clrMapOvr>
+  <mc:AlternateContent xmlns:mc="http://schemas.openxmlformats.org/markup-compatibility/2006">
+    <mc:Choice xmlns:p159="http://schemas.microsoft.com/office/powerpoint/2015/09/main" Requires="p159">
+      <p:transition xmlns:p14="http://schemas.microsoft.com/office/powerpoint/2010/main" spd="slow" p14:dur="2000">
+        <p159:morph option="byObject"/>
+      </p:transition>
+    </mc:Choice>
+    <mc:Fallback>
+      <p:transition spd="slow">
+        <p:fade/>
+      </p:transition>
+    </mc:Fallback>
+  </mc:AlternateContent>
 </p:sldLayout>
 </file>
 
@@ -747,6 +2888,18 @@
   <p:clrMapOvr>
     <a:masterClrMapping/>
   </p:clrMapOvr>
+  <mc:AlternateContent xmlns:mc="http://schemas.openxmlformats.org/markup-compatibility/2006">
+    <mc:Choice xmlns:p159="http://schemas.microsoft.com/office/powerpoint/2015/09/main" Requires="p159">
+      <p:transition xmlns:p14="http://schemas.microsoft.com/office/powerpoint/2010/main" spd="slow" p14:dur="2000">
+        <p159:morph option="byObject"/>
+      </p:transition>
+    </mc:Choice>
+    <mc:Fallback>
+      <p:transition spd="slow">
+        <p:fade/>
+      </p:transition>
+    </mc:Fallback>
+  </mc:AlternateContent>
 </p:sldLayout>
 </file>
 
@@ -795,7 +2948,7 @@
           </a:bodyPr>
           <a:lstStyle>
             <a:lvl1pPr>
-              <a:defRPr sz="3200">
+              <a:defRPr sz="2800" b="1">
                 <a:latin typeface="Hiragino Mincho ProN W3" panose="02020300000000000000" pitchFamily="18" charset="-128"/>
                 <a:ea typeface="Hiragino Mincho ProN W3" panose="02020300000000000000" pitchFamily="18" charset="-128"/>
               </a:defRPr>
@@ -1030,6 +3183,18 @@
   <p:clrMapOvr>
     <a:masterClrMapping/>
   </p:clrMapOvr>
+  <mc:AlternateContent xmlns:mc="http://schemas.openxmlformats.org/markup-compatibility/2006">
+    <mc:Choice xmlns:p159="http://schemas.microsoft.com/office/powerpoint/2015/09/main" Requires="p159">
+      <p:transition xmlns:p14="http://schemas.microsoft.com/office/powerpoint/2010/main" spd="slow" p14:dur="2000">
+        <p159:morph option="byObject"/>
+      </p:transition>
+    </mc:Choice>
+    <mc:Fallback>
+      <p:transition spd="slow">
+        <p:fade/>
+      </p:transition>
+    </mc:Fallback>
+  </mc:AlternateContent>
 </p:sldLayout>
 </file>
 
@@ -1228,6 +3393,18 @@
   <p:clrMapOvr>
     <a:masterClrMapping/>
   </p:clrMapOvr>
+  <mc:AlternateContent xmlns:mc="http://schemas.openxmlformats.org/markup-compatibility/2006">
+    <mc:Choice xmlns:p159="http://schemas.microsoft.com/office/powerpoint/2015/09/main" Requires="p159">
+      <p:transition xmlns:p14="http://schemas.microsoft.com/office/powerpoint/2010/main" spd="slow" p14:dur="2000">
+        <p159:morph option="byObject"/>
+      </p:transition>
+    </mc:Choice>
+    <mc:Fallback>
+      <p:transition spd="slow">
+        <p:fade/>
+      </p:transition>
+    </mc:Fallback>
+  </mc:AlternateContent>
 </p:sldLayout>
 </file>
 
@@ -1503,6 +3680,18 @@
   <p:clrMapOvr>
     <a:masterClrMapping/>
   </p:clrMapOvr>
+  <mc:AlternateContent xmlns:mc="http://schemas.openxmlformats.org/markup-compatibility/2006">
+    <mc:Choice xmlns:p159="http://schemas.microsoft.com/office/powerpoint/2015/09/main" Requires="p159">
+      <p:transition xmlns:p14="http://schemas.microsoft.com/office/powerpoint/2010/main" spd="slow" p14:dur="2000">
+        <p159:morph option="byObject"/>
+      </p:transition>
+    </mc:Choice>
+    <mc:Fallback>
+      <p:transition spd="slow">
+        <p:fade/>
+      </p:transition>
+    </mc:Fallback>
+  </mc:AlternateContent>
 </p:sldLayout>
 </file>
 
@@ -1768,6 +3957,18 @@
   <p:clrMapOvr>
     <a:masterClrMapping/>
   </p:clrMapOvr>
+  <mc:AlternateContent xmlns:mc="http://schemas.openxmlformats.org/markup-compatibility/2006">
+    <mc:Choice xmlns:p159="http://schemas.microsoft.com/office/powerpoint/2015/09/main" Requires="p159">
+      <p:transition xmlns:p14="http://schemas.microsoft.com/office/powerpoint/2010/main" spd="slow" p14:dur="2000">
+        <p159:morph option="byObject"/>
+      </p:transition>
+    </mc:Choice>
+    <mc:Fallback>
+      <p:transition spd="slow">
+        <p:fade/>
+      </p:transition>
+    </mc:Fallback>
+  </mc:AlternateContent>
 </p:sldLayout>
 </file>
 
@@ -2180,6 +4381,18 @@
   <p:clrMapOvr>
     <a:masterClrMapping/>
   </p:clrMapOvr>
+  <mc:AlternateContent xmlns:mc="http://schemas.openxmlformats.org/markup-compatibility/2006">
+    <mc:Choice xmlns:p159="http://schemas.microsoft.com/office/powerpoint/2015/09/main" Requires="p159">
+      <p:transition xmlns:p14="http://schemas.microsoft.com/office/powerpoint/2010/main" spd="slow" p14:dur="2000">
+        <p159:morph option="byObject"/>
+      </p:transition>
+    </mc:Choice>
+    <mc:Fallback>
+      <p:transition spd="slow">
+        <p:fade/>
+      </p:transition>
+    </mc:Fallback>
+  </mc:AlternateContent>
 </p:sldLayout>
 </file>
 
@@ -2321,6 +4534,18 @@
   <p:clrMapOvr>
     <a:masterClrMapping/>
   </p:clrMapOvr>
+  <mc:AlternateContent xmlns:mc="http://schemas.openxmlformats.org/markup-compatibility/2006">
+    <mc:Choice xmlns:p159="http://schemas.microsoft.com/office/powerpoint/2015/09/main" Requires="p159">
+      <p:transition xmlns:p14="http://schemas.microsoft.com/office/powerpoint/2010/main" spd="slow" p14:dur="2000">
+        <p159:morph option="byObject"/>
+      </p:transition>
+    </mc:Choice>
+    <mc:Fallback>
+      <p:transition spd="slow">
+        <p:fade/>
+      </p:transition>
+    </mc:Fallback>
+  </mc:AlternateContent>
 </p:sldLayout>
 </file>
 
@@ -2434,6 +4659,18 @@
   <p:clrMapOvr>
     <a:masterClrMapping/>
   </p:clrMapOvr>
+  <mc:AlternateContent xmlns:mc="http://schemas.openxmlformats.org/markup-compatibility/2006">
+    <mc:Choice xmlns:p159="http://schemas.microsoft.com/office/powerpoint/2015/09/main" Requires="p159">
+      <p:transition xmlns:p14="http://schemas.microsoft.com/office/powerpoint/2010/main" spd="slow" p14:dur="2000">
+        <p159:morph option="byObject"/>
+      </p:transition>
+    </mc:Choice>
+    <mc:Fallback>
+      <p:transition spd="slow">
+        <p:fade/>
+      </p:transition>
+    </mc:Fallback>
+  </mc:AlternateContent>
 </p:sldLayout>
 </file>
 
@@ -2745,6 +4982,18 @@
   <p:clrMapOvr>
     <a:masterClrMapping/>
   </p:clrMapOvr>
+  <mc:AlternateContent xmlns:mc="http://schemas.openxmlformats.org/markup-compatibility/2006">
+    <mc:Choice xmlns:p159="http://schemas.microsoft.com/office/powerpoint/2015/09/main" Requires="p159">
+      <p:transition xmlns:p14="http://schemas.microsoft.com/office/powerpoint/2010/main" spd="slow" p14:dur="2000">
+        <p159:morph option="byObject"/>
+      </p:transition>
+    </mc:Choice>
+    <mc:Fallback>
+      <p:transition spd="slow">
+        <p:fade/>
+      </p:transition>
+    </mc:Fallback>
+  </mc:AlternateContent>
 </p:sldLayout>
 </file>
 
@@ -3033,6 +5282,18 @@
   <p:clrMapOvr>
     <a:masterClrMapping/>
   </p:clrMapOvr>
+  <mc:AlternateContent xmlns:mc="http://schemas.openxmlformats.org/markup-compatibility/2006">
+    <mc:Choice xmlns:p159="http://schemas.microsoft.com/office/powerpoint/2015/09/main" Requires="p159">
+      <p:transition xmlns:p14="http://schemas.microsoft.com/office/powerpoint/2010/main" spd="slow" p14:dur="2000">
+        <p159:morph option="byObject"/>
+      </p:transition>
+    </mc:Choice>
+    <mc:Fallback>
+      <p:transition spd="slow">
+        <p:fade/>
+      </p:transition>
+    </mc:Fallback>
+  </mc:AlternateContent>
 </p:sldLayout>
 </file>
 
@@ -3322,6 +5583,18 @@
     <p:sldLayoutId id="2147483659" r:id="rId11"/>
     <p:sldLayoutId id="2147483660" r:id="rId12"/>
   </p:sldLayoutIdLst>
+  <mc:AlternateContent xmlns:mc="http://schemas.openxmlformats.org/markup-compatibility/2006">
+    <mc:Choice xmlns:p159="http://schemas.microsoft.com/office/powerpoint/2015/09/main" Requires="p159">
+      <p:transition xmlns:p14="http://schemas.microsoft.com/office/powerpoint/2010/main" spd="slow" p14:dur="2000">
+        <p159:morph option="byObject"/>
+      </p:transition>
+    </mc:Choice>
+    <mc:Fallback>
+      <p:transition spd="slow">
+        <p:fade/>
+      </p:transition>
+    </mc:Fallback>
+  </mc:AlternateContent>
   <p:txStyles>
     <p:titleStyle>
       <a:lvl1pPr algn="l" defTabSz="914400" rtl="0" eaLnBrk="1" latinLnBrk="0" hangingPunct="1">
@@ -3859,6 +6132,3638 @@
   <p:clrMapOvr>
     <a:masterClrMapping/>
   </p:clrMapOvr>
+  <mc:AlternateContent xmlns:mc="http://schemas.openxmlformats.org/markup-compatibility/2006">
+    <mc:Choice xmlns:p159="http://schemas.microsoft.com/office/powerpoint/2015/09/main" Requires="p159">
+      <p:transition xmlns:p14="http://schemas.microsoft.com/office/powerpoint/2010/main" spd="slow" p14:dur="2000">
+        <p159:morph option="byObject"/>
+      </p:transition>
+    </mc:Choice>
+    <mc:Fallback>
+      <p:transition spd="slow">
+        <p:fade/>
+      </p:transition>
+    </mc:Fallback>
+  </mc:AlternateContent>
+</p:sld>
+</file>
+
+<file path=ppt/slides/slide10.xml><?xml version="1.0" encoding="utf-8"?>
+<p:sld xmlns:a="http://schemas.openxmlformats.org/drawingml/2006/main" xmlns:r="http://schemas.openxmlformats.org/officeDocument/2006/relationships" xmlns:p="http://schemas.openxmlformats.org/presentationml/2006/main">
+  <p:cSld>
+    <p:spTree>
+      <p:nvGrpSpPr>
+        <p:cNvPr id="1" name=""/>
+        <p:cNvGrpSpPr/>
+        <p:nvPr/>
+      </p:nvGrpSpPr>
+      <p:grpSpPr>
+        <a:xfrm>
+          <a:off x="0" y="0"/>
+          <a:ext cx="0" cy="0"/>
+          <a:chOff x="0" y="0"/>
+          <a:chExt cx="0" cy="0"/>
+        </a:xfrm>
+      </p:grpSpPr>
+      <p:sp>
+        <p:nvSpPr>
+          <p:cNvPr id="2" name="标题 1">
+            <a:extLst>
+              <a:ext uri="{FF2B5EF4-FFF2-40B4-BE49-F238E27FC236}">
+                <a16:creationId xmlns:a16="http://schemas.microsoft.com/office/drawing/2014/main" id="{00DE1D48-77F6-474E-BDC0-E09C4AB703EC}"/>
+              </a:ext>
+            </a:extLst>
+          </p:cNvPr>
+          <p:cNvSpPr>
+            <a:spLocks noGrp="1"/>
+          </p:cNvSpPr>
+          <p:nvPr>
+            <p:ph type="title"/>
+          </p:nvPr>
+        </p:nvSpPr>
+        <p:spPr>
+          <a:xfrm>
+            <a:off x="1355833" y="136525"/>
+            <a:ext cx="5704533" cy="877722"/>
+          </a:xfrm>
+        </p:spPr>
+        <p:txBody>
+          <a:bodyPr/>
+          <a:lstStyle/>
+          <a:p>
+            <a:r>
+              <a:rPr kumimoji="1" lang="en-US" altLang="zh-CN" sz="2400" dirty="0"/>
+              <a:t>Color and Luminance Compensation</a:t>
+            </a:r>
+            <a:endParaRPr kumimoji="1" lang="zh-CN" altLang="en-US" sz="2400" dirty="0"/>
+          </a:p>
+        </p:txBody>
+      </p:sp>
+      <p:pic>
+        <p:nvPicPr>
+          <p:cNvPr id="2052" name="Picture 4" descr="equation.pdf">
+            <a:extLst>
+              <a:ext uri="{FF2B5EF4-FFF2-40B4-BE49-F238E27FC236}">
+                <a16:creationId xmlns:a16="http://schemas.microsoft.com/office/drawing/2014/main" id="{0EAAFDB8-F331-4749-A71F-1F59E9DCD5E0}"/>
+              </a:ext>
+            </a:extLst>
+          </p:cNvPr>
+          <p:cNvPicPr>
+            <a:picLocks noChangeAspect="1" noChangeArrowheads="1"/>
+          </p:cNvPicPr>
+          <p:nvPr/>
+        </p:nvPicPr>
+        <p:blipFill>
+          <a:blip r:embed="rId3">
+            <a:extLst>
+              <a:ext uri="{28A0092B-C50C-407E-A947-70E740481C1C}">
+                <a14:useLocalDpi xmlns:a14="http://schemas.microsoft.com/office/drawing/2010/main" val="0"/>
+              </a:ext>
+            </a:extLst>
+          </a:blip>
+          <a:srcRect/>
+          <a:stretch>
+            <a:fillRect/>
+          </a:stretch>
+        </p:blipFill>
+        <p:spPr bwMode="auto">
+          <a:xfrm>
+            <a:off x="754159" y="3820908"/>
+            <a:ext cx="3531631" cy="610177"/>
+          </a:xfrm>
+          <a:prstGeom prst="rect">
+            <a:avLst/>
+          </a:prstGeom>
+          <a:noFill/>
+          <a:extLst>
+            <a:ext uri="{909E8E84-426E-40DD-AFC4-6F175D3DCCD1}">
+              <a14:hiddenFill xmlns:a14="http://schemas.microsoft.com/office/drawing/2010/main">
+                <a:solidFill>
+                  <a:srgbClr val="FFFFFF"/>
+                </a:solidFill>
+              </a14:hiddenFill>
+            </a:ext>
+          </a:extLst>
+        </p:spPr>
+      </p:pic>
+      <p:pic>
+        <p:nvPicPr>
+          <p:cNvPr id="2054" name="Picture 6" descr="equation.pdf">
+            <a:extLst>
+              <a:ext uri="{FF2B5EF4-FFF2-40B4-BE49-F238E27FC236}">
+                <a16:creationId xmlns:a16="http://schemas.microsoft.com/office/drawing/2014/main" id="{765F4799-C9BF-1B4C-A3F3-04A272F4B2DC}"/>
+              </a:ext>
+            </a:extLst>
+          </p:cNvPr>
+          <p:cNvPicPr>
+            <a:picLocks noChangeAspect="1" noChangeArrowheads="1"/>
+          </p:cNvPicPr>
+          <p:nvPr/>
+        </p:nvPicPr>
+        <p:blipFill>
+          <a:blip r:embed="rId4">
+            <a:extLst>
+              <a:ext uri="{28A0092B-C50C-407E-A947-70E740481C1C}">
+                <a14:useLocalDpi xmlns:a14="http://schemas.microsoft.com/office/drawing/2010/main" val="0"/>
+              </a:ext>
+            </a:extLst>
+          </a:blip>
+          <a:srcRect/>
+          <a:stretch>
+            <a:fillRect/>
+          </a:stretch>
+        </p:blipFill>
+        <p:spPr bwMode="auto">
+          <a:xfrm>
+            <a:off x="5346697" y="3429000"/>
+            <a:ext cx="6099068" cy="391908"/>
+          </a:xfrm>
+          <a:prstGeom prst="rect">
+            <a:avLst/>
+          </a:prstGeom>
+          <a:noFill/>
+          <a:extLst>
+            <a:ext uri="{909E8E84-426E-40DD-AFC4-6F175D3DCCD1}">
+              <a14:hiddenFill xmlns:a14="http://schemas.microsoft.com/office/drawing/2010/main">
+                <a:solidFill>
+                  <a:srgbClr val="FFFFFF"/>
+                </a:solidFill>
+              </a14:hiddenFill>
+            </a:ext>
+          </a:extLst>
+        </p:spPr>
+      </p:pic>
+      <p:sp>
+        <p:nvSpPr>
+          <p:cNvPr id="12" name="文本框 11">
+            <a:extLst>
+              <a:ext uri="{FF2B5EF4-FFF2-40B4-BE49-F238E27FC236}">
+                <a16:creationId xmlns:a16="http://schemas.microsoft.com/office/drawing/2014/main" id="{AF080C6C-96F8-FC4A-8764-982484CBD980}"/>
+              </a:ext>
+            </a:extLst>
+          </p:cNvPr>
+          <p:cNvSpPr txBox="1"/>
+          <p:nvPr/>
+        </p:nvSpPr>
+        <p:spPr>
+          <a:xfrm>
+            <a:off x="1205415" y="1435439"/>
+            <a:ext cx="10114225" cy="369332"/>
+          </a:xfrm>
+          <a:prstGeom prst="rect">
+            <a:avLst/>
+          </a:prstGeom>
+          <a:noFill/>
+        </p:spPr>
+        <p:txBody>
+          <a:bodyPr wrap="square" rtlCol="0">
+            <a:spAutoFit/>
+          </a:bodyPr>
+          <a:lstStyle/>
+          <a:p>
+            <a:r>
+              <a:rPr kumimoji="1" lang="en-US" altLang="zh-CN" b="1" dirty="0"/>
+              <a:t>Basic idea: </a:t>
+            </a:r>
+            <a:r>
+              <a:rPr kumimoji="1" lang="en-US" altLang="zh-CN" dirty="0"/>
+              <a:t>compute light averages in the overlap area by linearizing the gamma-corrected RGB</a:t>
+            </a:r>
+            <a:endParaRPr kumimoji="1" lang="zh-CN" altLang="en-US" dirty="0"/>
+          </a:p>
+        </p:txBody>
+      </p:sp>
+      <p:pic>
+        <p:nvPicPr>
+          <p:cNvPr id="9" name="Picture 2" descr="equation.pdf">
+            <a:extLst>
+              <a:ext uri="{FF2B5EF4-FFF2-40B4-BE49-F238E27FC236}">
+                <a16:creationId xmlns:a16="http://schemas.microsoft.com/office/drawing/2014/main" id="{80D4C5A0-475C-AE45-A96E-1378385200EE}"/>
+              </a:ext>
+            </a:extLst>
+          </p:cNvPr>
+          <p:cNvPicPr>
+            <a:picLocks noChangeAspect="1" noChangeArrowheads="1"/>
+          </p:cNvPicPr>
+          <p:nvPr/>
+        </p:nvPicPr>
+        <p:blipFill>
+          <a:blip r:embed="rId5">
+            <a:extLst>
+              <a:ext uri="{28A0092B-C50C-407E-A947-70E740481C1C}">
+                <a14:useLocalDpi xmlns:a14="http://schemas.microsoft.com/office/drawing/2010/main" val="0"/>
+              </a:ext>
+            </a:extLst>
+          </a:blip>
+          <a:srcRect/>
+          <a:stretch>
+            <a:fillRect/>
+          </a:stretch>
+        </p:blipFill>
+        <p:spPr bwMode="auto">
+          <a:xfrm>
+            <a:off x="754159" y="2965175"/>
+            <a:ext cx="3901924" cy="610177"/>
+          </a:xfrm>
+          <a:prstGeom prst="rect">
+            <a:avLst/>
+          </a:prstGeom>
+          <a:noFill/>
+          <a:extLst>
+            <a:ext uri="{909E8E84-426E-40DD-AFC4-6F175D3DCCD1}">
+              <a14:hiddenFill xmlns:a14="http://schemas.microsoft.com/office/drawing/2010/main">
+                <a:solidFill>
+                  <a:srgbClr val="FFFFFF"/>
+                </a:solidFill>
+              </a14:hiddenFill>
+            </a:ext>
+          </a:extLst>
+        </p:spPr>
+      </p:pic>
+      <p:sp>
+        <p:nvSpPr>
+          <p:cNvPr id="3" name="右大括号 2">
+            <a:extLst>
+              <a:ext uri="{FF2B5EF4-FFF2-40B4-BE49-F238E27FC236}">
+                <a16:creationId xmlns:a16="http://schemas.microsoft.com/office/drawing/2014/main" id="{A5F426BB-6791-294A-98D6-81CEE2C39E49}"/>
+              </a:ext>
+            </a:extLst>
+          </p:cNvPr>
+          <p:cNvSpPr/>
+          <p:nvPr/>
+        </p:nvSpPr>
+        <p:spPr>
+          <a:xfrm>
+            <a:off x="4792718" y="3240674"/>
+            <a:ext cx="273269" cy="927538"/>
+          </a:xfrm>
+          <a:prstGeom prst="rightBrace">
+            <a:avLst/>
+          </a:prstGeom>
+          <a:ln w="19050"/>
+        </p:spPr>
+        <p:style>
+          <a:lnRef idx="1">
+            <a:schemeClr val="dk1"/>
+          </a:lnRef>
+          <a:fillRef idx="0">
+            <a:schemeClr val="dk1"/>
+          </a:fillRef>
+          <a:effectRef idx="0">
+            <a:schemeClr val="dk1"/>
+          </a:effectRef>
+          <a:fontRef idx="minor">
+            <a:schemeClr val="tx1"/>
+          </a:fontRef>
+        </p:style>
+        <p:txBody>
+          <a:bodyPr rtlCol="0" anchor="ctr"/>
+          <a:lstStyle/>
+          <a:p>
+            <a:pPr algn="ctr"/>
+            <a:endParaRPr kumimoji="1" lang="zh-CN" altLang="en-US"/>
+          </a:p>
+        </p:txBody>
+      </p:sp>
+    </p:spTree>
+    <p:extLst>
+      <p:ext uri="{BB962C8B-B14F-4D97-AF65-F5344CB8AC3E}">
+        <p14:creationId xmlns:p14="http://schemas.microsoft.com/office/powerpoint/2010/main" val="1261851236"/>
+      </p:ext>
+    </p:extLst>
+  </p:cSld>
+  <p:clrMapOvr>
+    <a:masterClrMapping/>
+  </p:clrMapOvr>
+  <mc:AlternateContent xmlns:mc="http://schemas.openxmlformats.org/markup-compatibility/2006">
+    <mc:Choice xmlns:p159="http://schemas.microsoft.com/office/powerpoint/2015/09/main" Requires="p159">
+      <p:transition xmlns:p14="http://schemas.microsoft.com/office/powerpoint/2010/main" spd="slow" p14:dur="2000">
+        <p159:morph option="byObject"/>
+      </p:transition>
+    </mc:Choice>
+    <mc:Fallback>
+      <p:transition spd="slow">
+        <p:fade/>
+      </p:transition>
+    </mc:Fallback>
+  </mc:AlternateContent>
+</p:sld>
+</file>
+
+<file path=ppt/slides/slide11.xml><?xml version="1.0" encoding="utf-8"?>
+<p:sld xmlns:a="http://schemas.openxmlformats.org/drawingml/2006/main" xmlns:r="http://schemas.openxmlformats.org/officeDocument/2006/relationships" xmlns:p="http://schemas.openxmlformats.org/presentationml/2006/main">
+  <p:cSld>
+    <p:spTree>
+      <p:nvGrpSpPr>
+        <p:cNvPr id="1" name=""/>
+        <p:cNvGrpSpPr/>
+        <p:nvPr/>
+      </p:nvGrpSpPr>
+      <p:grpSpPr>
+        <a:xfrm>
+          <a:off x="0" y="0"/>
+          <a:ext cx="0" cy="0"/>
+          <a:chOff x="0" y="0"/>
+          <a:chExt cx="0" cy="0"/>
+        </a:xfrm>
+      </p:grpSpPr>
+      <p:sp>
+        <p:nvSpPr>
+          <p:cNvPr id="2" name="标题 1">
+            <a:extLst>
+              <a:ext uri="{FF2B5EF4-FFF2-40B4-BE49-F238E27FC236}">
+                <a16:creationId xmlns:a16="http://schemas.microsoft.com/office/drawing/2014/main" id="{00DE1D48-77F6-474E-BDC0-E09C4AB703EC}"/>
+              </a:ext>
+            </a:extLst>
+          </p:cNvPr>
+          <p:cNvSpPr>
+            <a:spLocks noGrp="1"/>
+          </p:cNvSpPr>
+          <p:nvPr>
+            <p:ph type="title"/>
+          </p:nvPr>
+        </p:nvSpPr>
+        <p:spPr>
+          <a:xfrm>
+            <a:off x="1355833" y="136525"/>
+            <a:ext cx="5704533" cy="877722"/>
+          </a:xfrm>
+        </p:spPr>
+        <p:txBody>
+          <a:bodyPr/>
+          <a:lstStyle/>
+          <a:p>
+            <a:r>
+              <a:rPr kumimoji="1" lang="en-US" altLang="zh-CN" sz="2400" dirty="0"/>
+              <a:t>Color and Luminance Compensation</a:t>
+            </a:r>
+            <a:endParaRPr kumimoji="1" lang="zh-CN" altLang="en-US" sz="2400" dirty="0"/>
+          </a:p>
+        </p:txBody>
+      </p:sp>
+      <p:pic>
+        <p:nvPicPr>
+          <p:cNvPr id="4" name="图片 3">
+            <a:extLst>
+              <a:ext uri="{FF2B5EF4-FFF2-40B4-BE49-F238E27FC236}">
+                <a16:creationId xmlns:a16="http://schemas.microsoft.com/office/drawing/2014/main" id="{A62DC09F-DFA8-6648-8E53-FEF56ADE4BA0}"/>
+              </a:ext>
+            </a:extLst>
+          </p:cNvPr>
+          <p:cNvPicPr>
+            <a:picLocks noChangeAspect="1"/>
+          </p:cNvPicPr>
+          <p:nvPr/>
+        </p:nvPicPr>
+        <p:blipFill>
+          <a:blip r:embed="rId3"/>
+          <a:stretch>
+            <a:fillRect/>
+          </a:stretch>
+        </p:blipFill>
+        <p:spPr>
+          <a:xfrm>
+            <a:off x="1095741" y="2128734"/>
+            <a:ext cx="9491906" cy="2634406"/>
+          </a:xfrm>
+          <a:prstGeom prst="rect">
+            <a:avLst/>
+          </a:prstGeom>
+        </p:spPr>
+      </p:pic>
+      <p:pic>
+        <p:nvPicPr>
+          <p:cNvPr id="5" name="图片 4">
+            <a:extLst>
+              <a:ext uri="{FF2B5EF4-FFF2-40B4-BE49-F238E27FC236}">
+                <a16:creationId xmlns:a16="http://schemas.microsoft.com/office/drawing/2014/main" id="{6A647F41-CB4F-D344-9C0C-D232B5222DC6}"/>
+              </a:ext>
+            </a:extLst>
+          </p:cNvPr>
+          <p:cNvPicPr>
+            <a:picLocks noChangeAspect="1"/>
+          </p:cNvPicPr>
+          <p:nvPr/>
+        </p:nvPicPr>
+        <p:blipFill>
+          <a:blip r:embed="rId4"/>
+          <a:stretch>
+            <a:fillRect/>
+          </a:stretch>
+        </p:blipFill>
+        <p:spPr>
+          <a:xfrm>
+            <a:off x="5416767" y="1178671"/>
+            <a:ext cx="6232197" cy="4892566"/>
+          </a:xfrm>
+          <a:prstGeom prst="rect">
+            <a:avLst/>
+          </a:prstGeom>
+        </p:spPr>
+      </p:pic>
+    </p:spTree>
+    <p:extLst>
+      <p:ext uri="{BB962C8B-B14F-4D97-AF65-F5344CB8AC3E}">
+        <p14:creationId xmlns:p14="http://schemas.microsoft.com/office/powerpoint/2010/main" val="37748187"/>
+      </p:ext>
+    </p:extLst>
+  </p:cSld>
+  <p:clrMapOvr>
+    <a:masterClrMapping/>
+  </p:clrMapOvr>
+  <mc:AlternateContent xmlns:mc="http://schemas.openxmlformats.org/markup-compatibility/2006">
+    <mc:Choice xmlns:p159="http://schemas.microsoft.com/office/powerpoint/2015/09/main" Requires="p159">
+      <p:transition xmlns:p14="http://schemas.microsoft.com/office/powerpoint/2010/main" spd="slow" p14:dur="2000">
+        <p159:morph option="byObject"/>
+      </p:transition>
+    </mc:Choice>
+    <mc:Fallback>
+      <p:transition spd="slow">
+        <p:fade/>
+      </p:transition>
+    </mc:Fallback>
+  </mc:AlternateContent>
+  <p:timing>
+    <p:tnLst>
+      <p:par>
+        <p:cTn id="1" dur="indefinite" restart="never" nodeType="tmRoot">
+          <p:childTnLst>
+            <p:seq concurrent="1" nextAc="seek">
+              <p:cTn id="2" dur="indefinite" nodeType="mainSeq">
+                <p:childTnLst>
+                  <p:par>
+                    <p:cTn id="3" fill="hold">
+                      <p:stCondLst>
+                        <p:cond delay="indefinite"/>
+                      </p:stCondLst>
+                      <p:childTnLst>
+                        <p:par>
+                          <p:cTn id="4" fill="hold">
+                            <p:stCondLst>
+                              <p:cond delay="0"/>
+                            </p:stCondLst>
+                            <p:childTnLst>
+                              <p:par>
+                                <p:cTn id="5" presetID="10" presetClass="entr" presetSubtype="0" fill="hold" nodeType="clickEffect">
+                                  <p:stCondLst>
+                                    <p:cond delay="0"/>
+                                  </p:stCondLst>
+                                  <p:childTnLst>
+                                    <p:set>
+                                      <p:cBhvr>
+                                        <p:cTn id="6" dur="1" fill="hold">
+                                          <p:stCondLst>
+                                            <p:cond delay="0"/>
+                                          </p:stCondLst>
+                                        </p:cTn>
+                                        <p:tgtEl>
+                                          <p:spTgt spid="5"/>
+                                        </p:tgtEl>
+                                        <p:attrNameLst>
+                                          <p:attrName>style.visibility</p:attrName>
+                                        </p:attrNameLst>
+                                      </p:cBhvr>
+                                      <p:to>
+                                        <p:strVal val="visible"/>
+                                      </p:to>
+                                    </p:set>
+                                    <p:animEffect transition="in" filter="fade">
+                                      <p:cBhvr>
+                                        <p:cTn id="7" dur="500"/>
+                                        <p:tgtEl>
+                                          <p:spTgt spid="5"/>
+                                        </p:tgtEl>
+                                      </p:cBhvr>
+                                    </p:animEffect>
+                                  </p:childTnLst>
+                                </p:cTn>
+                              </p:par>
+                            </p:childTnLst>
+                          </p:cTn>
+                        </p:par>
+                      </p:childTnLst>
+                    </p:cTn>
+                  </p:par>
+                </p:childTnLst>
+              </p:cTn>
+              <p:prevCondLst>
+                <p:cond evt="onPrev" delay="0">
+                  <p:tgtEl>
+                    <p:sldTgt/>
+                  </p:tgtEl>
+                </p:cond>
+              </p:prevCondLst>
+              <p:nextCondLst>
+                <p:cond evt="onNext" delay="0">
+                  <p:tgtEl>
+                    <p:sldTgt/>
+                  </p:tgtEl>
+                </p:cond>
+              </p:nextCondLst>
+            </p:seq>
+          </p:childTnLst>
+        </p:cTn>
+      </p:par>
+    </p:tnLst>
+  </p:timing>
+</p:sld>
+</file>
+
+<file path=ppt/slides/slide12.xml><?xml version="1.0" encoding="utf-8"?>
+<p:sld xmlns:a="http://schemas.openxmlformats.org/drawingml/2006/main" xmlns:r="http://schemas.openxmlformats.org/officeDocument/2006/relationships" xmlns:p="http://schemas.openxmlformats.org/presentationml/2006/main">
+  <p:cSld>
+    <p:spTree>
+      <p:nvGrpSpPr>
+        <p:cNvPr id="1" name=""/>
+        <p:cNvGrpSpPr/>
+        <p:nvPr/>
+      </p:nvGrpSpPr>
+      <p:grpSpPr>
+        <a:xfrm>
+          <a:off x="0" y="0"/>
+          <a:ext cx="0" cy="0"/>
+          <a:chOff x="0" y="0"/>
+          <a:chExt cx="0" cy="0"/>
+        </a:xfrm>
+      </p:grpSpPr>
+      <p:sp>
+        <p:nvSpPr>
+          <p:cNvPr id="2" name="标题 1">
+            <a:extLst>
+              <a:ext uri="{FF2B5EF4-FFF2-40B4-BE49-F238E27FC236}">
+                <a16:creationId xmlns:a16="http://schemas.microsoft.com/office/drawing/2014/main" id="{838255AC-2E87-6943-B972-B778E25FD1A9}"/>
+              </a:ext>
+            </a:extLst>
+          </p:cNvPr>
+          <p:cNvSpPr>
+            <a:spLocks noGrp="1"/>
+          </p:cNvSpPr>
+          <p:nvPr>
+            <p:ph type="title"/>
+          </p:nvPr>
+        </p:nvSpPr>
+        <p:spPr>
+          <a:xfrm>
+            <a:off x="1355834" y="136525"/>
+            <a:ext cx="7678984" cy="877722"/>
+          </a:xfrm>
+        </p:spPr>
+        <p:txBody>
+          <a:bodyPr/>
+          <a:lstStyle/>
+          <a:p>
+            <a:r>
+              <a:rPr kumimoji="1" lang="en-US" altLang="zh-CN" sz="2400" dirty="0"/>
+              <a:t>Optimal Seam Finding and Image Labeling</a:t>
+            </a:r>
+            <a:endParaRPr kumimoji="1" lang="zh-CN" altLang="en-US" sz="2400" dirty="0"/>
+          </a:p>
+        </p:txBody>
+      </p:sp>
+      <p:pic>
+        <p:nvPicPr>
+          <p:cNvPr id="4" name="图片 3">
+            <a:extLst>
+              <a:ext uri="{FF2B5EF4-FFF2-40B4-BE49-F238E27FC236}">
+                <a16:creationId xmlns:a16="http://schemas.microsoft.com/office/drawing/2014/main" id="{909E38FC-39D0-F74E-B66F-55FB94B71DD9}"/>
+              </a:ext>
+            </a:extLst>
+          </p:cNvPr>
+          <p:cNvPicPr>
+            <a:picLocks noChangeAspect="1"/>
+          </p:cNvPicPr>
+          <p:nvPr/>
+        </p:nvPicPr>
+        <p:blipFill>
+          <a:blip r:embed="rId3"/>
+          <a:stretch>
+            <a:fillRect/>
+          </a:stretch>
+        </p:blipFill>
+        <p:spPr>
+          <a:xfrm>
+            <a:off x="1076941" y="1321073"/>
+            <a:ext cx="1003300" cy="749300"/>
+          </a:xfrm>
+          <a:prstGeom prst="rect">
+            <a:avLst/>
+          </a:prstGeom>
+        </p:spPr>
+      </p:pic>
+      <p:pic>
+        <p:nvPicPr>
+          <p:cNvPr id="6" name="图片 5">
+            <a:extLst>
+              <a:ext uri="{FF2B5EF4-FFF2-40B4-BE49-F238E27FC236}">
+                <a16:creationId xmlns:a16="http://schemas.microsoft.com/office/drawing/2014/main" id="{4B3044D7-9542-E047-AB42-E72A4B1DD8B3}"/>
+              </a:ext>
+            </a:extLst>
+          </p:cNvPr>
+          <p:cNvPicPr>
+            <a:picLocks noChangeAspect="1"/>
+          </p:cNvPicPr>
+          <p:nvPr/>
+        </p:nvPicPr>
+        <p:blipFill>
+          <a:blip r:embed="rId4"/>
+          <a:stretch>
+            <a:fillRect/>
+          </a:stretch>
+        </p:blipFill>
+        <p:spPr>
+          <a:xfrm>
+            <a:off x="2182410" y="1321073"/>
+            <a:ext cx="1003300" cy="749300"/>
+          </a:xfrm>
+          <a:prstGeom prst="rect">
+            <a:avLst/>
+          </a:prstGeom>
+        </p:spPr>
+      </p:pic>
+      <p:pic>
+        <p:nvPicPr>
+          <p:cNvPr id="8" name="图片 7">
+            <a:extLst>
+              <a:ext uri="{FF2B5EF4-FFF2-40B4-BE49-F238E27FC236}">
+                <a16:creationId xmlns:a16="http://schemas.microsoft.com/office/drawing/2014/main" id="{9E19F5B1-FC4C-4D4F-BB3B-E3641212E2B0}"/>
+              </a:ext>
+            </a:extLst>
+          </p:cNvPr>
+          <p:cNvPicPr>
+            <a:picLocks noChangeAspect="1"/>
+          </p:cNvPicPr>
+          <p:nvPr/>
+        </p:nvPicPr>
+        <p:blipFill>
+          <a:blip r:embed="rId5"/>
+          <a:stretch>
+            <a:fillRect/>
+          </a:stretch>
+        </p:blipFill>
+        <p:spPr>
+          <a:xfrm>
+            <a:off x="1090210" y="3177026"/>
+            <a:ext cx="673100" cy="749300"/>
+          </a:xfrm>
+          <a:prstGeom prst="rect">
+            <a:avLst/>
+          </a:prstGeom>
+        </p:spPr>
+      </p:pic>
+      <p:pic>
+        <p:nvPicPr>
+          <p:cNvPr id="10" name="图片 9">
+            <a:extLst>
+              <a:ext uri="{FF2B5EF4-FFF2-40B4-BE49-F238E27FC236}">
+                <a16:creationId xmlns:a16="http://schemas.microsoft.com/office/drawing/2014/main" id="{8F2862F3-6A5B-2D4D-9B12-B85E3FCEBAAB}"/>
+              </a:ext>
+            </a:extLst>
+          </p:cNvPr>
+          <p:cNvPicPr>
+            <a:picLocks noChangeAspect="1"/>
+          </p:cNvPicPr>
+          <p:nvPr/>
+        </p:nvPicPr>
+        <p:blipFill>
+          <a:blip r:embed="rId6"/>
+          <a:stretch>
+            <a:fillRect/>
+          </a:stretch>
+        </p:blipFill>
+        <p:spPr>
+          <a:xfrm>
+            <a:off x="1090210" y="2229123"/>
+            <a:ext cx="673100" cy="749300"/>
+          </a:xfrm>
+          <a:prstGeom prst="rect">
+            <a:avLst/>
+          </a:prstGeom>
+        </p:spPr>
+      </p:pic>
+      <p:pic>
+        <p:nvPicPr>
+          <p:cNvPr id="11" name="图片 10">
+            <a:extLst>
+              <a:ext uri="{FF2B5EF4-FFF2-40B4-BE49-F238E27FC236}">
+                <a16:creationId xmlns:a16="http://schemas.microsoft.com/office/drawing/2014/main" id="{13B0EF97-3339-0144-829E-E6FBF2B36985}"/>
+              </a:ext>
+            </a:extLst>
+          </p:cNvPr>
+          <p:cNvPicPr>
+            <a:picLocks noChangeAspect="1"/>
+          </p:cNvPicPr>
+          <p:nvPr/>
+        </p:nvPicPr>
+        <p:blipFill>
+          <a:blip r:embed="rId7"/>
+          <a:stretch>
+            <a:fillRect/>
+          </a:stretch>
+        </p:blipFill>
+        <p:spPr>
+          <a:xfrm>
+            <a:off x="1090210" y="4124929"/>
+            <a:ext cx="692901" cy="749300"/>
+          </a:xfrm>
+          <a:prstGeom prst="rect">
+            <a:avLst/>
+          </a:prstGeom>
+        </p:spPr>
+      </p:pic>
+      <p:pic>
+        <p:nvPicPr>
+          <p:cNvPr id="13" name="图片 12">
+            <a:extLst>
+              <a:ext uri="{FF2B5EF4-FFF2-40B4-BE49-F238E27FC236}">
+                <a16:creationId xmlns:a16="http://schemas.microsoft.com/office/drawing/2014/main" id="{E31BAD94-3992-824D-BD49-D27AD70FB125}"/>
+              </a:ext>
+            </a:extLst>
+          </p:cNvPr>
+          <p:cNvPicPr>
+            <a:picLocks noChangeAspect="1"/>
+          </p:cNvPicPr>
+          <p:nvPr/>
+        </p:nvPicPr>
+        <p:blipFill>
+          <a:blip r:embed="rId8"/>
+          <a:stretch>
+            <a:fillRect/>
+          </a:stretch>
+        </p:blipFill>
+        <p:spPr>
+          <a:xfrm>
+            <a:off x="1076941" y="5072832"/>
+            <a:ext cx="1346200" cy="749300"/>
+          </a:xfrm>
+          <a:prstGeom prst="rect">
+            <a:avLst/>
+          </a:prstGeom>
+        </p:spPr>
+      </p:pic>
+      <p:sp>
+        <p:nvSpPr>
+          <p:cNvPr id="14" name="文本框 13">
+            <a:extLst>
+              <a:ext uri="{FF2B5EF4-FFF2-40B4-BE49-F238E27FC236}">
+                <a16:creationId xmlns:a16="http://schemas.microsoft.com/office/drawing/2014/main" id="{1B167464-BD8C-0C4C-A4B8-F5866E814165}"/>
+              </a:ext>
+            </a:extLst>
+          </p:cNvPr>
+          <p:cNvSpPr txBox="1"/>
+          <p:nvPr/>
+        </p:nvSpPr>
+        <p:spPr>
+          <a:xfrm>
+            <a:off x="3489434" y="1478146"/>
+            <a:ext cx="2144110" cy="369332"/>
+          </a:xfrm>
+          <a:prstGeom prst="rect">
+            <a:avLst/>
+          </a:prstGeom>
+          <a:noFill/>
+        </p:spPr>
+        <p:txBody>
+          <a:bodyPr wrap="square" rtlCol="0">
+            <a:spAutoFit/>
+          </a:bodyPr>
+          <a:lstStyle/>
+          <a:p>
+            <a:r>
+              <a:rPr kumimoji="1" lang="en-US" altLang="zh-CN" dirty="0"/>
+              <a:t>Input images</a:t>
+            </a:r>
+            <a:endParaRPr kumimoji="1" lang="zh-CN" altLang="en-US" dirty="0"/>
+          </a:p>
+        </p:txBody>
+      </p:sp>
+      <mc:AlternateContent xmlns:mc="http://schemas.openxmlformats.org/markup-compatibility/2006">
+        <mc:Choice xmlns:a14="http://schemas.microsoft.com/office/drawing/2010/main" Requires="a14">
+          <p:sp>
+            <p:nvSpPr>
+              <p:cNvPr id="15" name="文本框 14">
+                <a:extLst>
+                  <a:ext uri="{FF2B5EF4-FFF2-40B4-BE49-F238E27FC236}">
+                    <a16:creationId xmlns:a16="http://schemas.microsoft.com/office/drawing/2014/main" id="{7D4C1D0F-FCA7-474E-BEA5-3817258F8C04}"/>
+                  </a:ext>
+                </a:extLst>
+              </p:cNvPr>
+              <p:cNvSpPr txBox="1"/>
+              <p:nvPr/>
+            </p:nvSpPr>
+            <p:spPr>
+              <a:xfrm>
+                <a:off x="2774731" y="2430596"/>
+                <a:ext cx="3477849" cy="369332"/>
+              </a:xfrm>
+              <a:prstGeom prst="rect">
+                <a:avLst/>
+              </a:prstGeom>
+              <a:noFill/>
+            </p:spPr>
+            <p:txBody>
+              <a:bodyPr wrap="square" rtlCol="0">
+                <a:spAutoFit/>
+              </a:bodyPr>
+              <a:lstStyle/>
+              <a:p>
+                <a:r>
+                  <a:rPr kumimoji="1" lang="en-US" altLang="zh-CN" dirty="0"/>
+                  <a:t>e: error surface  </a:t>
+                </a:r>
+                <a14:m>
+                  <m:oMath xmlns:m="http://schemas.openxmlformats.org/officeDocument/2006/math">
+                    <m:r>
+                      <a:rPr kumimoji="1" lang="en-US" altLang="zh-CN" b="0" i="1" smtClean="0">
+                        <a:latin typeface="Cambria Math" panose="02040503050406030204" pitchFamily="18" charset="0"/>
+                      </a:rPr>
+                      <m:t>𝑒</m:t>
+                    </m:r>
+                    <m:r>
+                      <a:rPr kumimoji="1" lang="en-US" altLang="zh-CN" b="0" i="1" smtClean="0">
+                        <a:latin typeface="Cambria Math" panose="02040503050406030204" pitchFamily="18" charset="0"/>
+                      </a:rPr>
+                      <m:t>=</m:t>
+                    </m:r>
+                    <m:sSup>
+                      <m:sSupPr>
+                        <m:ctrlPr>
+                          <a:rPr kumimoji="1" lang="en-US" altLang="zh-CN" b="0" i="1" smtClean="0">
+                            <a:latin typeface="Cambria Math" panose="02040503050406030204" pitchFamily="18" charset="0"/>
+                          </a:rPr>
+                        </m:ctrlPr>
+                      </m:sSupPr>
+                      <m:e>
+                        <m:r>
+                          <a:rPr kumimoji="1" lang="en-US" altLang="zh-CN" b="0" i="1" smtClean="0">
+                            <a:latin typeface="Cambria Math" panose="02040503050406030204" pitchFamily="18" charset="0"/>
+                          </a:rPr>
+                          <m:t>(</m:t>
+                        </m:r>
+                        <m:sSubSup>
+                          <m:sSubSupPr>
+                            <m:ctrlPr>
+                              <a:rPr kumimoji="1" lang="en-US" altLang="zh-CN" b="0" i="1" smtClean="0">
+                                <a:latin typeface="Cambria Math" panose="02040503050406030204" pitchFamily="18" charset="0"/>
+                              </a:rPr>
+                            </m:ctrlPr>
+                          </m:sSubSupPr>
+                          <m:e>
+                            <m:r>
+                              <a:rPr kumimoji="1" lang="en-US" altLang="zh-CN" b="0" i="1" smtClean="0">
+                                <a:latin typeface="Cambria Math" panose="02040503050406030204" pitchFamily="18" charset="0"/>
+                              </a:rPr>
+                              <m:t>𝐼</m:t>
+                            </m:r>
+                          </m:e>
+                          <m:sub>
+                            <m:r>
+                              <a:rPr kumimoji="1" lang="en-US" altLang="zh-CN" b="0" i="1" smtClean="0">
+                                <a:latin typeface="Cambria Math" panose="02040503050406030204" pitchFamily="18" charset="0"/>
+                              </a:rPr>
+                              <m:t>𝑐</m:t>
+                            </m:r>
+                          </m:sub>
+                          <m:sup>
+                            <m:r>
+                              <a:rPr kumimoji="1" lang="en-US" altLang="zh-CN" b="0" i="1" smtClean="0">
+                                <a:latin typeface="Cambria Math" panose="02040503050406030204" pitchFamily="18" charset="0"/>
+                              </a:rPr>
+                              <m:t>𝑜</m:t>
+                            </m:r>
+                          </m:sup>
+                        </m:sSubSup>
+                        <m:r>
+                          <a:rPr kumimoji="1" lang="en-US" altLang="zh-CN" b="0" i="1" smtClean="0">
+                            <a:latin typeface="Cambria Math" panose="02040503050406030204" pitchFamily="18" charset="0"/>
+                          </a:rPr>
+                          <m:t> − </m:t>
+                        </m:r>
+                        <m:sSubSup>
+                          <m:sSubSupPr>
+                            <m:ctrlPr>
+                              <a:rPr kumimoji="1" lang="en-US" altLang="zh-CN" b="0" i="1" smtClean="0">
+                                <a:latin typeface="Cambria Math" panose="02040503050406030204" pitchFamily="18" charset="0"/>
+                              </a:rPr>
+                            </m:ctrlPr>
+                          </m:sSubSupPr>
+                          <m:e>
+                            <m:r>
+                              <a:rPr kumimoji="1" lang="en-US" altLang="zh-CN" b="0" i="1" smtClean="0">
+                                <a:latin typeface="Cambria Math" panose="02040503050406030204" pitchFamily="18" charset="0"/>
+                              </a:rPr>
+                              <m:t>𝑆</m:t>
+                            </m:r>
+                          </m:e>
+                          <m:sub>
+                            <m:r>
+                              <a:rPr kumimoji="1" lang="en-US" altLang="zh-CN" b="0" i="1" smtClean="0">
+                                <a:latin typeface="Cambria Math" panose="02040503050406030204" pitchFamily="18" charset="0"/>
+                              </a:rPr>
+                              <m:t>𝑐</m:t>
+                            </m:r>
+                          </m:sub>
+                          <m:sup>
+                            <m:r>
+                              <a:rPr kumimoji="1" lang="en-US" altLang="zh-CN" b="0" i="1" smtClean="0">
+                                <a:latin typeface="Cambria Math" panose="02040503050406030204" pitchFamily="18" charset="0"/>
+                              </a:rPr>
+                              <m:t>𝑜</m:t>
+                            </m:r>
+                          </m:sup>
+                        </m:sSubSup>
+                        <m:r>
+                          <a:rPr kumimoji="1" lang="en-US" altLang="zh-CN" b="0" i="1" smtClean="0">
+                            <a:latin typeface="Cambria Math" panose="02040503050406030204" pitchFamily="18" charset="0"/>
+                          </a:rPr>
+                          <m:t>)</m:t>
+                        </m:r>
+                      </m:e>
+                      <m:sup>
+                        <m:r>
+                          <a:rPr kumimoji="1" lang="en-US" altLang="zh-CN" b="0" i="1" smtClean="0">
+                            <a:latin typeface="Cambria Math" panose="02040503050406030204" pitchFamily="18" charset="0"/>
+                          </a:rPr>
+                          <m:t>2</m:t>
+                        </m:r>
+                      </m:sup>
+                    </m:sSup>
+                  </m:oMath>
+                </a14:m>
+                <a:endParaRPr kumimoji="1" lang="zh-CN" altLang="en-US" dirty="0"/>
+              </a:p>
+            </p:txBody>
+          </p:sp>
+        </mc:Choice>
+        <mc:Fallback>
+          <p:sp>
+            <p:nvSpPr>
+              <p:cNvPr id="15" name="文本框 14">
+                <a:extLst>
+                  <a:ext uri="{FF2B5EF4-FFF2-40B4-BE49-F238E27FC236}">
+                    <a16:creationId xmlns:a16="http://schemas.microsoft.com/office/drawing/2014/main" id="{7D4C1D0F-FCA7-474E-BEA5-3817258F8C04}"/>
+                  </a:ext>
+                </a:extLst>
+              </p:cNvPr>
+              <p:cNvSpPr txBox="1">
+                <a:spLocks noRot="1" noChangeAspect="1" noMove="1" noResize="1" noEditPoints="1" noAdjustHandles="1" noChangeArrowheads="1" noChangeShapeType="1" noTextEdit="1"/>
+              </p:cNvSpPr>
+              <p:nvPr/>
+            </p:nvSpPr>
+            <p:spPr>
+              <a:xfrm>
+                <a:off x="2774731" y="2430596"/>
+                <a:ext cx="3477849" cy="369332"/>
+              </a:xfrm>
+              <a:prstGeom prst="rect">
+                <a:avLst/>
+              </a:prstGeom>
+              <a:blipFill>
+                <a:blip r:embed="rId9"/>
+                <a:stretch>
+                  <a:fillRect l="-1091" t="-3333" b="-26667"/>
+                </a:stretch>
+              </a:blipFill>
+            </p:spPr>
+            <p:txBody>
+              <a:bodyPr/>
+              <a:lstStyle/>
+              <a:p>
+                <a:r>
+                  <a:rPr lang="zh-CN" altLang="en-US">
+                    <a:noFill/>
+                  </a:rPr>
+                  <a:t> </a:t>
+                </a:r>
+              </a:p>
+            </p:txBody>
+          </p:sp>
+        </mc:Fallback>
+      </mc:AlternateContent>
+      <p:sp>
+        <p:nvSpPr>
+          <p:cNvPr id="16" name="文本框 15">
+            <a:extLst>
+              <a:ext uri="{FF2B5EF4-FFF2-40B4-BE49-F238E27FC236}">
+                <a16:creationId xmlns:a16="http://schemas.microsoft.com/office/drawing/2014/main" id="{D634EB79-FA1A-4A4F-9529-2E6CA43908CD}"/>
+              </a:ext>
+            </a:extLst>
+          </p:cNvPr>
+          <p:cNvSpPr txBox="1"/>
+          <p:nvPr/>
+        </p:nvSpPr>
+        <p:spPr>
+          <a:xfrm>
+            <a:off x="2786316" y="3144964"/>
+            <a:ext cx="4834759" cy="369332"/>
+          </a:xfrm>
+          <a:prstGeom prst="rect">
+            <a:avLst/>
+          </a:prstGeom>
+          <a:noFill/>
+        </p:spPr>
+        <p:txBody>
+          <a:bodyPr wrap="square" rtlCol="0">
+            <a:spAutoFit/>
+          </a:bodyPr>
+          <a:lstStyle/>
+          <a:p>
+            <a:r>
+              <a:rPr kumimoji="1" lang="en-US" altLang="zh-CN" dirty="0"/>
+              <a:t>E: cumulative minimum squared difference</a:t>
+            </a:r>
+            <a:endParaRPr kumimoji="1" lang="zh-CN" altLang="en-US" dirty="0"/>
+          </a:p>
+        </p:txBody>
+      </p:sp>
+      <p:pic>
+        <p:nvPicPr>
+          <p:cNvPr id="5122" name="Picture 2" descr="equation.pdf">
+            <a:extLst>
+              <a:ext uri="{FF2B5EF4-FFF2-40B4-BE49-F238E27FC236}">
+                <a16:creationId xmlns:a16="http://schemas.microsoft.com/office/drawing/2014/main" id="{6A159717-B2FC-DF40-81C5-AF676E09F52F}"/>
+              </a:ext>
+            </a:extLst>
+          </p:cNvPr>
+          <p:cNvPicPr>
+            <a:picLocks noChangeAspect="1" noChangeArrowheads="1"/>
+          </p:cNvPicPr>
+          <p:nvPr/>
+        </p:nvPicPr>
+        <p:blipFill>
+          <a:blip r:embed="rId10">
+            <a:extLst>
+              <a:ext uri="{28A0092B-C50C-407E-A947-70E740481C1C}">
+                <a14:useLocalDpi xmlns:a14="http://schemas.microsoft.com/office/drawing/2010/main" val="0"/>
+              </a:ext>
+            </a:extLst>
+          </a:blip>
+          <a:srcRect/>
+          <a:stretch>
+            <a:fillRect/>
+          </a:stretch>
+        </p:blipFill>
+        <p:spPr bwMode="auto">
+          <a:xfrm>
+            <a:off x="2843586" y="3606405"/>
+            <a:ext cx="6741850" cy="192624"/>
+          </a:xfrm>
+          <a:prstGeom prst="rect">
+            <a:avLst/>
+          </a:prstGeom>
+          <a:noFill/>
+          <a:extLst>
+            <a:ext uri="{909E8E84-426E-40DD-AFC4-6F175D3DCCD1}">
+              <a14:hiddenFill xmlns:a14="http://schemas.microsoft.com/office/drawing/2010/main">
+                <a:solidFill>
+                  <a:srgbClr val="FFFFFF"/>
+                </a:solidFill>
+              </a14:hiddenFill>
+            </a:ext>
+          </a:extLst>
+        </p:spPr>
+      </p:pic>
+      <p:sp>
+        <p:nvSpPr>
+          <p:cNvPr id="17" name="文本框 16">
+            <a:extLst>
+              <a:ext uri="{FF2B5EF4-FFF2-40B4-BE49-F238E27FC236}">
+                <a16:creationId xmlns:a16="http://schemas.microsoft.com/office/drawing/2014/main" id="{C70C344F-2A7D-8345-9392-927DEDC8E56F}"/>
+              </a:ext>
+            </a:extLst>
+          </p:cNvPr>
+          <p:cNvSpPr txBox="1"/>
+          <p:nvPr/>
+        </p:nvSpPr>
+        <p:spPr>
+          <a:xfrm>
+            <a:off x="2786316" y="4124929"/>
+            <a:ext cx="2069463" cy="369332"/>
+          </a:xfrm>
+          <a:prstGeom prst="rect">
+            <a:avLst/>
+          </a:prstGeom>
+          <a:noFill/>
+        </p:spPr>
+        <p:txBody>
+          <a:bodyPr wrap="square" rtlCol="0">
+            <a:spAutoFit/>
+          </a:bodyPr>
+          <a:lstStyle/>
+          <a:p>
+            <a:r>
+              <a:rPr kumimoji="1" lang="en-US" altLang="zh-CN" dirty="0"/>
+              <a:t>All</a:t>
+            </a:r>
+            <a:r>
+              <a:rPr kumimoji="1" lang="zh-CN" altLang="en-US" dirty="0"/>
+              <a:t> </a:t>
+            </a:r>
+            <a:r>
+              <a:rPr kumimoji="1" lang="en-US" altLang="zh-CN" dirty="0"/>
+              <a:t>possible paths</a:t>
+            </a:r>
+            <a:endParaRPr kumimoji="1" lang="zh-CN" altLang="en-US" dirty="0"/>
+          </a:p>
+        </p:txBody>
+      </p:sp>
+      <mc:AlternateContent xmlns:mc="http://schemas.openxmlformats.org/markup-compatibility/2006">
+        <mc:Choice xmlns:a14="http://schemas.microsoft.com/office/drawing/2010/main" Requires="a14">
+          <p:sp>
+            <p:nvSpPr>
+              <p:cNvPr id="19" name="文本框 18">
+                <a:extLst>
+                  <a:ext uri="{FF2B5EF4-FFF2-40B4-BE49-F238E27FC236}">
+                    <a16:creationId xmlns:a16="http://schemas.microsoft.com/office/drawing/2014/main" id="{C789AE77-4AD0-964D-A84F-4B2FABA04651}"/>
+                  </a:ext>
+                </a:extLst>
+              </p:cNvPr>
+              <p:cNvSpPr txBox="1"/>
+              <p:nvPr/>
+            </p:nvSpPr>
+            <p:spPr>
+              <a:xfrm>
+                <a:off x="2786316" y="4468366"/>
+                <a:ext cx="8459752" cy="369332"/>
+              </a:xfrm>
+              <a:prstGeom prst="rect">
+                <a:avLst/>
+              </a:prstGeom>
+              <a:noFill/>
+            </p:spPr>
+            <p:txBody>
+              <a:bodyPr wrap="square" rtlCol="0">
+                <a:spAutoFit/>
+              </a:bodyPr>
+              <a:lstStyle/>
+              <a:p>
+                <a:r>
+                  <a:rPr kumimoji="1" lang="en-US" altLang="zh-CN" dirty="0"/>
+                  <a:t>Optimal path </a:t>
+                </a:r>
+                <a14:m>
+                  <m:oMath xmlns:m="http://schemas.openxmlformats.org/officeDocument/2006/math">
+                    <m:sSub>
+                      <m:sSubPr>
+                        <m:ctrlPr>
+                          <a:rPr kumimoji="1" lang="en-US" altLang="zh-CN" i="1" smtClean="0">
+                            <a:latin typeface="Cambria Math" panose="02040503050406030204" pitchFamily="18" charset="0"/>
+                          </a:rPr>
+                        </m:ctrlPr>
+                      </m:sSubPr>
+                      <m:e>
+                        <m:r>
+                          <a:rPr kumimoji="1" lang="en-US" altLang="zh-CN" b="0" i="1" smtClean="0">
+                            <a:latin typeface="Cambria Math" panose="02040503050406030204" pitchFamily="18" charset="0"/>
+                          </a:rPr>
+                          <m:t>𝑚</m:t>
+                        </m:r>
+                      </m:e>
+                      <m:sub>
+                        <m:r>
+                          <a:rPr kumimoji="1" lang="en-US" altLang="zh-CN" b="0" i="1" smtClean="0">
+                            <a:latin typeface="Cambria Math" panose="02040503050406030204" pitchFamily="18" charset="0"/>
+                          </a:rPr>
+                          <m:t>𝑐</m:t>
+                        </m:r>
+                      </m:sub>
+                    </m:sSub>
+                  </m:oMath>
+                </a14:m>
+                <a:r>
+                  <a:rPr kumimoji="1" lang="en-US" altLang="zh-CN" dirty="0"/>
+                  <a:t>: tracking back the paths with a minimal cost from bottom to top </a:t>
+                </a:r>
+                <a:endParaRPr kumimoji="1" lang="zh-CN" altLang="en-US" dirty="0"/>
+              </a:p>
+            </p:txBody>
+          </p:sp>
+        </mc:Choice>
+        <mc:Fallback>
+          <p:sp>
+            <p:nvSpPr>
+              <p:cNvPr id="19" name="文本框 18">
+                <a:extLst>
+                  <a:ext uri="{FF2B5EF4-FFF2-40B4-BE49-F238E27FC236}">
+                    <a16:creationId xmlns:a16="http://schemas.microsoft.com/office/drawing/2014/main" id="{C789AE77-4AD0-964D-A84F-4B2FABA04651}"/>
+                  </a:ext>
+                </a:extLst>
+              </p:cNvPr>
+              <p:cNvSpPr txBox="1">
+                <a:spLocks noRot="1" noChangeAspect="1" noMove="1" noResize="1" noEditPoints="1" noAdjustHandles="1" noChangeArrowheads="1" noChangeShapeType="1" noTextEdit="1"/>
+              </p:cNvSpPr>
+              <p:nvPr/>
+            </p:nvSpPr>
+            <p:spPr>
+              <a:xfrm>
+                <a:off x="2786316" y="4468366"/>
+                <a:ext cx="8459752" cy="369332"/>
+              </a:xfrm>
+              <a:prstGeom prst="rect">
+                <a:avLst/>
+              </a:prstGeom>
+              <a:blipFill>
+                <a:blip r:embed="rId11"/>
+                <a:stretch>
+                  <a:fillRect l="-449" t="-6667" b="-23333"/>
+                </a:stretch>
+              </a:blipFill>
+            </p:spPr>
+            <p:txBody>
+              <a:bodyPr/>
+              <a:lstStyle/>
+              <a:p>
+                <a:r>
+                  <a:rPr lang="zh-CN" altLang="en-US">
+                    <a:noFill/>
+                  </a:rPr>
+                  <a:t> </a:t>
+                </a:r>
+              </a:p>
+            </p:txBody>
+          </p:sp>
+        </mc:Fallback>
+      </mc:AlternateContent>
+      <p:sp>
+        <p:nvSpPr>
+          <p:cNvPr id="18" name="文本框 17">
+            <a:extLst>
+              <a:ext uri="{FF2B5EF4-FFF2-40B4-BE49-F238E27FC236}">
+                <a16:creationId xmlns:a16="http://schemas.microsoft.com/office/drawing/2014/main" id="{555D3577-956A-3E47-9FB9-46990AF4022F}"/>
+              </a:ext>
+            </a:extLst>
+          </p:cNvPr>
+          <p:cNvSpPr txBox="1"/>
+          <p:nvPr/>
+        </p:nvSpPr>
+        <p:spPr>
+          <a:xfrm>
+            <a:off x="2774731" y="5272403"/>
+            <a:ext cx="2081048" cy="369332"/>
+          </a:xfrm>
+          <a:prstGeom prst="rect">
+            <a:avLst/>
+          </a:prstGeom>
+          <a:noFill/>
+        </p:spPr>
+        <p:txBody>
+          <a:bodyPr wrap="square" rtlCol="0">
+            <a:spAutoFit/>
+          </a:bodyPr>
+          <a:lstStyle/>
+          <a:p>
+            <a:r>
+              <a:rPr kumimoji="1" lang="en-US" altLang="zh-CN" dirty="0"/>
+              <a:t>Panorama image</a:t>
+            </a:r>
+            <a:endParaRPr kumimoji="1" lang="zh-CN" altLang="en-US" dirty="0"/>
+          </a:p>
+        </p:txBody>
+      </p:sp>
+    </p:spTree>
+    <p:extLst>
+      <p:ext uri="{BB962C8B-B14F-4D97-AF65-F5344CB8AC3E}">
+        <p14:creationId xmlns:p14="http://schemas.microsoft.com/office/powerpoint/2010/main" val="785310709"/>
+      </p:ext>
+    </p:extLst>
+  </p:cSld>
+  <p:clrMapOvr>
+    <a:masterClrMapping/>
+  </p:clrMapOvr>
+  <mc:AlternateContent xmlns:mc="http://schemas.openxmlformats.org/markup-compatibility/2006">
+    <mc:Choice xmlns:p159="http://schemas.microsoft.com/office/powerpoint/2015/09/main" Requires="p159">
+      <p:transition xmlns:p14="http://schemas.microsoft.com/office/powerpoint/2010/main" spd="slow" p14:dur="2000">
+        <p159:morph option="byObject"/>
+      </p:transition>
+    </mc:Choice>
+    <mc:Fallback>
+      <p:transition spd="slow">
+        <p:fade/>
+      </p:transition>
+    </mc:Fallback>
+  </mc:AlternateContent>
+  <p:timing>
+    <p:tnLst>
+      <p:par>
+        <p:cTn id="1" dur="indefinite" restart="never" nodeType="tmRoot">
+          <p:childTnLst>
+            <p:seq concurrent="1" nextAc="seek">
+              <p:cTn id="2" dur="indefinite" nodeType="mainSeq">
+                <p:childTnLst>
+                  <p:par>
+                    <p:cTn id="3" fill="hold">
+                      <p:stCondLst>
+                        <p:cond delay="indefinite"/>
+                      </p:stCondLst>
+                      <p:childTnLst>
+                        <p:par>
+                          <p:cTn id="4" fill="hold">
+                            <p:stCondLst>
+                              <p:cond delay="0"/>
+                            </p:stCondLst>
+                            <p:childTnLst>
+                              <p:par>
+                                <p:cTn id="5" presetID="10" presetClass="entr" presetSubtype="0" fill="hold" grpId="0" nodeType="clickEffect">
+                                  <p:stCondLst>
+                                    <p:cond delay="0"/>
+                                  </p:stCondLst>
+                                  <p:childTnLst>
+                                    <p:set>
+                                      <p:cBhvr>
+                                        <p:cTn id="6" dur="1" fill="hold">
+                                          <p:stCondLst>
+                                            <p:cond delay="0"/>
+                                          </p:stCondLst>
+                                        </p:cTn>
+                                        <p:tgtEl>
+                                          <p:spTgt spid="14"/>
+                                        </p:tgtEl>
+                                        <p:attrNameLst>
+                                          <p:attrName>style.visibility</p:attrName>
+                                        </p:attrNameLst>
+                                      </p:cBhvr>
+                                      <p:to>
+                                        <p:strVal val="visible"/>
+                                      </p:to>
+                                    </p:set>
+                                    <p:animEffect transition="in" filter="fade">
+                                      <p:cBhvr>
+                                        <p:cTn id="7" dur="500"/>
+                                        <p:tgtEl>
+                                          <p:spTgt spid="14"/>
+                                        </p:tgtEl>
+                                      </p:cBhvr>
+                                    </p:animEffect>
+                                  </p:childTnLst>
+                                </p:cTn>
+                              </p:par>
+                            </p:childTnLst>
+                          </p:cTn>
+                        </p:par>
+                      </p:childTnLst>
+                    </p:cTn>
+                  </p:par>
+                  <p:par>
+                    <p:cTn id="8" fill="hold">
+                      <p:stCondLst>
+                        <p:cond delay="indefinite"/>
+                      </p:stCondLst>
+                      <p:childTnLst>
+                        <p:par>
+                          <p:cTn id="9" fill="hold">
+                            <p:stCondLst>
+                              <p:cond delay="0"/>
+                            </p:stCondLst>
+                            <p:childTnLst>
+                              <p:par>
+                                <p:cTn id="10" presetID="10" presetClass="entr" presetSubtype="0" fill="hold" grpId="0" nodeType="clickEffect">
+                                  <p:stCondLst>
+                                    <p:cond delay="0"/>
+                                  </p:stCondLst>
+                                  <p:childTnLst>
+                                    <p:set>
+                                      <p:cBhvr>
+                                        <p:cTn id="11" dur="1" fill="hold">
+                                          <p:stCondLst>
+                                            <p:cond delay="0"/>
+                                          </p:stCondLst>
+                                        </p:cTn>
+                                        <p:tgtEl>
+                                          <p:spTgt spid="15"/>
+                                        </p:tgtEl>
+                                        <p:attrNameLst>
+                                          <p:attrName>style.visibility</p:attrName>
+                                        </p:attrNameLst>
+                                      </p:cBhvr>
+                                      <p:to>
+                                        <p:strVal val="visible"/>
+                                      </p:to>
+                                    </p:set>
+                                    <p:animEffect transition="in" filter="fade">
+                                      <p:cBhvr>
+                                        <p:cTn id="12" dur="500"/>
+                                        <p:tgtEl>
+                                          <p:spTgt spid="15"/>
+                                        </p:tgtEl>
+                                      </p:cBhvr>
+                                    </p:animEffect>
+                                  </p:childTnLst>
+                                </p:cTn>
+                              </p:par>
+                            </p:childTnLst>
+                          </p:cTn>
+                        </p:par>
+                      </p:childTnLst>
+                    </p:cTn>
+                  </p:par>
+                  <p:par>
+                    <p:cTn id="13" fill="hold">
+                      <p:stCondLst>
+                        <p:cond delay="indefinite"/>
+                      </p:stCondLst>
+                      <p:childTnLst>
+                        <p:par>
+                          <p:cTn id="14" fill="hold">
+                            <p:stCondLst>
+                              <p:cond delay="0"/>
+                            </p:stCondLst>
+                            <p:childTnLst>
+                              <p:par>
+                                <p:cTn id="15" presetID="10" presetClass="entr" presetSubtype="0" fill="hold" grpId="0" nodeType="clickEffect">
+                                  <p:stCondLst>
+                                    <p:cond delay="0"/>
+                                  </p:stCondLst>
+                                  <p:childTnLst>
+                                    <p:set>
+                                      <p:cBhvr>
+                                        <p:cTn id="16" dur="1" fill="hold">
+                                          <p:stCondLst>
+                                            <p:cond delay="0"/>
+                                          </p:stCondLst>
+                                        </p:cTn>
+                                        <p:tgtEl>
+                                          <p:spTgt spid="16"/>
+                                        </p:tgtEl>
+                                        <p:attrNameLst>
+                                          <p:attrName>style.visibility</p:attrName>
+                                        </p:attrNameLst>
+                                      </p:cBhvr>
+                                      <p:to>
+                                        <p:strVal val="visible"/>
+                                      </p:to>
+                                    </p:set>
+                                    <p:animEffect transition="in" filter="fade">
+                                      <p:cBhvr>
+                                        <p:cTn id="17" dur="500"/>
+                                        <p:tgtEl>
+                                          <p:spTgt spid="16"/>
+                                        </p:tgtEl>
+                                      </p:cBhvr>
+                                    </p:animEffect>
+                                  </p:childTnLst>
+                                </p:cTn>
+                              </p:par>
+                              <p:par>
+                                <p:cTn id="18" presetID="10" presetClass="entr" presetSubtype="0" fill="hold" nodeType="withEffect">
+                                  <p:stCondLst>
+                                    <p:cond delay="0"/>
+                                  </p:stCondLst>
+                                  <p:childTnLst>
+                                    <p:set>
+                                      <p:cBhvr>
+                                        <p:cTn id="19" dur="1" fill="hold">
+                                          <p:stCondLst>
+                                            <p:cond delay="0"/>
+                                          </p:stCondLst>
+                                        </p:cTn>
+                                        <p:tgtEl>
+                                          <p:spTgt spid="5122"/>
+                                        </p:tgtEl>
+                                        <p:attrNameLst>
+                                          <p:attrName>style.visibility</p:attrName>
+                                        </p:attrNameLst>
+                                      </p:cBhvr>
+                                      <p:to>
+                                        <p:strVal val="visible"/>
+                                      </p:to>
+                                    </p:set>
+                                    <p:animEffect transition="in" filter="fade">
+                                      <p:cBhvr>
+                                        <p:cTn id="20" dur="500"/>
+                                        <p:tgtEl>
+                                          <p:spTgt spid="5122"/>
+                                        </p:tgtEl>
+                                      </p:cBhvr>
+                                    </p:animEffect>
+                                  </p:childTnLst>
+                                </p:cTn>
+                              </p:par>
+                            </p:childTnLst>
+                          </p:cTn>
+                        </p:par>
+                      </p:childTnLst>
+                    </p:cTn>
+                  </p:par>
+                  <p:par>
+                    <p:cTn id="21" fill="hold">
+                      <p:stCondLst>
+                        <p:cond delay="indefinite"/>
+                      </p:stCondLst>
+                      <p:childTnLst>
+                        <p:par>
+                          <p:cTn id="22" fill="hold">
+                            <p:stCondLst>
+                              <p:cond delay="0"/>
+                            </p:stCondLst>
+                            <p:childTnLst>
+                              <p:par>
+                                <p:cTn id="23" presetID="10" presetClass="entr" presetSubtype="0" fill="hold" grpId="0" nodeType="clickEffect">
+                                  <p:stCondLst>
+                                    <p:cond delay="0"/>
+                                  </p:stCondLst>
+                                  <p:childTnLst>
+                                    <p:set>
+                                      <p:cBhvr>
+                                        <p:cTn id="24" dur="1" fill="hold">
+                                          <p:stCondLst>
+                                            <p:cond delay="0"/>
+                                          </p:stCondLst>
+                                        </p:cTn>
+                                        <p:tgtEl>
+                                          <p:spTgt spid="17"/>
+                                        </p:tgtEl>
+                                        <p:attrNameLst>
+                                          <p:attrName>style.visibility</p:attrName>
+                                        </p:attrNameLst>
+                                      </p:cBhvr>
+                                      <p:to>
+                                        <p:strVal val="visible"/>
+                                      </p:to>
+                                    </p:set>
+                                    <p:animEffect transition="in" filter="fade">
+                                      <p:cBhvr>
+                                        <p:cTn id="25" dur="500"/>
+                                        <p:tgtEl>
+                                          <p:spTgt spid="17"/>
+                                        </p:tgtEl>
+                                      </p:cBhvr>
+                                    </p:animEffect>
+                                  </p:childTnLst>
+                                </p:cTn>
+                              </p:par>
+                              <p:par>
+                                <p:cTn id="26" presetID="10" presetClass="entr" presetSubtype="0" fill="hold" grpId="0" nodeType="withEffect">
+                                  <p:stCondLst>
+                                    <p:cond delay="0"/>
+                                  </p:stCondLst>
+                                  <p:childTnLst>
+                                    <p:set>
+                                      <p:cBhvr>
+                                        <p:cTn id="27" dur="1" fill="hold">
+                                          <p:stCondLst>
+                                            <p:cond delay="0"/>
+                                          </p:stCondLst>
+                                        </p:cTn>
+                                        <p:tgtEl>
+                                          <p:spTgt spid="19"/>
+                                        </p:tgtEl>
+                                        <p:attrNameLst>
+                                          <p:attrName>style.visibility</p:attrName>
+                                        </p:attrNameLst>
+                                      </p:cBhvr>
+                                      <p:to>
+                                        <p:strVal val="visible"/>
+                                      </p:to>
+                                    </p:set>
+                                    <p:animEffect transition="in" filter="fade">
+                                      <p:cBhvr>
+                                        <p:cTn id="28" dur="500"/>
+                                        <p:tgtEl>
+                                          <p:spTgt spid="19"/>
+                                        </p:tgtEl>
+                                      </p:cBhvr>
+                                    </p:animEffect>
+                                  </p:childTnLst>
+                                </p:cTn>
+                              </p:par>
+                            </p:childTnLst>
+                          </p:cTn>
+                        </p:par>
+                      </p:childTnLst>
+                    </p:cTn>
+                  </p:par>
+                  <p:par>
+                    <p:cTn id="29" fill="hold">
+                      <p:stCondLst>
+                        <p:cond delay="indefinite"/>
+                      </p:stCondLst>
+                      <p:childTnLst>
+                        <p:par>
+                          <p:cTn id="30" fill="hold">
+                            <p:stCondLst>
+                              <p:cond delay="0"/>
+                            </p:stCondLst>
+                            <p:childTnLst>
+                              <p:par>
+                                <p:cTn id="31" presetID="10" presetClass="entr" presetSubtype="0" fill="hold" grpId="0" nodeType="clickEffect">
+                                  <p:stCondLst>
+                                    <p:cond delay="0"/>
+                                  </p:stCondLst>
+                                  <p:childTnLst>
+                                    <p:set>
+                                      <p:cBhvr>
+                                        <p:cTn id="32" dur="1" fill="hold">
+                                          <p:stCondLst>
+                                            <p:cond delay="0"/>
+                                          </p:stCondLst>
+                                        </p:cTn>
+                                        <p:tgtEl>
+                                          <p:spTgt spid="18"/>
+                                        </p:tgtEl>
+                                        <p:attrNameLst>
+                                          <p:attrName>style.visibility</p:attrName>
+                                        </p:attrNameLst>
+                                      </p:cBhvr>
+                                      <p:to>
+                                        <p:strVal val="visible"/>
+                                      </p:to>
+                                    </p:set>
+                                    <p:animEffect transition="in" filter="fade">
+                                      <p:cBhvr>
+                                        <p:cTn id="33" dur="500"/>
+                                        <p:tgtEl>
+                                          <p:spTgt spid="18"/>
+                                        </p:tgtEl>
+                                      </p:cBhvr>
+                                    </p:animEffect>
+                                  </p:childTnLst>
+                                </p:cTn>
+                              </p:par>
+                            </p:childTnLst>
+                          </p:cTn>
+                        </p:par>
+                      </p:childTnLst>
+                    </p:cTn>
+                  </p:par>
+                </p:childTnLst>
+              </p:cTn>
+              <p:prevCondLst>
+                <p:cond evt="onPrev" delay="0">
+                  <p:tgtEl>
+                    <p:sldTgt/>
+                  </p:tgtEl>
+                </p:cond>
+              </p:prevCondLst>
+              <p:nextCondLst>
+                <p:cond evt="onNext" delay="0">
+                  <p:tgtEl>
+                    <p:sldTgt/>
+                  </p:tgtEl>
+                </p:cond>
+              </p:nextCondLst>
+            </p:seq>
+          </p:childTnLst>
+        </p:cTn>
+      </p:par>
+    </p:tnLst>
+    <p:bldLst>
+      <p:bldP spid="14" grpId="0"/>
+      <p:bldP spid="15" grpId="0"/>
+      <p:bldP spid="16" grpId="0"/>
+      <p:bldP spid="17" grpId="0"/>
+      <p:bldP spid="19" grpId="0"/>
+      <p:bldP spid="18" grpId="0"/>
+    </p:bldLst>
+  </p:timing>
+</p:sld>
+</file>
+
+<file path=ppt/slides/slide13.xml><?xml version="1.0" encoding="utf-8"?>
+<p:sld xmlns:a="http://schemas.openxmlformats.org/drawingml/2006/main" xmlns:r="http://schemas.openxmlformats.org/officeDocument/2006/relationships" xmlns:p="http://schemas.openxmlformats.org/presentationml/2006/main">
+  <p:cSld>
+    <p:spTree>
+      <p:nvGrpSpPr>
+        <p:cNvPr id="1" name=""/>
+        <p:cNvGrpSpPr/>
+        <p:nvPr/>
+      </p:nvGrpSpPr>
+      <p:grpSpPr>
+        <a:xfrm>
+          <a:off x="0" y="0"/>
+          <a:ext cx="0" cy="0"/>
+          <a:chOff x="0" y="0"/>
+          <a:chExt cx="0" cy="0"/>
+        </a:xfrm>
+      </p:grpSpPr>
+      <p:sp>
+        <p:nvSpPr>
+          <p:cNvPr id="2" name="标题 1">
+            <a:extLst>
+              <a:ext uri="{FF2B5EF4-FFF2-40B4-BE49-F238E27FC236}">
+                <a16:creationId xmlns:a16="http://schemas.microsoft.com/office/drawing/2014/main" id="{838255AC-2E87-6943-B972-B778E25FD1A9}"/>
+              </a:ext>
+            </a:extLst>
+          </p:cNvPr>
+          <p:cNvSpPr>
+            <a:spLocks noGrp="1"/>
+          </p:cNvSpPr>
+          <p:nvPr>
+            <p:ph type="title"/>
+          </p:nvPr>
+        </p:nvSpPr>
+        <p:spPr>
+          <a:xfrm>
+            <a:off x="1355834" y="136525"/>
+            <a:ext cx="7678984" cy="877722"/>
+          </a:xfrm>
+        </p:spPr>
+        <p:txBody>
+          <a:bodyPr/>
+          <a:lstStyle/>
+          <a:p>
+            <a:r>
+              <a:rPr kumimoji="1" lang="en-US" altLang="zh-CN" sz="2400" dirty="0"/>
+              <a:t>Optimal Seam Finding and Image Labeling</a:t>
+            </a:r>
+            <a:endParaRPr kumimoji="1" lang="zh-CN" altLang="en-US" sz="2400" dirty="0"/>
+          </a:p>
+        </p:txBody>
+      </p:sp>
+      <p:pic>
+        <p:nvPicPr>
+          <p:cNvPr id="4" name="图片 3">
+            <a:extLst>
+              <a:ext uri="{FF2B5EF4-FFF2-40B4-BE49-F238E27FC236}">
+                <a16:creationId xmlns:a16="http://schemas.microsoft.com/office/drawing/2014/main" id="{909E38FC-39D0-F74E-B66F-55FB94B71DD9}"/>
+              </a:ext>
+            </a:extLst>
+          </p:cNvPr>
+          <p:cNvPicPr>
+            <a:picLocks noChangeAspect="1"/>
+          </p:cNvPicPr>
+          <p:nvPr/>
+        </p:nvPicPr>
+        <p:blipFill>
+          <a:blip r:embed="rId3"/>
+          <a:stretch>
+            <a:fillRect/>
+          </a:stretch>
+        </p:blipFill>
+        <p:spPr>
+          <a:xfrm>
+            <a:off x="1076941" y="1321073"/>
+            <a:ext cx="1003300" cy="749300"/>
+          </a:xfrm>
+          <a:prstGeom prst="rect">
+            <a:avLst/>
+          </a:prstGeom>
+        </p:spPr>
+      </p:pic>
+      <p:pic>
+        <p:nvPicPr>
+          <p:cNvPr id="6" name="图片 5">
+            <a:extLst>
+              <a:ext uri="{FF2B5EF4-FFF2-40B4-BE49-F238E27FC236}">
+                <a16:creationId xmlns:a16="http://schemas.microsoft.com/office/drawing/2014/main" id="{4B3044D7-9542-E047-AB42-E72A4B1DD8B3}"/>
+              </a:ext>
+            </a:extLst>
+          </p:cNvPr>
+          <p:cNvPicPr>
+            <a:picLocks noChangeAspect="1"/>
+          </p:cNvPicPr>
+          <p:nvPr/>
+        </p:nvPicPr>
+        <p:blipFill>
+          <a:blip r:embed="rId4"/>
+          <a:stretch>
+            <a:fillRect/>
+          </a:stretch>
+        </p:blipFill>
+        <p:spPr>
+          <a:xfrm>
+            <a:off x="2182410" y="1321073"/>
+            <a:ext cx="1003300" cy="749300"/>
+          </a:xfrm>
+          <a:prstGeom prst="rect">
+            <a:avLst/>
+          </a:prstGeom>
+        </p:spPr>
+      </p:pic>
+      <p:pic>
+        <p:nvPicPr>
+          <p:cNvPr id="8" name="图片 7">
+            <a:extLst>
+              <a:ext uri="{FF2B5EF4-FFF2-40B4-BE49-F238E27FC236}">
+                <a16:creationId xmlns:a16="http://schemas.microsoft.com/office/drawing/2014/main" id="{9E19F5B1-FC4C-4D4F-BB3B-E3641212E2B0}"/>
+              </a:ext>
+            </a:extLst>
+          </p:cNvPr>
+          <p:cNvPicPr>
+            <a:picLocks noChangeAspect="1"/>
+          </p:cNvPicPr>
+          <p:nvPr/>
+        </p:nvPicPr>
+        <p:blipFill>
+          <a:blip r:embed="rId5"/>
+          <a:stretch>
+            <a:fillRect/>
+          </a:stretch>
+        </p:blipFill>
+        <p:spPr>
+          <a:xfrm>
+            <a:off x="1090210" y="3177026"/>
+            <a:ext cx="673100" cy="749300"/>
+          </a:xfrm>
+          <a:prstGeom prst="rect">
+            <a:avLst/>
+          </a:prstGeom>
+        </p:spPr>
+      </p:pic>
+      <p:pic>
+        <p:nvPicPr>
+          <p:cNvPr id="10" name="图片 9">
+            <a:extLst>
+              <a:ext uri="{FF2B5EF4-FFF2-40B4-BE49-F238E27FC236}">
+                <a16:creationId xmlns:a16="http://schemas.microsoft.com/office/drawing/2014/main" id="{8F2862F3-6A5B-2D4D-9B12-B85E3FCEBAAB}"/>
+              </a:ext>
+            </a:extLst>
+          </p:cNvPr>
+          <p:cNvPicPr>
+            <a:picLocks noChangeAspect="1"/>
+          </p:cNvPicPr>
+          <p:nvPr/>
+        </p:nvPicPr>
+        <p:blipFill>
+          <a:blip r:embed="rId6"/>
+          <a:stretch>
+            <a:fillRect/>
+          </a:stretch>
+        </p:blipFill>
+        <p:spPr>
+          <a:xfrm>
+            <a:off x="1090210" y="2229123"/>
+            <a:ext cx="673100" cy="749300"/>
+          </a:xfrm>
+          <a:prstGeom prst="rect">
+            <a:avLst/>
+          </a:prstGeom>
+        </p:spPr>
+      </p:pic>
+      <p:pic>
+        <p:nvPicPr>
+          <p:cNvPr id="11" name="图片 10">
+            <a:extLst>
+              <a:ext uri="{FF2B5EF4-FFF2-40B4-BE49-F238E27FC236}">
+                <a16:creationId xmlns:a16="http://schemas.microsoft.com/office/drawing/2014/main" id="{13B0EF97-3339-0144-829E-E6FBF2B36985}"/>
+              </a:ext>
+            </a:extLst>
+          </p:cNvPr>
+          <p:cNvPicPr>
+            <a:picLocks noChangeAspect="1"/>
+          </p:cNvPicPr>
+          <p:nvPr/>
+        </p:nvPicPr>
+        <p:blipFill>
+          <a:blip r:embed="rId7"/>
+          <a:stretch>
+            <a:fillRect/>
+          </a:stretch>
+        </p:blipFill>
+        <p:spPr>
+          <a:xfrm>
+            <a:off x="1090210" y="4124929"/>
+            <a:ext cx="692901" cy="749300"/>
+          </a:xfrm>
+          <a:prstGeom prst="rect">
+            <a:avLst/>
+          </a:prstGeom>
+        </p:spPr>
+      </p:pic>
+      <p:pic>
+        <p:nvPicPr>
+          <p:cNvPr id="13" name="图片 12">
+            <a:extLst>
+              <a:ext uri="{FF2B5EF4-FFF2-40B4-BE49-F238E27FC236}">
+                <a16:creationId xmlns:a16="http://schemas.microsoft.com/office/drawing/2014/main" id="{E31BAD94-3992-824D-BD49-D27AD70FB125}"/>
+              </a:ext>
+            </a:extLst>
+          </p:cNvPr>
+          <p:cNvPicPr>
+            <a:picLocks noChangeAspect="1"/>
+          </p:cNvPicPr>
+          <p:nvPr/>
+        </p:nvPicPr>
+        <p:blipFill>
+          <a:blip r:embed="rId8"/>
+          <a:stretch>
+            <a:fillRect/>
+          </a:stretch>
+        </p:blipFill>
+        <p:spPr>
+          <a:xfrm>
+            <a:off x="1076941" y="5072832"/>
+            <a:ext cx="1346200" cy="749300"/>
+          </a:xfrm>
+          <a:prstGeom prst="rect">
+            <a:avLst/>
+          </a:prstGeom>
+        </p:spPr>
+      </p:pic>
+      <p:sp>
+        <p:nvSpPr>
+          <p:cNvPr id="14" name="文本框 13">
+            <a:extLst>
+              <a:ext uri="{FF2B5EF4-FFF2-40B4-BE49-F238E27FC236}">
+                <a16:creationId xmlns:a16="http://schemas.microsoft.com/office/drawing/2014/main" id="{1B167464-BD8C-0C4C-A4B8-F5866E814165}"/>
+              </a:ext>
+            </a:extLst>
+          </p:cNvPr>
+          <p:cNvSpPr txBox="1"/>
+          <p:nvPr/>
+        </p:nvSpPr>
+        <p:spPr>
+          <a:xfrm>
+            <a:off x="3489434" y="1478146"/>
+            <a:ext cx="2144110" cy="369332"/>
+          </a:xfrm>
+          <a:prstGeom prst="rect">
+            <a:avLst/>
+          </a:prstGeom>
+          <a:noFill/>
+        </p:spPr>
+        <p:txBody>
+          <a:bodyPr wrap="square" rtlCol="0">
+            <a:spAutoFit/>
+          </a:bodyPr>
+          <a:lstStyle/>
+          <a:p>
+            <a:r>
+              <a:rPr kumimoji="1" lang="en-US" altLang="zh-CN" dirty="0"/>
+              <a:t>Input images</a:t>
+            </a:r>
+            <a:endParaRPr kumimoji="1" lang="zh-CN" altLang="en-US" dirty="0"/>
+          </a:p>
+        </p:txBody>
+      </p:sp>
+      <p:sp>
+        <p:nvSpPr>
+          <p:cNvPr id="18" name="文本框 17">
+            <a:extLst>
+              <a:ext uri="{FF2B5EF4-FFF2-40B4-BE49-F238E27FC236}">
+                <a16:creationId xmlns:a16="http://schemas.microsoft.com/office/drawing/2014/main" id="{555D3577-956A-3E47-9FB9-46990AF4022F}"/>
+              </a:ext>
+            </a:extLst>
+          </p:cNvPr>
+          <p:cNvSpPr txBox="1"/>
+          <p:nvPr/>
+        </p:nvSpPr>
+        <p:spPr>
+          <a:xfrm>
+            <a:off x="2774731" y="5272403"/>
+            <a:ext cx="2081048" cy="369332"/>
+          </a:xfrm>
+          <a:prstGeom prst="rect">
+            <a:avLst/>
+          </a:prstGeom>
+          <a:noFill/>
+        </p:spPr>
+        <p:txBody>
+          <a:bodyPr wrap="square" rtlCol="0">
+            <a:spAutoFit/>
+          </a:bodyPr>
+          <a:lstStyle/>
+          <a:p>
+            <a:r>
+              <a:rPr kumimoji="1" lang="en-US" altLang="zh-CN" dirty="0"/>
+              <a:t>Panorama image</a:t>
+            </a:r>
+            <a:endParaRPr kumimoji="1" lang="zh-CN" altLang="en-US" dirty="0"/>
+          </a:p>
+        </p:txBody>
+      </p:sp>
+      <p:pic>
+        <p:nvPicPr>
+          <p:cNvPr id="3" name="图片 2">
+            <a:extLst>
+              <a:ext uri="{FF2B5EF4-FFF2-40B4-BE49-F238E27FC236}">
+                <a16:creationId xmlns:a16="http://schemas.microsoft.com/office/drawing/2014/main" id="{D43546C7-0307-CD41-BB0F-0899694C4640}"/>
+              </a:ext>
+            </a:extLst>
+          </p:cNvPr>
+          <p:cNvPicPr>
+            <a:picLocks noChangeAspect="1"/>
+          </p:cNvPicPr>
+          <p:nvPr/>
+        </p:nvPicPr>
+        <p:blipFill>
+          <a:blip r:embed="rId9"/>
+          <a:stretch>
+            <a:fillRect/>
+          </a:stretch>
+        </p:blipFill>
+        <p:spPr>
+          <a:xfrm>
+            <a:off x="2457888" y="2167275"/>
+            <a:ext cx="4489450" cy="787623"/>
+          </a:xfrm>
+          <a:prstGeom prst="rect">
+            <a:avLst/>
+          </a:prstGeom>
+        </p:spPr>
+      </p:pic>
+      <p:pic>
+        <p:nvPicPr>
+          <p:cNvPr id="5" name="图片 4">
+            <a:extLst>
+              <a:ext uri="{FF2B5EF4-FFF2-40B4-BE49-F238E27FC236}">
+                <a16:creationId xmlns:a16="http://schemas.microsoft.com/office/drawing/2014/main" id="{30F0F99B-9F07-294C-B70A-59B029E6FF85}"/>
+              </a:ext>
+            </a:extLst>
+          </p:cNvPr>
+          <p:cNvPicPr>
+            <a:picLocks noChangeAspect="1"/>
+          </p:cNvPicPr>
+          <p:nvPr/>
+        </p:nvPicPr>
+        <p:blipFill>
+          <a:blip r:embed="rId10"/>
+          <a:stretch>
+            <a:fillRect/>
+          </a:stretch>
+        </p:blipFill>
+        <p:spPr>
+          <a:xfrm>
+            <a:off x="7554311" y="2384989"/>
+            <a:ext cx="3271344" cy="1669053"/>
+          </a:xfrm>
+          <a:prstGeom prst="rect">
+            <a:avLst/>
+          </a:prstGeom>
+        </p:spPr>
+      </p:pic>
+      <p:pic>
+        <p:nvPicPr>
+          <p:cNvPr id="7" name="图片 6">
+            <a:extLst>
+              <a:ext uri="{FF2B5EF4-FFF2-40B4-BE49-F238E27FC236}">
+                <a16:creationId xmlns:a16="http://schemas.microsoft.com/office/drawing/2014/main" id="{38B7612F-912C-6C4E-807B-8C07F8934EA5}"/>
+              </a:ext>
+            </a:extLst>
+          </p:cNvPr>
+          <p:cNvPicPr>
+            <a:picLocks noChangeAspect="1"/>
+          </p:cNvPicPr>
+          <p:nvPr/>
+        </p:nvPicPr>
+        <p:blipFill rotWithShape="1">
+          <a:blip r:embed="rId11"/>
+          <a:srcRect r="34205"/>
+          <a:stretch/>
+        </p:blipFill>
+        <p:spPr>
+          <a:xfrm>
+            <a:off x="2597588" y="3456667"/>
+            <a:ext cx="3130550" cy="1759191"/>
+          </a:xfrm>
+          <a:prstGeom prst="rect">
+            <a:avLst/>
+          </a:prstGeom>
+        </p:spPr>
+      </p:pic>
+      <p:cxnSp>
+        <p:nvCxnSpPr>
+          <p:cNvPr id="12" name="直线箭头连接符 11">
+            <a:extLst>
+              <a:ext uri="{FF2B5EF4-FFF2-40B4-BE49-F238E27FC236}">
+                <a16:creationId xmlns:a16="http://schemas.microsoft.com/office/drawing/2014/main" id="{B0CEB261-716E-4A48-93F5-F4E2062A0784}"/>
+              </a:ext>
+            </a:extLst>
+          </p:cNvPr>
+          <p:cNvCxnSpPr/>
+          <p:nvPr/>
+        </p:nvCxnSpPr>
+        <p:spPr>
+          <a:xfrm>
+            <a:off x="1870841" y="2534272"/>
+            <a:ext cx="499442" cy="0"/>
+          </a:xfrm>
+          <a:prstGeom prst="straightConnector1">
+            <a:avLst/>
+          </a:prstGeom>
+          <a:ln w="19050">
+            <a:tailEnd type="triangle"/>
+          </a:ln>
+        </p:spPr>
+        <p:style>
+          <a:lnRef idx="1">
+            <a:schemeClr val="dk1"/>
+          </a:lnRef>
+          <a:fillRef idx="0">
+            <a:schemeClr val="dk1"/>
+          </a:fillRef>
+          <a:effectRef idx="0">
+            <a:schemeClr val="dk1"/>
+          </a:effectRef>
+          <a:fontRef idx="minor">
+            <a:schemeClr val="tx1"/>
+          </a:fontRef>
+        </p:style>
+      </p:cxnSp>
+      <p:cxnSp>
+        <p:nvCxnSpPr>
+          <p:cNvPr id="21" name="直线箭头连接符 20">
+            <a:extLst>
+              <a:ext uri="{FF2B5EF4-FFF2-40B4-BE49-F238E27FC236}">
+                <a16:creationId xmlns:a16="http://schemas.microsoft.com/office/drawing/2014/main" id="{58511945-C5E0-B649-A291-78454E362A01}"/>
+              </a:ext>
+            </a:extLst>
+          </p:cNvPr>
+          <p:cNvCxnSpPr>
+            <a:cxnSpLocks/>
+          </p:cNvCxnSpPr>
+          <p:nvPr/>
+        </p:nvCxnSpPr>
+        <p:spPr>
+          <a:xfrm>
+            <a:off x="1870841" y="3317293"/>
+            <a:ext cx="5528442" cy="0"/>
+          </a:xfrm>
+          <a:prstGeom prst="straightConnector1">
+            <a:avLst/>
+          </a:prstGeom>
+          <a:ln w="19050">
+            <a:tailEnd type="triangle"/>
+          </a:ln>
+        </p:spPr>
+        <p:style>
+          <a:lnRef idx="1">
+            <a:schemeClr val="dk1"/>
+          </a:lnRef>
+          <a:fillRef idx="0">
+            <a:schemeClr val="dk1"/>
+          </a:fillRef>
+          <a:effectRef idx="0">
+            <a:schemeClr val="dk1"/>
+          </a:effectRef>
+          <a:fontRef idx="minor">
+            <a:schemeClr val="tx1"/>
+          </a:fontRef>
+        </p:style>
+      </p:cxnSp>
+      <p:cxnSp>
+        <p:nvCxnSpPr>
+          <p:cNvPr id="23" name="直线箭头连接符 22">
+            <a:extLst>
+              <a:ext uri="{FF2B5EF4-FFF2-40B4-BE49-F238E27FC236}">
+                <a16:creationId xmlns:a16="http://schemas.microsoft.com/office/drawing/2014/main" id="{48A212EE-8E59-014D-BCB7-309E73F8EE3B}"/>
+              </a:ext>
+            </a:extLst>
+          </p:cNvPr>
+          <p:cNvCxnSpPr/>
+          <p:nvPr/>
+        </p:nvCxnSpPr>
+        <p:spPr>
+          <a:xfrm>
+            <a:off x="1923699" y="4525983"/>
+            <a:ext cx="499442" cy="0"/>
+          </a:xfrm>
+          <a:prstGeom prst="straightConnector1">
+            <a:avLst/>
+          </a:prstGeom>
+          <a:ln w="19050">
+            <a:tailEnd type="triangle"/>
+          </a:ln>
+        </p:spPr>
+        <p:style>
+          <a:lnRef idx="1">
+            <a:schemeClr val="dk1"/>
+          </a:lnRef>
+          <a:fillRef idx="0">
+            <a:schemeClr val="dk1"/>
+          </a:fillRef>
+          <a:effectRef idx="0">
+            <a:schemeClr val="dk1"/>
+          </a:effectRef>
+          <a:fontRef idx="minor">
+            <a:schemeClr val="tx1"/>
+          </a:fontRef>
+        </p:style>
+      </p:cxnSp>
+    </p:spTree>
+    <p:extLst>
+      <p:ext uri="{BB962C8B-B14F-4D97-AF65-F5344CB8AC3E}">
+        <p14:creationId xmlns:p14="http://schemas.microsoft.com/office/powerpoint/2010/main" val="697958590"/>
+      </p:ext>
+    </p:extLst>
+  </p:cSld>
+  <p:clrMapOvr>
+    <a:masterClrMapping/>
+  </p:clrMapOvr>
+  <mc:AlternateContent xmlns:mc="http://schemas.openxmlformats.org/markup-compatibility/2006">
+    <mc:Choice xmlns:p159="http://schemas.microsoft.com/office/powerpoint/2015/09/main" Requires="p159">
+      <p:transition xmlns:p14="http://schemas.microsoft.com/office/powerpoint/2010/main" spd="slow" p14:dur="2000">
+        <p159:morph option="byObject"/>
+      </p:transition>
+    </mc:Choice>
+    <mc:Fallback>
+      <p:transition spd="slow">
+        <p:fade/>
+      </p:transition>
+    </mc:Fallback>
+  </mc:AlternateContent>
+</p:sld>
+</file>
+
+<file path=ppt/slides/slide14.xml><?xml version="1.0" encoding="utf-8"?>
+<p:sld xmlns:a="http://schemas.openxmlformats.org/drawingml/2006/main" xmlns:r="http://schemas.openxmlformats.org/officeDocument/2006/relationships" xmlns:p="http://schemas.openxmlformats.org/presentationml/2006/main">
+  <p:cSld>
+    <p:spTree>
+      <p:nvGrpSpPr>
+        <p:cNvPr id="1" name=""/>
+        <p:cNvGrpSpPr/>
+        <p:nvPr/>
+      </p:nvGrpSpPr>
+      <p:grpSpPr>
+        <a:xfrm>
+          <a:off x="0" y="0"/>
+          <a:ext cx="0" cy="0"/>
+          <a:chOff x="0" y="0"/>
+          <a:chExt cx="0" cy="0"/>
+        </a:xfrm>
+      </p:grpSpPr>
+      <p:sp>
+        <p:nvSpPr>
+          <p:cNvPr id="2" name="标题 1">
+            <a:extLst>
+              <a:ext uri="{FF2B5EF4-FFF2-40B4-BE49-F238E27FC236}">
+                <a16:creationId xmlns:a16="http://schemas.microsoft.com/office/drawing/2014/main" id="{33613982-C928-3346-B58F-D42C50FA596A}"/>
+              </a:ext>
+            </a:extLst>
+          </p:cNvPr>
+          <p:cNvSpPr>
+            <a:spLocks noGrp="1"/>
+          </p:cNvSpPr>
+          <p:nvPr>
+            <p:ph type="title"/>
+          </p:nvPr>
+        </p:nvSpPr>
+        <p:spPr/>
+        <p:txBody>
+          <a:bodyPr/>
+          <a:lstStyle/>
+          <a:p>
+            <a:r>
+              <a:rPr kumimoji="1" lang="en-US" altLang="zh-CN" sz="2400" dirty="0"/>
+              <a:t>Image</a:t>
+            </a:r>
+            <a:r>
+              <a:rPr kumimoji="1" lang="zh-CN" altLang="en-US" sz="2400" dirty="0"/>
+              <a:t> </a:t>
+            </a:r>
+            <a:r>
+              <a:rPr kumimoji="1" lang="en-US" altLang="zh-CN" sz="2400" dirty="0"/>
+              <a:t>Blending</a:t>
+            </a:r>
+            <a:endParaRPr kumimoji="1" lang="zh-CN" altLang="en-US" sz="2400" dirty="0"/>
+          </a:p>
+        </p:txBody>
+      </p:sp>
+      <p:sp>
+        <p:nvSpPr>
+          <p:cNvPr id="3" name="文本框 2">
+            <a:extLst>
+              <a:ext uri="{FF2B5EF4-FFF2-40B4-BE49-F238E27FC236}">
+                <a16:creationId xmlns:a16="http://schemas.microsoft.com/office/drawing/2014/main" id="{6D4D1727-492B-9F4E-88B5-ACE740092B33}"/>
+              </a:ext>
+            </a:extLst>
+          </p:cNvPr>
+          <p:cNvSpPr txBox="1"/>
+          <p:nvPr/>
+        </p:nvSpPr>
+        <p:spPr>
+          <a:xfrm>
+            <a:off x="1560786" y="1597573"/>
+            <a:ext cx="9070428" cy="369332"/>
+          </a:xfrm>
+          <a:prstGeom prst="rect">
+            <a:avLst/>
+          </a:prstGeom>
+          <a:noFill/>
+        </p:spPr>
+        <p:txBody>
+          <a:bodyPr wrap="square" rtlCol="0">
+            <a:spAutoFit/>
+          </a:bodyPr>
+          <a:lstStyle/>
+          <a:p>
+            <a:r>
+              <a:rPr kumimoji="1" lang="en-US" altLang="zh-CN" b="1" dirty="0"/>
+              <a:t>Simple linear blending: </a:t>
+            </a:r>
+            <a:r>
+              <a:rPr lang="en" altLang="zh-CN" dirty="0"/>
+              <a:t>images are similar in color and luminance after color correction</a:t>
+            </a:r>
+            <a:r>
+              <a:rPr kumimoji="1" lang="en-US" altLang="zh-CN" dirty="0"/>
+              <a:t> </a:t>
+            </a:r>
+            <a:endParaRPr kumimoji="1" lang="zh-CN" altLang="en-US" dirty="0"/>
+          </a:p>
+        </p:txBody>
+      </p:sp>
+      <mc:AlternateContent xmlns:mc="http://schemas.openxmlformats.org/markup-compatibility/2006">
+        <mc:Choice xmlns:a14="http://schemas.microsoft.com/office/drawing/2010/main" Requires="a14">
+          <p:sp>
+            <p:nvSpPr>
+              <p:cNvPr id="4" name="文本框 3">
+                <a:extLst>
+                  <a:ext uri="{FF2B5EF4-FFF2-40B4-BE49-F238E27FC236}">
+                    <a16:creationId xmlns:a16="http://schemas.microsoft.com/office/drawing/2014/main" id="{7CE115EB-C98A-AE45-BB3D-6876B0A02CE9}"/>
+                  </a:ext>
+                </a:extLst>
+              </p:cNvPr>
+              <p:cNvSpPr txBox="1"/>
+              <p:nvPr/>
+            </p:nvSpPr>
+            <p:spPr>
+              <a:xfrm>
+                <a:off x="2123090" y="2443361"/>
+                <a:ext cx="7556938" cy="369332"/>
+              </a:xfrm>
+              <a:prstGeom prst="rect">
+                <a:avLst/>
+              </a:prstGeom>
+              <a:noFill/>
+            </p:spPr>
+            <p:txBody>
+              <a:bodyPr wrap="square" rtlCol="0">
+                <a:spAutoFit/>
+              </a:bodyPr>
+              <a:lstStyle/>
+              <a:p>
+                <a14:m>
+                  <m:oMath xmlns:m="http://schemas.openxmlformats.org/officeDocument/2006/math">
+                    <m:r>
+                      <a:rPr kumimoji="1" lang="zh-CN" altLang="en-US" i="1" smtClean="0">
+                        <a:latin typeface="Cambria Math" panose="02040503050406030204" pitchFamily="18" charset="0"/>
+                      </a:rPr>
+                      <m:t>𝛿</m:t>
+                    </m:r>
+                  </m:oMath>
+                </a14:m>
+                <a:r>
+                  <a:rPr kumimoji="1" lang="en-US" altLang="zh-CN" dirty="0"/>
+                  <a:t> pixels width on both sides of the seam</a:t>
+                </a:r>
+                <a:endParaRPr kumimoji="1" lang="zh-CN" altLang="en-US" dirty="0"/>
+              </a:p>
+            </p:txBody>
+          </p:sp>
+        </mc:Choice>
+        <mc:Fallback>
+          <p:sp>
+            <p:nvSpPr>
+              <p:cNvPr id="4" name="文本框 3">
+                <a:extLst>
+                  <a:ext uri="{FF2B5EF4-FFF2-40B4-BE49-F238E27FC236}">
+                    <a16:creationId xmlns:a16="http://schemas.microsoft.com/office/drawing/2014/main" id="{7CE115EB-C98A-AE45-BB3D-6876B0A02CE9}"/>
+                  </a:ext>
+                </a:extLst>
+              </p:cNvPr>
+              <p:cNvSpPr txBox="1">
+                <a:spLocks noRot="1" noChangeAspect="1" noMove="1" noResize="1" noEditPoints="1" noAdjustHandles="1" noChangeArrowheads="1" noChangeShapeType="1" noTextEdit="1"/>
+              </p:cNvSpPr>
+              <p:nvPr/>
+            </p:nvSpPr>
+            <p:spPr>
+              <a:xfrm>
+                <a:off x="2123090" y="2443361"/>
+                <a:ext cx="7556938" cy="369332"/>
+              </a:xfrm>
+              <a:prstGeom prst="rect">
+                <a:avLst/>
+              </a:prstGeom>
+              <a:blipFill>
+                <a:blip r:embed="rId3"/>
+                <a:stretch>
+                  <a:fillRect t="-6897" b="-27586"/>
+                </a:stretch>
+              </a:blipFill>
+            </p:spPr>
+            <p:txBody>
+              <a:bodyPr/>
+              <a:lstStyle/>
+              <a:p>
+                <a:r>
+                  <a:rPr lang="zh-CN" altLang="en-US">
+                    <a:noFill/>
+                  </a:rPr>
+                  <a:t> </a:t>
+                </a:r>
+              </a:p>
+            </p:txBody>
+          </p:sp>
+        </mc:Fallback>
+      </mc:AlternateContent>
+      <p:pic>
+        <p:nvPicPr>
+          <p:cNvPr id="8194" name="Picture 2" descr="equation.pdf">
+            <a:extLst>
+              <a:ext uri="{FF2B5EF4-FFF2-40B4-BE49-F238E27FC236}">
+                <a16:creationId xmlns:a16="http://schemas.microsoft.com/office/drawing/2014/main" id="{690DF38B-03A9-204E-AF32-CBCD7375B714}"/>
+              </a:ext>
+            </a:extLst>
+          </p:cNvPr>
+          <p:cNvPicPr>
+            <a:picLocks noChangeAspect="1" noChangeArrowheads="1"/>
+          </p:cNvPicPr>
+          <p:nvPr/>
+        </p:nvPicPr>
+        <p:blipFill>
+          <a:blip r:embed="rId4">
+            <a:extLst>
+              <a:ext uri="{28A0092B-C50C-407E-A947-70E740481C1C}">
+                <a14:useLocalDpi xmlns:a14="http://schemas.microsoft.com/office/drawing/2010/main" val="0"/>
+              </a:ext>
+            </a:extLst>
+          </a:blip>
+          <a:srcRect/>
+          <a:stretch>
+            <a:fillRect/>
+          </a:stretch>
+        </p:blipFill>
+        <p:spPr bwMode="auto">
+          <a:xfrm>
+            <a:off x="2225099" y="3038226"/>
+            <a:ext cx="3089076" cy="559895"/>
+          </a:xfrm>
+          <a:prstGeom prst="rect">
+            <a:avLst/>
+          </a:prstGeom>
+          <a:noFill/>
+          <a:extLst>
+            <a:ext uri="{909E8E84-426E-40DD-AFC4-6F175D3DCCD1}">
+              <a14:hiddenFill xmlns:a14="http://schemas.microsoft.com/office/drawing/2010/main">
+                <a:solidFill>
+                  <a:srgbClr val="FFFFFF"/>
+                </a:solidFill>
+              </a14:hiddenFill>
+            </a:ext>
+          </a:extLst>
+        </p:spPr>
+      </p:pic>
+      <mc:AlternateContent xmlns:mc="http://schemas.openxmlformats.org/markup-compatibility/2006">
+        <mc:Choice xmlns:a14="http://schemas.microsoft.com/office/drawing/2010/main" Requires="a14">
+          <p:sp>
+            <p:nvSpPr>
+              <p:cNvPr id="5" name="文本框 4">
+                <a:extLst>
+                  <a:ext uri="{FF2B5EF4-FFF2-40B4-BE49-F238E27FC236}">
+                    <a16:creationId xmlns:a16="http://schemas.microsoft.com/office/drawing/2014/main" id="{B63326DB-5E5C-7C40-845A-22F7DC493865}"/>
+                  </a:ext>
+                </a:extLst>
+              </p:cNvPr>
+              <p:cNvSpPr txBox="1"/>
+              <p:nvPr/>
+            </p:nvSpPr>
+            <p:spPr>
+              <a:xfrm>
+                <a:off x="2155816" y="3925319"/>
+                <a:ext cx="6316717" cy="965777"/>
+              </a:xfrm>
+              <a:prstGeom prst="rect">
+                <a:avLst/>
+              </a:prstGeom>
+              <a:noFill/>
+            </p:spPr>
+            <p:txBody>
+              <a:bodyPr wrap="square" rtlCol="0">
+                <a:spAutoFit/>
+              </a:bodyPr>
+              <a:lstStyle/>
+              <a:p>
+                <a14:m>
+                  <m:oMath xmlns:m="http://schemas.openxmlformats.org/officeDocument/2006/math">
+                    <m:sSub>
+                      <m:sSubPr>
+                        <m:ctrlPr>
+                          <a:rPr kumimoji="1" lang="en-US" altLang="zh-CN" i="1" smtClean="0">
+                            <a:latin typeface="Cambria Math" panose="02040503050406030204" pitchFamily="18" charset="0"/>
+                          </a:rPr>
+                        </m:ctrlPr>
+                      </m:sSubPr>
+                      <m:e>
+                        <m:r>
+                          <a:rPr kumimoji="1" lang="en-US" altLang="zh-CN" b="0" i="1" smtClean="0">
+                            <a:latin typeface="Cambria Math" panose="02040503050406030204" pitchFamily="18" charset="0"/>
+                          </a:rPr>
+                          <m:t>𝑑</m:t>
+                        </m:r>
+                      </m:e>
+                      <m:sub>
+                        <m:r>
+                          <a:rPr kumimoji="1" lang="en-US" altLang="zh-CN" b="0" i="1" smtClean="0">
+                            <a:latin typeface="Cambria Math" panose="02040503050406030204" pitchFamily="18" charset="0"/>
+                          </a:rPr>
+                          <m:t>1</m:t>
+                        </m:r>
+                      </m:sub>
+                    </m:sSub>
+                  </m:oMath>
+                </a14:m>
+                <a:r>
+                  <a:rPr kumimoji="1" lang="en-US" altLang="zh-CN" dirty="0"/>
+                  <a:t>, </a:t>
+                </a:r>
+                <a14:m>
+                  <m:oMath xmlns:m="http://schemas.openxmlformats.org/officeDocument/2006/math">
+                    <m:sSub>
+                      <m:sSubPr>
+                        <m:ctrlPr>
+                          <a:rPr kumimoji="1" lang="en-US" altLang="zh-CN" i="1">
+                            <a:latin typeface="Cambria Math" panose="02040503050406030204" pitchFamily="18" charset="0"/>
+                          </a:rPr>
+                        </m:ctrlPr>
+                      </m:sSubPr>
+                      <m:e>
+                        <m:r>
+                          <a:rPr kumimoji="1" lang="en-US" altLang="zh-CN" i="1">
+                            <a:latin typeface="Cambria Math" panose="02040503050406030204" pitchFamily="18" charset="0"/>
+                          </a:rPr>
+                          <m:t>𝑑</m:t>
+                        </m:r>
+                      </m:e>
+                      <m:sub>
+                        <m:r>
+                          <a:rPr kumimoji="1" lang="en-US" altLang="zh-CN" b="0" i="1" smtClean="0">
+                            <a:latin typeface="Cambria Math" panose="02040503050406030204" pitchFamily="18" charset="0"/>
+                          </a:rPr>
+                          <m:t>2</m:t>
+                        </m:r>
+                      </m:sub>
+                    </m:sSub>
+                  </m:oMath>
+                </a14:m>
+                <a:r>
+                  <a:rPr kumimoji="1" lang="en-US" altLang="zh-CN" dirty="0"/>
+                  <a:t>: distances from pixel </a:t>
+                </a:r>
+                <a14:m>
+                  <m:oMath xmlns:m="http://schemas.openxmlformats.org/officeDocument/2006/math">
+                    <m:r>
+                      <a:rPr kumimoji="1" lang="en-US" altLang="zh-CN" b="0" i="1" smtClean="0">
+                        <a:latin typeface="Cambria Math" panose="02040503050406030204" pitchFamily="18" charset="0"/>
+                      </a:rPr>
+                      <m:t>𝑝</m:t>
+                    </m:r>
+                  </m:oMath>
+                </a14:m>
+                <a:r>
+                  <a:rPr kumimoji="1" lang="en-US" altLang="zh-CN" dirty="0"/>
+                  <a:t> to boundaries</a:t>
+                </a:r>
+              </a:p>
+              <a:p>
+                <a14:m>
+                  <m:oMath xmlns:m="http://schemas.openxmlformats.org/officeDocument/2006/math">
+                    <m:sSub>
+                      <m:sSubPr>
+                        <m:ctrlPr>
+                          <a:rPr kumimoji="1" lang="en-US" altLang="zh-CN" i="1" smtClean="0">
+                            <a:latin typeface="Cambria Math" panose="02040503050406030204" pitchFamily="18" charset="0"/>
+                          </a:rPr>
+                        </m:ctrlPr>
+                      </m:sSubPr>
+                      <m:e>
+                        <m:r>
+                          <a:rPr kumimoji="1" lang="en-US" altLang="zh-CN" b="0" i="1" smtClean="0">
+                            <a:latin typeface="Cambria Math" panose="02040503050406030204" pitchFamily="18" charset="0"/>
+                          </a:rPr>
+                          <m:t>𝑃</m:t>
+                        </m:r>
+                      </m:e>
+                      <m:sub>
+                        <m:sSub>
+                          <m:sSubPr>
+                            <m:ctrlPr>
+                              <a:rPr kumimoji="1" lang="en-US" altLang="zh-CN" i="1" smtClean="0">
+                                <a:latin typeface="Cambria Math" panose="02040503050406030204" pitchFamily="18" charset="0"/>
+                              </a:rPr>
+                            </m:ctrlPr>
+                          </m:sSubPr>
+                          <m:e>
+                            <m:r>
+                              <a:rPr kumimoji="1" lang="en-US" altLang="zh-CN" b="0" i="1" smtClean="0">
+                                <a:latin typeface="Cambria Math" panose="02040503050406030204" pitchFamily="18" charset="0"/>
+                              </a:rPr>
+                              <m:t>𝐼</m:t>
+                            </m:r>
+                          </m:e>
+                          <m:sub>
+                            <m:r>
+                              <a:rPr kumimoji="1" lang="en-US" altLang="zh-CN" b="0" i="1" smtClean="0">
+                                <a:latin typeface="Cambria Math" panose="02040503050406030204" pitchFamily="18" charset="0"/>
+                              </a:rPr>
+                              <m:t>𝑐</m:t>
+                            </m:r>
+                            <m:r>
+                              <a:rPr kumimoji="1" lang="en-US" altLang="zh-CN" b="0" i="1" smtClean="0">
+                                <a:latin typeface="Cambria Math" panose="02040503050406030204" pitchFamily="18" charset="0"/>
+                              </a:rPr>
+                              <m:t>,</m:t>
+                            </m:r>
+                            <m:r>
+                              <a:rPr kumimoji="1" lang="en-US" altLang="zh-CN" b="0" i="1" smtClean="0">
+                                <a:latin typeface="Cambria Math" panose="02040503050406030204" pitchFamily="18" charset="0"/>
+                              </a:rPr>
+                              <m:t>𝑛𝑒𝑤</m:t>
+                            </m:r>
+                          </m:sub>
+                        </m:sSub>
+                      </m:sub>
+                    </m:sSub>
+                    <m:d>
+                      <m:dPr>
+                        <m:ctrlPr>
+                          <a:rPr kumimoji="1" lang="en-US" altLang="zh-CN" b="0" i="1" smtClean="0">
+                            <a:latin typeface="Cambria Math" panose="02040503050406030204" pitchFamily="18" charset="0"/>
+                          </a:rPr>
+                        </m:ctrlPr>
+                      </m:dPr>
+                      <m:e>
+                        <m:r>
+                          <a:rPr kumimoji="1" lang="en-US" altLang="zh-CN" b="0" i="1" smtClean="0">
+                            <a:latin typeface="Cambria Math" panose="02040503050406030204" pitchFamily="18" charset="0"/>
+                          </a:rPr>
+                          <m:t>𝑝</m:t>
+                        </m:r>
+                      </m:e>
+                    </m:d>
+                  </m:oMath>
+                </a14:m>
+                <a:r>
+                  <a:rPr kumimoji="1" lang="en-US" altLang="zh-CN" dirty="0"/>
+                  <a:t>: new color of pixel </a:t>
+                </a:r>
+                <a14:m>
+                  <m:oMath xmlns:m="http://schemas.openxmlformats.org/officeDocument/2006/math">
+                    <m:r>
+                      <a:rPr kumimoji="1" lang="en-US" altLang="zh-CN" i="1">
+                        <a:latin typeface="Cambria Math" panose="02040503050406030204" pitchFamily="18" charset="0"/>
+                      </a:rPr>
+                      <m:t>𝑝</m:t>
+                    </m:r>
+                  </m:oMath>
+                </a14:m>
+                <a:r>
+                  <a:rPr kumimoji="1" lang="en-US" altLang="zh-CN" dirty="0"/>
+                  <a:t> </a:t>
+                </a:r>
+              </a:p>
+              <a:p>
+                <a14:m>
+                  <m:oMath xmlns:m="http://schemas.openxmlformats.org/officeDocument/2006/math">
+                    <m:r>
+                      <a:rPr kumimoji="1" lang="en-US" altLang="zh-CN" b="0" i="1" smtClean="0">
+                        <a:latin typeface="Cambria Math" panose="02040503050406030204" pitchFamily="18" charset="0"/>
+                      </a:rPr>
+                      <m:t>𝑛</m:t>
+                    </m:r>
+                  </m:oMath>
+                </a14:m>
+                <a:r>
+                  <a:rPr kumimoji="1" lang="en-US" altLang="zh-CN" dirty="0"/>
+                  <a:t>: order</a:t>
+                </a:r>
+                <a:endParaRPr kumimoji="1" lang="zh-CN" altLang="en-US" dirty="0"/>
+              </a:p>
+            </p:txBody>
+          </p:sp>
+        </mc:Choice>
+        <mc:Fallback>
+          <p:sp>
+            <p:nvSpPr>
+              <p:cNvPr id="5" name="文本框 4">
+                <a:extLst>
+                  <a:ext uri="{FF2B5EF4-FFF2-40B4-BE49-F238E27FC236}">
+                    <a16:creationId xmlns:a16="http://schemas.microsoft.com/office/drawing/2014/main" id="{B63326DB-5E5C-7C40-845A-22F7DC493865}"/>
+                  </a:ext>
+                </a:extLst>
+              </p:cNvPr>
+              <p:cNvSpPr txBox="1">
+                <a:spLocks noRot="1" noChangeAspect="1" noMove="1" noResize="1" noEditPoints="1" noAdjustHandles="1" noChangeArrowheads="1" noChangeShapeType="1" noTextEdit="1"/>
+              </p:cNvSpPr>
+              <p:nvPr/>
+            </p:nvSpPr>
+            <p:spPr>
+              <a:xfrm>
+                <a:off x="2155816" y="3925319"/>
+                <a:ext cx="6316717" cy="965777"/>
+              </a:xfrm>
+              <a:prstGeom prst="rect">
+                <a:avLst/>
+              </a:prstGeom>
+              <a:blipFill>
+                <a:blip r:embed="rId5"/>
+                <a:stretch>
+                  <a:fillRect t="-2597" b="-7792"/>
+                </a:stretch>
+              </a:blipFill>
+            </p:spPr>
+            <p:txBody>
+              <a:bodyPr/>
+              <a:lstStyle/>
+              <a:p>
+                <a:r>
+                  <a:rPr lang="zh-CN" altLang="en-US">
+                    <a:noFill/>
+                  </a:rPr>
+                  <a:t> </a:t>
+                </a:r>
+              </a:p>
+            </p:txBody>
+          </p:sp>
+        </mc:Fallback>
+      </mc:AlternateContent>
+    </p:spTree>
+    <p:extLst>
+      <p:ext uri="{BB962C8B-B14F-4D97-AF65-F5344CB8AC3E}">
+        <p14:creationId xmlns:p14="http://schemas.microsoft.com/office/powerpoint/2010/main" val="3249879065"/>
+      </p:ext>
+    </p:extLst>
+  </p:cSld>
+  <p:clrMapOvr>
+    <a:masterClrMapping/>
+  </p:clrMapOvr>
+  <mc:AlternateContent xmlns:mc="http://schemas.openxmlformats.org/markup-compatibility/2006">
+    <mc:Choice xmlns:p159="http://schemas.microsoft.com/office/powerpoint/2015/09/main" Requires="p159">
+      <p:transition xmlns:p14="http://schemas.microsoft.com/office/powerpoint/2010/main" spd="slow" p14:dur="2000">
+        <p159:morph option="byObject"/>
+      </p:transition>
+    </mc:Choice>
+    <mc:Fallback>
+      <p:transition spd="slow">
+        <p:fade/>
+      </p:transition>
+    </mc:Fallback>
+  </mc:AlternateContent>
+</p:sld>
+</file>
+
+<file path=ppt/slides/slide15.xml><?xml version="1.0" encoding="utf-8"?>
+<p:sld xmlns:a="http://schemas.openxmlformats.org/drawingml/2006/main" xmlns:r="http://schemas.openxmlformats.org/officeDocument/2006/relationships" xmlns:p="http://schemas.openxmlformats.org/presentationml/2006/main">
+  <p:cSld>
+    <p:spTree>
+      <p:nvGrpSpPr>
+        <p:cNvPr id="1" name=""/>
+        <p:cNvGrpSpPr/>
+        <p:nvPr/>
+      </p:nvGrpSpPr>
+      <p:grpSpPr>
+        <a:xfrm>
+          <a:off x="0" y="0"/>
+          <a:ext cx="0" cy="0"/>
+          <a:chOff x="0" y="0"/>
+          <a:chExt cx="0" cy="0"/>
+        </a:xfrm>
+      </p:grpSpPr>
+      <p:sp>
+        <p:nvSpPr>
+          <p:cNvPr id="2" name="标题 1">
+            <a:extLst>
+              <a:ext uri="{FF2B5EF4-FFF2-40B4-BE49-F238E27FC236}">
+                <a16:creationId xmlns:a16="http://schemas.microsoft.com/office/drawing/2014/main" id="{33613982-C928-3346-B58F-D42C50FA596A}"/>
+              </a:ext>
+            </a:extLst>
+          </p:cNvPr>
+          <p:cNvSpPr>
+            <a:spLocks noGrp="1"/>
+          </p:cNvSpPr>
+          <p:nvPr>
+            <p:ph type="title"/>
+          </p:nvPr>
+        </p:nvSpPr>
+        <p:spPr/>
+        <p:txBody>
+          <a:bodyPr/>
+          <a:lstStyle/>
+          <a:p>
+            <a:r>
+              <a:rPr kumimoji="1" lang="en-US" altLang="zh-CN" sz="2400" dirty="0"/>
+              <a:t>Image</a:t>
+            </a:r>
+            <a:r>
+              <a:rPr kumimoji="1" lang="zh-CN" altLang="en-US" sz="2400" dirty="0"/>
+              <a:t> </a:t>
+            </a:r>
+            <a:r>
+              <a:rPr kumimoji="1" lang="en-US" altLang="zh-CN" sz="2400" dirty="0"/>
+              <a:t>Blending</a:t>
+            </a:r>
+            <a:endParaRPr kumimoji="1" lang="zh-CN" altLang="en-US" sz="2400" dirty="0"/>
+          </a:p>
+        </p:txBody>
+      </p:sp>
+      <p:sp>
+        <p:nvSpPr>
+          <p:cNvPr id="3" name="文本框 2">
+            <a:extLst>
+              <a:ext uri="{FF2B5EF4-FFF2-40B4-BE49-F238E27FC236}">
+                <a16:creationId xmlns:a16="http://schemas.microsoft.com/office/drawing/2014/main" id="{6D4D1727-492B-9F4E-88B5-ACE740092B33}"/>
+              </a:ext>
+            </a:extLst>
+          </p:cNvPr>
+          <p:cNvSpPr txBox="1"/>
+          <p:nvPr/>
+        </p:nvSpPr>
+        <p:spPr>
+          <a:xfrm>
+            <a:off x="1560786" y="1597573"/>
+            <a:ext cx="9070428" cy="369332"/>
+          </a:xfrm>
+          <a:prstGeom prst="rect">
+            <a:avLst/>
+          </a:prstGeom>
+          <a:noFill/>
+        </p:spPr>
+        <p:txBody>
+          <a:bodyPr wrap="square" rtlCol="0">
+            <a:spAutoFit/>
+          </a:bodyPr>
+          <a:lstStyle/>
+          <a:p>
+            <a:r>
+              <a:rPr kumimoji="1" lang="en-US" altLang="zh-CN" b="1" dirty="0"/>
+              <a:t>Poisson blending: </a:t>
+            </a:r>
+            <a:r>
+              <a:rPr kumimoji="1" lang="en-US" altLang="zh-CN" dirty="0"/>
+              <a:t>perform image blending in the gradient domain</a:t>
+            </a:r>
+            <a:endParaRPr kumimoji="1" lang="zh-CN" altLang="en-US" dirty="0"/>
+          </a:p>
+        </p:txBody>
+      </p:sp>
+      <p:pic>
+        <p:nvPicPr>
+          <p:cNvPr id="9218" name="Picture 2" descr="equation.pdf">
+            <a:extLst>
+              <a:ext uri="{FF2B5EF4-FFF2-40B4-BE49-F238E27FC236}">
+                <a16:creationId xmlns:a16="http://schemas.microsoft.com/office/drawing/2014/main" id="{9BE93AE4-09C7-2841-AE98-C67111E24DD3}"/>
+              </a:ext>
+            </a:extLst>
+          </p:cNvPr>
+          <p:cNvPicPr>
+            <a:picLocks noChangeAspect="1" noChangeArrowheads="1"/>
+          </p:cNvPicPr>
+          <p:nvPr/>
+        </p:nvPicPr>
+        <p:blipFill>
+          <a:blip r:embed="rId3">
+            <a:extLst>
+              <a:ext uri="{28A0092B-C50C-407E-A947-70E740481C1C}">
+                <a14:useLocalDpi xmlns:a14="http://schemas.microsoft.com/office/drawing/2010/main" val="0"/>
+              </a:ext>
+            </a:extLst>
+          </a:blip>
+          <a:srcRect/>
+          <a:stretch>
+            <a:fillRect/>
+          </a:stretch>
+        </p:blipFill>
+        <p:spPr bwMode="auto">
+          <a:xfrm>
+            <a:off x="2148709" y="2933042"/>
+            <a:ext cx="1774840" cy="512325"/>
+          </a:xfrm>
+          <a:prstGeom prst="rect">
+            <a:avLst/>
+          </a:prstGeom>
+          <a:noFill/>
+          <a:extLst>
+            <a:ext uri="{909E8E84-426E-40DD-AFC4-6F175D3DCCD1}">
+              <a14:hiddenFill xmlns:a14="http://schemas.microsoft.com/office/drawing/2010/main">
+                <a:solidFill>
+                  <a:srgbClr val="FFFFFF"/>
+                </a:solidFill>
+              </a14:hiddenFill>
+            </a:ext>
+          </a:extLst>
+        </p:spPr>
+      </p:pic>
+      <p:pic>
+        <p:nvPicPr>
+          <p:cNvPr id="9219" name="Picture 3" descr="equation_1.pdf">
+            <a:extLst>
+              <a:ext uri="{FF2B5EF4-FFF2-40B4-BE49-F238E27FC236}">
+                <a16:creationId xmlns:a16="http://schemas.microsoft.com/office/drawing/2014/main" id="{C365C3A9-B6F6-D54D-8228-3589CEC72F94}"/>
+              </a:ext>
+            </a:extLst>
+          </p:cNvPr>
+          <p:cNvPicPr>
+            <a:picLocks noChangeAspect="1" noChangeArrowheads="1"/>
+          </p:cNvPicPr>
+          <p:nvPr/>
+        </p:nvPicPr>
+        <p:blipFill>
+          <a:blip r:embed="rId4">
+            <a:extLst>
+              <a:ext uri="{28A0092B-C50C-407E-A947-70E740481C1C}">
+                <a14:useLocalDpi xmlns:a14="http://schemas.microsoft.com/office/drawing/2010/main" val="0"/>
+              </a:ext>
+            </a:extLst>
+          </a:blip>
+          <a:srcRect/>
+          <a:stretch>
+            <a:fillRect/>
+          </a:stretch>
+        </p:blipFill>
+        <p:spPr bwMode="auto">
+          <a:xfrm>
+            <a:off x="2148709" y="3542643"/>
+            <a:ext cx="2689626" cy="502065"/>
+          </a:xfrm>
+          <a:prstGeom prst="rect">
+            <a:avLst/>
+          </a:prstGeom>
+          <a:noFill/>
+          <a:extLst>
+            <a:ext uri="{909E8E84-426E-40DD-AFC4-6F175D3DCCD1}">
+              <a14:hiddenFill xmlns:a14="http://schemas.microsoft.com/office/drawing/2010/main">
+                <a:solidFill>
+                  <a:srgbClr val="FFFFFF"/>
+                </a:solidFill>
+              </a14:hiddenFill>
+            </a:ext>
+          </a:extLst>
+        </p:spPr>
+      </p:pic>
+      <p:pic>
+        <p:nvPicPr>
+          <p:cNvPr id="9220" name="Picture 4" descr="equation_2.pdf">
+            <a:extLst>
+              <a:ext uri="{FF2B5EF4-FFF2-40B4-BE49-F238E27FC236}">
+                <a16:creationId xmlns:a16="http://schemas.microsoft.com/office/drawing/2014/main" id="{57D51EA1-BFE1-4947-9637-1FE80DD019DB}"/>
+              </a:ext>
+            </a:extLst>
+          </p:cNvPr>
+          <p:cNvPicPr>
+            <a:picLocks noChangeAspect="1" noChangeArrowheads="1"/>
+          </p:cNvPicPr>
+          <p:nvPr/>
+        </p:nvPicPr>
+        <p:blipFill>
+          <a:blip r:embed="rId5">
+            <a:extLst>
+              <a:ext uri="{28A0092B-C50C-407E-A947-70E740481C1C}">
+                <a14:useLocalDpi xmlns:a14="http://schemas.microsoft.com/office/drawing/2010/main" val="0"/>
+              </a:ext>
+            </a:extLst>
+          </a:blip>
+          <a:srcRect/>
+          <a:stretch>
+            <a:fillRect/>
+          </a:stretch>
+        </p:blipFill>
+        <p:spPr bwMode="auto">
+          <a:xfrm>
+            <a:off x="2148709" y="4289223"/>
+            <a:ext cx="9187291" cy="225917"/>
+          </a:xfrm>
+          <a:prstGeom prst="rect">
+            <a:avLst/>
+          </a:prstGeom>
+          <a:noFill/>
+          <a:extLst>
+            <a:ext uri="{909E8E84-426E-40DD-AFC4-6F175D3DCCD1}">
+              <a14:hiddenFill xmlns:a14="http://schemas.microsoft.com/office/drawing/2010/main">
+                <a:solidFill>
+                  <a:srgbClr val="FFFFFF"/>
+                </a:solidFill>
+              </a14:hiddenFill>
+            </a:ext>
+          </a:extLst>
+        </p:spPr>
+      </p:pic>
+      <mc:AlternateContent xmlns:mc="http://schemas.openxmlformats.org/markup-compatibility/2006">
+        <mc:Choice xmlns:a14="http://schemas.microsoft.com/office/drawing/2010/main" Requires="a14">
+          <p:sp>
+            <p:nvSpPr>
+              <p:cNvPr id="6" name="文本框 5">
+                <a:extLst>
+                  <a:ext uri="{FF2B5EF4-FFF2-40B4-BE49-F238E27FC236}">
+                    <a16:creationId xmlns:a16="http://schemas.microsoft.com/office/drawing/2014/main" id="{895472A9-BB20-A845-BEF3-64481A9B1C18}"/>
+                  </a:ext>
+                </a:extLst>
+              </p:cNvPr>
+              <p:cNvSpPr txBox="1"/>
+              <p:nvPr/>
+            </p:nvSpPr>
+            <p:spPr>
+              <a:xfrm>
+                <a:off x="2064626" y="2281806"/>
+                <a:ext cx="8918027" cy="391261"/>
+              </a:xfrm>
+              <a:prstGeom prst="rect">
+                <a:avLst/>
+              </a:prstGeom>
+              <a:noFill/>
+            </p:spPr>
+            <p:txBody>
+              <a:bodyPr wrap="square" rtlCol="0">
+                <a:spAutoFit/>
+              </a:bodyPr>
+              <a:lstStyle/>
+              <a:p>
+                <a14:m>
+                  <m:oMath xmlns:m="http://schemas.openxmlformats.org/officeDocument/2006/math">
+                    <m:r>
+                      <a:rPr kumimoji="1" lang="en-US" altLang="zh-CN" b="0" i="1" smtClean="0">
+                        <a:latin typeface="Cambria Math" panose="02040503050406030204" pitchFamily="18" charset="0"/>
+                      </a:rPr>
+                      <m:t>(</m:t>
+                    </m:r>
+                    <m:sSub>
+                      <m:sSubPr>
+                        <m:ctrlPr>
+                          <a:rPr kumimoji="1" lang="en-US" altLang="zh-CN" b="0" i="1" smtClean="0">
+                            <a:latin typeface="Cambria Math" panose="02040503050406030204" pitchFamily="18" charset="0"/>
+                          </a:rPr>
+                        </m:ctrlPr>
+                      </m:sSubPr>
+                      <m:e>
+                        <m:r>
+                          <a:rPr kumimoji="1" lang="en-US" altLang="zh-CN" b="0" i="1" smtClean="0">
+                            <a:latin typeface="Cambria Math" panose="02040503050406030204" pitchFamily="18" charset="0"/>
+                          </a:rPr>
+                          <m:t>𝐺</m:t>
+                        </m:r>
+                      </m:e>
+                      <m:sub>
+                        <m:r>
+                          <a:rPr kumimoji="1" lang="en-US" altLang="zh-CN" b="0" i="1" smtClean="0">
+                            <a:latin typeface="Cambria Math" panose="02040503050406030204" pitchFamily="18" charset="0"/>
+                          </a:rPr>
+                          <m:t>𝑥</m:t>
+                        </m:r>
+                      </m:sub>
+                    </m:sSub>
+                    <m:r>
+                      <a:rPr kumimoji="1" lang="en-US" altLang="zh-CN" b="0" i="1" smtClean="0">
+                        <a:latin typeface="Cambria Math" panose="02040503050406030204" pitchFamily="18" charset="0"/>
+                      </a:rPr>
+                      <m:t>,</m:t>
+                    </m:r>
+                    <m:sSub>
+                      <m:sSubPr>
+                        <m:ctrlPr>
+                          <a:rPr kumimoji="1" lang="en-US" altLang="zh-CN" i="1">
+                            <a:latin typeface="Cambria Math" panose="02040503050406030204" pitchFamily="18" charset="0"/>
+                          </a:rPr>
+                        </m:ctrlPr>
+                      </m:sSubPr>
+                      <m:e>
+                        <m:r>
+                          <a:rPr kumimoji="1" lang="en-US" altLang="zh-CN" i="1">
+                            <a:latin typeface="Cambria Math" panose="02040503050406030204" pitchFamily="18" charset="0"/>
+                          </a:rPr>
+                          <m:t>𝐺</m:t>
+                        </m:r>
+                      </m:e>
+                      <m:sub>
+                        <m:r>
+                          <a:rPr kumimoji="1" lang="en-US" altLang="zh-CN" b="0" i="1" smtClean="0">
+                            <a:latin typeface="Cambria Math" panose="02040503050406030204" pitchFamily="18" charset="0"/>
+                          </a:rPr>
+                          <m:t>𝑦</m:t>
+                        </m:r>
+                      </m:sub>
+                    </m:sSub>
+                    <m:r>
+                      <a:rPr kumimoji="1" lang="en-US" altLang="zh-CN" b="0" i="1" smtClean="0">
+                        <a:latin typeface="Cambria Math" panose="02040503050406030204" pitchFamily="18" charset="0"/>
+                      </a:rPr>
+                      <m:t>)</m:t>
+                    </m:r>
+                  </m:oMath>
+                </a14:m>
+                <a:r>
+                  <a:rPr kumimoji="1" lang="en-US" altLang="zh-CN" dirty="0"/>
+                  <a:t>: gradients of source images using the labeling obtained using optimal seams </a:t>
+                </a:r>
+                <a:endParaRPr kumimoji="1" lang="zh-CN" altLang="en-US" dirty="0"/>
+              </a:p>
+            </p:txBody>
+          </p:sp>
+        </mc:Choice>
+        <mc:Fallback>
+          <p:sp>
+            <p:nvSpPr>
+              <p:cNvPr id="6" name="文本框 5">
+                <a:extLst>
+                  <a:ext uri="{FF2B5EF4-FFF2-40B4-BE49-F238E27FC236}">
+                    <a16:creationId xmlns:a16="http://schemas.microsoft.com/office/drawing/2014/main" id="{895472A9-BB20-A845-BEF3-64481A9B1C18}"/>
+                  </a:ext>
+                </a:extLst>
+              </p:cNvPr>
+              <p:cNvSpPr txBox="1">
+                <a:spLocks noRot="1" noChangeAspect="1" noMove="1" noResize="1" noEditPoints="1" noAdjustHandles="1" noChangeArrowheads="1" noChangeShapeType="1" noTextEdit="1"/>
+              </p:cNvSpPr>
+              <p:nvPr/>
+            </p:nvSpPr>
+            <p:spPr>
+              <a:xfrm>
+                <a:off x="2064626" y="2281806"/>
+                <a:ext cx="8918027" cy="391261"/>
+              </a:xfrm>
+              <a:prstGeom prst="rect">
+                <a:avLst/>
+              </a:prstGeom>
+              <a:blipFill>
+                <a:blip r:embed="rId6"/>
+                <a:stretch>
+                  <a:fillRect l="-284" t="-10000" b="-20000"/>
+                </a:stretch>
+              </a:blipFill>
+            </p:spPr>
+            <p:txBody>
+              <a:bodyPr/>
+              <a:lstStyle/>
+              <a:p>
+                <a:r>
+                  <a:rPr lang="zh-CN" altLang="en-US">
+                    <a:noFill/>
+                  </a:rPr>
+                  <a:t> </a:t>
+                </a:r>
+              </a:p>
+            </p:txBody>
+          </p:sp>
+        </mc:Fallback>
+      </mc:AlternateContent>
+      <mc:AlternateContent xmlns:mc="http://schemas.openxmlformats.org/markup-compatibility/2006">
+        <mc:Choice xmlns:a14="http://schemas.microsoft.com/office/drawing/2010/main" Requires="a14">
+          <p:sp>
+            <p:nvSpPr>
+              <p:cNvPr id="7" name="矩形 6">
+                <a:extLst>
+                  <a:ext uri="{FF2B5EF4-FFF2-40B4-BE49-F238E27FC236}">
+                    <a16:creationId xmlns:a16="http://schemas.microsoft.com/office/drawing/2014/main" id="{26B93C4C-7791-9F41-9FDD-4402420E1CFC}"/>
+                  </a:ext>
+                </a:extLst>
+              </p:cNvPr>
+              <p:cNvSpPr/>
+              <p:nvPr/>
+            </p:nvSpPr>
+            <p:spPr>
+              <a:xfrm>
+                <a:off x="2064626" y="4759655"/>
+                <a:ext cx="7709995" cy="646331"/>
+              </a:xfrm>
+              <a:prstGeom prst="rect">
+                <a:avLst/>
+              </a:prstGeom>
+            </p:spPr>
+            <p:txBody>
+              <a:bodyPr wrap="square">
+                <a:spAutoFit/>
+              </a:bodyPr>
+              <a:lstStyle/>
+              <a:p>
+                <a:r>
+                  <a:rPr lang="en" altLang="zh-CN" dirty="0">
+                    <a:solidFill>
+                      <a:srgbClr val="333333"/>
+                    </a:solidFill>
+                    <a:latin typeface="Open Sans"/>
+                  </a:rPr>
+                  <a:t>solve linear practical differential equation by fixing the colors at the seam and solving new colors</a:t>
+                </a:r>
+                <a:r>
+                  <a:rPr lang="zh-CN" altLang="en-US" dirty="0">
+                    <a:solidFill>
+                      <a:srgbClr val="333333"/>
+                    </a:solidFill>
+                    <a:latin typeface="Open Sans"/>
+                  </a:rPr>
+                  <a:t> </a:t>
+                </a:r>
+                <a14:m>
+                  <m:oMath xmlns:m="http://schemas.openxmlformats.org/officeDocument/2006/math">
+                    <m:r>
+                      <a:rPr lang="en-US" altLang="zh-CN" b="0" i="1" smtClean="0">
+                        <a:solidFill>
+                          <a:srgbClr val="333333"/>
+                        </a:solidFill>
+                        <a:latin typeface="Cambria Math" panose="02040503050406030204" pitchFamily="18" charset="0"/>
+                      </a:rPr>
+                      <m:t>𝐼</m:t>
+                    </m:r>
+                    <m:r>
+                      <a:rPr lang="en-US" altLang="zh-CN" b="0" i="1" smtClean="0">
+                        <a:solidFill>
+                          <a:srgbClr val="333333"/>
+                        </a:solidFill>
+                        <a:latin typeface="Cambria Math" panose="02040503050406030204" pitchFamily="18" charset="0"/>
+                      </a:rPr>
+                      <m:t>(</m:t>
+                    </m:r>
+                    <m:r>
+                      <a:rPr lang="en-US" altLang="zh-CN" b="0" i="1" smtClean="0">
+                        <a:solidFill>
+                          <a:srgbClr val="333333"/>
+                        </a:solidFill>
+                        <a:latin typeface="Cambria Math" panose="02040503050406030204" pitchFamily="18" charset="0"/>
+                      </a:rPr>
+                      <m:t>𝑥</m:t>
+                    </m:r>
+                    <m:r>
+                      <a:rPr lang="en-US" altLang="zh-CN" b="0" i="1" smtClean="0">
+                        <a:solidFill>
+                          <a:srgbClr val="333333"/>
+                        </a:solidFill>
+                        <a:latin typeface="Cambria Math" panose="02040503050406030204" pitchFamily="18" charset="0"/>
+                      </a:rPr>
+                      <m:t>,</m:t>
+                    </m:r>
+                    <m:r>
+                      <a:rPr lang="en-US" altLang="zh-CN" b="0" i="1" smtClean="0">
+                        <a:solidFill>
+                          <a:srgbClr val="333333"/>
+                        </a:solidFill>
+                        <a:latin typeface="Cambria Math" panose="02040503050406030204" pitchFamily="18" charset="0"/>
+                      </a:rPr>
+                      <m:t>𝑦</m:t>
+                    </m:r>
+                    <m:r>
+                      <a:rPr lang="en-US" altLang="zh-CN" b="0" i="1" smtClean="0">
+                        <a:solidFill>
+                          <a:srgbClr val="333333"/>
+                        </a:solidFill>
+                        <a:latin typeface="Cambria Math" panose="02040503050406030204" pitchFamily="18" charset="0"/>
+                      </a:rPr>
+                      <m:t>)</m:t>
+                    </m:r>
+                  </m:oMath>
+                </a14:m>
+                <a:r>
+                  <a:rPr lang="en" altLang="zh-CN" dirty="0">
+                    <a:solidFill>
+                      <a:srgbClr val="333333"/>
+                    </a:solidFill>
+                    <a:latin typeface="Open Sans"/>
+                  </a:rPr>
+                  <a:t> ​ over the gradient field</a:t>
+                </a:r>
+                <a:endParaRPr lang="en" altLang="zh-CN" b="0" i="0" u="none" strike="noStrike" dirty="0">
+                  <a:solidFill>
+                    <a:srgbClr val="333333"/>
+                  </a:solidFill>
+                  <a:effectLst/>
+                  <a:latin typeface="Open Sans"/>
+                </a:endParaRPr>
+              </a:p>
+            </p:txBody>
+          </p:sp>
+        </mc:Choice>
+        <mc:Fallback>
+          <p:sp>
+            <p:nvSpPr>
+              <p:cNvPr id="7" name="矩形 6">
+                <a:extLst>
+                  <a:ext uri="{FF2B5EF4-FFF2-40B4-BE49-F238E27FC236}">
+                    <a16:creationId xmlns:a16="http://schemas.microsoft.com/office/drawing/2014/main" id="{26B93C4C-7791-9F41-9FDD-4402420E1CFC}"/>
+                  </a:ext>
+                </a:extLst>
+              </p:cNvPr>
+              <p:cNvSpPr>
+                <a:spLocks noRot="1" noChangeAspect="1" noMove="1" noResize="1" noEditPoints="1" noAdjustHandles="1" noChangeArrowheads="1" noChangeShapeType="1" noTextEdit="1"/>
+              </p:cNvSpPr>
+              <p:nvPr/>
+            </p:nvSpPr>
+            <p:spPr>
+              <a:xfrm>
+                <a:off x="2064626" y="4759655"/>
+                <a:ext cx="7709995" cy="646331"/>
+              </a:xfrm>
+              <a:prstGeom prst="rect">
+                <a:avLst/>
+              </a:prstGeom>
+              <a:blipFill>
+                <a:blip r:embed="rId7"/>
+                <a:stretch>
+                  <a:fillRect l="-658" t="-3846" b="-13462"/>
+                </a:stretch>
+              </a:blipFill>
+            </p:spPr>
+            <p:txBody>
+              <a:bodyPr/>
+              <a:lstStyle/>
+              <a:p>
+                <a:r>
+                  <a:rPr lang="zh-CN" altLang="en-US">
+                    <a:noFill/>
+                  </a:rPr>
+                  <a:t> </a:t>
+                </a:r>
+              </a:p>
+            </p:txBody>
+          </p:sp>
+        </mc:Fallback>
+      </mc:AlternateContent>
+    </p:spTree>
+    <p:extLst>
+      <p:ext uri="{BB962C8B-B14F-4D97-AF65-F5344CB8AC3E}">
+        <p14:creationId xmlns:p14="http://schemas.microsoft.com/office/powerpoint/2010/main" val="518750818"/>
+      </p:ext>
+    </p:extLst>
+  </p:cSld>
+  <p:clrMapOvr>
+    <a:masterClrMapping/>
+  </p:clrMapOvr>
+  <mc:AlternateContent xmlns:mc="http://schemas.openxmlformats.org/markup-compatibility/2006">
+    <mc:Choice xmlns:p159="http://schemas.microsoft.com/office/powerpoint/2015/09/main" Requires="p159">
+      <p:transition xmlns:p14="http://schemas.microsoft.com/office/powerpoint/2010/main" spd="slow" p14:dur="2000">
+        <p159:morph option="byObject"/>
+      </p:transition>
+    </mc:Choice>
+    <mc:Fallback>
+      <p:transition spd="slow">
+        <p:fade/>
+      </p:transition>
+    </mc:Fallback>
+  </mc:AlternateContent>
+</p:sld>
+</file>
+
+<file path=ppt/slides/slide16.xml><?xml version="1.0" encoding="utf-8"?>
+<p:sld xmlns:a="http://schemas.openxmlformats.org/drawingml/2006/main" xmlns:r="http://schemas.openxmlformats.org/officeDocument/2006/relationships" xmlns:p="http://schemas.openxmlformats.org/presentationml/2006/main">
+  <p:cSld>
+    <p:spTree>
+      <p:nvGrpSpPr>
+        <p:cNvPr id="1" name=""/>
+        <p:cNvGrpSpPr/>
+        <p:nvPr/>
+      </p:nvGrpSpPr>
+      <p:grpSpPr>
+        <a:xfrm>
+          <a:off x="0" y="0"/>
+          <a:ext cx="0" cy="0"/>
+          <a:chOff x="0" y="0"/>
+          <a:chExt cx="0" cy="0"/>
+        </a:xfrm>
+      </p:grpSpPr>
+      <p:sp>
+        <p:nvSpPr>
+          <p:cNvPr id="2" name="标题 1">
+            <a:extLst>
+              <a:ext uri="{FF2B5EF4-FFF2-40B4-BE49-F238E27FC236}">
+                <a16:creationId xmlns:a16="http://schemas.microsoft.com/office/drawing/2014/main" id="{599926E5-4995-8B4A-997D-A31A7102C7DA}"/>
+              </a:ext>
+            </a:extLst>
+          </p:cNvPr>
+          <p:cNvSpPr>
+            <a:spLocks noGrp="1"/>
+          </p:cNvSpPr>
+          <p:nvPr>
+            <p:ph type="title"/>
+          </p:nvPr>
+        </p:nvSpPr>
+        <p:spPr/>
+        <p:txBody>
+          <a:bodyPr/>
+          <a:lstStyle/>
+          <a:p>
+            <a:r>
+              <a:rPr kumimoji="1" lang="en-US" altLang="zh-CN" dirty="0"/>
+              <a:t>Results</a:t>
+            </a:r>
+            <a:endParaRPr kumimoji="1" lang="zh-CN" altLang="en-US" dirty="0"/>
+          </a:p>
+        </p:txBody>
+      </p:sp>
+      <p:pic>
+        <p:nvPicPr>
+          <p:cNvPr id="6" name="图片 5">
+            <a:extLst>
+              <a:ext uri="{FF2B5EF4-FFF2-40B4-BE49-F238E27FC236}">
+                <a16:creationId xmlns:a16="http://schemas.microsoft.com/office/drawing/2014/main" id="{E51F5D90-244E-AB46-9FE1-00DF893C2861}"/>
+              </a:ext>
+            </a:extLst>
+          </p:cNvPr>
+          <p:cNvPicPr>
+            <a:picLocks noChangeAspect="1"/>
+          </p:cNvPicPr>
+          <p:nvPr/>
+        </p:nvPicPr>
+        <p:blipFill>
+          <a:blip r:embed="rId3"/>
+          <a:stretch>
+            <a:fillRect/>
+          </a:stretch>
+        </p:blipFill>
+        <p:spPr>
+          <a:xfrm>
+            <a:off x="1605858" y="2069880"/>
+            <a:ext cx="8980283" cy="1065047"/>
+          </a:xfrm>
+          <a:prstGeom prst="rect">
+            <a:avLst/>
+          </a:prstGeom>
+        </p:spPr>
+      </p:pic>
+      <p:pic>
+        <p:nvPicPr>
+          <p:cNvPr id="8" name="图片 7">
+            <a:extLst>
+              <a:ext uri="{FF2B5EF4-FFF2-40B4-BE49-F238E27FC236}">
+                <a16:creationId xmlns:a16="http://schemas.microsoft.com/office/drawing/2014/main" id="{D27802FD-6568-E447-8ED2-60D6631764A5}"/>
+              </a:ext>
+            </a:extLst>
+          </p:cNvPr>
+          <p:cNvPicPr>
+            <a:picLocks noChangeAspect="1"/>
+          </p:cNvPicPr>
+          <p:nvPr/>
+        </p:nvPicPr>
+        <p:blipFill>
+          <a:blip r:embed="rId4"/>
+          <a:stretch>
+            <a:fillRect/>
+          </a:stretch>
+        </p:blipFill>
+        <p:spPr>
+          <a:xfrm>
+            <a:off x="1605858" y="3723073"/>
+            <a:ext cx="8979579" cy="1138621"/>
+          </a:xfrm>
+          <a:prstGeom prst="rect">
+            <a:avLst/>
+          </a:prstGeom>
+        </p:spPr>
+      </p:pic>
+    </p:spTree>
+    <p:extLst>
+      <p:ext uri="{BB962C8B-B14F-4D97-AF65-F5344CB8AC3E}">
+        <p14:creationId xmlns:p14="http://schemas.microsoft.com/office/powerpoint/2010/main" val="546265253"/>
+      </p:ext>
+    </p:extLst>
+  </p:cSld>
+  <p:clrMapOvr>
+    <a:masterClrMapping/>
+  </p:clrMapOvr>
+  <mc:AlternateContent xmlns:mc="http://schemas.openxmlformats.org/markup-compatibility/2006">
+    <mc:Choice xmlns:p159="http://schemas.microsoft.com/office/powerpoint/2015/09/main" Requires="p159">
+      <p:transition xmlns:p14="http://schemas.microsoft.com/office/powerpoint/2010/main" spd="slow" p14:dur="2000">
+        <p159:morph option="byObject"/>
+      </p:transition>
+    </mc:Choice>
+    <mc:Fallback>
+      <p:transition spd="slow">
+        <p:fade/>
+      </p:transition>
+    </mc:Fallback>
+  </mc:AlternateContent>
+</p:sld>
+</file>
+
+<file path=ppt/slides/slide17.xml><?xml version="1.0" encoding="utf-8"?>
+<p:sld xmlns:a="http://schemas.openxmlformats.org/drawingml/2006/main" xmlns:r="http://schemas.openxmlformats.org/officeDocument/2006/relationships" xmlns:p="http://schemas.openxmlformats.org/presentationml/2006/main">
+  <p:cSld>
+    <p:spTree>
+      <p:nvGrpSpPr>
+        <p:cNvPr id="1" name=""/>
+        <p:cNvGrpSpPr/>
+        <p:nvPr/>
+      </p:nvGrpSpPr>
+      <p:grpSpPr>
+        <a:xfrm>
+          <a:off x="0" y="0"/>
+          <a:ext cx="0" cy="0"/>
+          <a:chOff x="0" y="0"/>
+          <a:chExt cx="0" cy="0"/>
+        </a:xfrm>
+      </p:grpSpPr>
+      <p:sp>
+        <p:nvSpPr>
+          <p:cNvPr id="2" name="标题 1">
+            <a:extLst>
+              <a:ext uri="{FF2B5EF4-FFF2-40B4-BE49-F238E27FC236}">
+                <a16:creationId xmlns:a16="http://schemas.microsoft.com/office/drawing/2014/main" id="{599926E5-4995-8B4A-997D-A31A7102C7DA}"/>
+              </a:ext>
+            </a:extLst>
+          </p:cNvPr>
+          <p:cNvSpPr>
+            <a:spLocks noGrp="1"/>
+          </p:cNvSpPr>
+          <p:nvPr>
+            <p:ph type="title"/>
+          </p:nvPr>
+        </p:nvSpPr>
+        <p:spPr/>
+        <p:txBody>
+          <a:bodyPr/>
+          <a:lstStyle/>
+          <a:p>
+            <a:r>
+              <a:rPr kumimoji="1" lang="en-US" altLang="zh-CN" dirty="0"/>
+              <a:t>Results</a:t>
+            </a:r>
+            <a:endParaRPr kumimoji="1" lang="zh-CN" altLang="en-US" dirty="0"/>
+          </a:p>
+        </p:txBody>
+      </p:sp>
+      <p:pic>
+        <p:nvPicPr>
+          <p:cNvPr id="4" name="图片 3">
+            <a:extLst>
+              <a:ext uri="{FF2B5EF4-FFF2-40B4-BE49-F238E27FC236}">
+                <a16:creationId xmlns:a16="http://schemas.microsoft.com/office/drawing/2014/main" id="{7A40E7D3-9C47-854C-BD9F-740733CF10C1}"/>
+              </a:ext>
+            </a:extLst>
+          </p:cNvPr>
+          <p:cNvPicPr>
+            <a:picLocks noChangeAspect="1"/>
+          </p:cNvPicPr>
+          <p:nvPr/>
+        </p:nvPicPr>
+        <p:blipFill>
+          <a:blip r:embed="rId3"/>
+          <a:stretch>
+            <a:fillRect/>
+          </a:stretch>
+        </p:blipFill>
+        <p:spPr>
+          <a:xfrm>
+            <a:off x="1588768" y="2887173"/>
+            <a:ext cx="9014464" cy="1433567"/>
+          </a:xfrm>
+          <a:prstGeom prst="rect">
+            <a:avLst/>
+          </a:prstGeom>
+        </p:spPr>
+      </p:pic>
+      <p:pic>
+        <p:nvPicPr>
+          <p:cNvPr id="11" name="图片 10">
+            <a:extLst>
+              <a:ext uri="{FF2B5EF4-FFF2-40B4-BE49-F238E27FC236}">
+                <a16:creationId xmlns:a16="http://schemas.microsoft.com/office/drawing/2014/main" id="{46CD0E95-C387-064C-B8AD-228D4B970E29}"/>
+              </a:ext>
+            </a:extLst>
+          </p:cNvPr>
+          <p:cNvPicPr>
+            <a:picLocks noChangeAspect="1"/>
+          </p:cNvPicPr>
+          <p:nvPr/>
+        </p:nvPicPr>
+        <p:blipFill>
+          <a:blip r:embed="rId4"/>
+          <a:stretch>
+            <a:fillRect/>
+          </a:stretch>
+        </p:blipFill>
+        <p:spPr>
+          <a:xfrm>
+            <a:off x="1588768" y="1309030"/>
+            <a:ext cx="8948375" cy="1423057"/>
+          </a:xfrm>
+          <a:prstGeom prst="rect">
+            <a:avLst/>
+          </a:prstGeom>
+        </p:spPr>
+      </p:pic>
+      <p:pic>
+        <p:nvPicPr>
+          <p:cNvPr id="7" name="图片 6">
+            <a:extLst>
+              <a:ext uri="{FF2B5EF4-FFF2-40B4-BE49-F238E27FC236}">
+                <a16:creationId xmlns:a16="http://schemas.microsoft.com/office/drawing/2014/main" id="{ADDED318-41CE-EE44-9661-A2E64E58BEF1}"/>
+              </a:ext>
+            </a:extLst>
+          </p:cNvPr>
+          <p:cNvPicPr>
+            <a:picLocks noChangeAspect="1"/>
+          </p:cNvPicPr>
+          <p:nvPr/>
+        </p:nvPicPr>
+        <p:blipFill>
+          <a:blip r:embed="rId5"/>
+          <a:stretch>
+            <a:fillRect/>
+          </a:stretch>
+        </p:blipFill>
+        <p:spPr>
+          <a:xfrm>
+            <a:off x="1588768" y="4541515"/>
+            <a:ext cx="8948374" cy="1423057"/>
+          </a:xfrm>
+          <a:prstGeom prst="rect">
+            <a:avLst/>
+          </a:prstGeom>
+        </p:spPr>
+      </p:pic>
+    </p:spTree>
+    <p:extLst>
+      <p:ext uri="{BB962C8B-B14F-4D97-AF65-F5344CB8AC3E}">
+        <p14:creationId xmlns:p14="http://schemas.microsoft.com/office/powerpoint/2010/main" val="3869895505"/>
+      </p:ext>
+    </p:extLst>
+  </p:cSld>
+  <p:clrMapOvr>
+    <a:masterClrMapping/>
+  </p:clrMapOvr>
+  <mc:AlternateContent xmlns:mc="http://schemas.openxmlformats.org/markup-compatibility/2006">
+    <mc:Choice xmlns:p159="http://schemas.microsoft.com/office/powerpoint/2015/09/main" Requires="p159">
+      <p:transition xmlns:p14="http://schemas.microsoft.com/office/powerpoint/2010/main" spd="slow" p14:dur="2000">
+        <p159:morph option="byObject"/>
+      </p:transition>
+    </mc:Choice>
+    <mc:Fallback>
+      <p:transition spd="slow">
+        <p:fade/>
+      </p:transition>
+    </mc:Fallback>
+  </mc:AlternateContent>
 </p:sld>
 </file>
 
@@ -3923,7 +9828,7 @@
         <p:spPr>
           <a:xfrm>
             <a:off x="1373270" y="1479177"/>
-            <a:ext cx="10098742" cy="4285660"/>
+            <a:ext cx="10098742" cy="4247317"/>
           </a:xfrm>
           <a:prstGeom prst="rect">
             <a:avLst/>
@@ -3937,14 +9842,11 @@
           <a:lstStyle/>
           <a:p>
             <a:pPr marL="285750" indent="-285750">
-              <a:lnSpc>
-                <a:spcPts val="3000"/>
-              </a:lnSpc>
               <a:buFont typeface="Arial" panose="020B0604020202020204" pitchFamily="34" charset="0"/>
               <a:buChar char="•"/>
             </a:pPr>
             <a:r>
-              <a:rPr kumimoji="1" lang="en-US" altLang="zh-CN" sz="2400" dirty="0">
+              <a:rPr kumimoji="1" lang="en-US" altLang="zh-CN" dirty="0">
                 <a:latin typeface="Hiragino Mincho ProN W3" panose="02020300000000000000" pitchFamily="18" charset="-128"/>
                 <a:ea typeface="Hiragino Mincho ProN W3" panose="02020300000000000000" pitchFamily="18" charset="-128"/>
               </a:rPr>
@@ -3953,14 +9855,11 @@
           </a:p>
           <a:p>
             <a:pPr marL="742950" lvl="1" indent="-285750">
-              <a:lnSpc>
-                <a:spcPts val="3000"/>
-              </a:lnSpc>
               <a:buFont typeface="Arial" panose="020B0604020202020204" pitchFamily="34" charset="0"/>
               <a:buChar char="•"/>
             </a:pPr>
             <a:r>
-              <a:rPr kumimoji="1" lang="en-US" altLang="zh-CN" sz="2400" dirty="0">
+              <a:rPr kumimoji="1" lang="en-US" altLang="zh-CN" dirty="0">
                 <a:latin typeface="Hiragino Mincho ProN W3" panose="02020300000000000000" pitchFamily="18" charset="-128"/>
                 <a:ea typeface="Hiragino Mincho ProN W3" panose="02020300000000000000" pitchFamily="18" charset="-128"/>
               </a:rPr>
@@ -3969,54 +9868,45 @@
           </a:p>
           <a:p>
             <a:pPr marL="742950" lvl="1" indent="-285750">
-              <a:lnSpc>
-                <a:spcPts val="3000"/>
-              </a:lnSpc>
               <a:buFont typeface="Arial" panose="020B0604020202020204" pitchFamily="34" charset="0"/>
               <a:buChar char="•"/>
             </a:pPr>
             <a:r>
-              <a:rPr kumimoji="1" lang="en-US" altLang="zh-CN" sz="2400" dirty="0" err="1">
+              <a:rPr kumimoji="1" lang="en-US" altLang="zh-CN" dirty="0" err="1">
                 <a:latin typeface="Hiragino Mincho ProN W3" panose="02020300000000000000" pitchFamily="18" charset="-128"/>
                 <a:ea typeface="Hiragino Mincho ProN W3" panose="02020300000000000000" pitchFamily="18" charset="-128"/>
               </a:rPr>
               <a:t>Yyy</a:t>
             </a:r>
-            <a:endParaRPr kumimoji="1" lang="en-US" altLang="zh-CN" sz="2400" dirty="0">
+            <a:endParaRPr kumimoji="1" lang="en-US" altLang="zh-CN" dirty="0">
               <a:latin typeface="Hiragino Mincho ProN W3" panose="02020300000000000000" pitchFamily="18" charset="-128"/>
               <a:ea typeface="Hiragino Mincho ProN W3" panose="02020300000000000000" pitchFamily="18" charset="-128"/>
             </a:endParaRPr>
           </a:p>
           <a:p>
             <a:pPr marL="742950" lvl="1" indent="-285750">
-              <a:lnSpc>
-                <a:spcPts val="3000"/>
-              </a:lnSpc>
               <a:buFont typeface="Arial" panose="020B0604020202020204" pitchFamily="34" charset="0"/>
               <a:buChar char="•"/>
             </a:pPr>
             <a:r>
-              <a:rPr kumimoji="1" lang="en-US" altLang="zh-CN" sz="2400" dirty="0" err="1">
+              <a:rPr kumimoji="1" lang="en-US" altLang="zh-CN" dirty="0" err="1">
                 <a:latin typeface="Hiragino Mincho ProN W3" panose="02020300000000000000" pitchFamily="18" charset="-128"/>
                 <a:ea typeface="Hiragino Mincho ProN W3" panose="02020300000000000000" pitchFamily="18" charset="-128"/>
               </a:rPr>
               <a:t>zzz</a:t>
             </a:r>
-            <a:endParaRPr kumimoji="1" lang="en-US" altLang="zh-CN" sz="2400" dirty="0">
+            <a:endParaRPr kumimoji="1" lang="en-US" altLang="zh-CN" dirty="0">
               <a:latin typeface="Hiragino Mincho ProN W3" panose="02020300000000000000" pitchFamily="18" charset="-128"/>
               <a:ea typeface="Hiragino Mincho ProN W3" panose="02020300000000000000" pitchFamily="18" charset="-128"/>
             </a:endParaRPr>
           </a:p>
           <a:p>
             <a:pPr marL="285750" indent="-285750">
-              <a:lnSpc>
-                <a:spcPts val="3000"/>
-              </a:lnSpc>
               <a:buFont typeface="Arial" panose="020B0604020202020204" pitchFamily="34" charset="0"/>
               <a:buChar char="•"/>
             </a:pPr>
             <a:r>
-              <a:rPr kumimoji="1" lang="en-US" altLang="zh-CN" sz="2400" dirty="0">
+              <a:rPr kumimoji="1" lang="en-US" altLang="zh-CN" dirty="0">
                 <a:latin typeface="Hiragino Mincho ProN W3" panose="02020300000000000000" pitchFamily="18" charset="-128"/>
                 <a:ea typeface="Hiragino Mincho ProN W3" panose="02020300000000000000" pitchFamily="18" charset="-128"/>
               </a:rPr>
@@ -4025,14 +9915,11 @@
           </a:p>
           <a:p>
             <a:pPr marL="742950" lvl="1" indent="-285750">
-              <a:lnSpc>
-                <a:spcPts val="3000"/>
-              </a:lnSpc>
               <a:buFont typeface="Arial" panose="020B0604020202020204" pitchFamily="34" charset="0"/>
               <a:buChar char="•"/>
             </a:pPr>
             <a:r>
-              <a:rPr kumimoji="1" lang="en-US" altLang="zh-CN" sz="2400" dirty="0">
+              <a:rPr kumimoji="1" lang="en-US" altLang="zh-CN" dirty="0">
                 <a:latin typeface="Hiragino Mincho ProN W3" panose="02020300000000000000" pitchFamily="18" charset="-128"/>
                 <a:ea typeface="Hiragino Mincho ProN W3" panose="02020300000000000000" pitchFamily="18" charset="-128"/>
               </a:rPr>
@@ -4041,54 +9928,45 @@
           </a:p>
           <a:p>
             <a:pPr marL="742950" lvl="1" indent="-285750">
-              <a:lnSpc>
-                <a:spcPts val="3000"/>
-              </a:lnSpc>
               <a:buFont typeface="Arial" panose="020B0604020202020204" pitchFamily="34" charset="0"/>
               <a:buChar char="•"/>
             </a:pPr>
             <a:r>
-              <a:rPr kumimoji="1" lang="en-US" altLang="zh-CN" sz="2400" dirty="0" err="1">
+              <a:rPr kumimoji="1" lang="en-US" altLang="zh-CN" dirty="0" err="1">
                 <a:latin typeface="Hiragino Mincho ProN W3" panose="02020300000000000000" pitchFamily="18" charset="-128"/>
                 <a:ea typeface="Hiragino Mincho ProN W3" panose="02020300000000000000" pitchFamily="18" charset="-128"/>
               </a:rPr>
               <a:t>Yyy</a:t>
             </a:r>
-            <a:endParaRPr kumimoji="1" lang="en-US" altLang="zh-CN" sz="2400" dirty="0">
+            <a:endParaRPr kumimoji="1" lang="en-US" altLang="zh-CN" dirty="0">
               <a:latin typeface="Hiragino Mincho ProN W3" panose="02020300000000000000" pitchFamily="18" charset="-128"/>
               <a:ea typeface="Hiragino Mincho ProN W3" panose="02020300000000000000" pitchFamily="18" charset="-128"/>
             </a:endParaRPr>
           </a:p>
           <a:p>
             <a:pPr marL="742950" lvl="1" indent="-285750">
-              <a:lnSpc>
-                <a:spcPts val="3000"/>
-              </a:lnSpc>
               <a:buFont typeface="Arial" panose="020B0604020202020204" pitchFamily="34" charset="0"/>
               <a:buChar char="•"/>
             </a:pPr>
             <a:r>
-              <a:rPr kumimoji="1" lang="en-US" altLang="zh-CN" sz="2400" dirty="0" err="1">
+              <a:rPr kumimoji="1" lang="en-US" altLang="zh-CN" dirty="0" err="1">
                 <a:latin typeface="Hiragino Mincho ProN W3" panose="02020300000000000000" pitchFamily="18" charset="-128"/>
                 <a:ea typeface="Hiragino Mincho ProN W3" panose="02020300000000000000" pitchFamily="18" charset="-128"/>
               </a:rPr>
               <a:t>zzz</a:t>
             </a:r>
-            <a:endParaRPr kumimoji="1" lang="en-US" altLang="zh-CN" sz="2400" dirty="0">
+            <a:endParaRPr kumimoji="1" lang="en-US" altLang="zh-CN" dirty="0">
               <a:latin typeface="Hiragino Mincho ProN W3" panose="02020300000000000000" pitchFamily="18" charset="-128"/>
               <a:ea typeface="Hiragino Mincho ProN W3" panose="02020300000000000000" pitchFamily="18" charset="-128"/>
             </a:endParaRPr>
           </a:p>
           <a:p>
             <a:pPr marL="285750" indent="-285750">
-              <a:lnSpc>
-                <a:spcPts val="3000"/>
-              </a:lnSpc>
               <a:buFont typeface="Arial" panose="020B0604020202020204" pitchFamily="34" charset="0"/>
               <a:buChar char="•"/>
             </a:pPr>
             <a:r>
-              <a:rPr kumimoji="1" lang="en-US" altLang="zh-CN" sz="2400" dirty="0">
+              <a:rPr kumimoji="1" lang="en-US" altLang="zh-CN" dirty="0">
                 <a:latin typeface="Hiragino Mincho ProN W3" panose="02020300000000000000" pitchFamily="18" charset="-128"/>
                 <a:ea typeface="Hiragino Mincho ProN W3" panose="02020300000000000000" pitchFamily="18" charset="-128"/>
               </a:rPr>
@@ -4097,36 +9975,81 @@
           </a:p>
           <a:p>
             <a:pPr marL="742950" lvl="1" indent="-285750">
-              <a:lnSpc>
-                <a:spcPts val="3000"/>
-              </a:lnSpc>
               <a:buFont typeface="Arial" panose="020B0604020202020204" pitchFamily="34" charset="0"/>
               <a:buChar char="•"/>
             </a:pPr>
             <a:r>
-              <a:rPr kumimoji="1" lang="en-US" altLang="zh-CN" sz="2400" dirty="0">
+              <a:rPr kumimoji="1" lang="en-US" altLang="zh-CN" dirty="0">
                 <a:latin typeface="Hiragino Mincho ProN W3" panose="02020300000000000000" pitchFamily="18" charset="-128"/>
                 <a:ea typeface="Hiragino Mincho ProN W3" panose="02020300000000000000" pitchFamily="18" charset="-128"/>
               </a:rPr>
-              <a:t>Xx</a:t>
+              <a:t>Current Approaches</a:t>
             </a:r>
           </a:p>
           <a:p>
             <a:pPr marL="742950" lvl="1" indent="-285750">
-              <a:lnSpc>
-                <a:spcPts val="3000"/>
-              </a:lnSpc>
               <a:buFont typeface="Arial" panose="020B0604020202020204" pitchFamily="34" charset="0"/>
               <a:buChar char="•"/>
             </a:pPr>
             <a:r>
-              <a:rPr kumimoji="1" lang="en-US" altLang="zh-CN" sz="2400" dirty="0" err="1">
+              <a:rPr kumimoji="1" lang="en-US" altLang="zh-CN" dirty="0">
                 <a:latin typeface="Hiragino Mincho ProN W3" panose="02020300000000000000" pitchFamily="18" charset="-128"/>
                 <a:ea typeface="Hiragino Mincho ProN W3" panose="02020300000000000000" pitchFamily="18" charset="-128"/>
               </a:rPr>
-              <a:t>yy</a:t>
-            </a:r>
-            <a:endParaRPr kumimoji="1" lang="zh-CN" altLang="en-US" sz="2400" dirty="0">
+              <a:t>Summary</a:t>
+            </a:r>
+          </a:p>
+          <a:p>
+            <a:pPr marL="742950" lvl="1" indent="-285750">
+              <a:buFont typeface="Arial" panose="020B0604020202020204" pitchFamily="34" charset="0"/>
+              <a:buChar char="•"/>
+            </a:pPr>
+            <a:r>
+              <a:rPr kumimoji="1" lang="en-US" altLang="zh-CN" dirty="0"/>
+              <a:t>Color and Luminance Compensation</a:t>
+            </a:r>
+          </a:p>
+          <a:p>
+            <a:pPr marL="742950" lvl="1" indent="-285750">
+              <a:buFont typeface="Arial" panose="020B0604020202020204" pitchFamily="34" charset="0"/>
+              <a:buChar char="•"/>
+            </a:pPr>
+            <a:r>
+              <a:rPr kumimoji="1" lang="en-US" altLang="zh-CN" dirty="0"/>
+              <a:t>Optimal Seam Finding and Image Labeling</a:t>
+            </a:r>
+          </a:p>
+          <a:p>
+            <a:pPr marL="742950" lvl="1" indent="-285750">
+              <a:buFont typeface="Arial" panose="020B0604020202020204" pitchFamily="34" charset="0"/>
+              <a:buChar char="•"/>
+            </a:pPr>
+            <a:r>
+              <a:rPr kumimoji="1" lang="en-US" altLang="zh-CN" dirty="0"/>
+              <a:t>Image Blending</a:t>
+            </a:r>
+            <a:r>
+              <a:rPr lang="en-US" altLang="zh-CN" dirty="0"/>
+              <a:t> </a:t>
+            </a:r>
+            <a:endParaRPr kumimoji="1" lang="en-US" altLang="zh-CN" dirty="0">
+              <a:latin typeface="Hiragino Mincho ProN W3" panose="02020300000000000000" pitchFamily="18" charset="-128"/>
+              <a:ea typeface="Hiragino Mincho ProN W3" panose="02020300000000000000" pitchFamily="18" charset="-128"/>
+            </a:endParaRPr>
+          </a:p>
+          <a:p>
+            <a:pPr marL="742950" lvl="1" indent="-285750">
+              <a:buFont typeface="Arial" panose="020B0604020202020204" pitchFamily="34" charset="0"/>
+              <a:buChar char="•"/>
+            </a:pPr>
+            <a:r>
+              <a:rPr kumimoji="1" lang="en-US" altLang="zh-CN" dirty="0">
+                <a:latin typeface="Hiragino Mincho ProN W3" panose="02020300000000000000" pitchFamily="18" charset="-128"/>
+                <a:ea typeface="Hiragino Mincho ProN W3" panose="02020300000000000000" pitchFamily="18" charset="-128"/>
+              </a:rPr>
+              <a:t>Results</a:t>
+            </a:r>
+            <a:endParaRPr kumimoji="1" lang="zh-CN" altLang="en-US" dirty="0">
               <a:latin typeface="Hiragino Mincho ProN W3" panose="02020300000000000000" pitchFamily="18" charset="-128"/>
               <a:ea typeface="Hiragino Mincho ProN W3" panose="02020300000000000000" pitchFamily="18" charset="-128"/>
             </a:endParaRPr>
@@ -4143,6 +10066,2859 @@
   <p:clrMapOvr>
     <a:masterClrMapping/>
   </p:clrMapOvr>
+  <mc:AlternateContent xmlns:mc="http://schemas.openxmlformats.org/markup-compatibility/2006">
+    <mc:Choice xmlns:p159="http://schemas.microsoft.com/office/powerpoint/2015/09/main" Requires="p159">
+      <p:transition xmlns:p14="http://schemas.microsoft.com/office/powerpoint/2010/main" spd="slow" p14:dur="2000">
+        <p159:morph option="byObject"/>
+      </p:transition>
+    </mc:Choice>
+    <mc:Fallback>
+      <p:transition spd="slow">
+        <p:fade/>
+      </p:transition>
+    </mc:Fallback>
+  </mc:AlternateContent>
+</p:sld>
+</file>
+
+<file path=ppt/slides/slide3.xml><?xml version="1.0" encoding="utf-8"?>
+<p:sld xmlns:a="http://schemas.openxmlformats.org/drawingml/2006/main" xmlns:r="http://schemas.openxmlformats.org/officeDocument/2006/relationships" xmlns:p="http://schemas.openxmlformats.org/presentationml/2006/main">
+  <p:cSld>
+    <p:spTree>
+      <p:nvGrpSpPr>
+        <p:cNvPr id="1" name=""/>
+        <p:cNvGrpSpPr/>
+        <p:nvPr/>
+      </p:nvGrpSpPr>
+      <p:grpSpPr>
+        <a:xfrm>
+          <a:off x="0" y="0"/>
+          <a:ext cx="0" cy="0"/>
+          <a:chOff x="0" y="0"/>
+          <a:chExt cx="0" cy="0"/>
+        </a:xfrm>
+      </p:grpSpPr>
+      <p:sp>
+        <p:nvSpPr>
+          <p:cNvPr id="2" name="标题 1">
+            <a:extLst>
+              <a:ext uri="{FF2B5EF4-FFF2-40B4-BE49-F238E27FC236}">
+                <a16:creationId xmlns:a16="http://schemas.microsoft.com/office/drawing/2014/main" id="{5BFD1BF1-2BA3-F84A-B992-E460C60584A5}"/>
+              </a:ext>
+            </a:extLst>
+          </p:cNvPr>
+          <p:cNvSpPr>
+            <a:spLocks noGrp="1"/>
+          </p:cNvSpPr>
+          <p:nvPr>
+            <p:ph type="title"/>
+          </p:nvPr>
+        </p:nvSpPr>
+        <p:spPr/>
+        <p:txBody>
+          <a:bodyPr/>
+          <a:lstStyle/>
+          <a:p>
+            <a:r>
+              <a:rPr kumimoji="1" lang="en-US" altLang="zh-CN" sz="2800" dirty="0"/>
+              <a:t>Current Approaches</a:t>
+            </a:r>
+            <a:endParaRPr kumimoji="1" lang="zh-CN" altLang="en-US" sz="2800" dirty="0"/>
+          </a:p>
+        </p:txBody>
+      </p:sp>
+      <p:sp>
+        <p:nvSpPr>
+          <p:cNvPr id="4" name="矩形 3">
+            <a:extLst>
+              <a:ext uri="{FF2B5EF4-FFF2-40B4-BE49-F238E27FC236}">
+                <a16:creationId xmlns:a16="http://schemas.microsoft.com/office/drawing/2014/main" id="{F8DC39F4-592B-9D4C-9C4C-7A1CBE18E27F}"/>
+              </a:ext>
+            </a:extLst>
+          </p:cNvPr>
+          <p:cNvSpPr/>
+          <p:nvPr/>
+        </p:nvSpPr>
+        <p:spPr>
+          <a:xfrm>
+            <a:off x="1562983" y="1314910"/>
+            <a:ext cx="8878187" cy="4405117"/>
+          </a:xfrm>
+          <a:prstGeom prst="rect">
+            <a:avLst/>
+          </a:prstGeom>
+        </p:spPr>
+        <p:txBody>
+          <a:bodyPr wrap="square">
+            <a:spAutoFit/>
+          </a:bodyPr>
+          <a:lstStyle/>
+          <a:p>
+            <a:pPr marL="285750" indent="-285750">
+              <a:lnSpc>
+                <a:spcPts val="2560"/>
+              </a:lnSpc>
+              <a:buFont typeface="Wingdings" pitchFamily="2" charset="2"/>
+              <a:buChar char="Ø"/>
+            </a:pPr>
+            <a:r>
+              <a:rPr lang="en" altLang="zh-CN" b="1" dirty="0"/>
+              <a:t>transition smoothing</a:t>
+            </a:r>
+            <a:r>
+              <a:rPr lang="en" altLang="zh-CN" dirty="0"/>
+              <a:t>: reduce color differences between source images to make seams invisible and remove stitching artifacts</a:t>
+            </a:r>
+          </a:p>
+          <a:p>
+            <a:pPr marL="742950" lvl="1" indent="-285750">
+              <a:lnSpc>
+                <a:spcPts val="2560"/>
+              </a:lnSpc>
+              <a:buFont typeface="Wingdings" pitchFamily="2" charset="2"/>
+              <a:buChar char="Ø"/>
+            </a:pPr>
+            <a:r>
+              <a:rPr lang="en" altLang="zh-CN" b="1" dirty="0"/>
+              <a:t>Alpha blending</a:t>
+            </a:r>
+            <a:r>
+              <a:rPr lang="en" altLang="zh-CN" dirty="0"/>
+              <a:t>: fast transition smoothing approach, but it cannot avoid ghosting problems caused by object motion and small spatial alignment errors</a:t>
+            </a:r>
+          </a:p>
+          <a:p>
+            <a:pPr marL="742950" lvl="1" indent="-285750">
+              <a:lnSpc>
+                <a:spcPts val="2560"/>
+              </a:lnSpc>
+              <a:buFont typeface="Wingdings" pitchFamily="2" charset="2"/>
+              <a:buChar char="Ø"/>
+            </a:pPr>
+            <a:r>
+              <a:rPr lang="en" altLang="zh-CN" b="1" dirty="0"/>
+              <a:t>Gradient Domain Image Blending approaches</a:t>
+            </a:r>
+            <a:r>
+              <a:rPr lang="en" altLang="zh-CN" dirty="0"/>
+              <a:t>: can reduce color differences and smooth color transitions using gradient domain operations, producing high-quality composite images</a:t>
+            </a:r>
+          </a:p>
+          <a:p>
+            <a:pPr marL="285750" indent="-285750">
+              <a:lnSpc>
+                <a:spcPts val="2560"/>
+              </a:lnSpc>
+              <a:buFont typeface="Wingdings" pitchFamily="2" charset="2"/>
+              <a:buChar char="Ø"/>
+            </a:pPr>
+            <a:r>
+              <a:rPr lang="en" altLang="zh-CN" b="1" dirty="0"/>
+              <a:t>optimal seam finding</a:t>
+            </a:r>
+            <a:r>
+              <a:rPr lang="en" altLang="zh-CN" dirty="0"/>
+              <a:t>: search for seams in overlapping areas along paths where differences between source images are minimal</a:t>
+            </a:r>
+          </a:p>
+          <a:p>
+            <a:pPr marL="285750" indent="-285750">
+              <a:lnSpc>
+                <a:spcPts val="2560"/>
+              </a:lnSpc>
+              <a:buFont typeface="Wingdings" pitchFamily="2" charset="2"/>
+              <a:buChar char="Ø"/>
+            </a:pPr>
+            <a:r>
+              <a:rPr lang="en" altLang="zh-CN" b="1" dirty="0"/>
+              <a:t>combination</a:t>
+            </a:r>
+            <a:r>
+              <a:rPr lang="en" altLang="zh-CN" dirty="0"/>
+              <a:t>: optimal seams first, if seams and stitching artifacts are visible, transition smoothing to reduce color differences to hide the artifacts then</a:t>
+            </a:r>
+          </a:p>
+          <a:p>
+            <a:pPr marL="742950" lvl="1" indent="-285750">
+              <a:lnSpc>
+                <a:spcPts val="2560"/>
+              </a:lnSpc>
+              <a:buFont typeface="Wingdings" pitchFamily="2" charset="2"/>
+              <a:buChar char="Ø"/>
+            </a:pPr>
+            <a:r>
+              <a:rPr lang="en" altLang="zh-CN" b="1" dirty="0"/>
+              <a:t>graph cut </a:t>
+            </a:r>
+            <a:r>
+              <a:rPr lang="en" altLang="zh-CN" dirty="0"/>
+              <a:t>-&gt; find optimal seams</a:t>
+            </a:r>
+          </a:p>
+          <a:p>
+            <a:pPr marL="742950" lvl="1" indent="-285750">
+              <a:lnSpc>
+                <a:spcPts val="2560"/>
+              </a:lnSpc>
+              <a:buFont typeface="Wingdings" pitchFamily="2" charset="2"/>
+              <a:buChar char="Ø"/>
+            </a:pPr>
+            <a:r>
+              <a:rPr lang="en" altLang="zh-CN" b="1" dirty="0" err="1"/>
+              <a:t>poisson</a:t>
+            </a:r>
+            <a:r>
+              <a:rPr lang="en" altLang="zh-CN" b="1" dirty="0"/>
+              <a:t> blending </a:t>
+            </a:r>
+            <a:r>
+              <a:rPr lang="en" altLang="zh-CN" dirty="0"/>
+              <a:t>-&gt; smoothing color transitions</a:t>
+            </a:r>
+            <a:endParaRPr lang="en" altLang="zh-CN" dirty="0">
+              <a:effectLst/>
+            </a:endParaRPr>
+          </a:p>
+        </p:txBody>
+      </p:sp>
+    </p:spTree>
+    <p:extLst>
+      <p:ext uri="{BB962C8B-B14F-4D97-AF65-F5344CB8AC3E}">
+        <p14:creationId xmlns:p14="http://schemas.microsoft.com/office/powerpoint/2010/main" val="4215245442"/>
+      </p:ext>
+    </p:extLst>
+  </p:cSld>
+  <p:clrMapOvr>
+    <a:masterClrMapping/>
+  </p:clrMapOvr>
+  <mc:AlternateContent xmlns:mc="http://schemas.openxmlformats.org/markup-compatibility/2006">
+    <mc:Choice xmlns:p159="http://schemas.microsoft.com/office/powerpoint/2015/09/main" Requires="p159">
+      <p:transition xmlns:p14="http://schemas.microsoft.com/office/powerpoint/2010/main" spd="slow" p14:dur="2000">
+        <p159:morph option="byObject"/>
+      </p:transition>
+    </mc:Choice>
+    <mc:Fallback>
+      <p:transition spd="slow">
+        <p:fade/>
+      </p:transition>
+    </mc:Fallback>
+  </mc:AlternateContent>
+</p:sld>
+</file>
+
+<file path=ppt/slides/slide4.xml><?xml version="1.0" encoding="utf-8"?>
+<p:sld xmlns:a="http://schemas.openxmlformats.org/drawingml/2006/main" xmlns:r="http://schemas.openxmlformats.org/officeDocument/2006/relationships" xmlns:p="http://schemas.openxmlformats.org/presentationml/2006/main">
+  <p:cSld>
+    <p:spTree>
+      <p:nvGrpSpPr>
+        <p:cNvPr id="1" name=""/>
+        <p:cNvGrpSpPr/>
+        <p:nvPr/>
+      </p:nvGrpSpPr>
+      <p:grpSpPr>
+        <a:xfrm>
+          <a:off x="0" y="0"/>
+          <a:ext cx="0" cy="0"/>
+          <a:chOff x="0" y="0"/>
+          <a:chExt cx="0" cy="0"/>
+        </a:xfrm>
+      </p:grpSpPr>
+      <p:sp>
+        <p:nvSpPr>
+          <p:cNvPr id="2" name="标题 1">
+            <a:extLst>
+              <a:ext uri="{FF2B5EF4-FFF2-40B4-BE49-F238E27FC236}">
+                <a16:creationId xmlns:a16="http://schemas.microsoft.com/office/drawing/2014/main" id="{C75030A5-8A97-304F-AB4C-3625147B1B74}"/>
+              </a:ext>
+            </a:extLst>
+          </p:cNvPr>
+          <p:cNvSpPr>
+            <a:spLocks noGrp="1"/>
+          </p:cNvSpPr>
+          <p:nvPr>
+            <p:ph type="title"/>
+          </p:nvPr>
+        </p:nvSpPr>
+        <p:spPr>
+          <a:xfrm>
+            <a:off x="1355834" y="136525"/>
+            <a:ext cx="6065692" cy="877722"/>
+          </a:xfrm>
+        </p:spPr>
+        <p:txBody>
+          <a:bodyPr/>
+          <a:lstStyle/>
+          <a:p>
+            <a:r>
+              <a:rPr kumimoji="1" lang="en-US" altLang="zh-CN" sz="2800" dirty="0"/>
+              <a:t>Current Approaches Problem</a:t>
+            </a:r>
+            <a:endParaRPr kumimoji="1" lang="zh-CN" altLang="en-US" sz="2800" dirty="0"/>
+          </a:p>
+        </p:txBody>
+      </p:sp>
+      <p:sp>
+        <p:nvSpPr>
+          <p:cNvPr id="3" name="矩形 2">
+            <a:extLst>
+              <a:ext uri="{FF2B5EF4-FFF2-40B4-BE49-F238E27FC236}">
+                <a16:creationId xmlns:a16="http://schemas.microsoft.com/office/drawing/2014/main" id="{BD3E8EC8-E90F-814E-BF00-C3B03C30594F}"/>
+              </a:ext>
+            </a:extLst>
+          </p:cNvPr>
+          <p:cNvSpPr/>
+          <p:nvPr/>
+        </p:nvSpPr>
+        <p:spPr>
+          <a:xfrm>
+            <a:off x="1355834" y="1365885"/>
+            <a:ext cx="9377917" cy="1404295"/>
+          </a:xfrm>
+          <a:prstGeom prst="rect">
+            <a:avLst/>
+          </a:prstGeom>
+        </p:spPr>
+        <p:txBody>
+          <a:bodyPr wrap="square">
+            <a:spAutoFit/>
+          </a:bodyPr>
+          <a:lstStyle/>
+          <a:p>
+            <a:pPr indent="-285750">
+              <a:lnSpc>
+                <a:spcPts val="2560"/>
+              </a:lnSpc>
+              <a:buFont typeface="Wingdings" pitchFamily="2" charset="2"/>
+              <a:buChar char="Ø"/>
+            </a:pPr>
+            <a:r>
+              <a:rPr lang="en" altLang="zh-CN" dirty="0"/>
+              <a:t>computational and memory costs are high</a:t>
+            </a:r>
+          </a:p>
+          <a:p>
+            <a:pPr indent="-285750">
+              <a:lnSpc>
+                <a:spcPts val="2560"/>
+              </a:lnSpc>
+              <a:buFont typeface="Wingdings" pitchFamily="2" charset="2"/>
+              <a:buChar char="Ø"/>
+            </a:pPr>
+            <a:r>
+              <a:rPr lang="en" altLang="zh-CN" dirty="0"/>
+              <a:t>pixels are easy saturated in color correction</a:t>
+            </a:r>
+          </a:p>
+          <a:p>
+            <a:pPr indent="-285750">
+              <a:lnSpc>
+                <a:spcPts val="2560"/>
+              </a:lnSpc>
+              <a:buFont typeface="Wingdings" pitchFamily="2" charset="2"/>
+              <a:buChar char="Ø"/>
+            </a:pPr>
+            <a:r>
+              <a:rPr lang="en" altLang="zh-CN" dirty="0"/>
+              <a:t>don't work well for source images in very different colors and luminance</a:t>
+            </a:r>
+          </a:p>
+          <a:p>
+            <a:pPr indent="-285750">
+              <a:lnSpc>
+                <a:spcPts val="2560"/>
+              </a:lnSpc>
+              <a:buFont typeface="Wingdings" pitchFamily="2" charset="2"/>
+              <a:buChar char="Ø"/>
+            </a:pPr>
+            <a:r>
+              <a:rPr lang="en" altLang="zh-CN" dirty="0"/>
+              <a:t>linear blending, moving objects on the overlapping areas will cause ghosting artifacts</a:t>
+            </a:r>
+          </a:p>
+        </p:txBody>
+      </p:sp>
+      <p:sp>
+        <p:nvSpPr>
+          <p:cNvPr id="4" name="矩形 3">
+            <a:extLst>
+              <a:ext uri="{FF2B5EF4-FFF2-40B4-BE49-F238E27FC236}">
+                <a16:creationId xmlns:a16="http://schemas.microsoft.com/office/drawing/2014/main" id="{6DA98F0B-BF71-5243-B7B8-5093C0931FD9}"/>
+              </a:ext>
+            </a:extLst>
+          </p:cNvPr>
+          <p:cNvSpPr/>
+          <p:nvPr/>
+        </p:nvSpPr>
+        <p:spPr>
+          <a:xfrm>
+            <a:off x="1355834" y="3429000"/>
+            <a:ext cx="8691933" cy="2404569"/>
+          </a:xfrm>
+          <a:prstGeom prst="rect">
+            <a:avLst/>
+          </a:prstGeom>
+        </p:spPr>
+        <p:txBody>
+          <a:bodyPr wrap="square">
+            <a:spAutoFit/>
+          </a:bodyPr>
+          <a:lstStyle/>
+          <a:p>
+            <a:pPr indent="-285750">
+              <a:lnSpc>
+                <a:spcPts val="2560"/>
+              </a:lnSpc>
+              <a:buFont typeface="Wingdings" pitchFamily="2" charset="2"/>
+              <a:buChar char="ü"/>
+            </a:pPr>
+            <a:r>
+              <a:rPr lang="en" altLang="zh-CN" dirty="0"/>
+              <a:t>don't need to keep all source images in memory due to the sequential stitching</a:t>
+            </a:r>
+          </a:p>
+          <a:p>
+            <a:pPr indent="-285750">
+              <a:lnSpc>
+                <a:spcPts val="2560"/>
+              </a:lnSpc>
+              <a:buFont typeface="Wingdings" pitchFamily="2" charset="2"/>
+              <a:buChar char="ü"/>
+            </a:pPr>
+            <a:r>
+              <a:rPr lang="en" altLang="zh-CN" dirty="0"/>
+              <a:t>dynamic programming for optimal seam finding allowing image labeling much faster than using graph cut</a:t>
+            </a:r>
+          </a:p>
+          <a:p>
+            <a:pPr indent="-285750">
+              <a:lnSpc>
+                <a:spcPts val="2560"/>
+              </a:lnSpc>
+              <a:buFont typeface="Wingdings" pitchFamily="2" charset="2"/>
+              <a:buChar char="ü"/>
+            </a:pPr>
+            <a:r>
+              <a:rPr lang="en" altLang="zh-CN" dirty="0"/>
+              <a:t>combination of color correction and image blending</a:t>
+            </a:r>
+          </a:p>
+          <a:p>
+            <a:pPr indent="-285750">
+              <a:lnSpc>
+                <a:spcPts val="2560"/>
+              </a:lnSpc>
+              <a:buFont typeface="Wingdings" pitchFamily="2" charset="2"/>
+              <a:buChar char="ü"/>
+            </a:pPr>
+            <a:r>
+              <a:rPr lang="en" altLang="zh-CN" dirty="0"/>
+              <a:t>high-quality panoramic images from long image sequences with very different colors and luminance</a:t>
+            </a:r>
+          </a:p>
+          <a:p>
+            <a:pPr indent="-285750">
+              <a:lnSpc>
+                <a:spcPts val="2560"/>
+              </a:lnSpc>
+              <a:buFont typeface="Wingdings" pitchFamily="2" charset="2"/>
+              <a:buChar char="ü"/>
+            </a:pPr>
+            <a:r>
+              <a:rPr lang="en" altLang="zh-CN" dirty="0"/>
+              <a:t>work well on both indoor and outdoor scenes</a:t>
+            </a:r>
+          </a:p>
+        </p:txBody>
+      </p:sp>
+      <p:sp>
+        <p:nvSpPr>
+          <p:cNvPr id="5" name="文本框 4">
+            <a:extLst>
+              <a:ext uri="{FF2B5EF4-FFF2-40B4-BE49-F238E27FC236}">
+                <a16:creationId xmlns:a16="http://schemas.microsoft.com/office/drawing/2014/main" id="{A820EB6A-2CA5-E745-9B48-230928FA6DD3}"/>
+              </a:ext>
+            </a:extLst>
+          </p:cNvPr>
+          <p:cNvSpPr txBox="1"/>
+          <p:nvPr/>
+        </p:nvSpPr>
+        <p:spPr>
+          <a:xfrm>
+            <a:off x="956930" y="2995079"/>
+            <a:ext cx="1382233" cy="461665"/>
+          </a:xfrm>
+          <a:prstGeom prst="rect">
+            <a:avLst/>
+          </a:prstGeom>
+          <a:noFill/>
+        </p:spPr>
+        <p:txBody>
+          <a:bodyPr wrap="square" rtlCol="0">
+            <a:spAutoFit/>
+          </a:bodyPr>
+          <a:lstStyle/>
+          <a:p>
+            <a:r>
+              <a:rPr kumimoji="1" lang="en-US" altLang="zh-CN" sz="2400" b="1" dirty="0"/>
+              <a:t>Solution</a:t>
+            </a:r>
+            <a:endParaRPr kumimoji="1" lang="zh-CN" altLang="en-US" sz="2400" b="1" dirty="0"/>
+          </a:p>
+        </p:txBody>
+      </p:sp>
+    </p:spTree>
+    <p:extLst>
+      <p:ext uri="{BB962C8B-B14F-4D97-AF65-F5344CB8AC3E}">
+        <p14:creationId xmlns:p14="http://schemas.microsoft.com/office/powerpoint/2010/main" val="4148419095"/>
+      </p:ext>
+    </p:extLst>
+  </p:cSld>
+  <p:clrMapOvr>
+    <a:masterClrMapping/>
+  </p:clrMapOvr>
+  <mc:AlternateContent xmlns:mc="http://schemas.openxmlformats.org/markup-compatibility/2006">
+    <mc:Choice xmlns:p159="http://schemas.microsoft.com/office/powerpoint/2015/09/main" Requires="p159">
+      <p:transition xmlns:p14="http://schemas.microsoft.com/office/powerpoint/2010/main" spd="slow" p14:dur="2000">
+        <p159:morph option="byObject"/>
+      </p:transition>
+    </mc:Choice>
+    <mc:Fallback>
+      <p:transition spd="slow">
+        <p:fade/>
+      </p:transition>
+    </mc:Fallback>
+  </mc:AlternateContent>
+  <p:timing>
+    <p:tnLst>
+      <p:par>
+        <p:cTn id="1" dur="indefinite" restart="never" nodeType="tmRoot">
+          <p:childTnLst>
+            <p:seq concurrent="1" nextAc="seek">
+              <p:cTn id="2" dur="indefinite" nodeType="mainSeq">
+                <p:childTnLst>
+                  <p:par>
+                    <p:cTn id="3" fill="hold">
+                      <p:stCondLst>
+                        <p:cond delay="indefinite"/>
+                      </p:stCondLst>
+                      <p:childTnLst>
+                        <p:par>
+                          <p:cTn id="4" fill="hold">
+                            <p:stCondLst>
+                              <p:cond delay="0"/>
+                            </p:stCondLst>
+                            <p:childTnLst>
+                              <p:par>
+                                <p:cTn id="5" presetID="10" presetClass="entr" presetSubtype="0" fill="hold" grpId="0" nodeType="clickEffect">
+                                  <p:stCondLst>
+                                    <p:cond delay="0"/>
+                                  </p:stCondLst>
+                                  <p:childTnLst>
+                                    <p:set>
+                                      <p:cBhvr>
+                                        <p:cTn id="6" dur="1" fill="hold">
+                                          <p:stCondLst>
+                                            <p:cond delay="0"/>
+                                          </p:stCondLst>
+                                        </p:cTn>
+                                        <p:tgtEl>
+                                          <p:spTgt spid="5"/>
+                                        </p:tgtEl>
+                                        <p:attrNameLst>
+                                          <p:attrName>style.visibility</p:attrName>
+                                        </p:attrNameLst>
+                                      </p:cBhvr>
+                                      <p:to>
+                                        <p:strVal val="visible"/>
+                                      </p:to>
+                                    </p:set>
+                                    <p:animEffect transition="in" filter="fade">
+                                      <p:cBhvr>
+                                        <p:cTn id="7" dur="500"/>
+                                        <p:tgtEl>
+                                          <p:spTgt spid="5"/>
+                                        </p:tgtEl>
+                                      </p:cBhvr>
+                                    </p:animEffect>
+                                  </p:childTnLst>
+                                </p:cTn>
+                              </p:par>
+                              <p:par>
+                                <p:cTn id="8" presetID="10" presetClass="entr" presetSubtype="0" fill="hold" grpId="0" nodeType="withEffect">
+                                  <p:stCondLst>
+                                    <p:cond delay="0"/>
+                                  </p:stCondLst>
+                                  <p:childTnLst>
+                                    <p:set>
+                                      <p:cBhvr>
+                                        <p:cTn id="9" dur="1" fill="hold">
+                                          <p:stCondLst>
+                                            <p:cond delay="0"/>
+                                          </p:stCondLst>
+                                        </p:cTn>
+                                        <p:tgtEl>
+                                          <p:spTgt spid="4"/>
+                                        </p:tgtEl>
+                                        <p:attrNameLst>
+                                          <p:attrName>style.visibility</p:attrName>
+                                        </p:attrNameLst>
+                                      </p:cBhvr>
+                                      <p:to>
+                                        <p:strVal val="visible"/>
+                                      </p:to>
+                                    </p:set>
+                                    <p:animEffect transition="in" filter="fade">
+                                      <p:cBhvr>
+                                        <p:cTn id="10" dur="500"/>
+                                        <p:tgtEl>
+                                          <p:spTgt spid="4"/>
+                                        </p:tgtEl>
+                                      </p:cBhvr>
+                                    </p:animEffect>
+                                  </p:childTnLst>
+                                </p:cTn>
+                              </p:par>
+                            </p:childTnLst>
+                          </p:cTn>
+                        </p:par>
+                      </p:childTnLst>
+                    </p:cTn>
+                  </p:par>
+                </p:childTnLst>
+              </p:cTn>
+              <p:prevCondLst>
+                <p:cond evt="onPrev" delay="0">
+                  <p:tgtEl>
+                    <p:sldTgt/>
+                  </p:tgtEl>
+                </p:cond>
+              </p:prevCondLst>
+              <p:nextCondLst>
+                <p:cond evt="onNext" delay="0">
+                  <p:tgtEl>
+                    <p:sldTgt/>
+                  </p:tgtEl>
+                </p:cond>
+              </p:nextCondLst>
+            </p:seq>
+          </p:childTnLst>
+        </p:cTn>
+      </p:par>
+    </p:tnLst>
+    <p:bldLst>
+      <p:bldP spid="4" grpId="0"/>
+      <p:bldP spid="5" grpId="0"/>
+    </p:bldLst>
+  </p:timing>
+</p:sld>
+</file>
+
+<file path=ppt/slides/slide5.xml><?xml version="1.0" encoding="utf-8"?>
+<p:sld xmlns:a="http://schemas.openxmlformats.org/drawingml/2006/main" xmlns:r="http://schemas.openxmlformats.org/officeDocument/2006/relationships" xmlns:p="http://schemas.openxmlformats.org/presentationml/2006/main">
+  <p:cSld>
+    <p:spTree>
+      <p:nvGrpSpPr>
+        <p:cNvPr id="1" name=""/>
+        <p:cNvGrpSpPr/>
+        <p:nvPr/>
+      </p:nvGrpSpPr>
+      <p:grpSpPr>
+        <a:xfrm>
+          <a:off x="0" y="0"/>
+          <a:ext cx="0" cy="0"/>
+          <a:chOff x="0" y="0"/>
+          <a:chExt cx="0" cy="0"/>
+        </a:xfrm>
+      </p:grpSpPr>
+      <p:pic>
+        <p:nvPicPr>
+          <p:cNvPr id="4" name="图片 3">
+            <a:extLst>
+              <a:ext uri="{FF2B5EF4-FFF2-40B4-BE49-F238E27FC236}">
+                <a16:creationId xmlns:a16="http://schemas.microsoft.com/office/drawing/2014/main" id="{6B4E1D2B-A066-904E-AC58-3ECE963E772A}"/>
+              </a:ext>
+            </a:extLst>
+          </p:cNvPr>
+          <p:cNvPicPr>
+            <a:picLocks noChangeAspect="1"/>
+          </p:cNvPicPr>
+          <p:nvPr/>
+        </p:nvPicPr>
+        <p:blipFill>
+          <a:blip r:embed="rId3"/>
+          <a:stretch>
+            <a:fillRect/>
+          </a:stretch>
+        </p:blipFill>
+        <p:spPr>
+          <a:xfrm>
+            <a:off x="980065" y="1014246"/>
+            <a:ext cx="3156087" cy="4961251"/>
+          </a:xfrm>
+          <a:prstGeom prst="rect">
+            <a:avLst/>
+          </a:prstGeom>
+        </p:spPr>
+      </p:pic>
+      <p:sp>
+        <p:nvSpPr>
+          <p:cNvPr id="2" name="标题 1">
+            <a:extLst>
+              <a:ext uri="{FF2B5EF4-FFF2-40B4-BE49-F238E27FC236}">
+                <a16:creationId xmlns:a16="http://schemas.microsoft.com/office/drawing/2014/main" id="{316CDC53-16DB-DA40-974D-A4F975A4DC58}"/>
+              </a:ext>
+            </a:extLst>
+          </p:cNvPr>
+          <p:cNvSpPr>
+            <a:spLocks noGrp="1"/>
+          </p:cNvSpPr>
+          <p:nvPr>
+            <p:ph type="title"/>
+          </p:nvPr>
+        </p:nvSpPr>
+        <p:spPr/>
+        <p:txBody>
+          <a:bodyPr/>
+          <a:lstStyle/>
+          <a:p>
+            <a:r>
+              <a:rPr kumimoji="1" lang="en-US" altLang="zh-CN" dirty="0"/>
+              <a:t>Summary</a:t>
+            </a:r>
+            <a:endParaRPr kumimoji="1" lang="zh-CN" altLang="en-US" dirty="0"/>
+          </a:p>
+        </p:txBody>
+      </p:sp>
+      <p:sp>
+        <p:nvSpPr>
+          <p:cNvPr id="5" name="矩形 4">
+            <a:extLst>
+              <a:ext uri="{FF2B5EF4-FFF2-40B4-BE49-F238E27FC236}">
+                <a16:creationId xmlns:a16="http://schemas.microsoft.com/office/drawing/2014/main" id="{23A43497-FC47-D440-8454-0721B10DB299}"/>
+              </a:ext>
+            </a:extLst>
+          </p:cNvPr>
+          <p:cNvSpPr/>
+          <p:nvPr/>
+        </p:nvSpPr>
+        <p:spPr>
+          <a:xfrm>
+            <a:off x="5139072" y="1629136"/>
+            <a:ext cx="6556743" cy="3731471"/>
+          </a:xfrm>
+          <a:prstGeom prst="rect">
+            <a:avLst/>
+          </a:prstGeom>
+        </p:spPr>
+        <p:txBody>
+          <a:bodyPr wrap="square">
+            <a:spAutoFit/>
+          </a:bodyPr>
+          <a:lstStyle/>
+          <a:p>
+            <a:pPr indent="-285750">
+              <a:lnSpc>
+                <a:spcPts val="2560"/>
+              </a:lnSpc>
+              <a:buFont typeface="Wingdings" pitchFamily="2" charset="2"/>
+              <a:buChar char="Ø"/>
+            </a:pPr>
+            <a:r>
+              <a:rPr lang="en" altLang="zh-CN" sz="1600" b="1" dirty="0"/>
+              <a:t>Color Correction</a:t>
+            </a:r>
+          </a:p>
+          <a:p>
+            <a:pPr lvl="1" indent="-285750">
+              <a:lnSpc>
+                <a:spcPts val="2560"/>
+              </a:lnSpc>
+              <a:buFont typeface="Wingdings" pitchFamily="2" charset="2"/>
+              <a:buChar char="Ø"/>
+            </a:pPr>
+            <a:r>
+              <a:rPr lang="en" altLang="zh-CN" sz="1600" dirty="0"/>
+              <a:t>color correction for all source images to reduce color differences</a:t>
+            </a:r>
+          </a:p>
+          <a:p>
+            <a:pPr lvl="1" indent="-285750">
+              <a:lnSpc>
+                <a:spcPts val="2560"/>
+              </a:lnSpc>
+              <a:buFont typeface="Wingdings" pitchFamily="2" charset="2"/>
+              <a:buChar char="Ø"/>
+            </a:pPr>
+            <a:r>
+              <a:rPr lang="en" altLang="zh-CN" sz="1600" dirty="0"/>
+              <a:t>smoothen remaining color transitions between adjacent images</a:t>
+            </a:r>
+          </a:p>
+          <a:p>
+            <a:pPr indent="-285750">
+              <a:lnSpc>
+                <a:spcPts val="2560"/>
+              </a:lnSpc>
+              <a:buFont typeface="Wingdings" pitchFamily="2" charset="2"/>
+              <a:buChar char="Ø"/>
+            </a:pPr>
+            <a:r>
+              <a:rPr lang="en" altLang="zh-CN" sz="1600" b="1" dirty="0">
+                <a:solidFill>
+                  <a:schemeClr val="bg1">
+                    <a:lumMod val="75000"/>
+                  </a:schemeClr>
+                </a:solidFill>
+              </a:rPr>
+              <a:t>Image Labeling</a:t>
+            </a:r>
+          </a:p>
+          <a:p>
+            <a:pPr lvl="1" indent="-285750">
+              <a:lnSpc>
+                <a:spcPts val="2560"/>
+              </a:lnSpc>
+              <a:buFont typeface="Wingdings" pitchFamily="2" charset="2"/>
+              <a:buChar char="Ø"/>
+            </a:pPr>
+            <a:r>
+              <a:rPr lang="en" altLang="zh-CN" sz="1600" dirty="0">
+                <a:solidFill>
+                  <a:schemeClr val="bg1">
+                    <a:lumMod val="75000"/>
+                  </a:schemeClr>
+                </a:solidFill>
+              </a:rPr>
+              <a:t>error surface is constructed with squared differences between overlapping images</a:t>
+            </a:r>
+          </a:p>
+          <a:p>
+            <a:pPr lvl="1" indent="-285750">
+              <a:lnSpc>
+                <a:spcPts val="2560"/>
+              </a:lnSpc>
+              <a:buFont typeface="Wingdings" pitchFamily="2" charset="2"/>
+              <a:buChar char="Ø"/>
+            </a:pPr>
+            <a:r>
+              <a:rPr lang="en" altLang="zh-CN" sz="1600" dirty="0">
+                <a:solidFill>
+                  <a:schemeClr val="bg1">
+                    <a:lumMod val="75000"/>
+                  </a:schemeClr>
+                </a:solidFill>
+              </a:rPr>
+              <a:t>low-cost path is found through the error surface by dynamic programming and used as an optimal seam to create labeling</a:t>
+            </a:r>
+          </a:p>
+          <a:p>
+            <a:pPr indent="-285750">
+              <a:lnSpc>
+                <a:spcPts val="2560"/>
+              </a:lnSpc>
+              <a:buFont typeface="Wingdings" pitchFamily="2" charset="2"/>
+              <a:buChar char="Ø"/>
+            </a:pPr>
+            <a:r>
+              <a:rPr lang="en" altLang="zh-CN" sz="1600" b="1" dirty="0">
+                <a:solidFill>
+                  <a:schemeClr val="bg1">
+                    <a:lumMod val="75000"/>
+                  </a:schemeClr>
+                </a:solidFill>
+              </a:rPr>
+              <a:t>Image Blending Operations</a:t>
+            </a:r>
+          </a:p>
+          <a:p>
+            <a:pPr lvl="1" indent="-285750">
+              <a:lnSpc>
+                <a:spcPts val="2560"/>
+              </a:lnSpc>
+              <a:buFont typeface="Wingdings" pitchFamily="2" charset="2"/>
+              <a:buChar char="Ø"/>
+            </a:pPr>
+            <a:r>
+              <a:rPr lang="en" altLang="zh-CN" sz="1600" dirty="0">
+                <a:solidFill>
+                  <a:schemeClr val="bg1">
+                    <a:lumMod val="75000"/>
+                  </a:schemeClr>
+                </a:solidFill>
+              </a:rPr>
+              <a:t>linear blending -&gt; source images are similar in color and luminance</a:t>
+            </a:r>
+          </a:p>
+          <a:p>
+            <a:pPr lvl="1" indent="-285750">
+              <a:lnSpc>
+                <a:spcPts val="2560"/>
+              </a:lnSpc>
+              <a:buFont typeface="Wingdings" pitchFamily="2" charset="2"/>
+              <a:buChar char="Ø"/>
+            </a:pPr>
+            <a:r>
+              <a:rPr lang="en" altLang="zh-CN" sz="1600" dirty="0" err="1">
+                <a:solidFill>
+                  <a:schemeClr val="bg1">
+                    <a:lumMod val="75000"/>
+                  </a:schemeClr>
+                </a:solidFill>
+              </a:rPr>
+              <a:t>poisson</a:t>
+            </a:r>
+            <a:r>
+              <a:rPr lang="en" altLang="zh-CN" sz="1600" dirty="0">
+                <a:solidFill>
+                  <a:schemeClr val="bg1">
+                    <a:lumMod val="75000"/>
+                  </a:schemeClr>
+                </a:solidFill>
+              </a:rPr>
+              <a:t> blending -&gt; colors remain too different</a:t>
+            </a:r>
+          </a:p>
+        </p:txBody>
+      </p:sp>
+      <p:sp>
+        <p:nvSpPr>
+          <p:cNvPr id="7" name="矩形 6">
+            <a:extLst>
+              <a:ext uri="{FF2B5EF4-FFF2-40B4-BE49-F238E27FC236}">
+                <a16:creationId xmlns:a16="http://schemas.microsoft.com/office/drawing/2014/main" id="{9CE34686-1879-BD46-83D1-EAB86C667C0D}"/>
+              </a:ext>
+            </a:extLst>
+          </p:cNvPr>
+          <p:cNvSpPr/>
+          <p:nvPr/>
+        </p:nvSpPr>
+        <p:spPr>
+          <a:xfrm>
+            <a:off x="957908" y="1437722"/>
+            <a:ext cx="3178244" cy="1518129"/>
+          </a:xfrm>
+          <a:prstGeom prst="rect">
+            <a:avLst/>
+          </a:prstGeom>
+          <a:noFill/>
+          <a:ln w="25400">
+            <a:solidFill>
+              <a:srgbClr val="FF0000"/>
+            </a:solidFill>
+          </a:ln>
+        </p:spPr>
+        <p:style>
+          <a:lnRef idx="2">
+            <a:schemeClr val="accent1">
+              <a:shade val="50000"/>
+            </a:schemeClr>
+          </a:lnRef>
+          <a:fillRef idx="1">
+            <a:schemeClr val="accent1"/>
+          </a:fillRef>
+          <a:effectRef idx="0">
+            <a:schemeClr val="accent1"/>
+          </a:effectRef>
+          <a:fontRef idx="minor">
+            <a:schemeClr val="lt1"/>
+          </a:fontRef>
+        </p:style>
+        <p:txBody>
+          <a:bodyPr rtlCol="0" anchor="ctr"/>
+          <a:lstStyle/>
+          <a:p>
+            <a:pPr algn="ctr"/>
+            <a:endParaRPr kumimoji="1" lang="zh-CN" altLang="en-US"/>
+          </a:p>
+        </p:txBody>
+      </p:sp>
+      <p:sp>
+        <p:nvSpPr>
+          <p:cNvPr id="8" name="矩形 7">
+            <a:extLst>
+              <a:ext uri="{FF2B5EF4-FFF2-40B4-BE49-F238E27FC236}">
+                <a16:creationId xmlns:a16="http://schemas.microsoft.com/office/drawing/2014/main" id="{C84DADCC-AE4A-0647-B2BE-FDE1D859C1D1}"/>
+              </a:ext>
+            </a:extLst>
+          </p:cNvPr>
+          <p:cNvSpPr/>
+          <p:nvPr/>
+        </p:nvSpPr>
+        <p:spPr>
+          <a:xfrm>
+            <a:off x="7261670" y="27343"/>
+            <a:ext cx="5066807" cy="769441"/>
+          </a:xfrm>
+          <a:prstGeom prst="rect">
+            <a:avLst/>
+          </a:prstGeom>
+        </p:spPr>
+        <p:txBody>
+          <a:bodyPr wrap="square">
+            <a:spAutoFit/>
+          </a:bodyPr>
+          <a:lstStyle/>
+          <a:p>
+            <a:pPr algn="ctr"/>
+            <a:r>
+              <a:rPr lang="en" altLang="zh-CN" sz="1600" b="1" i="1" dirty="0">
+                <a:latin typeface="TimesNewRomanPS"/>
+              </a:rPr>
+              <a:t>Fast Panorama Stitching for High-Quality Panoramic Images on Mobile Phones</a:t>
+            </a:r>
+            <a:br>
+              <a:rPr lang="en" altLang="zh-CN" sz="1600" b="1" i="1" dirty="0">
+                <a:latin typeface="TimesNewRomanPS"/>
+              </a:rPr>
+            </a:br>
+            <a:r>
+              <a:rPr lang="en" altLang="zh-CN" sz="1100" i="1" dirty="0" err="1">
+                <a:latin typeface="TimesNewRomanPSMT"/>
+              </a:rPr>
+              <a:t>Yingen</a:t>
+            </a:r>
+            <a:r>
+              <a:rPr lang="en" altLang="zh-CN" sz="1100" i="1" dirty="0">
+                <a:latin typeface="TimesNewRomanPSMT"/>
+              </a:rPr>
+              <a:t> </a:t>
+            </a:r>
+            <a:r>
+              <a:rPr lang="en" altLang="zh-CN" sz="1100" i="1" dirty="0" err="1">
+                <a:latin typeface="TimesNewRomanPSMT"/>
+              </a:rPr>
+              <a:t>Xiong</a:t>
+            </a:r>
+            <a:r>
+              <a:rPr lang="en" altLang="zh-CN" sz="1100" i="1" dirty="0">
+                <a:latin typeface="TimesNewRomanPSMT"/>
+              </a:rPr>
+              <a:t> and Kari </a:t>
+            </a:r>
+            <a:r>
+              <a:rPr lang="en" altLang="zh-CN" sz="1100" i="1" dirty="0" err="1">
+                <a:latin typeface="TimesNewRomanPSMT"/>
+              </a:rPr>
+              <a:t>Pulli</a:t>
+            </a:r>
+            <a:r>
+              <a:rPr lang="en" altLang="zh-CN" sz="1100" i="1" dirty="0">
+                <a:latin typeface="TimesNewRomanPSMT"/>
+              </a:rPr>
+              <a:t>, </a:t>
+            </a:r>
+            <a:r>
+              <a:rPr lang="en" altLang="zh-CN" sz="1100" i="1" dirty="0">
+                <a:latin typeface="TimesNewRomanPS"/>
+              </a:rPr>
+              <a:t>Member</a:t>
+            </a:r>
+            <a:r>
+              <a:rPr lang="en" altLang="zh-CN" sz="1100" i="1" dirty="0">
+                <a:latin typeface="TimesNewRomanPSMT"/>
+              </a:rPr>
+              <a:t>, IEEE </a:t>
+            </a:r>
+            <a:endParaRPr lang="en" altLang="zh-CN" sz="1600" i="1" dirty="0"/>
+          </a:p>
+        </p:txBody>
+      </p:sp>
+    </p:spTree>
+    <p:extLst>
+      <p:ext uri="{BB962C8B-B14F-4D97-AF65-F5344CB8AC3E}">
+        <p14:creationId xmlns:p14="http://schemas.microsoft.com/office/powerpoint/2010/main" val="2145652022"/>
+      </p:ext>
+    </p:extLst>
+  </p:cSld>
+  <p:clrMapOvr>
+    <a:masterClrMapping/>
+  </p:clrMapOvr>
+  <mc:AlternateContent xmlns:mc="http://schemas.openxmlformats.org/markup-compatibility/2006">
+    <mc:Choice xmlns:p159="http://schemas.microsoft.com/office/powerpoint/2015/09/main" Requires="p159">
+      <p:transition xmlns:p14="http://schemas.microsoft.com/office/powerpoint/2010/main" spd="slow" p14:dur="2000">
+        <p159:morph option="byObject"/>
+      </p:transition>
+    </mc:Choice>
+    <mc:Fallback>
+      <p:transition spd="slow">
+        <p:fade/>
+      </p:transition>
+    </mc:Fallback>
+  </mc:AlternateContent>
+</p:sld>
+</file>
+
+<file path=ppt/slides/slide6.xml><?xml version="1.0" encoding="utf-8"?>
+<p:sld xmlns:a="http://schemas.openxmlformats.org/drawingml/2006/main" xmlns:r="http://schemas.openxmlformats.org/officeDocument/2006/relationships" xmlns:p="http://schemas.openxmlformats.org/presentationml/2006/main">
+  <p:cSld>
+    <p:spTree>
+      <p:nvGrpSpPr>
+        <p:cNvPr id="1" name=""/>
+        <p:cNvGrpSpPr/>
+        <p:nvPr/>
+      </p:nvGrpSpPr>
+      <p:grpSpPr>
+        <a:xfrm>
+          <a:off x="0" y="0"/>
+          <a:ext cx="0" cy="0"/>
+          <a:chOff x="0" y="0"/>
+          <a:chExt cx="0" cy="0"/>
+        </a:xfrm>
+      </p:grpSpPr>
+      <p:pic>
+        <p:nvPicPr>
+          <p:cNvPr id="4" name="图片 3">
+            <a:extLst>
+              <a:ext uri="{FF2B5EF4-FFF2-40B4-BE49-F238E27FC236}">
+                <a16:creationId xmlns:a16="http://schemas.microsoft.com/office/drawing/2014/main" id="{6B4E1D2B-A066-904E-AC58-3ECE963E772A}"/>
+              </a:ext>
+            </a:extLst>
+          </p:cNvPr>
+          <p:cNvPicPr>
+            <a:picLocks noChangeAspect="1"/>
+          </p:cNvPicPr>
+          <p:nvPr/>
+        </p:nvPicPr>
+        <p:blipFill>
+          <a:blip r:embed="rId3"/>
+          <a:stretch>
+            <a:fillRect/>
+          </a:stretch>
+        </p:blipFill>
+        <p:spPr>
+          <a:xfrm>
+            <a:off x="980065" y="1014246"/>
+            <a:ext cx="3156087" cy="4961251"/>
+          </a:xfrm>
+          <a:prstGeom prst="rect">
+            <a:avLst/>
+          </a:prstGeom>
+        </p:spPr>
+      </p:pic>
+      <p:sp>
+        <p:nvSpPr>
+          <p:cNvPr id="2" name="标题 1">
+            <a:extLst>
+              <a:ext uri="{FF2B5EF4-FFF2-40B4-BE49-F238E27FC236}">
+                <a16:creationId xmlns:a16="http://schemas.microsoft.com/office/drawing/2014/main" id="{316CDC53-16DB-DA40-974D-A4F975A4DC58}"/>
+              </a:ext>
+            </a:extLst>
+          </p:cNvPr>
+          <p:cNvSpPr>
+            <a:spLocks noGrp="1"/>
+          </p:cNvSpPr>
+          <p:nvPr>
+            <p:ph type="title"/>
+          </p:nvPr>
+        </p:nvSpPr>
+        <p:spPr/>
+        <p:txBody>
+          <a:bodyPr/>
+          <a:lstStyle/>
+          <a:p>
+            <a:r>
+              <a:rPr kumimoji="1" lang="en-US" altLang="zh-CN" dirty="0"/>
+              <a:t>Summary</a:t>
+            </a:r>
+            <a:endParaRPr kumimoji="1" lang="zh-CN" altLang="en-US" dirty="0"/>
+          </a:p>
+        </p:txBody>
+      </p:sp>
+      <p:sp>
+        <p:nvSpPr>
+          <p:cNvPr id="5" name="矩形 4">
+            <a:extLst>
+              <a:ext uri="{FF2B5EF4-FFF2-40B4-BE49-F238E27FC236}">
+                <a16:creationId xmlns:a16="http://schemas.microsoft.com/office/drawing/2014/main" id="{23A43497-FC47-D440-8454-0721B10DB299}"/>
+              </a:ext>
+            </a:extLst>
+          </p:cNvPr>
+          <p:cNvSpPr/>
+          <p:nvPr/>
+        </p:nvSpPr>
+        <p:spPr>
+          <a:xfrm>
+            <a:off x="5139072" y="1629136"/>
+            <a:ext cx="6556743" cy="3731471"/>
+          </a:xfrm>
+          <a:prstGeom prst="rect">
+            <a:avLst/>
+          </a:prstGeom>
+        </p:spPr>
+        <p:txBody>
+          <a:bodyPr wrap="square">
+            <a:spAutoFit/>
+          </a:bodyPr>
+          <a:lstStyle/>
+          <a:p>
+            <a:pPr indent="-285750">
+              <a:lnSpc>
+                <a:spcPts val="2560"/>
+              </a:lnSpc>
+              <a:buFont typeface="Wingdings" pitchFamily="2" charset="2"/>
+              <a:buChar char="Ø"/>
+            </a:pPr>
+            <a:r>
+              <a:rPr lang="en" altLang="zh-CN" sz="1600" b="1" dirty="0">
+                <a:solidFill>
+                  <a:schemeClr val="bg1">
+                    <a:lumMod val="75000"/>
+                  </a:schemeClr>
+                </a:solidFill>
+              </a:rPr>
+              <a:t>Color Correction</a:t>
+            </a:r>
+          </a:p>
+          <a:p>
+            <a:pPr lvl="1" indent="-285750">
+              <a:lnSpc>
+                <a:spcPts val="2560"/>
+              </a:lnSpc>
+              <a:buFont typeface="Wingdings" pitchFamily="2" charset="2"/>
+              <a:buChar char="Ø"/>
+            </a:pPr>
+            <a:r>
+              <a:rPr lang="en" altLang="zh-CN" sz="1600" dirty="0">
+                <a:solidFill>
+                  <a:schemeClr val="bg1">
+                    <a:lumMod val="75000"/>
+                  </a:schemeClr>
+                </a:solidFill>
+              </a:rPr>
+              <a:t>color correction for all source images to reduce color differences</a:t>
+            </a:r>
+          </a:p>
+          <a:p>
+            <a:pPr lvl="1" indent="-285750">
+              <a:lnSpc>
+                <a:spcPts val="2560"/>
+              </a:lnSpc>
+              <a:buFont typeface="Wingdings" pitchFamily="2" charset="2"/>
+              <a:buChar char="Ø"/>
+            </a:pPr>
+            <a:r>
+              <a:rPr lang="en" altLang="zh-CN" sz="1600" dirty="0">
+                <a:solidFill>
+                  <a:schemeClr val="bg1">
+                    <a:lumMod val="75000"/>
+                  </a:schemeClr>
+                </a:solidFill>
+              </a:rPr>
+              <a:t>smoothen remaining color transitions between adjacent images</a:t>
+            </a:r>
+          </a:p>
+          <a:p>
+            <a:pPr indent="-285750">
+              <a:lnSpc>
+                <a:spcPts val="2560"/>
+              </a:lnSpc>
+              <a:buFont typeface="Wingdings" pitchFamily="2" charset="2"/>
+              <a:buChar char="Ø"/>
+            </a:pPr>
+            <a:r>
+              <a:rPr lang="en" altLang="zh-CN" sz="1600" b="1" dirty="0"/>
+              <a:t>Image Labeling</a:t>
+            </a:r>
+          </a:p>
+          <a:p>
+            <a:pPr lvl="1" indent="-285750">
+              <a:lnSpc>
+                <a:spcPts val="2560"/>
+              </a:lnSpc>
+              <a:buFont typeface="Wingdings" pitchFamily="2" charset="2"/>
+              <a:buChar char="Ø"/>
+            </a:pPr>
+            <a:r>
+              <a:rPr lang="en" altLang="zh-CN" sz="1600" dirty="0"/>
+              <a:t>error surface is constructed with squared differences between overlapping images</a:t>
+            </a:r>
+          </a:p>
+          <a:p>
+            <a:pPr lvl="1" indent="-285750">
+              <a:lnSpc>
+                <a:spcPts val="2560"/>
+              </a:lnSpc>
+              <a:buFont typeface="Wingdings" pitchFamily="2" charset="2"/>
+              <a:buChar char="Ø"/>
+            </a:pPr>
+            <a:r>
+              <a:rPr lang="en" altLang="zh-CN" sz="1600" dirty="0"/>
+              <a:t>low-cost path is found through the error surface by dynamic programming and used as an optimal seam to create labeling</a:t>
+            </a:r>
+          </a:p>
+          <a:p>
+            <a:pPr indent="-285750">
+              <a:lnSpc>
+                <a:spcPts val="2560"/>
+              </a:lnSpc>
+              <a:buFont typeface="Wingdings" pitchFamily="2" charset="2"/>
+              <a:buChar char="Ø"/>
+            </a:pPr>
+            <a:r>
+              <a:rPr lang="en" altLang="zh-CN" sz="1600" b="1" dirty="0">
+                <a:solidFill>
+                  <a:schemeClr val="bg1">
+                    <a:lumMod val="75000"/>
+                  </a:schemeClr>
+                </a:solidFill>
+              </a:rPr>
+              <a:t>Image Blending Operations</a:t>
+            </a:r>
+          </a:p>
+          <a:p>
+            <a:pPr lvl="1" indent="-285750">
+              <a:lnSpc>
+                <a:spcPts val="2560"/>
+              </a:lnSpc>
+              <a:buFont typeface="Wingdings" pitchFamily="2" charset="2"/>
+              <a:buChar char="Ø"/>
+            </a:pPr>
+            <a:r>
+              <a:rPr lang="en" altLang="zh-CN" sz="1600" dirty="0">
+                <a:solidFill>
+                  <a:schemeClr val="bg1">
+                    <a:lumMod val="75000"/>
+                  </a:schemeClr>
+                </a:solidFill>
+              </a:rPr>
+              <a:t>linear blending -&gt; source images are similar in color and luminance</a:t>
+            </a:r>
+          </a:p>
+          <a:p>
+            <a:pPr lvl="1" indent="-285750">
+              <a:lnSpc>
+                <a:spcPts val="2560"/>
+              </a:lnSpc>
+              <a:buFont typeface="Wingdings" pitchFamily="2" charset="2"/>
+              <a:buChar char="Ø"/>
+            </a:pPr>
+            <a:r>
+              <a:rPr lang="en" altLang="zh-CN" sz="1600" dirty="0" err="1">
+                <a:solidFill>
+                  <a:schemeClr val="bg1">
+                    <a:lumMod val="75000"/>
+                  </a:schemeClr>
+                </a:solidFill>
+              </a:rPr>
+              <a:t>poisson</a:t>
+            </a:r>
+            <a:r>
+              <a:rPr lang="en" altLang="zh-CN" sz="1600" dirty="0">
+                <a:solidFill>
+                  <a:schemeClr val="bg1">
+                    <a:lumMod val="75000"/>
+                  </a:schemeClr>
+                </a:solidFill>
+              </a:rPr>
+              <a:t> blending -&gt; colors remain too different</a:t>
+            </a:r>
+          </a:p>
+        </p:txBody>
+      </p:sp>
+      <p:sp>
+        <p:nvSpPr>
+          <p:cNvPr id="7" name="矩形 6">
+            <a:extLst>
+              <a:ext uri="{FF2B5EF4-FFF2-40B4-BE49-F238E27FC236}">
+                <a16:creationId xmlns:a16="http://schemas.microsoft.com/office/drawing/2014/main" id="{9CE34686-1879-BD46-83D1-EAB86C667C0D}"/>
+              </a:ext>
+            </a:extLst>
+          </p:cNvPr>
+          <p:cNvSpPr/>
+          <p:nvPr/>
+        </p:nvSpPr>
+        <p:spPr>
+          <a:xfrm>
+            <a:off x="957908" y="2947545"/>
+            <a:ext cx="3156087" cy="1943432"/>
+          </a:xfrm>
+          <a:prstGeom prst="rect">
+            <a:avLst/>
+          </a:prstGeom>
+          <a:noFill/>
+          <a:ln w="25400">
+            <a:solidFill>
+              <a:srgbClr val="FF0000"/>
+            </a:solidFill>
+          </a:ln>
+        </p:spPr>
+        <p:style>
+          <a:lnRef idx="2">
+            <a:schemeClr val="accent1">
+              <a:shade val="50000"/>
+            </a:schemeClr>
+          </a:lnRef>
+          <a:fillRef idx="1">
+            <a:schemeClr val="accent1"/>
+          </a:fillRef>
+          <a:effectRef idx="0">
+            <a:schemeClr val="accent1"/>
+          </a:effectRef>
+          <a:fontRef idx="minor">
+            <a:schemeClr val="lt1"/>
+          </a:fontRef>
+        </p:style>
+        <p:txBody>
+          <a:bodyPr rtlCol="0" anchor="ctr"/>
+          <a:lstStyle/>
+          <a:p>
+            <a:pPr algn="ctr"/>
+            <a:endParaRPr kumimoji="1" lang="zh-CN" altLang="en-US"/>
+          </a:p>
+        </p:txBody>
+      </p:sp>
+    </p:spTree>
+    <p:extLst>
+      <p:ext uri="{BB962C8B-B14F-4D97-AF65-F5344CB8AC3E}">
+        <p14:creationId xmlns:p14="http://schemas.microsoft.com/office/powerpoint/2010/main" val="3497504584"/>
+      </p:ext>
+    </p:extLst>
+  </p:cSld>
+  <p:clrMapOvr>
+    <a:masterClrMapping/>
+  </p:clrMapOvr>
+  <mc:AlternateContent xmlns:mc="http://schemas.openxmlformats.org/markup-compatibility/2006">
+    <mc:Choice xmlns:p159="http://schemas.microsoft.com/office/powerpoint/2015/09/main" Requires="p159">
+      <p:transition xmlns:p14="http://schemas.microsoft.com/office/powerpoint/2010/main" spd="slow" p14:dur="2000">
+        <p159:morph option="byObject"/>
+      </p:transition>
+    </mc:Choice>
+    <mc:Fallback>
+      <p:transition spd="slow">
+        <p:fade/>
+      </p:transition>
+    </mc:Fallback>
+  </mc:AlternateContent>
+</p:sld>
+</file>
+
+<file path=ppt/slides/slide7.xml><?xml version="1.0" encoding="utf-8"?>
+<p:sld xmlns:a="http://schemas.openxmlformats.org/drawingml/2006/main" xmlns:r="http://schemas.openxmlformats.org/officeDocument/2006/relationships" xmlns:p="http://schemas.openxmlformats.org/presentationml/2006/main">
+  <p:cSld>
+    <p:spTree>
+      <p:nvGrpSpPr>
+        <p:cNvPr id="1" name=""/>
+        <p:cNvGrpSpPr/>
+        <p:nvPr/>
+      </p:nvGrpSpPr>
+      <p:grpSpPr>
+        <a:xfrm>
+          <a:off x="0" y="0"/>
+          <a:ext cx="0" cy="0"/>
+          <a:chOff x="0" y="0"/>
+          <a:chExt cx="0" cy="0"/>
+        </a:xfrm>
+      </p:grpSpPr>
+      <p:pic>
+        <p:nvPicPr>
+          <p:cNvPr id="4" name="图片 3">
+            <a:extLst>
+              <a:ext uri="{FF2B5EF4-FFF2-40B4-BE49-F238E27FC236}">
+                <a16:creationId xmlns:a16="http://schemas.microsoft.com/office/drawing/2014/main" id="{6B4E1D2B-A066-904E-AC58-3ECE963E772A}"/>
+              </a:ext>
+            </a:extLst>
+          </p:cNvPr>
+          <p:cNvPicPr>
+            <a:picLocks noChangeAspect="1"/>
+          </p:cNvPicPr>
+          <p:nvPr/>
+        </p:nvPicPr>
+        <p:blipFill>
+          <a:blip r:embed="rId3"/>
+          <a:stretch>
+            <a:fillRect/>
+          </a:stretch>
+        </p:blipFill>
+        <p:spPr>
+          <a:xfrm>
+            <a:off x="980065" y="1014246"/>
+            <a:ext cx="3156087" cy="4961251"/>
+          </a:xfrm>
+          <a:prstGeom prst="rect">
+            <a:avLst/>
+          </a:prstGeom>
+        </p:spPr>
+      </p:pic>
+      <p:sp>
+        <p:nvSpPr>
+          <p:cNvPr id="2" name="标题 1">
+            <a:extLst>
+              <a:ext uri="{FF2B5EF4-FFF2-40B4-BE49-F238E27FC236}">
+                <a16:creationId xmlns:a16="http://schemas.microsoft.com/office/drawing/2014/main" id="{316CDC53-16DB-DA40-974D-A4F975A4DC58}"/>
+              </a:ext>
+            </a:extLst>
+          </p:cNvPr>
+          <p:cNvSpPr>
+            <a:spLocks noGrp="1"/>
+          </p:cNvSpPr>
+          <p:nvPr>
+            <p:ph type="title"/>
+          </p:nvPr>
+        </p:nvSpPr>
+        <p:spPr/>
+        <p:txBody>
+          <a:bodyPr/>
+          <a:lstStyle/>
+          <a:p>
+            <a:r>
+              <a:rPr kumimoji="1" lang="en-US" altLang="zh-CN" dirty="0"/>
+              <a:t>Summary</a:t>
+            </a:r>
+            <a:endParaRPr kumimoji="1" lang="zh-CN" altLang="en-US" dirty="0"/>
+          </a:p>
+        </p:txBody>
+      </p:sp>
+      <p:sp>
+        <p:nvSpPr>
+          <p:cNvPr id="5" name="矩形 4">
+            <a:extLst>
+              <a:ext uri="{FF2B5EF4-FFF2-40B4-BE49-F238E27FC236}">
+                <a16:creationId xmlns:a16="http://schemas.microsoft.com/office/drawing/2014/main" id="{23A43497-FC47-D440-8454-0721B10DB299}"/>
+              </a:ext>
+            </a:extLst>
+          </p:cNvPr>
+          <p:cNvSpPr/>
+          <p:nvPr/>
+        </p:nvSpPr>
+        <p:spPr>
+          <a:xfrm>
+            <a:off x="5139072" y="1629136"/>
+            <a:ext cx="6556743" cy="3731471"/>
+          </a:xfrm>
+          <a:prstGeom prst="rect">
+            <a:avLst/>
+          </a:prstGeom>
+        </p:spPr>
+        <p:txBody>
+          <a:bodyPr wrap="square">
+            <a:spAutoFit/>
+          </a:bodyPr>
+          <a:lstStyle/>
+          <a:p>
+            <a:pPr indent="-285750">
+              <a:lnSpc>
+                <a:spcPts val="2560"/>
+              </a:lnSpc>
+              <a:buFont typeface="Wingdings" pitchFamily="2" charset="2"/>
+              <a:buChar char="Ø"/>
+            </a:pPr>
+            <a:r>
+              <a:rPr lang="en" altLang="zh-CN" sz="1600" b="1" dirty="0">
+                <a:solidFill>
+                  <a:schemeClr val="bg1">
+                    <a:lumMod val="75000"/>
+                  </a:schemeClr>
+                </a:solidFill>
+              </a:rPr>
+              <a:t>Color Correction</a:t>
+            </a:r>
+          </a:p>
+          <a:p>
+            <a:pPr lvl="1" indent="-285750">
+              <a:lnSpc>
+                <a:spcPts val="2560"/>
+              </a:lnSpc>
+              <a:buFont typeface="Wingdings" pitchFamily="2" charset="2"/>
+              <a:buChar char="Ø"/>
+            </a:pPr>
+            <a:r>
+              <a:rPr lang="en" altLang="zh-CN" sz="1600" dirty="0">
+                <a:solidFill>
+                  <a:schemeClr val="bg1">
+                    <a:lumMod val="75000"/>
+                  </a:schemeClr>
+                </a:solidFill>
+              </a:rPr>
+              <a:t>color correction for all source images to reduce color differences</a:t>
+            </a:r>
+          </a:p>
+          <a:p>
+            <a:pPr lvl="1" indent="-285750">
+              <a:lnSpc>
+                <a:spcPts val="2560"/>
+              </a:lnSpc>
+              <a:buFont typeface="Wingdings" pitchFamily="2" charset="2"/>
+              <a:buChar char="Ø"/>
+            </a:pPr>
+            <a:r>
+              <a:rPr lang="en" altLang="zh-CN" sz="1600" dirty="0">
+                <a:solidFill>
+                  <a:schemeClr val="bg1">
+                    <a:lumMod val="75000"/>
+                  </a:schemeClr>
+                </a:solidFill>
+              </a:rPr>
+              <a:t>smoothen remaining color transitions between adjacent images</a:t>
+            </a:r>
+          </a:p>
+          <a:p>
+            <a:pPr indent="-285750">
+              <a:lnSpc>
+                <a:spcPts val="2560"/>
+              </a:lnSpc>
+              <a:buFont typeface="Wingdings" pitchFamily="2" charset="2"/>
+              <a:buChar char="Ø"/>
+            </a:pPr>
+            <a:r>
+              <a:rPr lang="en" altLang="zh-CN" sz="1600" b="1" dirty="0">
+                <a:solidFill>
+                  <a:schemeClr val="bg1">
+                    <a:lumMod val="75000"/>
+                  </a:schemeClr>
+                </a:solidFill>
+              </a:rPr>
+              <a:t>Image Labeling</a:t>
+            </a:r>
+          </a:p>
+          <a:p>
+            <a:pPr lvl="1" indent="-285750">
+              <a:lnSpc>
+                <a:spcPts val="2560"/>
+              </a:lnSpc>
+              <a:buFont typeface="Wingdings" pitchFamily="2" charset="2"/>
+              <a:buChar char="Ø"/>
+            </a:pPr>
+            <a:r>
+              <a:rPr lang="en" altLang="zh-CN" sz="1600" dirty="0">
+                <a:solidFill>
+                  <a:schemeClr val="bg1">
+                    <a:lumMod val="75000"/>
+                  </a:schemeClr>
+                </a:solidFill>
+              </a:rPr>
+              <a:t>error surface is constructed with squared differences between overlapping images</a:t>
+            </a:r>
+          </a:p>
+          <a:p>
+            <a:pPr lvl="1" indent="-285750">
+              <a:lnSpc>
+                <a:spcPts val="2560"/>
+              </a:lnSpc>
+              <a:buFont typeface="Wingdings" pitchFamily="2" charset="2"/>
+              <a:buChar char="Ø"/>
+            </a:pPr>
+            <a:r>
+              <a:rPr lang="en" altLang="zh-CN" sz="1600" dirty="0">
+                <a:solidFill>
+                  <a:schemeClr val="bg1">
+                    <a:lumMod val="75000"/>
+                  </a:schemeClr>
+                </a:solidFill>
+              </a:rPr>
+              <a:t>low-cost path is found through the error surface by dynamic programming and used as an optimal seam to create labeling</a:t>
+            </a:r>
+          </a:p>
+          <a:p>
+            <a:pPr indent="-285750">
+              <a:lnSpc>
+                <a:spcPts val="2560"/>
+              </a:lnSpc>
+              <a:buFont typeface="Wingdings" pitchFamily="2" charset="2"/>
+              <a:buChar char="Ø"/>
+            </a:pPr>
+            <a:r>
+              <a:rPr lang="en" altLang="zh-CN" sz="1600" b="1" dirty="0"/>
+              <a:t>Image Blending Operations</a:t>
+            </a:r>
+          </a:p>
+          <a:p>
+            <a:pPr lvl="1" indent="-285750">
+              <a:lnSpc>
+                <a:spcPts val="2560"/>
+              </a:lnSpc>
+              <a:buFont typeface="Wingdings" pitchFamily="2" charset="2"/>
+              <a:buChar char="Ø"/>
+            </a:pPr>
+            <a:r>
+              <a:rPr lang="en" altLang="zh-CN" sz="1600" dirty="0"/>
+              <a:t>linear blending -&gt; source images are similar in color and luminance</a:t>
+            </a:r>
+          </a:p>
+          <a:p>
+            <a:pPr lvl="1" indent="-285750">
+              <a:lnSpc>
+                <a:spcPts val="2560"/>
+              </a:lnSpc>
+              <a:buFont typeface="Wingdings" pitchFamily="2" charset="2"/>
+              <a:buChar char="Ø"/>
+            </a:pPr>
+            <a:r>
+              <a:rPr lang="en" altLang="zh-CN" sz="1600" dirty="0" err="1"/>
+              <a:t>poisson</a:t>
+            </a:r>
+            <a:r>
+              <a:rPr lang="en" altLang="zh-CN" sz="1600" dirty="0"/>
+              <a:t> blending -&gt; colors remain too different</a:t>
+            </a:r>
+          </a:p>
+        </p:txBody>
+      </p:sp>
+      <p:sp>
+        <p:nvSpPr>
+          <p:cNvPr id="7" name="矩形 6">
+            <a:extLst>
+              <a:ext uri="{FF2B5EF4-FFF2-40B4-BE49-F238E27FC236}">
+                <a16:creationId xmlns:a16="http://schemas.microsoft.com/office/drawing/2014/main" id="{9CE34686-1879-BD46-83D1-EAB86C667C0D}"/>
+              </a:ext>
+            </a:extLst>
+          </p:cNvPr>
+          <p:cNvSpPr/>
+          <p:nvPr/>
+        </p:nvSpPr>
+        <p:spPr>
+          <a:xfrm>
+            <a:off x="883479" y="4861406"/>
+            <a:ext cx="3443971" cy="422975"/>
+          </a:xfrm>
+          <a:prstGeom prst="rect">
+            <a:avLst/>
+          </a:prstGeom>
+          <a:noFill/>
+          <a:ln w="25400">
+            <a:solidFill>
+              <a:srgbClr val="FF0000"/>
+            </a:solidFill>
+          </a:ln>
+        </p:spPr>
+        <p:style>
+          <a:lnRef idx="2">
+            <a:schemeClr val="accent1">
+              <a:shade val="50000"/>
+            </a:schemeClr>
+          </a:lnRef>
+          <a:fillRef idx="1">
+            <a:schemeClr val="accent1"/>
+          </a:fillRef>
+          <a:effectRef idx="0">
+            <a:schemeClr val="accent1"/>
+          </a:effectRef>
+          <a:fontRef idx="minor">
+            <a:schemeClr val="lt1"/>
+          </a:fontRef>
+        </p:style>
+        <p:txBody>
+          <a:bodyPr rtlCol="0" anchor="ctr"/>
+          <a:lstStyle/>
+          <a:p>
+            <a:pPr algn="ctr"/>
+            <a:endParaRPr kumimoji="1" lang="zh-CN" altLang="en-US"/>
+          </a:p>
+        </p:txBody>
+      </p:sp>
+    </p:spTree>
+    <p:extLst>
+      <p:ext uri="{BB962C8B-B14F-4D97-AF65-F5344CB8AC3E}">
+        <p14:creationId xmlns:p14="http://schemas.microsoft.com/office/powerpoint/2010/main" val="2414797086"/>
+      </p:ext>
+    </p:extLst>
+  </p:cSld>
+  <p:clrMapOvr>
+    <a:masterClrMapping/>
+  </p:clrMapOvr>
+  <mc:AlternateContent xmlns:mc="http://schemas.openxmlformats.org/markup-compatibility/2006">
+    <mc:Choice xmlns:p159="http://schemas.microsoft.com/office/powerpoint/2015/09/main" Requires="p159">
+      <p:transition xmlns:p14="http://schemas.microsoft.com/office/powerpoint/2010/main" spd="slow" p14:dur="2000">
+        <p159:morph option="byObject"/>
+      </p:transition>
+    </mc:Choice>
+    <mc:Fallback>
+      <p:transition spd="slow">
+        <p:fade/>
+      </p:transition>
+    </mc:Fallback>
+  </mc:AlternateContent>
+</p:sld>
+</file>
+
+<file path=ppt/slides/slide8.xml><?xml version="1.0" encoding="utf-8"?>
+<p:sld xmlns:a="http://schemas.openxmlformats.org/drawingml/2006/main" xmlns:r="http://schemas.openxmlformats.org/officeDocument/2006/relationships" xmlns:p="http://schemas.openxmlformats.org/presentationml/2006/main">
+  <p:cSld>
+    <p:spTree>
+      <p:nvGrpSpPr>
+        <p:cNvPr id="1" name=""/>
+        <p:cNvGrpSpPr/>
+        <p:nvPr/>
+      </p:nvGrpSpPr>
+      <p:grpSpPr>
+        <a:xfrm>
+          <a:off x="0" y="0"/>
+          <a:ext cx="0" cy="0"/>
+          <a:chOff x="0" y="0"/>
+          <a:chExt cx="0" cy="0"/>
+        </a:xfrm>
+      </p:grpSpPr>
+      <p:sp>
+        <p:nvSpPr>
+          <p:cNvPr id="2" name="标题 1">
+            <a:extLst>
+              <a:ext uri="{FF2B5EF4-FFF2-40B4-BE49-F238E27FC236}">
+                <a16:creationId xmlns:a16="http://schemas.microsoft.com/office/drawing/2014/main" id="{00DE1D48-77F6-474E-BDC0-E09C4AB703EC}"/>
+              </a:ext>
+            </a:extLst>
+          </p:cNvPr>
+          <p:cNvSpPr>
+            <a:spLocks noGrp="1"/>
+          </p:cNvSpPr>
+          <p:nvPr>
+            <p:ph type="title"/>
+          </p:nvPr>
+        </p:nvSpPr>
+        <p:spPr>
+          <a:xfrm>
+            <a:off x="1355833" y="136525"/>
+            <a:ext cx="5704533" cy="877722"/>
+          </a:xfrm>
+        </p:spPr>
+        <p:txBody>
+          <a:bodyPr/>
+          <a:lstStyle/>
+          <a:p>
+            <a:r>
+              <a:rPr kumimoji="1" lang="en-US" altLang="zh-CN" sz="2400" dirty="0"/>
+              <a:t>Color and Luminance Compensation</a:t>
+            </a:r>
+            <a:endParaRPr kumimoji="1" lang="zh-CN" altLang="en-US" sz="2400" dirty="0"/>
+          </a:p>
+        </p:txBody>
+      </p:sp>
+      <p:sp>
+        <p:nvSpPr>
+          <p:cNvPr id="3" name="文本框 2">
+            <a:extLst>
+              <a:ext uri="{FF2B5EF4-FFF2-40B4-BE49-F238E27FC236}">
+                <a16:creationId xmlns:a16="http://schemas.microsoft.com/office/drawing/2014/main" id="{DDA08D22-E06C-7347-AAA1-D48CC87CDEB7}"/>
+              </a:ext>
+            </a:extLst>
+          </p:cNvPr>
+          <p:cNvSpPr txBox="1"/>
+          <p:nvPr/>
+        </p:nvSpPr>
+        <p:spPr>
+          <a:xfrm>
+            <a:off x="1205415" y="1435439"/>
+            <a:ext cx="10114225" cy="369332"/>
+          </a:xfrm>
+          <a:prstGeom prst="rect">
+            <a:avLst/>
+          </a:prstGeom>
+          <a:noFill/>
+        </p:spPr>
+        <p:txBody>
+          <a:bodyPr wrap="square" rtlCol="0">
+            <a:spAutoFit/>
+          </a:bodyPr>
+          <a:lstStyle/>
+          <a:p>
+            <a:r>
+              <a:rPr kumimoji="1" lang="en-US" altLang="zh-CN" b="1" dirty="0"/>
+              <a:t>Basic idea: </a:t>
+            </a:r>
+            <a:r>
+              <a:rPr kumimoji="1" lang="en-US" altLang="zh-CN" dirty="0"/>
+              <a:t>compute light averages in the overlap area by linearizing the gamma-corrected RGB</a:t>
+            </a:r>
+            <a:endParaRPr kumimoji="1" lang="zh-CN" altLang="en-US" dirty="0"/>
+          </a:p>
+        </p:txBody>
+      </p:sp>
+      <mc:AlternateContent xmlns:mc="http://schemas.openxmlformats.org/markup-compatibility/2006">
+        <mc:Choice xmlns:a14="http://schemas.microsoft.com/office/drawing/2010/main" Requires="a14">
+          <p:sp>
+            <p:nvSpPr>
+              <p:cNvPr id="6" name="文本框 5">
+                <a:extLst>
+                  <a:ext uri="{FF2B5EF4-FFF2-40B4-BE49-F238E27FC236}">
+                    <a16:creationId xmlns:a16="http://schemas.microsoft.com/office/drawing/2014/main" id="{450C3B03-FBA5-5145-8AD0-D2BED7F4CFBE}"/>
+                  </a:ext>
+                </a:extLst>
+              </p:cNvPr>
+              <p:cNvSpPr txBox="1"/>
+              <p:nvPr/>
+            </p:nvSpPr>
+            <p:spPr>
+              <a:xfrm>
+                <a:off x="1807778" y="2225963"/>
+                <a:ext cx="8008883" cy="370358"/>
+              </a:xfrm>
+              <a:prstGeom prst="rect">
+                <a:avLst/>
+              </a:prstGeom>
+              <a:noFill/>
+            </p:spPr>
+            <p:txBody>
+              <a:bodyPr wrap="square" rtlCol="0">
+                <a:spAutoFit/>
+              </a:bodyPr>
+              <a:lstStyle/>
+              <a:p>
+                <a:r>
+                  <a:rPr kumimoji="1" lang="en-US" altLang="zh-CN" dirty="0"/>
+                  <a:t>Suppose </a:t>
+                </a:r>
+                <a14:m>
+                  <m:oMath xmlns:m="http://schemas.openxmlformats.org/officeDocument/2006/math">
+                    <m:sSub>
+                      <m:sSubPr>
+                        <m:ctrlPr>
+                          <a:rPr kumimoji="1" lang="en-US" altLang="zh-CN" i="1" smtClean="0">
+                            <a:latin typeface="Cambria Math" panose="02040503050406030204" pitchFamily="18" charset="0"/>
+                          </a:rPr>
+                        </m:ctrlPr>
+                      </m:sSubPr>
+                      <m:e>
+                        <m:r>
+                          <a:rPr kumimoji="1" lang="en-US" altLang="zh-CN" b="0" i="1" smtClean="0">
+                            <a:latin typeface="Cambria Math" panose="02040503050406030204" pitchFamily="18" charset="0"/>
+                          </a:rPr>
+                          <m:t>𝑆</m:t>
+                        </m:r>
+                      </m:e>
+                      <m:sub>
+                        <m:r>
+                          <a:rPr kumimoji="1" lang="en-US" altLang="zh-CN" b="0" i="1" smtClean="0">
+                            <a:latin typeface="Cambria Math" panose="02040503050406030204" pitchFamily="18" charset="0"/>
+                          </a:rPr>
+                          <m:t>𝑖</m:t>
+                        </m:r>
+                        <m:r>
+                          <a:rPr kumimoji="1" lang="en-US" altLang="zh-CN" b="0" i="1" smtClean="0">
+                            <a:latin typeface="Cambria Math" panose="02040503050406030204" pitchFamily="18" charset="0"/>
+                          </a:rPr>
+                          <m:t>−1</m:t>
+                        </m:r>
+                      </m:sub>
+                    </m:sSub>
+                  </m:oMath>
+                </a14:m>
+                <a:r>
+                  <a:rPr kumimoji="1" lang="en-US" altLang="zh-CN" dirty="0"/>
+                  <a:t> and </a:t>
+                </a:r>
+                <a14:m>
+                  <m:oMath xmlns:m="http://schemas.openxmlformats.org/officeDocument/2006/math">
+                    <m:sSub>
+                      <m:sSubPr>
+                        <m:ctrlPr>
+                          <a:rPr kumimoji="1" lang="en-US" altLang="zh-CN" i="1" smtClean="0">
+                            <a:latin typeface="Cambria Math" panose="02040503050406030204" pitchFamily="18" charset="0"/>
+                          </a:rPr>
+                        </m:ctrlPr>
+                      </m:sSubPr>
+                      <m:e>
+                        <m:r>
+                          <a:rPr kumimoji="1" lang="en-US" altLang="zh-CN" b="0" i="1" smtClean="0">
+                            <a:latin typeface="Cambria Math" panose="02040503050406030204" pitchFamily="18" charset="0"/>
+                          </a:rPr>
+                          <m:t>𝑆</m:t>
+                        </m:r>
+                      </m:e>
+                      <m:sub>
+                        <m:r>
+                          <a:rPr kumimoji="1" lang="en-US" altLang="zh-CN" b="0" i="1" smtClean="0">
+                            <a:latin typeface="Cambria Math" panose="02040503050406030204" pitchFamily="18" charset="0"/>
+                          </a:rPr>
+                          <m:t>𝑖</m:t>
+                        </m:r>
+                      </m:sub>
+                    </m:sSub>
+                  </m:oMath>
+                </a14:m>
+                <a:r>
+                  <a:rPr kumimoji="1" lang="en-US" altLang="zh-CN" dirty="0"/>
+                  <a:t> are adjacent images, </a:t>
+                </a:r>
+                <a14:m>
+                  <m:oMath xmlns:m="http://schemas.openxmlformats.org/officeDocument/2006/math">
+                    <m:sSubSup>
+                      <m:sSubSupPr>
+                        <m:ctrlPr>
+                          <a:rPr kumimoji="1" lang="en-US" altLang="zh-CN" i="1" smtClean="0">
+                            <a:latin typeface="Cambria Math" panose="02040503050406030204" pitchFamily="18" charset="0"/>
+                          </a:rPr>
+                        </m:ctrlPr>
+                      </m:sSubSupPr>
+                      <m:e>
+                        <m:r>
+                          <a:rPr kumimoji="1" lang="en-US" altLang="zh-CN" b="0" i="1" smtClean="0">
+                            <a:latin typeface="Cambria Math" panose="02040503050406030204" pitchFamily="18" charset="0"/>
+                          </a:rPr>
+                          <m:t>𝑆</m:t>
+                        </m:r>
+                      </m:e>
+                      <m:sub>
+                        <m:r>
+                          <a:rPr kumimoji="1" lang="en-US" altLang="zh-CN" b="0" i="1" smtClean="0">
+                            <a:latin typeface="Cambria Math" panose="02040503050406030204" pitchFamily="18" charset="0"/>
+                          </a:rPr>
+                          <m:t>𝑖</m:t>
+                        </m:r>
+                        <m:r>
+                          <a:rPr kumimoji="1" lang="en-US" altLang="zh-CN" b="0" i="1" smtClean="0">
+                            <a:latin typeface="Cambria Math" panose="02040503050406030204" pitchFamily="18" charset="0"/>
+                          </a:rPr>
+                          <m:t>−1</m:t>
+                        </m:r>
+                      </m:sub>
+                      <m:sup>
+                        <m:r>
+                          <a:rPr kumimoji="1" lang="en-US" altLang="zh-CN" b="0" i="1" smtClean="0">
+                            <a:latin typeface="Cambria Math" panose="02040503050406030204" pitchFamily="18" charset="0"/>
+                          </a:rPr>
+                          <m:t>𝑜</m:t>
+                        </m:r>
+                      </m:sup>
+                    </m:sSubSup>
+                  </m:oMath>
+                </a14:m>
+                <a:r>
+                  <a:rPr kumimoji="1" lang="en-US" altLang="zh-CN" dirty="0"/>
+                  <a:t> and </a:t>
+                </a:r>
+                <a14:m>
+                  <m:oMath xmlns:m="http://schemas.openxmlformats.org/officeDocument/2006/math">
+                    <m:sSubSup>
+                      <m:sSubSupPr>
+                        <m:ctrlPr>
+                          <a:rPr kumimoji="1" lang="en-US" altLang="zh-CN" i="1">
+                            <a:latin typeface="Cambria Math" panose="02040503050406030204" pitchFamily="18" charset="0"/>
+                          </a:rPr>
+                        </m:ctrlPr>
+                      </m:sSubSupPr>
+                      <m:e>
+                        <m:r>
+                          <a:rPr kumimoji="1" lang="en-US" altLang="zh-CN" i="1">
+                            <a:latin typeface="Cambria Math" panose="02040503050406030204" pitchFamily="18" charset="0"/>
+                          </a:rPr>
+                          <m:t>𝑆</m:t>
+                        </m:r>
+                      </m:e>
+                      <m:sub>
+                        <m:r>
+                          <a:rPr kumimoji="1" lang="en-US" altLang="zh-CN" i="1">
+                            <a:latin typeface="Cambria Math" panose="02040503050406030204" pitchFamily="18" charset="0"/>
+                          </a:rPr>
+                          <m:t>𝑖</m:t>
+                        </m:r>
+                      </m:sub>
+                      <m:sup>
+                        <m:r>
+                          <a:rPr kumimoji="1" lang="en-US" altLang="zh-CN" i="1">
+                            <a:latin typeface="Cambria Math" panose="02040503050406030204" pitchFamily="18" charset="0"/>
+                          </a:rPr>
+                          <m:t>𝑜</m:t>
+                        </m:r>
+                      </m:sup>
+                    </m:sSubSup>
+                  </m:oMath>
+                </a14:m>
+                <a:r>
+                  <a:rPr kumimoji="1" lang="en-US" altLang="zh-CN" dirty="0"/>
+                  <a:t> are where image overlap</a:t>
+                </a:r>
+              </a:p>
+            </p:txBody>
+          </p:sp>
+        </mc:Choice>
+        <mc:Fallback>
+          <p:sp>
+            <p:nvSpPr>
+              <p:cNvPr id="6" name="文本框 5">
+                <a:extLst>
+                  <a:ext uri="{FF2B5EF4-FFF2-40B4-BE49-F238E27FC236}">
+                    <a16:creationId xmlns:a16="http://schemas.microsoft.com/office/drawing/2014/main" id="{450C3B03-FBA5-5145-8AD0-D2BED7F4CFBE}"/>
+                  </a:ext>
+                </a:extLst>
+              </p:cNvPr>
+              <p:cNvSpPr txBox="1">
+                <a:spLocks noRot="1" noChangeAspect="1" noMove="1" noResize="1" noEditPoints="1" noAdjustHandles="1" noChangeArrowheads="1" noChangeShapeType="1" noTextEdit="1"/>
+              </p:cNvSpPr>
+              <p:nvPr/>
+            </p:nvSpPr>
+            <p:spPr>
+              <a:xfrm>
+                <a:off x="1807778" y="2225963"/>
+                <a:ext cx="8008883" cy="370358"/>
+              </a:xfrm>
+              <a:prstGeom prst="rect">
+                <a:avLst/>
+              </a:prstGeom>
+              <a:blipFill>
+                <a:blip r:embed="rId3"/>
+                <a:stretch>
+                  <a:fillRect l="-475" t="-3333" b="-26667"/>
+                </a:stretch>
+              </a:blipFill>
+            </p:spPr>
+            <p:txBody>
+              <a:bodyPr/>
+              <a:lstStyle/>
+              <a:p>
+                <a:r>
+                  <a:rPr lang="zh-CN" altLang="en-US">
+                    <a:noFill/>
+                  </a:rPr>
+                  <a:t> </a:t>
+                </a:r>
+              </a:p>
+            </p:txBody>
+          </p:sp>
+        </mc:Fallback>
+      </mc:AlternateContent>
+      <p:pic>
+        <p:nvPicPr>
+          <p:cNvPr id="1026" name="Picture 2" descr="equation.pdf">
+            <a:extLst>
+              <a:ext uri="{FF2B5EF4-FFF2-40B4-BE49-F238E27FC236}">
+                <a16:creationId xmlns:a16="http://schemas.microsoft.com/office/drawing/2014/main" id="{D210A8E0-213D-6747-A22D-2782596FF935}"/>
+              </a:ext>
+            </a:extLst>
+          </p:cNvPr>
+          <p:cNvPicPr>
+            <a:picLocks noChangeAspect="1" noChangeArrowheads="1"/>
+          </p:cNvPicPr>
+          <p:nvPr/>
+        </p:nvPicPr>
+        <p:blipFill>
+          <a:blip r:embed="rId4">
+            <a:extLst>
+              <a:ext uri="{28A0092B-C50C-407E-A947-70E740481C1C}">
+                <a14:useLocalDpi xmlns:a14="http://schemas.microsoft.com/office/drawing/2010/main" val="0"/>
+              </a:ext>
+            </a:extLst>
+          </a:blip>
+          <a:srcRect/>
+          <a:stretch>
+            <a:fillRect/>
+          </a:stretch>
+        </p:blipFill>
+        <p:spPr bwMode="auto">
+          <a:xfrm>
+            <a:off x="1920807" y="2854961"/>
+            <a:ext cx="5625622" cy="879727"/>
+          </a:xfrm>
+          <a:prstGeom prst="rect">
+            <a:avLst/>
+          </a:prstGeom>
+          <a:noFill/>
+          <a:extLst>
+            <a:ext uri="{909E8E84-426E-40DD-AFC4-6F175D3DCCD1}">
+              <a14:hiddenFill xmlns:a14="http://schemas.microsoft.com/office/drawing/2010/main">
+                <a:solidFill>
+                  <a:srgbClr val="FFFFFF"/>
+                </a:solidFill>
+              </a14:hiddenFill>
+            </a:ext>
+          </a:extLst>
+        </p:spPr>
+      </p:pic>
+      <mc:AlternateContent xmlns:mc="http://schemas.openxmlformats.org/markup-compatibility/2006">
+        <mc:Choice xmlns:a14="http://schemas.microsoft.com/office/drawing/2010/main" Requires="a14">
+          <p:sp>
+            <p:nvSpPr>
+              <p:cNvPr id="7" name="文本框 6">
+                <a:extLst>
+                  <a:ext uri="{FF2B5EF4-FFF2-40B4-BE49-F238E27FC236}">
+                    <a16:creationId xmlns:a16="http://schemas.microsoft.com/office/drawing/2014/main" id="{05674122-AC18-264D-9455-E96954755B2E}"/>
+                  </a:ext>
+                </a:extLst>
+              </p:cNvPr>
+              <p:cNvSpPr txBox="1"/>
+              <p:nvPr/>
+            </p:nvSpPr>
+            <p:spPr>
+              <a:xfrm>
+                <a:off x="1920807" y="3993328"/>
+                <a:ext cx="5969877" cy="947695"/>
+              </a:xfrm>
+              <a:prstGeom prst="rect">
+                <a:avLst/>
+              </a:prstGeom>
+              <a:noFill/>
+            </p:spPr>
+            <p:txBody>
+              <a:bodyPr wrap="square" rtlCol="0">
+                <a:spAutoFit/>
+              </a:bodyPr>
+              <a:lstStyle/>
+              <a:p>
+                <a14:m>
+                  <m:oMath xmlns:m="http://schemas.openxmlformats.org/officeDocument/2006/math">
+                    <m:sSub>
+                      <m:sSubPr>
+                        <m:ctrlPr>
+                          <a:rPr kumimoji="1" lang="en-US" altLang="zh-CN" i="1" smtClean="0">
+                            <a:latin typeface="Cambria Math" panose="02040503050406030204" pitchFamily="18" charset="0"/>
+                          </a:rPr>
+                        </m:ctrlPr>
+                      </m:sSubPr>
+                      <m:e>
+                        <m:r>
+                          <a:rPr kumimoji="1" lang="en-US" altLang="zh-CN" b="0" i="1" smtClean="0">
+                            <a:latin typeface="Cambria Math" panose="02040503050406030204" pitchFamily="18" charset="0"/>
+                          </a:rPr>
+                          <m:t>𝑃</m:t>
+                        </m:r>
+                      </m:e>
+                      <m:sub>
+                        <m:r>
+                          <a:rPr kumimoji="1" lang="en-US" altLang="zh-CN" b="0" i="1" smtClean="0">
+                            <a:latin typeface="Cambria Math" panose="02040503050406030204" pitchFamily="18" charset="0"/>
+                          </a:rPr>
+                          <m:t>𝑐</m:t>
+                        </m:r>
+                        <m:r>
+                          <a:rPr kumimoji="1" lang="en-US" altLang="zh-CN" b="0" i="1" smtClean="0">
+                            <a:latin typeface="Cambria Math" panose="02040503050406030204" pitchFamily="18" charset="0"/>
+                          </a:rPr>
+                          <m:t>,</m:t>
+                        </m:r>
+                        <m:r>
+                          <a:rPr kumimoji="1" lang="en-US" altLang="zh-CN" b="0" i="1" smtClean="0">
+                            <a:latin typeface="Cambria Math" panose="02040503050406030204" pitchFamily="18" charset="0"/>
+                          </a:rPr>
+                          <m:t>𝑖</m:t>
+                        </m:r>
+                        <m:r>
+                          <a:rPr kumimoji="1" lang="en-US" altLang="zh-CN" b="0" i="1" smtClean="0">
+                            <a:latin typeface="Cambria Math" panose="02040503050406030204" pitchFamily="18" charset="0"/>
+                          </a:rPr>
+                          <m:t>−1</m:t>
+                        </m:r>
+                      </m:sub>
+                    </m:sSub>
+                    <m:d>
+                      <m:dPr>
+                        <m:ctrlPr>
+                          <a:rPr kumimoji="1" lang="en-US" altLang="zh-CN" b="0" i="1" smtClean="0">
+                            <a:latin typeface="Cambria Math" panose="02040503050406030204" pitchFamily="18" charset="0"/>
+                          </a:rPr>
+                        </m:ctrlPr>
+                      </m:dPr>
+                      <m:e>
+                        <m:r>
+                          <a:rPr kumimoji="1" lang="en-US" altLang="zh-CN" b="0" i="1" smtClean="0">
+                            <a:latin typeface="Cambria Math" panose="02040503050406030204" pitchFamily="18" charset="0"/>
+                          </a:rPr>
+                          <m:t>𝑝</m:t>
+                        </m:r>
+                      </m:e>
+                    </m:d>
+                  </m:oMath>
+                </a14:m>
+                <a:r>
+                  <a:rPr kumimoji="1" lang="en-US" altLang="zh-CN" dirty="0"/>
+                  <a:t>:  the color value of pixel p in image </a:t>
+                </a:r>
+                <a14:m>
+                  <m:oMath xmlns:m="http://schemas.openxmlformats.org/officeDocument/2006/math">
+                    <m:sSubSup>
+                      <m:sSubSupPr>
+                        <m:ctrlPr>
+                          <a:rPr kumimoji="1" lang="en-US" altLang="zh-CN" i="1">
+                            <a:latin typeface="Cambria Math" panose="02040503050406030204" pitchFamily="18" charset="0"/>
+                          </a:rPr>
+                        </m:ctrlPr>
+                      </m:sSubSupPr>
+                      <m:e>
+                        <m:r>
+                          <a:rPr kumimoji="1" lang="en-US" altLang="zh-CN" i="1">
+                            <a:latin typeface="Cambria Math" panose="02040503050406030204" pitchFamily="18" charset="0"/>
+                          </a:rPr>
+                          <m:t>𝑆</m:t>
+                        </m:r>
+                      </m:e>
+                      <m:sub>
+                        <m:r>
+                          <a:rPr kumimoji="1" lang="en-US" altLang="zh-CN" i="1">
+                            <a:latin typeface="Cambria Math" panose="02040503050406030204" pitchFamily="18" charset="0"/>
+                          </a:rPr>
+                          <m:t>𝑖</m:t>
+                        </m:r>
+                        <m:r>
+                          <a:rPr kumimoji="1" lang="en-US" altLang="zh-CN" i="1">
+                            <a:latin typeface="Cambria Math" panose="02040503050406030204" pitchFamily="18" charset="0"/>
+                          </a:rPr>
+                          <m:t>−1</m:t>
+                        </m:r>
+                      </m:sub>
+                      <m:sup>
+                        <m:r>
+                          <a:rPr kumimoji="1" lang="en-US" altLang="zh-CN" i="1">
+                            <a:latin typeface="Cambria Math" panose="02040503050406030204" pitchFamily="18" charset="0"/>
+                          </a:rPr>
+                          <m:t>𝑜</m:t>
+                        </m:r>
+                      </m:sup>
+                    </m:sSubSup>
+                  </m:oMath>
+                </a14:m>
+                <a:r>
+                  <a:rPr kumimoji="1" lang="en-US" altLang="zh-CN" dirty="0"/>
+                  <a:t> </a:t>
+                </a:r>
+              </a:p>
+              <a:p>
+                <a14:m>
+                  <m:oMath xmlns:m="http://schemas.openxmlformats.org/officeDocument/2006/math">
+                    <m:sSub>
+                      <m:sSubPr>
+                        <m:ctrlPr>
+                          <a:rPr kumimoji="1" lang="en-US" altLang="zh-CN" i="1">
+                            <a:latin typeface="Cambria Math" panose="02040503050406030204" pitchFamily="18" charset="0"/>
+                          </a:rPr>
+                        </m:ctrlPr>
+                      </m:sSubPr>
+                      <m:e>
+                        <m:r>
+                          <a:rPr kumimoji="1" lang="en-US" altLang="zh-CN" i="1">
+                            <a:latin typeface="Cambria Math" panose="02040503050406030204" pitchFamily="18" charset="0"/>
+                          </a:rPr>
+                          <m:t>𝑃</m:t>
+                        </m:r>
+                      </m:e>
+                      <m:sub>
+                        <m:r>
+                          <a:rPr kumimoji="1" lang="en-US" altLang="zh-CN" i="1">
+                            <a:latin typeface="Cambria Math" panose="02040503050406030204" pitchFamily="18" charset="0"/>
+                          </a:rPr>
+                          <m:t>𝑐</m:t>
+                        </m:r>
+                        <m:r>
+                          <a:rPr kumimoji="1" lang="en-US" altLang="zh-CN" i="1">
+                            <a:latin typeface="Cambria Math" panose="02040503050406030204" pitchFamily="18" charset="0"/>
+                          </a:rPr>
+                          <m:t>,</m:t>
+                        </m:r>
+                        <m:r>
+                          <a:rPr kumimoji="1" lang="en-US" altLang="zh-CN" i="1">
+                            <a:latin typeface="Cambria Math" panose="02040503050406030204" pitchFamily="18" charset="0"/>
+                          </a:rPr>
+                          <m:t>𝑖</m:t>
+                        </m:r>
+                      </m:sub>
+                    </m:sSub>
+                    <m:d>
+                      <m:dPr>
+                        <m:ctrlPr>
+                          <a:rPr kumimoji="1" lang="en-US" altLang="zh-CN" i="1">
+                            <a:latin typeface="Cambria Math" panose="02040503050406030204" pitchFamily="18" charset="0"/>
+                          </a:rPr>
+                        </m:ctrlPr>
+                      </m:dPr>
+                      <m:e>
+                        <m:r>
+                          <a:rPr kumimoji="1" lang="en-US" altLang="zh-CN" i="1">
+                            <a:latin typeface="Cambria Math" panose="02040503050406030204" pitchFamily="18" charset="0"/>
+                          </a:rPr>
+                          <m:t>𝑝</m:t>
+                        </m:r>
+                      </m:e>
+                    </m:d>
+                  </m:oMath>
+                </a14:m>
+                <a:r>
+                  <a:rPr kumimoji="1" lang="en-US" altLang="zh-CN" dirty="0"/>
+                  <a:t>: the color value of pixel p in image </a:t>
+                </a:r>
+                <a14:m>
+                  <m:oMath xmlns:m="http://schemas.openxmlformats.org/officeDocument/2006/math">
+                    <m:sSubSup>
+                      <m:sSubSupPr>
+                        <m:ctrlPr>
+                          <a:rPr kumimoji="1" lang="en-US" altLang="zh-CN" i="1">
+                            <a:latin typeface="Cambria Math" panose="02040503050406030204" pitchFamily="18" charset="0"/>
+                          </a:rPr>
+                        </m:ctrlPr>
+                      </m:sSubSupPr>
+                      <m:e>
+                        <m:r>
+                          <a:rPr kumimoji="1" lang="en-US" altLang="zh-CN" i="1">
+                            <a:latin typeface="Cambria Math" panose="02040503050406030204" pitchFamily="18" charset="0"/>
+                          </a:rPr>
+                          <m:t>𝑆</m:t>
+                        </m:r>
+                      </m:e>
+                      <m:sub>
+                        <m:r>
+                          <a:rPr kumimoji="1" lang="en-US" altLang="zh-CN" i="1">
+                            <a:latin typeface="Cambria Math" panose="02040503050406030204" pitchFamily="18" charset="0"/>
+                          </a:rPr>
+                          <m:t>𝑖</m:t>
+                        </m:r>
+                      </m:sub>
+                      <m:sup>
+                        <m:r>
+                          <a:rPr kumimoji="1" lang="en-US" altLang="zh-CN" i="1">
+                            <a:latin typeface="Cambria Math" panose="02040503050406030204" pitchFamily="18" charset="0"/>
+                          </a:rPr>
+                          <m:t>𝑜</m:t>
+                        </m:r>
+                      </m:sup>
+                    </m:sSubSup>
+                  </m:oMath>
+                </a14:m>
+                <a:r>
+                  <a:rPr kumimoji="1" lang="en-US" altLang="zh-CN" dirty="0"/>
+                  <a:t> </a:t>
+                </a:r>
+                <a:endParaRPr kumimoji="1" lang="zh-CN" altLang="en-US" dirty="0"/>
+              </a:p>
+              <a:p>
+                <a14:m>
+                  <m:oMath xmlns:m="http://schemas.openxmlformats.org/officeDocument/2006/math">
+                    <m:r>
+                      <a:rPr kumimoji="1" lang="zh-CN" altLang="en-US" i="1" smtClean="0">
+                        <a:latin typeface="Cambria Math" panose="02040503050406030204" pitchFamily="18" charset="0"/>
+                      </a:rPr>
+                      <m:t>𝛾</m:t>
+                    </m:r>
+                  </m:oMath>
+                </a14:m>
+                <a:r>
+                  <a:rPr kumimoji="1" lang="en-US" altLang="zh-CN" dirty="0"/>
+                  <a:t>: gamma coefficient(set to 2.2 in paper)</a:t>
+                </a:r>
+                <a:endParaRPr kumimoji="1" lang="zh-CN" altLang="en-US" dirty="0"/>
+              </a:p>
+            </p:txBody>
+          </p:sp>
+        </mc:Choice>
+        <mc:Fallback>
+          <p:sp>
+            <p:nvSpPr>
+              <p:cNvPr id="7" name="文本框 6">
+                <a:extLst>
+                  <a:ext uri="{FF2B5EF4-FFF2-40B4-BE49-F238E27FC236}">
+                    <a16:creationId xmlns:a16="http://schemas.microsoft.com/office/drawing/2014/main" id="{05674122-AC18-264D-9455-E96954755B2E}"/>
+                  </a:ext>
+                </a:extLst>
+              </p:cNvPr>
+              <p:cNvSpPr txBox="1">
+                <a:spLocks noRot="1" noChangeAspect="1" noMove="1" noResize="1" noEditPoints="1" noAdjustHandles="1" noChangeArrowheads="1" noChangeShapeType="1" noTextEdit="1"/>
+              </p:cNvSpPr>
+              <p:nvPr/>
+            </p:nvSpPr>
+            <p:spPr>
+              <a:xfrm>
+                <a:off x="1920807" y="3993328"/>
+                <a:ext cx="5969877" cy="947695"/>
+              </a:xfrm>
+              <a:prstGeom prst="rect">
+                <a:avLst/>
+              </a:prstGeom>
+              <a:blipFill>
+                <a:blip r:embed="rId5"/>
+                <a:stretch>
+                  <a:fillRect t="-1316" b="-9211"/>
+                </a:stretch>
+              </a:blipFill>
+            </p:spPr>
+            <p:txBody>
+              <a:bodyPr/>
+              <a:lstStyle/>
+              <a:p>
+                <a:r>
+                  <a:rPr lang="zh-CN" altLang="en-US">
+                    <a:noFill/>
+                  </a:rPr>
+                  <a:t> </a:t>
+                </a:r>
+              </a:p>
+            </p:txBody>
+          </p:sp>
+        </mc:Fallback>
+      </mc:AlternateContent>
+    </p:spTree>
+    <p:extLst>
+      <p:ext uri="{BB962C8B-B14F-4D97-AF65-F5344CB8AC3E}">
+        <p14:creationId xmlns:p14="http://schemas.microsoft.com/office/powerpoint/2010/main" val="2217945873"/>
+      </p:ext>
+    </p:extLst>
+  </p:cSld>
+  <p:clrMapOvr>
+    <a:masterClrMapping/>
+  </p:clrMapOvr>
+  <mc:AlternateContent xmlns:mc="http://schemas.openxmlformats.org/markup-compatibility/2006">
+    <mc:Choice xmlns:p159="http://schemas.microsoft.com/office/powerpoint/2015/09/main" Requires="p159">
+      <p:transition xmlns:p14="http://schemas.microsoft.com/office/powerpoint/2010/main" spd="slow" p14:dur="2000">
+        <p159:morph option="byObject"/>
+      </p:transition>
+    </mc:Choice>
+    <mc:Fallback>
+      <p:transition spd="slow">
+        <p:fade/>
+      </p:transition>
+    </mc:Fallback>
+  </mc:AlternateContent>
+</p:sld>
+</file>
+
+<file path=ppt/slides/slide9.xml><?xml version="1.0" encoding="utf-8"?>
+<p:sld xmlns:a="http://schemas.openxmlformats.org/drawingml/2006/main" xmlns:r="http://schemas.openxmlformats.org/officeDocument/2006/relationships" xmlns:p="http://schemas.openxmlformats.org/presentationml/2006/main">
+  <p:cSld>
+    <p:spTree>
+      <p:nvGrpSpPr>
+        <p:cNvPr id="1" name=""/>
+        <p:cNvGrpSpPr/>
+        <p:nvPr/>
+      </p:nvGrpSpPr>
+      <p:grpSpPr>
+        <a:xfrm>
+          <a:off x="0" y="0"/>
+          <a:ext cx="0" cy="0"/>
+          <a:chOff x="0" y="0"/>
+          <a:chExt cx="0" cy="0"/>
+        </a:xfrm>
+      </p:grpSpPr>
+      <p:sp>
+        <p:nvSpPr>
+          <p:cNvPr id="2" name="标题 1">
+            <a:extLst>
+              <a:ext uri="{FF2B5EF4-FFF2-40B4-BE49-F238E27FC236}">
+                <a16:creationId xmlns:a16="http://schemas.microsoft.com/office/drawing/2014/main" id="{00DE1D48-77F6-474E-BDC0-E09C4AB703EC}"/>
+              </a:ext>
+            </a:extLst>
+          </p:cNvPr>
+          <p:cNvSpPr>
+            <a:spLocks noGrp="1"/>
+          </p:cNvSpPr>
+          <p:nvPr>
+            <p:ph type="title"/>
+          </p:nvPr>
+        </p:nvSpPr>
+        <p:spPr>
+          <a:xfrm>
+            <a:off x="1355833" y="136525"/>
+            <a:ext cx="5704533" cy="877722"/>
+          </a:xfrm>
+        </p:spPr>
+        <p:txBody>
+          <a:bodyPr/>
+          <a:lstStyle/>
+          <a:p>
+            <a:r>
+              <a:rPr kumimoji="1" lang="en-US" altLang="zh-CN" sz="2400" dirty="0"/>
+              <a:t>Color and Luminance Compensation</a:t>
+            </a:r>
+            <a:endParaRPr kumimoji="1" lang="zh-CN" altLang="en-US" sz="2400" dirty="0"/>
+          </a:p>
+        </p:txBody>
+      </p:sp>
+      <mc:AlternateContent xmlns:mc="http://schemas.openxmlformats.org/markup-compatibility/2006">
+        <mc:Choice xmlns:a14="http://schemas.microsoft.com/office/drawing/2010/main" Requires="a14">
+          <p:sp>
+            <p:nvSpPr>
+              <p:cNvPr id="4" name="文本框 3">
+                <a:extLst>
+                  <a:ext uri="{FF2B5EF4-FFF2-40B4-BE49-F238E27FC236}">
+                    <a16:creationId xmlns:a16="http://schemas.microsoft.com/office/drawing/2014/main" id="{9B2C6939-5D35-D342-BDA9-120EA7376434}"/>
+                  </a:ext>
+                </a:extLst>
+              </p:cNvPr>
+              <p:cNvSpPr txBox="1"/>
+              <p:nvPr/>
+            </p:nvSpPr>
+            <p:spPr>
+              <a:xfrm>
+                <a:off x="2165131" y="2312758"/>
+                <a:ext cx="8881241" cy="369332"/>
+              </a:xfrm>
+              <a:prstGeom prst="rect">
+                <a:avLst/>
+              </a:prstGeom>
+              <a:noFill/>
+            </p:spPr>
+            <p:txBody>
+              <a:bodyPr wrap="square" rtlCol="0">
+                <a:spAutoFit/>
+              </a:bodyPr>
+              <a:lstStyle/>
+              <a:p>
+                <a14:m>
+                  <m:oMath xmlns:m="http://schemas.openxmlformats.org/officeDocument/2006/math">
+                    <m:sSub>
+                      <m:sSubPr>
+                        <m:ctrlPr>
+                          <a:rPr kumimoji="1" lang="en-US" altLang="zh-CN" i="1" smtClean="0">
+                            <a:latin typeface="Cambria Math" panose="02040503050406030204" pitchFamily="18" charset="0"/>
+                          </a:rPr>
+                        </m:ctrlPr>
+                      </m:sSubPr>
+                      <m:e>
+                        <m:r>
+                          <a:rPr kumimoji="1" lang="en-US" altLang="zh-CN" b="0" i="1" smtClean="0">
+                            <a:latin typeface="Cambria Math" panose="02040503050406030204" pitchFamily="18" charset="0"/>
+                          </a:rPr>
+                          <m:t>𝑔</m:t>
+                        </m:r>
+                      </m:e>
+                      <m:sub>
+                        <m:r>
+                          <a:rPr kumimoji="1" lang="en-US" altLang="zh-CN" b="0" i="1" smtClean="0">
+                            <a:latin typeface="Cambria Math" panose="02040503050406030204" pitchFamily="18" charset="0"/>
+                          </a:rPr>
+                          <m:t>𝑐</m:t>
+                        </m:r>
+                      </m:sub>
+                    </m:sSub>
+                  </m:oMath>
+                </a14:m>
+                <a:r>
+                  <a:rPr kumimoji="1" lang="en-US" altLang="zh-CN" dirty="0"/>
+                  <a:t>: global adjustment in the whole image sequence for each color channel </a:t>
+                </a:r>
+                <a14:m>
+                  <m:oMath xmlns:m="http://schemas.openxmlformats.org/officeDocument/2006/math">
+                    <m:r>
+                      <a:rPr kumimoji="1" lang="en-US" altLang="zh-CN" b="0" i="1" smtClean="0">
+                        <a:latin typeface="Cambria Math" panose="02040503050406030204" pitchFamily="18" charset="0"/>
+                      </a:rPr>
+                      <m:t>𝑐</m:t>
+                    </m:r>
+                  </m:oMath>
+                </a14:m>
+                <a:endParaRPr kumimoji="1" lang="zh-CN" altLang="en-US" dirty="0"/>
+              </a:p>
+            </p:txBody>
+          </p:sp>
+        </mc:Choice>
+        <mc:Fallback>
+          <p:sp>
+            <p:nvSpPr>
+              <p:cNvPr id="4" name="文本框 3">
+                <a:extLst>
+                  <a:ext uri="{FF2B5EF4-FFF2-40B4-BE49-F238E27FC236}">
+                    <a16:creationId xmlns:a16="http://schemas.microsoft.com/office/drawing/2014/main" id="{9B2C6939-5D35-D342-BDA9-120EA7376434}"/>
+                  </a:ext>
+                </a:extLst>
+              </p:cNvPr>
+              <p:cNvSpPr txBox="1">
+                <a:spLocks noRot="1" noChangeAspect="1" noMove="1" noResize="1" noEditPoints="1" noAdjustHandles="1" noChangeArrowheads="1" noChangeShapeType="1" noTextEdit="1"/>
+              </p:cNvSpPr>
+              <p:nvPr/>
+            </p:nvSpPr>
+            <p:spPr>
+              <a:xfrm>
+                <a:off x="2165131" y="2312758"/>
+                <a:ext cx="8881241" cy="369332"/>
+              </a:xfrm>
+              <a:prstGeom prst="rect">
+                <a:avLst/>
+              </a:prstGeom>
+              <a:blipFill>
+                <a:blip r:embed="rId3"/>
+                <a:stretch>
+                  <a:fillRect t="-3333" b="-23333"/>
+                </a:stretch>
+              </a:blipFill>
+            </p:spPr>
+            <p:txBody>
+              <a:bodyPr/>
+              <a:lstStyle/>
+              <a:p>
+                <a:r>
+                  <a:rPr lang="zh-CN" altLang="en-US">
+                    <a:noFill/>
+                  </a:rPr>
+                  <a:t> </a:t>
+                </a:r>
+              </a:p>
+            </p:txBody>
+          </p:sp>
+        </mc:Fallback>
+      </mc:AlternateContent>
+      <p:sp>
+        <p:nvSpPr>
+          <p:cNvPr id="5" name="文本框 4">
+            <a:extLst>
+              <a:ext uri="{FF2B5EF4-FFF2-40B4-BE49-F238E27FC236}">
+                <a16:creationId xmlns:a16="http://schemas.microsoft.com/office/drawing/2014/main" id="{47E22751-F238-B241-85CC-9154A095C763}"/>
+              </a:ext>
+            </a:extLst>
+          </p:cNvPr>
+          <p:cNvSpPr txBox="1"/>
+          <p:nvPr/>
+        </p:nvSpPr>
+        <p:spPr>
+          <a:xfrm>
+            <a:off x="2165131" y="2753710"/>
+            <a:ext cx="4298731" cy="369332"/>
+          </a:xfrm>
+          <a:prstGeom prst="rect">
+            <a:avLst/>
+          </a:prstGeom>
+          <a:noFill/>
+        </p:spPr>
+        <p:txBody>
+          <a:bodyPr wrap="square" rtlCol="0">
+            <a:spAutoFit/>
+          </a:bodyPr>
+          <a:lstStyle/>
+          <a:p>
+            <a:r>
+              <a:rPr kumimoji="1" lang="en-US" altLang="zh-CN" dirty="0"/>
+              <a:t>Solve the least-squares equation</a:t>
+            </a:r>
+            <a:endParaRPr kumimoji="1" lang="zh-CN" altLang="en-US" dirty="0"/>
+          </a:p>
+        </p:txBody>
+      </p:sp>
+      <p:pic>
+        <p:nvPicPr>
+          <p:cNvPr id="2050" name="Picture 2" descr="equation.pdf">
+            <a:extLst>
+              <a:ext uri="{FF2B5EF4-FFF2-40B4-BE49-F238E27FC236}">
+                <a16:creationId xmlns:a16="http://schemas.microsoft.com/office/drawing/2014/main" id="{0B39E2B2-031A-9A45-9796-A0D41438391A}"/>
+              </a:ext>
+            </a:extLst>
+          </p:cNvPr>
+          <p:cNvPicPr>
+            <a:picLocks noChangeAspect="1" noChangeArrowheads="1"/>
+          </p:cNvPicPr>
+          <p:nvPr/>
+        </p:nvPicPr>
+        <p:blipFill>
+          <a:blip r:embed="rId4">
+            <a:extLst>
+              <a:ext uri="{28A0092B-C50C-407E-A947-70E740481C1C}">
+                <a14:useLocalDpi xmlns:a14="http://schemas.microsoft.com/office/drawing/2010/main" val="0"/>
+              </a:ext>
+            </a:extLst>
+          </a:blip>
+          <a:srcRect/>
+          <a:stretch>
+            <a:fillRect/>
+          </a:stretch>
+        </p:blipFill>
+        <p:spPr bwMode="auto">
+          <a:xfrm>
+            <a:off x="5800833" y="2687347"/>
+            <a:ext cx="3420045" cy="625618"/>
+          </a:xfrm>
+          <a:prstGeom prst="rect">
+            <a:avLst/>
+          </a:prstGeom>
+          <a:noFill/>
+          <a:extLst>
+            <a:ext uri="{909E8E84-426E-40DD-AFC4-6F175D3DCCD1}">
+              <a14:hiddenFill xmlns:a14="http://schemas.microsoft.com/office/drawing/2010/main">
+                <a:solidFill>
+                  <a:srgbClr val="FFFFFF"/>
+                </a:solidFill>
+              </a14:hiddenFill>
+            </a:ext>
+          </a:extLst>
+        </p:spPr>
+      </p:pic>
+      <p:pic>
+        <p:nvPicPr>
+          <p:cNvPr id="2052" name="Picture 4" descr="equation.pdf">
+            <a:extLst>
+              <a:ext uri="{FF2B5EF4-FFF2-40B4-BE49-F238E27FC236}">
+                <a16:creationId xmlns:a16="http://schemas.microsoft.com/office/drawing/2014/main" id="{0EAAFDB8-F331-4749-A71F-1F59E9DCD5E0}"/>
+              </a:ext>
+            </a:extLst>
+          </p:cNvPr>
+          <p:cNvPicPr>
+            <a:picLocks noChangeAspect="1" noChangeArrowheads="1"/>
+          </p:cNvPicPr>
+          <p:nvPr/>
+        </p:nvPicPr>
+        <p:blipFill>
+          <a:blip r:embed="rId5">
+            <a:extLst>
+              <a:ext uri="{28A0092B-C50C-407E-A947-70E740481C1C}">
+                <a14:useLocalDpi xmlns:a14="http://schemas.microsoft.com/office/drawing/2010/main" val="0"/>
+              </a:ext>
+            </a:extLst>
+          </a:blip>
+          <a:srcRect/>
+          <a:stretch>
+            <a:fillRect/>
+          </a:stretch>
+        </p:blipFill>
+        <p:spPr bwMode="auto">
+          <a:xfrm>
+            <a:off x="5800833" y="3450078"/>
+            <a:ext cx="3621002" cy="625618"/>
+          </a:xfrm>
+          <a:prstGeom prst="rect">
+            <a:avLst/>
+          </a:prstGeom>
+          <a:noFill/>
+          <a:extLst>
+            <a:ext uri="{909E8E84-426E-40DD-AFC4-6F175D3DCCD1}">
+              <a14:hiddenFill xmlns:a14="http://schemas.microsoft.com/office/drawing/2010/main">
+                <a:solidFill>
+                  <a:srgbClr val="FFFFFF"/>
+                </a:solidFill>
+              </a14:hiddenFill>
+            </a:ext>
+          </a:extLst>
+        </p:spPr>
+      </p:pic>
+      <p:sp>
+        <p:nvSpPr>
+          <p:cNvPr id="12" name="文本框 11">
+            <a:extLst>
+              <a:ext uri="{FF2B5EF4-FFF2-40B4-BE49-F238E27FC236}">
+                <a16:creationId xmlns:a16="http://schemas.microsoft.com/office/drawing/2014/main" id="{AF080C6C-96F8-FC4A-8764-982484CBD980}"/>
+              </a:ext>
+            </a:extLst>
+          </p:cNvPr>
+          <p:cNvSpPr txBox="1"/>
+          <p:nvPr/>
+        </p:nvSpPr>
+        <p:spPr>
+          <a:xfrm>
+            <a:off x="1205415" y="1435439"/>
+            <a:ext cx="10114225" cy="369332"/>
+          </a:xfrm>
+          <a:prstGeom prst="rect">
+            <a:avLst/>
+          </a:prstGeom>
+          <a:noFill/>
+        </p:spPr>
+        <p:txBody>
+          <a:bodyPr wrap="square" rtlCol="0">
+            <a:spAutoFit/>
+          </a:bodyPr>
+          <a:lstStyle/>
+          <a:p>
+            <a:r>
+              <a:rPr kumimoji="1" lang="en-US" altLang="zh-CN" b="1" dirty="0"/>
+              <a:t>Basic idea: </a:t>
+            </a:r>
+            <a:r>
+              <a:rPr kumimoji="1" lang="en-US" altLang="zh-CN" dirty="0"/>
+              <a:t>compute light averages in the overlap area by linearizing the gamma-corrected RGB</a:t>
+            </a:r>
+            <a:endParaRPr kumimoji="1" lang="zh-CN" altLang="en-US" dirty="0"/>
+          </a:p>
+        </p:txBody>
+      </p:sp>
+    </p:spTree>
+    <p:extLst>
+      <p:ext uri="{BB962C8B-B14F-4D97-AF65-F5344CB8AC3E}">
+        <p14:creationId xmlns:p14="http://schemas.microsoft.com/office/powerpoint/2010/main" val="52769294"/>
+      </p:ext>
+    </p:extLst>
+  </p:cSld>
+  <p:clrMapOvr>
+    <a:masterClrMapping/>
+  </p:clrMapOvr>
+  <mc:AlternateContent xmlns:mc="http://schemas.openxmlformats.org/markup-compatibility/2006">
+    <mc:Choice xmlns:p159="http://schemas.microsoft.com/office/powerpoint/2015/09/main" Requires="p159">
+      <p:transition xmlns:p14="http://schemas.microsoft.com/office/powerpoint/2010/main" spd="slow" p14:dur="2000">
+        <p159:morph option="byObject"/>
+      </p:transition>
+    </mc:Choice>
+    <mc:Fallback>
+      <p:transition spd="slow">
+        <p:fade/>
+      </p:transition>
+    </mc:Fallback>
+  </mc:AlternateContent>
 </p:sld>
 </file>
 
@@ -4439,4 +13215,299 @@
     </a:ext>
   </a:extLst>
 </a:theme>
+</file>
+
+<file path=ppt/theme/theme2.xml><?xml version="1.0" encoding="utf-8"?>
+<a:theme xmlns:a="http://schemas.openxmlformats.org/drawingml/2006/main" name="Office 主题​​">
+  <a:themeElements>
+    <a:clrScheme name="Office">
+      <a:dk1>
+        <a:sysClr val="windowText" lastClr="000000"/>
+      </a:dk1>
+      <a:lt1>
+        <a:sysClr val="window" lastClr="FFFFFF"/>
+      </a:lt1>
+      <a:dk2>
+        <a:srgbClr val="44546A"/>
+      </a:dk2>
+      <a:lt2>
+        <a:srgbClr val="E7E6E6"/>
+      </a:lt2>
+      <a:accent1>
+        <a:srgbClr val="4472C4"/>
+      </a:accent1>
+      <a:accent2>
+        <a:srgbClr val="ED7D31"/>
+      </a:accent2>
+      <a:accent3>
+        <a:srgbClr val="A5A5A5"/>
+      </a:accent3>
+      <a:accent4>
+        <a:srgbClr val="FFC000"/>
+      </a:accent4>
+      <a:accent5>
+        <a:srgbClr val="5B9BD5"/>
+      </a:accent5>
+      <a:accent6>
+        <a:srgbClr val="70AD47"/>
+      </a:accent6>
+      <a:hlink>
+        <a:srgbClr val="0563C1"/>
+      </a:hlink>
+      <a:folHlink>
+        <a:srgbClr val="954F72"/>
+      </a:folHlink>
+    </a:clrScheme>
+    <a:fontScheme name="Office">
+      <a:majorFont>
+        <a:latin typeface="等线 Light" panose="020F0302020204030204"/>
+        <a:ea typeface=""/>
+        <a:cs typeface=""/>
+        <a:font script="Jpan" typeface="游ゴシック Light"/>
+        <a:font script="Hang" typeface="맑은 고딕"/>
+        <a:font script="Hans" typeface="等线 Light"/>
+        <a:font script="Hant" typeface="新細明體"/>
+        <a:font script="Arab" typeface="Times New Roman"/>
+        <a:font script="Hebr" typeface="Times New Roman"/>
+        <a:font script="Thai" typeface="Angsana New"/>
+        <a:font script="Ethi" typeface="Nyala"/>
+        <a:font script="Beng" typeface="Vrinda"/>
+        <a:font script="Gujr" typeface="Shruti"/>
+        <a:font script="Khmr" typeface="MoolBoran"/>
+        <a:font script="Knda" typeface="Tunga"/>
+        <a:font script="Guru" typeface="Raavi"/>
+        <a:font script="Cans" typeface="Euphemia"/>
+        <a:font script="Cher" typeface="Plantagenet Cherokee"/>
+        <a:font script="Yiii" typeface="Microsoft Yi Baiti"/>
+        <a:font script="Tibt" typeface="Microsoft Himalaya"/>
+        <a:font script="Thaa" typeface="MV Boli"/>
+        <a:font script="Deva" typeface="Mangal"/>
+        <a:font script="Telu" typeface="Gautami"/>
+        <a:font script="Taml" typeface="Latha"/>
+        <a:font script="Syrc" typeface="Estrangelo Edessa"/>
+        <a:font script="Orya" typeface="Kalinga"/>
+        <a:font script="Mlym" typeface="Kartika"/>
+        <a:font script="Laoo" typeface="DokChampa"/>
+        <a:font script="Sinh" typeface="Iskoola Pota"/>
+        <a:font script="Mong" typeface="Mongolian Baiti"/>
+        <a:font script="Viet" typeface="Times New Roman"/>
+        <a:font script="Uigh" typeface="Microsoft Uighur"/>
+        <a:font script="Geor" typeface="Sylfaen"/>
+        <a:font script="Armn" typeface="Arial"/>
+        <a:font script="Bugi" typeface="Leelawadee UI"/>
+        <a:font script="Bopo" typeface="Microsoft JhengHei"/>
+        <a:font script="Java" typeface="Javanese Text"/>
+        <a:font script="Lisu" typeface="Segoe UI"/>
+        <a:font script="Mymr" typeface="Myanmar Text"/>
+        <a:font script="Nkoo" typeface="Ebrima"/>
+        <a:font script="Olck" typeface="Nirmala UI"/>
+        <a:font script="Osma" typeface="Ebrima"/>
+        <a:font script="Phag" typeface="Phagspa"/>
+        <a:font script="Syrn" typeface="Estrangelo Edessa"/>
+        <a:font script="Syrj" typeface="Estrangelo Edessa"/>
+        <a:font script="Syre" typeface="Estrangelo Edessa"/>
+        <a:font script="Sora" typeface="Nirmala UI"/>
+        <a:font script="Tale" typeface="Microsoft Tai Le"/>
+        <a:font script="Talu" typeface="Microsoft New Tai Lue"/>
+        <a:font script="Tfng" typeface="Ebrima"/>
+      </a:majorFont>
+      <a:minorFont>
+        <a:latin typeface="等线" panose="020F0502020204030204"/>
+        <a:ea typeface=""/>
+        <a:cs typeface=""/>
+        <a:font script="Jpan" typeface="游ゴシック"/>
+        <a:font script="Hang" typeface="맑은 고딕"/>
+        <a:font script="Hans" typeface="等线"/>
+        <a:font script="Hant" typeface="新細明體"/>
+        <a:font script="Arab" typeface="Arial"/>
+        <a:font script="Hebr" typeface="Arial"/>
+        <a:font script="Thai" typeface="Cordia New"/>
+        <a:font script="Ethi" typeface="Nyala"/>
+        <a:font script="Beng" typeface="Vrinda"/>
+        <a:font script="Gujr" typeface="Shruti"/>
+        <a:font script="Khmr" typeface="DaunPenh"/>
+        <a:font script="Knda" typeface="Tunga"/>
+        <a:font script="Guru" typeface="Raavi"/>
+        <a:font script="Cans" typeface="Euphemia"/>
+        <a:font script="Cher" typeface="Plantagenet Cherokee"/>
+        <a:font script="Yiii" typeface="Microsoft Yi Baiti"/>
+        <a:font script="Tibt" typeface="Microsoft Himalaya"/>
+        <a:font script="Thaa" typeface="MV Boli"/>
+        <a:font script="Deva" typeface="Mangal"/>
+        <a:font script="Telu" typeface="Gautami"/>
+        <a:font script="Taml" typeface="Latha"/>
+        <a:font script="Syrc" typeface="Estrangelo Edessa"/>
+        <a:font script="Orya" typeface="Kalinga"/>
+        <a:font script="Mlym" typeface="Kartika"/>
+        <a:font script="Laoo" typeface="DokChampa"/>
+        <a:font script="Sinh" typeface="Iskoola Pota"/>
+        <a:font script="Mong" typeface="Mongolian Baiti"/>
+        <a:font script="Viet" typeface="Arial"/>
+        <a:font script="Uigh" typeface="Microsoft Uighur"/>
+        <a:font script="Geor" typeface="Sylfaen"/>
+        <a:font script="Armn" typeface="Arial"/>
+        <a:font script="Bugi" typeface="Leelawadee UI"/>
+        <a:font script="Bopo" typeface="Microsoft JhengHei"/>
+        <a:font script="Java" typeface="Javanese Text"/>
+        <a:font script="Lisu" typeface="Segoe UI"/>
+        <a:font script="Mymr" typeface="Myanmar Text"/>
+        <a:font script="Nkoo" typeface="Ebrima"/>
+        <a:font script="Olck" typeface="Nirmala UI"/>
+        <a:font script="Osma" typeface="Ebrima"/>
+        <a:font script="Phag" typeface="Phagspa"/>
+        <a:font script="Syrn" typeface="Estrangelo Edessa"/>
+        <a:font script="Syrj" typeface="Estrangelo Edessa"/>
+        <a:font script="Syre" typeface="Estrangelo Edessa"/>
+        <a:font script="Sora" typeface="Nirmala UI"/>
+        <a:font script="Tale" typeface="Microsoft Tai Le"/>
+        <a:font script="Talu" typeface="Microsoft New Tai Lue"/>
+        <a:font script="Tfng" typeface="Ebrima"/>
+      </a:minorFont>
+    </a:fontScheme>
+    <a:fmtScheme name="Office">
+      <a:fillStyleLst>
+        <a:solidFill>
+          <a:schemeClr val="phClr"/>
+        </a:solidFill>
+        <a:gradFill rotWithShape="1">
+          <a:gsLst>
+            <a:gs pos="0">
+              <a:schemeClr val="phClr">
+                <a:lumMod val="110000"/>
+                <a:satMod val="105000"/>
+                <a:tint val="67000"/>
+              </a:schemeClr>
+            </a:gs>
+            <a:gs pos="50000">
+              <a:schemeClr val="phClr">
+                <a:lumMod val="105000"/>
+                <a:satMod val="103000"/>
+                <a:tint val="73000"/>
+              </a:schemeClr>
+            </a:gs>
+            <a:gs pos="100000">
+              <a:schemeClr val="phClr">
+                <a:lumMod val="105000"/>
+                <a:satMod val="109000"/>
+                <a:tint val="81000"/>
+              </a:schemeClr>
+            </a:gs>
+          </a:gsLst>
+          <a:lin ang="5400000" scaled="0"/>
+        </a:gradFill>
+        <a:gradFill rotWithShape="1">
+          <a:gsLst>
+            <a:gs pos="0">
+              <a:schemeClr val="phClr">
+                <a:satMod val="103000"/>
+                <a:lumMod val="102000"/>
+                <a:tint val="94000"/>
+              </a:schemeClr>
+            </a:gs>
+            <a:gs pos="50000">
+              <a:schemeClr val="phClr">
+                <a:satMod val="110000"/>
+                <a:lumMod val="100000"/>
+                <a:shade val="100000"/>
+              </a:schemeClr>
+            </a:gs>
+            <a:gs pos="100000">
+              <a:schemeClr val="phClr">
+                <a:lumMod val="99000"/>
+                <a:satMod val="120000"/>
+                <a:shade val="78000"/>
+              </a:schemeClr>
+            </a:gs>
+          </a:gsLst>
+          <a:lin ang="5400000" scaled="0"/>
+        </a:gradFill>
+      </a:fillStyleLst>
+      <a:lnStyleLst>
+        <a:ln w="6350" cap="flat" cmpd="sng" algn="ctr">
+          <a:solidFill>
+            <a:schemeClr val="phClr"/>
+          </a:solidFill>
+          <a:prstDash val="solid"/>
+          <a:miter lim="800000"/>
+        </a:ln>
+        <a:ln w="12700" cap="flat" cmpd="sng" algn="ctr">
+          <a:solidFill>
+            <a:schemeClr val="phClr"/>
+          </a:solidFill>
+          <a:prstDash val="solid"/>
+          <a:miter lim="800000"/>
+        </a:ln>
+        <a:ln w="19050" cap="flat" cmpd="sng" algn="ctr">
+          <a:solidFill>
+            <a:schemeClr val="phClr"/>
+          </a:solidFill>
+          <a:prstDash val="solid"/>
+          <a:miter lim="800000"/>
+        </a:ln>
+      </a:lnStyleLst>
+      <a:effectStyleLst>
+        <a:effectStyle>
+          <a:effectLst/>
+        </a:effectStyle>
+        <a:effectStyle>
+          <a:effectLst/>
+        </a:effectStyle>
+        <a:effectStyle>
+          <a:effectLst>
+            <a:outerShdw blurRad="57150" dist="19050" dir="5400000" algn="ctr" rotWithShape="0">
+              <a:srgbClr val="000000">
+                <a:alpha val="63000"/>
+              </a:srgbClr>
+            </a:outerShdw>
+          </a:effectLst>
+        </a:effectStyle>
+      </a:effectStyleLst>
+      <a:bgFillStyleLst>
+        <a:solidFill>
+          <a:schemeClr val="phClr"/>
+        </a:solidFill>
+        <a:solidFill>
+          <a:schemeClr val="phClr">
+            <a:tint val="95000"/>
+            <a:satMod val="170000"/>
+          </a:schemeClr>
+        </a:solidFill>
+        <a:gradFill rotWithShape="1">
+          <a:gsLst>
+            <a:gs pos="0">
+              <a:schemeClr val="phClr">
+                <a:tint val="93000"/>
+                <a:satMod val="150000"/>
+                <a:shade val="98000"/>
+                <a:lumMod val="102000"/>
+              </a:schemeClr>
+            </a:gs>
+            <a:gs pos="50000">
+              <a:schemeClr val="phClr">
+                <a:tint val="98000"/>
+                <a:satMod val="130000"/>
+                <a:shade val="90000"/>
+                <a:lumMod val="103000"/>
+              </a:schemeClr>
+            </a:gs>
+            <a:gs pos="100000">
+              <a:schemeClr val="phClr">
+                <a:shade val="63000"/>
+                <a:satMod val="120000"/>
+              </a:schemeClr>
+            </a:gs>
+          </a:gsLst>
+          <a:lin ang="5400000" scaled="0"/>
+        </a:gradFill>
+      </a:bgFillStyleLst>
+    </a:fmtScheme>
+  </a:themeElements>
+  <a:objectDefaults/>
+  <a:extraClrSchemeLst/>
+  <a:extLst>
+    <a:ext uri="{05A4C25C-085E-4340-85A3-A5531E510DB2}">
+      <thm15:themeFamily xmlns:thm15="http://schemas.microsoft.com/office/thememl/2012/main" name="Office Theme" id="{62F939B6-93AF-4DB8-9C6B-D6C7DFDC589F}" vid="{4A3C46E8-61CC-4603-A589-7422A47A8E4A}"/>
+    </a:ext>
+  </a:extLst>
+</a:theme>
 </file>